--- a/slides/ddl-w5l1.pptx
+++ b/slides/ddl-w5l1.pptx
@@ -5,36 +5,39 @@
     <p:sldMasterId id="2147483649" r:id="rId1"/>
   </p:sldMasterIdLst>
   <p:notesMasterIdLst>
-    <p:notesMasterId r:id="rId26"/>
+    <p:notesMasterId r:id="rId29"/>
   </p:notesMasterIdLst>
   <p:handoutMasterIdLst>
-    <p:handoutMasterId r:id="rId27"/>
+    <p:handoutMasterId r:id="rId30"/>
   </p:handoutMasterIdLst>
   <p:sldIdLst>
     <p:sldId id="256" r:id="rId2"/>
     <p:sldId id="276" r:id="rId3"/>
     <p:sldId id="269" r:id="rId4"/>
     <p:sldId id="287" r:id="rId5"/>
-    <p:sldId id="268" r:id="rId6"/>
-    <p:sldId id="266" r:id="rId7"/>
-    <p:sldId id="286" r:id="rId8"/>
-    <p:sldId id="270" r:id="rId9"/>
-    <p:sldId id="259" r:id="rId10"/>
-    <p:sldId id="260" r:id="rId11"/>
-    <p:sldId id="261" r:id="rId12"/>
-    <p:sldId id="262" r:id="rId13"/>
-    <p:sldId id="263" r:id="rId14"/>
-    <p:sldId id="264" r:id="rId15"/>
-    <p:sldId id="288" r:id="rId16"/>
-    <p:sldId id="273" r:id="rId17"/>
-    <p:sldId id="274" r:id="rId18"/>
-    <p:sldId id="275" r:id="rId19"/>
-    <p:sldId id="279" r:id="rId20"/>
-    <p:sldId id="285" r:id="rId21"/>
-    <p:sldId id="284" r:id="rId22"/>
-    <p:sldId id="282" r:id="rId23"/>
-    <p:sldId id="281" r:id="rId24"/>
-    <p:sldId id="265" r:id="rId25"/>
+    <p:sldId id="291" r:id="rId6"/>
+    <p:sldId id="293" r:id="rId7"/>
+    <p:sldId id="289" r:id="rId8"/>
+    <p:sldId id="266" r:id="rId9"/>
+    <p:sldId id="286" r:id="rId10"/>
+    <p:sldId id="270" r:id="rId11"/>
+    <p:sldId id="259" r:id="rId12"/>
+    <p:sldId id="260" r:id="rId13"/>
+    <p:sldId id="261" r:id="rId14"/>
+    <p:sldId id="262" r:id="rId15"/>
+    <p:sldId id="263" r:id="rId16"/>
+    <p:sldId id="264" r:id="rId17"/>
+    <p:sldId id="288" r:id="rId18"/>
+    <p:sldId id="273" r:id="rId19"/>
+    <p:sldId id="274" r:id="rId20"/>
+    <p:sldId id="275" r:id="rId21"/>
+    <p:sldId id="279" r:id="rId22"/>
+    <p:sldId id="285" r:id="rId23"/>
+    <p:sldId id="284" r:id="rId24"/>
+    <p:sldId id="282" r:id="rId25"/>
+    <p:sldId id="281" r:id="rId26"/>
+    <p:sldId id="290" r:id="rId27"/>
+    <p:sldId id="265" r:id="rId28"/>
   </p:sldIdLst>
   <p:sldSz cx="9144000" cy="6858000" type="screen4x3"/>
   <p:notesSz cx="6858000" cy="9144000"/>
@@ -313,7 +316,7 @@
             <a:fld id="{373F1B60-BDF4-4D63-AD79-99D5A5B1DF99}" type="datetime1">
               <a:rPr lang="en-US"/>
               <a:pPr/>
-              <a:t>12/7/2018</a:t>
+              <a:t>12/9/2018</a:t>
             </a:fld>
             <a:endParaRPr lang="en-US"/>
           </a:p>
@@ -532,7 +535,7 @@
             <a:fld id="{4387A7AA-DFE9-4771-BEDE-3294FCEBFB02}" type="datetime1">
               <a:rPr lang="en-US"/>
               <a:pPr/>
-              <a:t>12/7/2018</a:t>
+              <a:t>12/9/2018</a:t>
             </a:fld>
             <a:endParaRPr lang="en-US"/>
           </a:p>
@@ -923,7 +926,7 @@
             <a:fld id="{8541E2CD-DBF4-40F9-B6F8-EEFD0DF8A138}" type="datetime1">
               <a:rPr lang="en-US"/>
               <a:pPr/>
-              <a:t>12/7/2018</a:t>
+              <a:t>12/9/2018</a:t>
             </a:fld>
             <a:endParaRPr lang="en-US"/>
           </a:p>
@@ -1138,7 +1141,7 @@
             <a:fld id="{93F21019-3A00-48AC-9663-40DF67A83229}" type="datetime1">
               <a:rPr lang="en-US"/>
               <a:pPr/>
-              <a:t>12/7/2018</a:t>
+              <a:t>12/9/2018</a:t>
             </a:fld>
             <a:endParaRPr lang="en-US">
               <a:solidFill>
@@ -1324,7 +1327,7 @@
             <a:fld id="{8B2EF9C8-0AC3-4A53-9A61-1834A571F420}" type="datetime1">
               <a:rPr lang="en-US"/>
               <a:pPr/>
-              <a:t>12/7/2018</a:t>
+              <a:t>12/9/2018</a:t>
             </a:fld>
             <a:endParaRPr lang="en-US" sz="1400">
               <a:solidFill>
@@ -1521,7 +1524,7 @@
             <a:fld id="{F02960F3-A385-4905-A491-FDC17E063DD1}" type="datetime1">
               <a:rPr lang="en-US"/>
               <a:pPr/>
-              <a:t>12/7/2018</a:t>
+              <a:t>12/9/2018</a:t>
             </a:fld>
             <a:endParaRPr lang="en-US" sz="1400">
               <a:solidFill>
@@ -1780,7 +1783,7 @@
             <a:fld id="{CD3AD70A-8E2A-47B5-AC18-ABBB5A8E737D}" type="datetime1">
               <a:rPr lang="en-US"/>
               <a:pPr/>
-              <a:t>12/7/2018</a:t>
+              <a:t>12/9/2018</a:t>
             </a:fld>
             <a:endParaRPr lang="en-US" sz="1400">
               <a:solidFill>
@@ -2016,7 +2019,7 @@
             <a:fld id="{07008C2E-9BD6-496B-BFC3-B4A975EBC85E}" type="datetime1">
               <a:rPr lang="en-US"/>
               <a:pPr/>
-              <a:t>12/7/2018</a:t>
+              <a:t>12/9/2018</a:t>
             </a:fld>
             <a:endParaRPr lang="en-US" sz="1400">
               <a:solidFill>
@@ -2195,7 +2198,7 @@
             <a:fld id="{1AA2C3CF-866C-4FDE-B76D-4E9536901630}" type="datetime1">
               <a:rPr lang="en-US"/>
               <a:pPr/>
-              <a:t>12/7/2018</a:t>
+              <a:t>12/9/2018</a:t>
             </a:fld>
             <a:endParaRPr lang="en-US" sz="1400">
               <a:solidFill>
@@ -2374,7 +2377,7 @@
             <a:fld id="{555EE259-FE08-4558-B721-B189FFE77284}" type="datetime1">
               <a:rPr lang="en-US"/>
               <a:pPr/>
-              <a:t>12/7/2018</a:t>
+              <a:t>12/9/2018</a:t>
             </a:fld>
             <a:endParaRPr lang="en-US" sz="1400">
               <a:solidFill>
@@ -2643,7 +2646,7 @@
             <a:fld id="{0AF4064E-5624-49AB-B7C6-E301A8F6B1FF}" type="datetime1">
               <a:rPr lang="en-US"/>
               <a:pPr/>
-              <a:t>12/7/2018</a:t>
+              <a:t>12/9/2018</a:t>
             </a:fld>
             <a:endParaRPr lang="en-US" sz="1400">
               <a:solidFill>
@@ -2840,7 +2843,7 @@
             <a:fld id="{CBC97FCD-6C54-4833-B032-BFBCDFA8379D}" type="datetime1">
               <a:rPr lang="en-US"/>
               <a:pPr/>
-              <a:t>12/7/2018</a:t>
+              <a:t>12/9/2018</a:t>
             </a:fld>
             <a:endParaRPr lang="en-US" sz="1400">
               <a:solidFill>
@@ -3049,7 +3052,7 @@
             <a:fld id="{F04AA577-515A-431F-98B6-3B03494ABB11}" type="datetime1">
               <a:rPr lang="en-US"/>
               <a:pPr/>
-              <a:t>12/7/2018</a:t>
+              <a:t>12/9/2018</a:t>
             </a:fld>
             <a:endParaRPr lang="en-US" sz="1400">
               <a:solidFill>
@@ -3354,7 +3357,7 @@
             <a:fld id="{6475F1A4-C474-4345-A800-2F40B0E4E70C}" type="datetime1">
               <a:rPr lang="en-US"/>
               <a:pPr/>
-              <a:t>12/7/2018</a:t>
+              <a:t>12/9/2018</a:t>
             </a:fld>
             <a:endParaRPr lang="en-US" sz="1400">
               <a:solidFill>
@@ -3798,7 +3801,7 @@
             <a:fld id="{7BA535AB-820E-4207-9DA8-5F37106C7AF4}" type="datetime1">
               <a:rPr lang="en-US"/>
               <a:pPr/>
-              <a:t>12/7/2018</a:t>
+              <a:t>12/9/2018</a:t>
             </a:fld>
             <a:endParaRPr lang="en-US" sz="1400">
               <a:solidFill>
@@ -3933,7 +3936,7 @@
             <a:fld id="{0A7E69FA-D7EE-42C0-9117-1971B541885F}" type="datetime1">
               <a:rPr lang="en-US"/>
               <a:pPr/>
-              <a:t>12/7/2018</a:t>
+              <a:t>12/9/2018</a:t>
             </a:fld>
             <a:endParaRPr lang="en-US" sz="1400">
               <a:solidFill>
@@ -4045,7 +4048,7 @@
             <a:fld id="{10D7644E-1B5D-4325-BA79-338DF2B89B56}" type="datetime1">
               <a:rPr lang="en-US"/>
               <a:pPr/>
-              <a:t>12/7/2018</a:t>
+              <a:t>12/9/2018</a:t>
             </a:fld>
             <a:endParaRPr lang="en-US" sz="1400">
               <a:solidFill>
@@ -4339,7 +4342,7 @@
             <a:fld id="{B790C882-0B74-4932-8998-E9ABB8AF1740}" type="datetime1">
               <a:rPr lang="en-US"/>
               <a:pPr/>
-              <a:t>12/7/2018</a:t>
+              <a:t>12/9/2018</a:t>
             </a:fld>
             <a:endParaRPr lang="en-US" sz="1400">
               <a:solidFill>
@@ -4609,7 +4612,7 @@
             <a:fld id="{9DC585DC-AE7D-44C1-90AB-C3A391DEA065}" type="datetime1">
               <a:rPr lang="en-US"/>
               <a:pPr/>
-              <a:t>12/7/2018</a:t>
+              <a:t>12/9/2018</a:t>
             </a:fld>
             <a:endParaRPr lang="en-US" sz="1400">
               <a:solidFill>
@@ -4873,7 +4876,7 @@
             <a:fld id="{256CE565-1940-4E5F-9190-C0815CEAAA9D}" type="datetime1">
               <a:rPr lang="en-US"/>
               <a:pPr/>
-              <a:t>12/7/2018</a:t>
+              <a:t>12/9/2018</a:t>
             </a:fld>
             <a:endParaRPr lang="en-US"/>
           </a:p>
@@ -5562,6 +5565,338 @@
           <a:p>
             <a:r>
               <a:rPr lang="nl-NL" dirty="0" smtClean="0"/>
+              <a:t>Topics</a:t>
+            </a:r>
+            <a:endParaRPr lang="nl-NL" dirty="0"/>
+          </a:p>
+        </p:txBody>
+      </p:sp>
+      <p:sp>
+        <p:nvSpPr>
+          <p:cNvPr id="3" name="Tijdelijke aanduiding voor inhoud 2"/>
+          <p:cNvSpPr>
+            <a:spLocks noGrp="1"/>
+          </p:cNvSpPr>
+          <p:nvPr>
+            <p:ph idx="1"/>
+          </p:nvPr>
+        </p:nvSpPr>
+        <p:spPr>
+          <a:xfrm>
+            <a:off x="755576" y="1700808"/>
+            <a:ext cx="7881938" cy="4745915"/>
+          </a:xfrm>
+        </p:spPr>
+        <p:txBody>
+          <a:bodyPr/>
+          <a:lstStyle/>
+          <a:p>
+            <a:r>
+              <a:rPr lang="nl-NL" sz="2400" dirty="0" smtClean="0"/>
+              <a:t>Excel training</a:t>
+            </a:r>
+          </a:p>
+          <a:p>
+            <a:endParaRPr lang="nl-NL" sz="2400" dirty="0"/>
+          </a:p>
+          <a:p>
+            <a:r>
+              <a:rPr lang="nl-NL" sz="2400" dirty="0" smtClean="0"/>
+              <a:t>Correlation</a:t>
+            </a:r>
+          </a:p>
+          <a:p>
+            <a:endParaRPr lang="nl-NL" sz="2400" dirty="0"/>
+          </a:p>
+          <a:p>
+            <a:r>
+              <a:rPr lang="nl-NL" sz="2400" dirty="0" smtClean="0"/>
+              <a:t>Simple </a:t>
+            </a:r>
+            <a:r>
+              <a:rPr lang="nl-NL" sz="2400" dirty="0" err="1" smtClean="0"/>
+              <a:t>linear</a:t>
+            </a:r>
+            <a:r>
+              <a:rPr lang="nl-NL" sz="2400" dirty="0" smtClean="0"/>
+              <a:t> </a:t>
+            </a:r>
+            <a:r>
+              <a:rPr lang="nl-NL" sz="2400" dirty="0" err="1" smtClean="0"/>
+              <a:t>regression</a:t>
+            </a:r>
+            <a:endParaRPr lang="nl-NL" sz="2400" dirty="0"/>
+          </a:p>
+          <a:p>
+            <a:endParaRPr lang="nl-NL" sz="2400" dirty="0" smtClean="0"/>
+          </a:p>
+          <a:p>
+            <a:pPr marL="0" indent="0">
+              <a:buNone/>
+            </a:pPr>
+            <a:endParaRPr lang="nl-NL" dirty="0"/>
+          </a:p>
+          <a:p>
+            <a:endParaRPr lang="nl-NL" dirty="0" smtClean="0"/>
+          </a:p>
+          <a:p>
+            <a:endParaRPr lang="nl-NL" dirty="0"/>
+          </a:p>
+          <a:p>
+            <a:endParaRPr lang="nl-NL" dirty="0"/>
+          </a:p>
+        </p:txBody>
+      </p:sp>
+    </p:spTree>
+    <p:extLst>
+      <p:ext uri="{BB962C8B-B14F-4D97-AF65-F5344CB8AC3E}">
+        <p14:creationId xmlns:p14="http://schemas.microsoft.com/office/powerpoint/2010/main" val="3193507491"/>
+      </p:ext>
+    </p:extLst>
+  </p:cSld>
+  <p:clrMapOvr>
+    <a:masterClrMapping/>
+  </p:clrMapOvr>
+  <p:timing>
+    <p:tnLst>
+      <p:par>
+        <p:cTn id="1" dur="indefinite" restart="never" nodeType="tmRoot"/>
+      </p:par>
+    </p:tnLst>
+  </p:timing>
+</p:sld>
+</file>
+
+<file path=ppt/slides/slide11.xml><?xml version="1.0" encoding="utf-8"?>
+<p:sld xmlns:a="http://schemas.openxmlformats.org/drawingml/2006/main" xmlns:r="http://schemas.openxmlformats.org/officeDocument/2006/relationships" xmlns:p="http://schemas.openxmlformats.org/presentationml/2006/main">
+  <p:cSld>
+    <p:spTree>
+      <p:nvGrpSpPr>
+        <p:cNvPr id="1" name=""/>
+        <p:cNvGrpSpPr/>
+        <p:nvPr/>
+      </p:nvGrpSpPr>
+      <p:grpSpPr>
+        <a:xfrm>
+          <a:off x="0" y="0"/>
+          <a:ext cx="0" cy="0"/>
+          <a:chOff x="0" y="0"/>
+          <a:chExt cx="0" cy="0"/>
+        </a:xfrm>
+      </p:grpSpPr>
+      <p:sp>
+        <p:nvSpPr>
+          <p:cNvPr id="2" name="Titel 1"/>
+          <p:cNvSpPr>
+            <a:spLocks noGrp="1"/>
+          </p:cNvSpPr>
+          <p:nvPr>
+            <p:ph type="title"/>
+          </p:nvPr>
+        </p:nvSpPr>
+        <p:spPr>
+          <a:xfrm>
+            <a:off x="838200" y="234931"/>
+            <a:ext cx="6172200" cy="954107"/>
+          </a:xfrm>
+        </p:spPr>
+        <p:txBody>
+          <a:bodyPr/>
+          <a:lstStyle/>
+          <a:p>
+            <a:r>
+              <a:rPr lang="nl-NL" sz="2800" dirty="0" err="1" smtClean="0"/>
+              <a:t>Relation</a:t>
+            </a:r>
+            <a:r>
+              <a:rPr lang="nl-NL" sz="2800" dirty="0" smtClean="0"/>
+              <a:t> </a:t>
+            </a:r>
+            <a:r>
+              <a:rPr lang="nl-NL" sz="2800" dirty="0" err="1" smtClean="0"/>
+              <a:t>between</a:t>
+            </a:r>
+            <a:r>
+              <a:rPr lang="nl-NL" sz="2800" dirty="0" smtClean="0"/>
+              <a:t> </a:t>
+            </a:r>
+            <a:r>
+              <a:rPr lang="nl-NL" sz="2800" dirty="0" err="1" smtClean="0"/>
+              <a:t>two</a:t>
+            </a:r>
+            <a:r>
+              <a:rPr lang="nl-NL" sz="2800" dirty="0" smtClean="0"/>
+              <a:t> </a:t>
+            </a:r>
+            <a:r>
+              <a:rPr lang="nl-NL" sz="2800" dirty="0" err="1" smtClean="0"/>
+              <a:t>quantitative</a:t>
+            </a:r>
+            <a:r>
+              <a:rPr lang="nl-NL" sz="2800" dirty="0" smtClean="0"/>
+              <a:t> variables: </a:t>
+            </a:r>
+            <a:r>
+              <a:rPr lang="nl-NL" sz="2800" dirty="0" err="1" smtClean="0"/>
+              <a:t>scatterplot</a:t>
+            </a:r>
+            <a:endParaRPr lang="nl-NL" sz="2800" dirty="0"/>
+          </a:p>
+        </p:txBody>
+      </p:sp>
+      <p:pic>
+        <p:nvPicPr>
+          <p:cNvPr id="4" name="Picture 2" descr="http://i.stack.imgur.com/TWQaB.jpg"/>
+          <p:cNvPicPr>
+            <a:picLocks noChangeAspect="1" noChangeArrowheads="1"/>
+          </p:cNvPicPr>
+          <p:nvPr/>
+        </p:nvPicPr>
+        <p:blipFill>
+          <a:blip r:embed="rId2">
+            <a:extLst>
+              <a:ext uri="{28A0092B-C50C-407E-A947-70E740481C1C}">
+                <a14:useLocalDpi xmlns:a14="http://schemas.microsoft.com/office/drawing/2010/main" val="0"/>
+              </a:ext>
+            </a:extLst>
+          </a:blip>
+          <a:srcRect/>
+          <a:stretch>
+            <a:fillRect/>
+          </a:stretch>
+        </p:blipFill>
+        <p:spPr bwMode="auto">
+          <a:xfrm>
+            <a:off x="2095500" y="1412776"/>
+            <a:ext cx="4914900" cy="4305301"/>
+          </a:xfrm>
+          <a:prstGeom prst="rect">
+            <a:avLst/>
+          </a:prstGeom>
+          <a:noFill/>
+          <a:extLst>
+            <a:ext uri="{909E8E84-426E-40DD-AFC4-6F175D3DCCD1}">
+              <a14:hiddenFill xmlns:a14="http://schemas.microsoft.com/office/drawing/2010/main">
+                <a:solidFill>
+                  <a:srgbClr val="FFFFFF"/>
+                </a:solidFill>
+              </a14:hiddenFill>
+            </a:ext>
+          </a:extLst>
+        </p:spPr>
+      </p:pic>
+      <p:sp>
+        <p:nvSpPr>
+          <p:cNvPr id="5" name="Tekstvak 4"/>
+          <p:cNvSpPr txBox="1"/>
+          <p:nvPr/>
+        </p:nvSpPr>
+        <p:spPr>
+          <a:xfrm>
+            <a:off x="1951484" y="5877272"/>
+            <a:ext cx="6810582" cy="646331"/>
+          </a:xfrm>
+          <a:prstGeom prst="rect">
+            <a:avLst/>
+          </a:prstGeom>
+          <a:noFill/>
+        </p:spPr>
+        <p:txBody>
+          <a:bodyPr wrap="none" rtlCol="0">
+            <a:spAutoFit/>
+          </a:bodyPr>
+          <a:lstStyle/>
+          <a:p>
+            <a:r>
+              <a:rPr lang="en-US" dirty="0" smtClean="0">
+                <a:hlinkClick r:id="rId3"/>
+              </a:rPr>
+              <a:t>Does chocolate consumption really boost Nobel Award chances?</a:t>
+            </a:r>
+          </a:p>
+          <a:p>
+            <a:r>
+              <a:rPr lang="nl-NL" dirty="0" err="1" smtClean="0">
+                <a:hlinkClick r:id="rId3"/>
+              </a:rPr>
+              <a:t>Maurage</a:t>
+            </a:r>
+            <a:r>
+              <a:rPr lang="nl-NL" dirty="0" smtClean="0">
+                <a:hlinkClick r:id="rId3"/>
+              </a:rPr>
+              <a:t>, Heeren, &amp; </a:t>
+            </a:r>
+            <a:r>
+              <a:rPr lang="nl-NL" dirty="0" err="1" smtClean="0">
+                <a:hlinkClick r:id="rId3"/>
+              </a:rPr>
+              <a:t>Pesenti</a:t>
+            </a:r>
+            <a:r>
+              <a:rPr lang="nl-NL" dirty="0" smtClean="0">
+                <a:hlinkClick r:id="rId3"/>
+              </a:rPr>
+              <a:t> (2013)</a:t>
+            </a:r>
+            <a:endParaRPr lang="en-US" dirty="0"/>
+          </a:p>
+        </p:txBody>
+      </p:sp>
+    </p:spTree>
+    <p:extLst>
+      <p:ext uri="{BB962C8B-B14F-4D97-AF65-F5344CB8AC3E}">
+        <p14:creationId xmlns:p14="http://schemas.microsoft.com/office/powerpoint/2010/main" val="2530842157"/>
+      </p:ext>
+    </p:extLst>
+  </p:cSld>
+  <p:clrMapOvr>
+    <a:masterClrMapping/>
+  </p:clrMapOvr>
+  <p:timing>
+    <p:tnLst>
+      <p:par>
+        <p:cTn id="1" dur="indefinite" restart="never" nodeType="tmRoot"/>
+      </p:par>
+    </p:tnLst>
+  </p:timing>
+</p:sld>
+</file>
+
+<file path=ppt/slides/slide12.xml><?xml version="1.0" encoding="utf-8"?>
+<p:sld xmlns:a="http://schemas.openxmlformats.org/drawingml/2006/main" xmlns:r="http://schemas.openxmlformats.org/officeDocument/2006/relationships" xmlns:p="http://schemas.openxmlformats.org/presentationml/2006/main">
+  <p:cSld>
+    <p:spTree>
+      <p:nvGrpSpPr>
+        <p:cNvPr id="1" name=""/>
+        <p:cNvGrpSpPr/>
+        <p:nvPr/>
+      </p:nvGrpSpPr>
+      <p:grpSpPr>
+        <a:xfrm>
+          <a:off x="0" y="0"/>
+          <a:ext cx="0" cy="0"/>
+          <a:chOff x="0" y="0"/>
+          <a:chExt cx="0" cy="0"/>
+        </a:xfrm>
+      </p:grpSpPr>
+      <p:sp>
+        <p:nvSpPr>
+          <p:cNvPr id="2" name="Titel 1"/>
+          <p:cNvSpPr>
+            <a:spLocks noGrp="1"/>
+          </p:cNvSpPr>
+          <p:nvPr>
+            <p:ph type="title"/>
+          </p:nvPr>
+        </p:nvSpPr>
+        <p:spPr/>
+        <p:txBody>
+          <a:bodyPr/>
+          <a:lstStyle/>
+          <a:p>
+            <a:r>
+              <a:rPr lang="nl-NL" dirty="0" smtClean="0"/>
               <a:t>Scatterplot matrix</a:t>
             </a:r>
             <a:endParaRPr lang="nl-NL" dirty="0"/>
@@ -12735,7 +13070,7 @@
 </p:sld>
 </file>
 
-<file path=ppt/slides/slide11.xml><?xml version="1.0" encoding="utf-8"?>
+<file path=ppt/slides/slide13.xml><?xml version="1.0" encoding="utf-8"?>
 <p:sld xmlns:a="http://schemas.openxmlformats.org/drawingml/2006/main" xmlns:r="http://schemas.openxmlformats.org/officeDocument/2006/relationships" xmlns:p="http://schemas.openxmlformats.org/presentationml/2006/main">
   <p:cSld>
     <p:spTree>
@@ -12915,7 +13250,7 @@
 </p:sld>
 </file>
 
-<file path=ppt/slides/slide12.xml><?xml version="1.0" encoding="utf-8"?>
+<file path=ppt/slides/slide14.xml><?xml version="1.0" encoding="utf-8"?>
 <p:sld xmlns:a="http://schemas.openxmlformats.org/drawingml/2006/main" xmlns:r="http://schemas.openxmlformats.org/officeDocument/2006/relationships" xmlns:p="http://schemas.openxmlformats.org/presentationml/2006/main">
   <p:cSld>
     <p:spTree>
@@ -13360,7 +13695,7 @@
 </p:sld>
 </file>
 
-<file path=ppt/slides/slide13.xml><?xml version="1.0" encoding="utf-8"?>
+<file path=ppt/slides/slide15.xml><?xml version="1.0" encoding="utf-8"?>
 <p:sld xmlns:a="http://schemas.openxmlformats.org/drawingml/2006/main" xmlns:r="http://schemas.openxmlformats.org/officeDocument/2006/relationships" xmlns:p="http://schemas.openxmlformats.org/presentationml/2006/main">
   <p:cSld>
     <p:spTree>
@@ -13522,7 +13857,7 @@
 </p:sld>
 </file>
 
-<file path=ppt/slides/slide14.xml><?xml version="1.0" encoding="utf-8"?>
+<file path=ppt/slides/slide16.xml><?xml version="1.0" encoding="utf-8"?>
 <p:sld xmlns:a="http://schemas.openxmlformats.org/drawingml/2006/main" xmlns:r="http://schemas.openxmlformats.org/officeDocument/2006/relationships" xmlns:p="http://schemas.openxmlformats.org/presentationml/2006/main">
   <p:cSld>
     <p:spTree>
@@ -13670,7 +14005,7 @@
         <p:spPr bwMode="auto">
           <a:xfrm>
             <a:off x="683568" y="1700808"/>
-            <a:ext cx="7881938" cy="6167842"/>
+            <a:ext cx="7881938" cy="6641818"/>
           </a:xfrm>
           <a:prstGeom prst="rect">
             <a:avLst/>
@@ -13982,13 +14317,34 @@
                 <a:latin typeface="Courier New" panose="02070309020205020404" pitchFamily="49" charset="0"/>
                 <a:cs typeface="Courier New" panose="02070309020205020404" pitchFamily="49" charset="0"/>
               </a:rPr>
-              <a:t>variables in the class data set </a:t>
+              <a:t>variables in the </a:t>
             </a:r>
             <a:r>
               <a:rPr lang="nl-NL" sz="1400" kern="0" dirty="0" err="1" smtClean="0">
                 <a:latin typeface="Courier New" panose="02070309020205020404" pitchFamily="49" charset="0"/>
                 <a:cs typeface="Courier New" panose="02070309020205020404" pitchFamily="49" charset="0"/>
               </a:rPr>
+              <a:t>Funda</a:t>
+            </a:r>
+            <a:r>
+              <a:rPr lang="nl-NL" sz="1400" kern="0" dirty="0" smtClean="0">
+                <a:latin typeface="Courier New" panose="02070309020205020404" pitchFamily="49" charset="0"/>
+                <a:cs typeface="Courier New" panose="02070309020205020404" pitchFamily="49" charset="0"/>
+              </a:rPr>
+              <a:t> </a:t>
+            </a:r>
+            <a:r>
+              <a:rPr lang="nl-NL" sz="1400" kern="0" dirty="0" smtClean="0">
+                <a:latin typeface="Courier New" panose="02070309020205020404" pitchFamily="49" charset="0"/>
+                <a:cs typeface="Courier New" panose="02070309020205020404" pitchFamily="49" charset="0"/>
+              </a:rPr>
+              <a:t>data set </a:t>
+            </a:r>
+            <a:r>
+              <a:rPr lang="nl-NL" sz="1400" kern="0" dirty="0" err="1" smtClean="0">
+                <a:latin typeface="Courier New" panose="02070309020205020404" pitchFamily="49" charset="0"/>
+                <a:cs typeface="Courier New" panose="02070309020205020404" pitchFamily="49" charset="0"/>
+              </a:rPr>
               <a:t>that</a:t>
             </a:r>
             <a:r>
@@ -14032,6 +14388,34 @@
                 <a:cs typeface="Courier New" panose="02070309020205020404" pitchFamily="49" charset="0"/>
               </a:rPr>
               <a:t>correlated</a:t>
+            </a:r>
+            <a:r>
+              <a:rPr lang="nl-NL" sz="1400" kern="0" dirty="0" smtClean="0">
+                <a:latin typeface="Courier New" panose="02070309020205020404" pitchFamily="49" charset="0"/>
+                <a:cs typeface="Courier New" panose="02070309020205020404" pitchFamily="49" charset="0"/>
+              </a:rPr>
+              <a:t>. </a:t>
+            </a:r>
+            <a:r>
+              <a:rPr lang="nl-NL" sz="1400" kern="0" dirty="0" err="1" smtClean="0">
+                <a:latin typeface="Courier New" panose="02070309020205020404" pitchFamily="49" charset="0"/>
+                <a:cs typeface="Courier New" panose="02070309020205020404" pitchFamily="49" charset="0"/>
+              </a:rPr>
+              <a:t>Include</a:t>
+            </a:r>
+            <a:r>
+              <a:rPr lang="nl-NL" sz="1400" kern="0" dirty="0" smtClean="0">
+                <a:latin typeface="Courier New" panose="02070309020205020404" pitchFamily="49" charset="0"/>
+                <a:cs typeface="Courier New" panose="02070309020205020404" pitchFamily="49" charset="0"/>
+              </a:rPr>
+              <a:t> </a:t>
+            </a:r>
+            <a:r>
+              <a:rPr lang="nl-NL" sz="1400" i="1" kern="0" dirty="0" err="1" smtClean="0">
+                <a:latin typeface="Courier New" panose="02070309020205020404" pitchFamily="49" charset="0"/>
+                <a:cs typeface="Courier New" panose="02070309020205020404" pitchFamily="49" charset="0"/>
+              </a:rPr>
+              <a:t>price</a:t>
             </a:r>
             <a:endParaRPr lang="nl-NL" sz="1400" kern="0" dirty="0" smtClean="0">
               <a:latin typeface="Courier New" panose="02070309020205020404" pitchFamily="49" charset="0"/>
@@ -14049,8 +14433,107 @@
             </a:endParaRPr>
           </a:p>
           <a:p>
+            <a:r>
+              <a:rPr lang="nl-NL" sz="1400" kern="0" dirty="0" err="1" smtClean="0">
+                <a:latin typeface="Courier New" panose="02070309020205020404" pitchFamily="49" charset="0"/>
+                <a:cs typeface="Courier New" panose="02070309020205020404" pitchFamily="49" charset="0"/>
+              </a:rPr>
+              <a:t>Remember</a:t>
+            </a:r>
+            <a:r>
+              <a:rPr lang="nl-NL" sz="1400" kern="0" dirty="0" smtClean="0">
+                <a:latin typeface="Courier New" panose="02070309020205020404" pitchFamily="49" charset="0"/>
+                <a:cs typeface="Courier New" panose="02070309020205020404" pitchFamily="49" charset="0"/>
+              </a:rPr>
+              <a:t> </a:t>
+            </a:r>
+            <a:r>
+              <a:rPr lang="nl-NL" sz="1400" kern="0" dirty="0" err="1" smtClean="0">
+                <a:latin typeface="Courier New" panose="02070309020205020404" pitchFamily="49" charset="0"/>
+                <a:cs typeface="Courier New" panose="02070309020205020404" pitchFamily="49" charset="0"/>
+              </a:rPr>
+              <a:t>that</a:t>
+            </a:r>
+            <a:r>
+              <a:rPr lang="nl-NL" sz="1400" kern="0" dirty="0" smtClean="0">
+                <a:latin typeface="Courier New" panose="02070309020205020404" pitchFamily="49" charset="0"/>
+                <a:cs typeface="Courier New" panose="02070309020205020404" pitchFamily="49" charset="0"/>
+              </a:rPr>
+              <a:t> </a:t>
+            </a:r>
+            <a:r>
+              <a:rPr lang="nl-NL" sz="1400" kern="0" dirty="0" err="1" smtClean="0">
+                <a:latin typeface="Courier New" panose="02070309020205020404" pitchFamily="49" charset="0"/>
+                <a:cs typeface="Courier New" panose="02070309020205020404" pitchFamily="49" charset="0"/>
+              </a:rPr>
+              <a:t>you</a:t>
+            </a:r>
+            <a:r>
+              <a:rPr lang="nl-NL" sz="1400" kern="0" dirty="0" smtClean="0">
+                <a:latin typeface="Courier New" panose="02070309020205020404" pitchFamily="49" charset="0"/>
+                <a:cs typeface="Courier New" panose="02070309020205020404" pitchFamily="49" charset="0"/>
+              </a:rPr>
+              <a:t> </a:t>
+            </a:r>
+            <a:r>
+              <a:rPr lang="nl-NL" sz="1400" kern="0" dirty="0" err="1" smtClean="0">
+                <a:latin typeface="Courier New" panose="02070309020205020404" pitchFamily="49" charset="0"/>
+                <a:cs typeface="Courier New" panose="02070309020205020404" pitchFamily="49" charset="0"/>
+              </a:rPr>
+              <a:t>can</a:t>
+            </a:r>
+            <a:r>
+              <a:rPr lang="nl-NL" sz="1400" kern="0" dirty="0" smtClean="0">
+                <a:latin typeface="Courier New" panose="02070309020205020404" pitchFamily="49" charset="0"/>
+                <a:cs typeface="Courier New" panose="02070309020205020404" pitchFamily="49" charset="0"/>
+              </a:rPr>
+              <a:t> select columns in </a:t>
+            </a:r>
+            <a:r>
+              <a:rPr lang="nl-NL" sz="1400" kern="0" dirty="0" err="1" smtClean="0">
+                <a:latin typeface="Courier New" panose="02070309020205020404" pitchFamily="49" charset="0"/>
+                <a:cs typeface="Courier New" panose="02070309020205020404" pitchFamily="49" charset="0"/>
+              </a:rPr>
+              <a:t>Pandas</a:t>
+            </a:r>
+            <a:r>
+              <a:rPr lang="nl-NL" sz="1400" kern="0" dirty="0" smtClean="0">
+                <a:latin typeface="Courier New" panose="02070309020205020404" pitchFamily="49" charset="0"/>
+                <a:cs typeface="Courier New" panose="02070309020205020404" pitchFamily="49" charset="0"/>
+              </a:rPr>
+              <a:t> </a:t>
+            </a:r>
+            <a:r>
+              <a:rPr lang="nl-NL" sz="1400" kern="0" dirty="0" err="1" smtClean="0">
+                <a:latin typeface="Courier New" panose="02070309020205020404" pitchFamily="49" charset="0"/>
+                <a:cs typeface="Courier New" panose="02070309020205020404" pitchFamily="49" charset="0"/>
+              </a:rPr>
+              <a:t>by</a:t>
+            </a:r>
+            <a:r>
+              <a:rPr lang="nl-NL" sz="1400" kern="0" dirty="0" smtClean="0">
+                <a:latin typeface="Courier New" panose="02070309020205020404" pitchFamily="49" charset="0"/>
+                <a:cs typeface="Courier New" panose="02070309020205020404" pitchFamily="49" charset="0"/>
+              </a:rPr>
+              <a:t> </a:t>
+            </a:r>
+            <a:r>
+              <a:rPr lang="nl-NL" sz="1400" kern="0" dirty="0" err="1" smtClean="0">
+                <a:latin typeface="Courier New" panose="02070309020205020404" pitchFamily="49" charset="0"/>
+                <a:cs typeface="Courier New" panose="02070309020205020404" pitchFamily="49" charset="0"/>
+              </a:rPr>
+              <a:t>using</a:t>
+            </a:r>
+            <a:r>
+              <a:rPr lang="nl-NL" sz="1400" kern="0" dirty="0" smtClean="0">
+                <a:latin typeface="Courier New" panose="02070309020205020404" pitchFamily="49" charset="0"/>
+                <a:cs typeface="Courier New" panose="02070309020205020404" pitchFamily="49" charset="0"/>
+              </a:rPr>
+              <a:t>: </a:t>
+            </a:r>
+          </a:p>
+          <a:p>
             <a:pPr marL="0" indent="0">
-              <a:buFont typeface="Zapf Dingbats" charset="2"/>
               <a:buNone/>
             </a:pPr>
             <a:r>
@@ -14058,7 +14541,7 @@
                 <a:latin typeface="Courier New" panose="02070309020205020404" pitchFamily="49" charset="0"/>
                 <a:cs typeface="Courier New" panose="02070309020205020404" pitchFamily="49" charset="0"/>
               </a:rPr>
-              <a:t>Remember</a:t>
+              <a:t>df_subset</a:t>
             </a:r>
             <a:r>
               <a:rPr lang="nl-NL" sz="1400" kern="0" dirty="0" smtClean="0">
@@ -14068,10 +14551,54 @@
               <a:t> </a:t>
             </a:r>
             <a:r>
+              <a:rPr lang="nl-NL" sz="1400" kern="0" dirty="0" smtClean="0">
+                <a:latin typeface="Courier New" panose="02070309020205020404" pitchFamily="49" charset="0"/>
+                <a:cs typeface="Courier New" panose="02070309020205020404" pitchFamily="49" charset="0"/>
+              </a:rPr>
+              <a:t>= </a:t>
+            </a:r>
+            <a:r>
               <a:rPr lang="nl-NL" sz="1400" kern="0" dirty="0" err="1" smtClean="0">
                 <a:latin typeface="Courier New" panose="02070309020205020404" pitchFamily="49" charset="0"/>
                 <a:cs typeface="Courier New" panose="02070309020205020404" pitchFamily="49" charset="0"/>
               </a:rPr>
+              <a:t>df</a:t>
+            </a:r>
+            <a:r>
+              <a:rPr lang="nl-NL" sz="1400" kern="0" dirty="0" smtClean="0">
+                <a:latin typeface="Courier New" panose="02070309020205020404" pitchFamily="49" charset="0"/>
+                <a:cs typeface="Courier New" panose="02070309020205020404" pitchFamily="49" charset="0"/>
+              </a:rPr>
+              <a:t>[[‘col_name1’, ‘col_name2’, ‘col_name3</a:t>
+            </a:r>
+            <a:r>
+              <a:rPr lang="nl-NL" sz="1400" kern="0" dirty="0" smtClean="0">
+                <a:latin typeface="Courier New" panose="02070309020205020404" pitchFamily="49" charset="0"/>
+                <a:cs typeface="Courier New" panose="02070309020205020404" pitchFamily="49" charset="0"/>
+              </a:rPr>
+              <a:t>’]]</a:t>
+            </a:r>
+          </a:p>
+          <a:p>
+            <a:r>
+              <a:rPr lang="nl-NL" sz="1400" kern="0" dirty="0" err="1" smtClean="0">
+                <a:latin typeface="Courier New" panose="02070309020205020404" pitchFamily="49" charset="0"/>
+                <a:cs typeface="Courier New" panose="02070309020205020404" pitchFamily="49" charset="0"/>
+              </a:rPr>
+              <a:t>Note</a:t>
+            </a:r>
+            <a:r>
+              <a:rPr lang="nl-NL" sz="1400" kern="0" dirty="0" smtClean="0">
+                <a:latin typeface="Courier New" panose="02070309020205020404" pitchFamily="49" charset="0"/>
+                <a:cs typeface="Courier New" panose="02070309020205020404" pitchFamily="49" charset="0"/>
+              </a:rPr>
+              <a:t> </a:t>
+            </a:r>
+            <a:r>
+              <a:rPr lang="nl-NL" sz="1400" kern="0" dirty="0" err="1" smtClean="0">
+                <a:latin typeface="Courier New" panose="02070309020205020404" pitchFamily="49" charset="0"/>
+                <a:cs typeface="Courier New" panose="02070309020205020404" pitchFamily="49" charset="0"/>
+              </a:rPr>
               <a:t>that</a:t>
             </a:r>
             <a:r>
@@ -14100,21 +14627,21 @@
                 <a:latin typeface="Courier New" panose="02070309020205020404" pitchFamily="49" charset="0"/>
                 <a:cs typeface="Courier New" panose="02070309020205020404" pitchFamily="49" charset="0"/>
               </a:rPr>
-              <a:t>can</a:t>
+              <a:t>need</a:t>
             </a:r>
             <a:r>
               <a:rPr lang="nl-NL" sz="1400" kern="0" dirty="0" smtClean="0">
                 <a:latin typeface="Courier New" panose="02070309020205020404" pitchFamily="49" charset="0"/>
                 <a:cs typeface="Courier New" panose="02070309020205020404" pitchFamily="49" charset="0"/>
               </a:rPr>
-              <a:t> select columns in </a:t>
+              <a:t> </a:t>
             </a:r>
             <a:r>
               <a:rPr lang="nl-NL" sz="1400" kern="0" dirty="0" err="1" smtClean="0">
                 <a:latin typeface="Courier New" panose="02070309020205020404" pitchFamily="49" charset="0"/>
                 <a:cs typeface="Courier New" panose="02070309020205020404" pitchFamily="49" charset="0"/>
               </a:rPr>
-              <a:t>Pandas</a:t>
+              <a:t>to</a:t>
             </a:r>
             <a:r>
               <a:rPr lang="nl-NL" sz="1400" kern="0" dirty="0" smtClean="0">
@@ -14128,13 +14655,83 @@
                 <a:latin typeface="Courier New" panose="02070309020205020404" pitchFamily="49" charset="0"/>
                 <a:cs typeface="Courier New" panose="02070309020205020404" pitchFamily="49" charset="0"/>
               </a:rPr>
-              <a:t>by</a:t>
+              <a:t>some</a:t>
             </a:r>
             <a:r>
               <a:rPr lang="nl-NL" sz="1400" kern="0" dirty="0" smtClean="0">
                 <a:latin typeface="Courier New" panose="02070309020205020404" pitchFamily="49" charset="0"/>
                 <a:cs typeface="Courier New" panose="02070309020205020404" pitchFamily="49" charset="0"/>
               </a:rPr>
+              <a:t> pre-processing on </a:t>
+            </a:r>
+            <a:r>
+              <a:rPr lang="nl-NL" sz="1400" kern="0" dirty="0" err="1" smtClean="0">
+                <a:latin typeface="Courier New" panose="02070309020205020404" pitchFamily="49" charset="0"/>
+                <a:cs typeface="Courier New" panose="02070309020205020404" pitchFamily="49" charset="0"/>
+              </a:rPr>
+              <a:t>price</a:t>
+            </a:r>
+            <a:r>
+              <a:rPr lang="nl-NL" sz="1400" kern="0" dirty="0" smtClean="0">
+                <a:latin typeface="Courier New" panose="02070309020205020404" pitchFamily="49" charset="0"/>
+                <a:cs typeface="Courier New" panose="02070309020205020404" pitchFamily="49" charset="0"/>
+              </a:rPr>
+              <a:t>. </a:t>
+            </a:r>
+            <a:r>
+              <a:rPr lang="nl-NL" sz="1400" kern="0" dirty="0" err="1" smtClean="0">
+                <a:latin typeface="Courier New" panose="02070309020205020404" pitchFamily="49" charset="0"/>
+                <a:cs typeface="Courier New" panose="02070309020205020404" pitchFamily="49" charset="0"/>
+              </a:rPr>
+              <a:t>What</a:t>
+            </a:r>
+            <a:r>
+              <a:rPr lang="nl-NL" sz="1400" kern="0" dirty="0" smtClean="0">
+                <a:latin typeface="Courier New" panose="02070309020205020404" pitchFamily="49" charset="0"/>
+                <a:cs typeface="Courier New" panose="02070309020205020404" pitchFamily="49" charset="0"/>
+              </a:rPr>
+              <a:t> is </a:t>
+            </a:r>
+            <a:r>
+              <a:rPr lang="nl-NL" sz="1400" kern="0" dirty="0" err="1" smtClean="0">
+                <a:latin typeface="Courier New" panose="02070309020205020404" pitchFamily="49" charset="0"/>
+                <a:cs typeface="Courier New" panose="02070309020205020404" pitchFamily="49" charset="0"/>
+              </a:rPr>
+              <a:t>it</a:t>
+            </a:r>
+            <a:r>
+              <a:rPr lang="nl-NL" sz="1400" kern="0" dirty="0" smtClean="0">
+                <a:latin typeface="Courier New" panose="02070309020205020404" pitchFamily="49" charset="0"/>
+                <a:cs typeface="Courier New" panose="02070309020205020404" pitchFamily="49" charset="0"/>
+              </a:rPr>
+              <a:t>? </a:t>
+            </a:r>
+            <a:r>
+              <a:rPr lang="nl-NL" sz="1400" kern="0" dirty="0" err="1" smtClean="0">
+                <a:latin typeface="Courier New" panose="02070309020205020404" pitchFamily="49" charset="0"/>
+                <a:cs typeface="Courier New" panose="02070309020205020404" pitchFamily="49" charset="0"/>
+              </a:rPr>
+              <a:t>Think</a:t>
+            </a:r>
+            <a:r>
+              <a:rPr lang="nl-NL" sz="1400" kern="0" dirty="0" smtClean="0">
+                <a:latin typeface="Courier New" panose="02070309020205020404" pitchFamily="49" charset="0"/>
+                <a:cs typeface="Courier New" panose="02070309020205020404" pitchFamily="49" charset="0"/>
+              </a:rPr>
+              <a:t> back </a:t>
+            </a:r>
+            <a:r>
+              <a:rPr lang="nl-NL" sz="1400" kern="0" dirty="0" err="1" smtClean="0">
+                <a:latin typeface="Courier New" panose="02070309020205020404" pitchFamily="49" charset="0"/>
+                <a:cs typeface="Courier New" panose="02070309020205020404" pitchFamily="49" charset="0"/>
+              </a:rPr>
+              <a:t>to</a:t>
+            </a:r>
+            <a:r>
+              <a:rPr lang="nl-NL" sz="1400" kern="0" dirty="0" smtClean="0">
+                <a:latin typeface="Courier New" panose="02070309020205020404" pitchFamily="49" charset="0"/>
+                <a:cs typeface="Courier New" panose="02070309020205020404" pitchFamily="49" charset="0"/>
+              </a:rPr>
               <a:t> </a:t>
             </a:r>
             <a:r>
@@ -14142,49 +14739,19 @@
                 <a:latin typeface="Courier New" panose="02070309020205020404" pitchFamily="49" charset="0"/>
                 <a:cs typeface="Courier New" panose="02070309020205020404" pitchFamily="49" charset="0"/>
               </a:rPr>
-              <a:t>using</a:t>
+              <a:t>Monday</a:t>
             </a:r>
             <a:r>
               <a:rPr lang="nl-NL" sz="1400" kern="0" dirty="0" smtClean="0">
                 <a:latin typeface="Courier New" panose="02070309020205020404" pitchFamily="49" charset="0"/>
                 <a:cs typeface="Courier New" panose="02070309020205020404" pitchFamily="49" charset="0"/>
               </a:rPr>
-              <a:t>: </a:t>
-            </a:r>
-          </a:p>
-          <a:p>
-            <a:pPr marL="0" indent="0">
-              <a:buFont typeface="Zapf Dingbats" charset="2"/>
-              <a:buNone/>
-            </a:pPr>
-            <a:r>
-              <a:rPr lang="nl-NL" sz="1400" kern="0" dirty="0" err="1" smtClean="0">
-                <a:latin typeface="Courier New" panose="02070309020205020404" pitchFamily="49" charset="0"/>
-                <a:cs typeface="Courier New" panose="02070309020205020404" pitchFamily="49" charset="0"/>
-              </a:rPr>
-              <a:t>df_subset</a:t>
-            </a:r>
-            <a:r>
-              <a:rPr lang="nl-NL" sz="1400" kern="0" dirty="0" smtClean="0">
-                <a:latin typeface="Courier New" panose="02070309020205020404" pitchFamily="49" charset="0"/>
-                <a:cs typeface="Courier New" panose="02070309020205020404" pitchFamily="49" charset="0"/>
-              </a:rPr>
-              <a:t> = </a:t>
-            </a:r>
-            <a:r>
-              <a:rPr lang="nl-NL" sz="1400" kern="0" dirty="0" err="1" smtClean="0">
-                <a:latin typeface="Courier New" panose="02070309020205020404" pitchFamily="49" charset="0"/>
-                <a:cs typeface="Courier New" panose="02070309020205020404" pitchFamily="49" charset="0"/>
-              </a:rPr>
-              <a:t>df</a:t>
-            </a:r>
-            <a:r>
-              <a:rPr lang="nl-NL" sz="1400" kern="0" dirty="0" smtClean="0">
-                <a:latin typeface="Courier New" panose="02070309020205020404" pitchFamily="49" charset="0"/>
-                <a:cs typeface="Courier New" panose="02070309020205020404" pitchFamily="49" charset="0"/>
-              </a:rPr>
-              <a:t>[[‘col_name1’, ‘col_name2’, ‘col_name3’]]</a:t>
-            </a:r>
+              <a:t> last week</a:t>
+            </a:r>
+            <a:endParaRPr lang="nl-NL" sz="1400" kern="0" dirty="0" smtClean="0">
+              <a:latin typeface="Courier New" panose="02070309020205020404" pitchFamily="49" charset="0"/>
+              <a:cs typeface="Courier New" panose="02070309020205020404" pitchFamily="49" charset="0"/>
+            </a:endParaRPr>
           </a:p>
           <a:p>
             <a:pPr marL="0" indent="0">
@@ -14301,35 +14868,42 @@
               <a:t> of </a:t>
             </a:r>
             <a:r>
-              <a:rPr lang="nl-NL" sz="1400" kern="0" dirty="0" err="1" smtClean="0">
+              <a:rPr lang="nl-NL" sz="1400" b="1" kern="0" dirty="0" err="1" smtClean="0">
                 <a:latin typeface="Courier New" panose="02070309020205020404" pitchFamily="49" charset="0"/>
                 <a:cs typeface="Courier New" panose="02070309020205020404" pitchFamily="49" charset="0"/>
               </a:rPr>
               <a:t>one</a:t>
             </a:r>
             <a:r>
+              <a:rPr lang="nl-NL" sz="1400" b="1" kern="0" dirty="0" smtClean="0">
+                <a:latin typeface="Courier New" panose="02070309020205020404" pitchFamily="49" charset="0"/>
+                <a:cs typeface="Courier New" panose="02070309020205020404" pitchFamily="49" charset="0"/>
+              </a:rPr>
+              <a:t> </a:t>
+            </a:r>
+            <a:r>
+              <a:rPr lang="nl-NL" sz="1400" b="1" kern="0" dirty="0" err="1" smtClean="0">
+                <a:latin typeface="Courier New" panose="02070309020205020404" pitchFamily="49" charset="0"/>
+                <a:cs typeface="Courier New" panose="02070309020205020404" pitchFamily="49" charset="0"/>
+              </a:rPr>
+              <a:t>combination</a:t>
+            </a:r>
+            <a:r>
+              <a:rPr lang="nl-NL" sz="1400" b="1" kern="0" dirty="0" smtClean="0">
+                <a:latin typeface="Courier New" panose="02070309020205020404" pitchFamily="49" charset="0"/>
+                <a:cs typeface="Courier New" panose="02070309020205020404" pitchFamily="49" charset="0"/>
+              </a:rPr>
+              <a:t> </a:t>
+            </a:r>
+            <a:r>
               <a:rPr lang="nl-NL" sz="1400" kern="0" dirty="0" smtClean="0">
                 <a:latin typeface="Courier New" panose="02070309020205020404" pitchFamily="49" charset="0"/>
                 <a:cs typeface="Courier New" panose="02070309020205020404" pitchFamily="49" charset="0"/>
               </a:rPr>
-              <a:t> </a:t>
-            </a:r>
-            <a:r>
-              <a:rPr lang="nl-NL" sz="1400" kern="0" dirty="0" err="1" smtClean="0">
-                <a:latin typeface="Courier New" panose="02070309020205020404" pitchFamily="49" charset="0"/>
-                <a:cs typeface="Courier New" panose="02070309020205020404" pitchFamily="49" charset="0"/>
-              </a:rPr>
-              <a:t>combination</a:t>
-            </a:r>
-            <a:r>
-              <a:rPr lang="nl-NL" sz="1400" kern="0" dirty="0" smtClean="0">
-                <a:latin typeface="Courier New" panose="02070309020205020404" pitchFamily="49" charset="0"/>
-                <a:cs typeface="Courier New" panose="02070309020205020404" pitchFamily="49" charset="0"/>
-              </a:rPr>
-              <a:t> of </a:t>
-            </a:r>
-            <a:r>
-              <a:rPr lang="nl-NL" sz="1400" kern="0" dirty="0" err="1" smtClean="0">
+              <a:t>of </a:t>
+            </a:r>
+            <a:r>
+              <a:rPr lang="nl-NL" sz="1400" b="1" kern="0" dirty="0" err="1" smtClean="0">
                 <a:latin typeface="Courier New" panose="02070309020205020404" pitchFamily="49" charset="0"/>
                 <a:cs typeface="Courier New" panose="02070309020205020404" pitchFamily="49" charset="0"/>
               </a:rPr>
@@ -14649,7 +15223,28 @@
                 <a:latin typeface="Courier New" panose="02070309020205020404" pitchFamily="49" charset="0"/>
                 <a:cs typeface="Courier New" panose="02070309020205020404" pitchFamily="49" charset="0"/>
               </a:rPr>
-              <a:t> the variables? </a:t>
+              <a:t> the </a:t>
+            </a:r>
+            <a:r>
+              <a:rPr lang="nl-NL" sz="1400" kern="0" dirty="0" err="1" smtClean="0">
+                <a:latin typeface="Courier New" panose="02070309020205020404" pitchFamily="49" charset="0"/>
+                <a:cs typeface="Courier New" panose="02070309020205020404" pitchFamily="49" charset="0"/>
+              </a:rPr>
+              <a:t>two</a:t>
+            </a:r>
+            <a:r>
+              <a:rPr lang="nl-NL" sz="1400" kern="0" dirty="0" smtClean="0">
+                <a:latin typeface="Courier New" panose="02070309020205020404" pitchFamily="49" charset="0"/>
+                <a:cs typeface="Courier New" panose="02070309020205020404" pitchFamily="49" charset="0"/>
+              </a:rPr>
+              <a:t> variables</a:t>
+            </a:r>
+            <a:r>
+              <a:rPr lang="nl-NL" sz="1400" kern="0" dirty="0" smtClean="0">
+                <a:latin typeface="Courier New" panose="02070309020205020404" pitchFamily="49" charset="0"/>
+                <a:cs typeface="Courier New" panose="02070309020205020404" pitchFamily="49" charset="0"/>
+              </a:rPr>
+              <a:t>? </a:t>
             </a:r>
           </a:p>
           <a:p>
@@ -14744,7 +15339,7 @@
 </p:sld>
 </file>
 
-<file path=ppt/slides/slide15.xml><?xml version="1.0" encoding="utf-8"?>
+<file path=ppt/slides/slide17.xml><?xml version="1.0" encoding="utf-8"?>
 <p:sld xmlns:a="http://schemas.openxmlformats.org/drawingml/2006/main" xmlns:r="http://schemas.openxmlformats.org/officeDocument/2006/relationships" xmlns:p="http://schemas.openxmlformats.org/presentationml/2006/main">
   <p:cSld>
     <p:spTree>
@@ -14880,7 +15475,7 @@
 </p:sld>
 </file>
 
-<file path=ppt/slides/slide16.xml><?xml version="1.0" encoding="utf-8"?>
+<file path=ppt/slides/slide18.xml><?xml version="1.0" encoding="utf-8"?>
 <p:sld xmlns:a="http://schemas.openxmlformats.org/drawingml/2006/main" xmlns:r="http://schemas.openxmlformats.org/officeDocument/2006/relationships" xmlns:p="http://schemas.openxmlformats.org/presentationml/2006/main">
   <p:cSld>
     <p:spTree>
@@ -15080,7 +15675,19 @@
             </a:r>
             <a:r>
               <a:rPr lang="nl-NL" sz="1800" dirty="0" smtClean="0"/>
-              <a:t> later)</a:t>
+              <a:t> </a:t>
+            </a:r>
+            <a:r>
+              <a:rPr lang="nl-NL" sz="1800" dirty="0" smtClean="0"/>
+              <a:t>on </a:t>
+            </a:r>
+            <a:r>
+              <a:rPr lang="nl-NL" sz="1800" dirty="0" err="1" smtClean="0"/>
+              <a:t>Wednesday</a:t>
+            </a:r>
+            <a:r>
+              <a:rPr lang="nl-NL" sz="1800" dirty="0" smtClean="0"/>
+              <a:t>)</a:t>
             </a:r>
             <a:endParaRPr lang="nl-NL" sz="1800" dirty="0"/>
           </a:p>
@@ -15138,7 +15745,7 @@
 </p:sld>
 </file>
 
-<file path=ppt/slides/slide17.xml><?xml version="1.0" encoding="utf-8"?>
+<file path=ppt/slides/slide19.xml><?xml version="1.0" encoding="utf-8"?>
 <p:sld xmlns:a="http://schemas.openxmlformats.org/drawingml/2006/main" xmlns:r="http://schemas.openxmlformats.org/officeDocument/2006/relationships" xmlns:p="http://schemas.openxmlformats.org/presentationml/2006/main">
   <p:cSld>
     <p:spTree>
@@ -15237,7 +15844,158 @@
 </p:sld>
 </file>
 
-<file path=ppt/slides/slide18.xml><?xml version="1.0" encoding="utf-8"?>
+<file path=ppt/slides/slide2.xml><?xml version="1.0" encoding="utf-8"?>
+<p:sld xmlns:a="http://schemas.openxmlformats.org/drawingml/2006/main" xmlns:r="http://schemas.openxmlformats.org/officeDocument/2006/relationships" xmlns:p="http://schemas.openxmlformats.org/presentationml/2006/main">
+  <p:cSld>
+    <p:spTree>
+      <p:nvGrpSpPr>
+        <p:cNvPr id="1" name=""/>
+        <p:cNvGrpSpPr/>
+        <p:nvPr/>
+      </p:nvGrpSpPr>
+      <p:grpSpPr>
+        <a:xfrm>
+          <a:off x="0" y="0"/>
+          <a:ext cx="0" cy="0"/>
+          <a:chOff x="0" y="0"/>
+          <a:chExt cx="0" cy="0"/>
+        </a:xfrm>
+      </p:grpSpPr>
+      <p:sp>
+        <p:nvSpPr>
+          <p:cNvPr id="2" name="Titel 1"/>
+          <p:cNvSpPr>
+            <a:spLocks noGrp="1"/>
+          </p:cNvSpPr>
+          <p:nvPr>
+            <p:ph type="title"/>
+          </p:nvPr>
+        </p:nvSpPr>
+        <p:spPr/>
+        <p:txBody>
+          <a:bodyPr/>
+          <a:lstStyle/>
+          <a:p>
+            <a:r>
+              <a:rPr lang="nl-NL" dirty="0" smtClean="0"/>
+              <a:t>Check-in</a:t>
+            </a:r>
+            <a:endParaRPr lang="nl-NL" dirty="0"/>
+          </a:p>
+        </p:txBody>
+      </p:sp>
+      <p:sp>
+        <p:nvSpPr>
+          <p:cNvPr id="9" name="Tijdelijke aanduiding voor inhoud 8"/>
+          <p:cNvSpPr>
+            <a:spLocks noGrp="1"/>
+          </p:cNvSpPr>
+          <p:nvPr>
+            <p:ph idx="1"/>
+          </p:nvPr>
+        </p:nvSpPr>
+        <p:spPr/>
+        <p:txBody>
+          <a:bodyPr/>
+          <a:lstStyle/>
+          <a:p>
+            <a:endParaRPr lang="nl-NL"/>
+          </a:p>
+        </p:txBody>
+      </p:sp>
+      <p:pic>
+        <p:nvPicPr>
+          <p:cNvPr id="12" name="Afbeelding 11"/>
+          <p:cNvPicPr>
+            <a:picLocks noChangeAspect="1"/>
+          </p:cNvPicPr>
+          <p:nvPr/>
+        </p:nvPicPr>
+        <p:blipFill>
+          <a:blip r:embed="rId2"/>
+          <a:stretch>
+            <a:fillRect/>
+          </a:stretch>
+        </p:blipFill>
+        <p:spPr>
+          <a:xfrm>
+            <a:off x="6156176" y="2492896"/>
+            <a:ext cx="2253070" cy="2016224"/>
+          </a:xfrm>
+          <a:prstGeom prst="rect">
+            <a:avLst/>
+          </a:prstGeom>
+        </p:spPr>
+      </p:pic>
+      <p:pic>
+        <p:nvPicPr>
+          <p:cNvPr id="13" name="Afbeelding 12"/>
+          <p:cNvPicPr>
+            <a:picLocks noChangeAspect="1"/>
+          </p:cNvPicPr>
+          <p:nvPr/>
+        </p:nvPicPr>
+        <p:blipFill>
+          <a:blip r:embed="rId3"/>
+          <a:stretch>
+            <a:fillRect/>
+          </a:stretch>
+        </p:blipFill>
+        <p:spPr>
+          <a:xfrm>
+            <a:off x="3491880" y="2616786"/>
+            <a:ext cx="2129219" cy="1988089"/>
+          </a:xfrm>
+          <a:prstGeom prst="rect">
+            <a:avLst/>
+          </a:prstGeom>
+        </p:spPr>
+      </p:pic>
+      <p:pic>
+        <p:nvPicPr>
+          <p:cNvPr id="14" name="Afbeelding 13"/>
+          <p:cNvPicPr>
+            <a:picLocks noChangeAspect="1"/>
+          </p:cNvPicPr>
+          <p:nvPr/>
+        </p:nvPicPr>
+        <p:blipFill>
+          <a:blip r:embed="rId4"/>
+          <a:stretch>
+            <a:fillRect/>
+          </a:stretch>
+        </p:blipFill>
+        <p:spPr>
+          <a:xfrm>
+            <a:off x="869217" y="2712543"/>
+            <a:ext cx="1873659" cy="1796577"/>
+          </a:xfrm>
+          <a:prstGeom prst="rect">
+            <a:avLst/>
+          </a:prstGeom>
+        </p:spPr>
+      </p:pic>
+    </p:spTree>
+    <p:extLst>
+      <p:ext uri="{BB962C8B-B14F-4D97-AF65-F5344CB8AC3E}">
+        <p14:creationId xmlns:p14="http://schemas.microsoft.com/office/powerpoint/2010/main" val="3730000576"/>
+      </p:ext>
+    </p:extLst>
+  </p:cSld>
+  <p:clrMapOvr>
+    <a:masterClrMapping/>
+  </p:clrMapOvr>
+  <p:timing>
+    <p:tnLst>
+      <p:par>
+        <p:cTn id="1" dur="indefinite" restart="never" nodeType="tmRoot"/>
+      </p:par>
+    </p:tnLst>
+  </p:timing>
+</p:sld>
+</file>
+
+<file path=ppt/slides/slide20.xml><?xml version="1.0" encoding="utf-8"?>
 <p:sld xmlns:a="http://schemas.openxmlformats.org/drawingml/2006/main" xmlns:r="http://schemas.openxmlformats.org/officeDocument/2006/relationships" xmlns:p="http://schemas.openxmlformats.org/presentationml/2006/main">
   <p:cSld>
     <p:spTree>
@@ -16103,7 +16861,7 @@
 </p:sld>
 </file>
 
-<file path=ppt/slides/slide19.xml><?xml version="1.0" encoding="utf-8"?>
+<file path=ppt/slides/slide21.xml><?xml version="1.0" encoding="utf-8"?>
 <p:sld xmlns:a="http://schemas.openxmlformats.org/drawingml/2006/main" xmlns:r="http://schemas.openxmlformats.org/officeDocument/2006/relationships" xmlns:p="http://schemas.openxmlformats.org/presentationml/2006/main">
   <p:cSld>
     <p:spTree>
@@ -16157,13 +16915,13 @@
             <p:ph idx="1"/>
             <p:extLst>
               <p:ext uri="{D42A27DB-BD31-4B8C-83A1-F6EECF244321}">
-                <p14:modId xmlns:p14="http://schemas.microsoft.com/office/powerpoint/2010/main" val="3777246381"/>
+                <p14:modId xmlns:p14="http://schemas.microsoft.com/office/powerpoint/2010/main" val="2405728069"/>
               </p:ext>
             </p:extLst>
           </p:nvPr>
         </p:nvGraphicFramePr>
         <p:xfrm>
-          <a:off x="395536" y="2780928"/>
+          <a:off x="467544" y="2484903"/>
           <a:ext cx="8496941" cy="3168352"/>
         </p:xfrm>
         <a:graphic>
@@ -16173,21 +16931,21 @@
                 <a:tableStyleId>{5C22544A-7EE6-4342-B048-85BDC9FD1C3A}</a:tableStyleId>
               </a:tblPr>
               <a:tblGrid>
-                <a:gridCol w="1251073">
+                <a:gridCol w="1224136">
                   <a:extLst>
                     <a:ext uri="{9D8B030D-6E8A-4147-A177-3AD203B41FA5}">
                       <a16:colId xmlns:a16="http://schemas.microsoft.com/office/drawing/2014/main" val="80011760"/>
                     </a:ext>
                   </a:extLst>
                 </a:gridCol>
-                <a:gridCol w="1251073">
+                <a:gridCol w="1368152">
                   <a:extLst>
                     <a:ext uri="{9D8B030D-6E8A-4147-A177-3AD203B41FA5}">
                       <a16:colId xmlns:a16="http://schemas.microsoft.com/office/drawing/2014/main" val="3392550499"/>
                     </a:ext>
                   </a:extLst>
                 </a:gridCol>
-                <a:gridCol w="1251073">
+                <a:gridCol w="1160931">
                   <a:extLst>
                     <a:ext uri="{9D8B030D-6E8A-4147-A177-3AD203B41FA5}">
                       <a16:colId xmlns:a16="http://schemas.microsoft.com/office/drawing/2014/main" val="1700361680"/>
@@ -16230,10 +16988,10 @@
                     <a:lstStyle/>
                     <a:p>
                       <a:r>
-                        <a:rPr lang="nl-NL" sz="1100" dirty="0" smtClean="0"/>
+                        <a:rPr lang="nl-NL" sz="1400" dirty="0" smtClean="0"/>
                         <a:t>Channel</a:t>
                       </a:r>
-                      <a:endParaRPr lang="nl-NL" sz="1100" dirty="0"/>
+                      <a:endParaRPr lang="nl-NL" sz="1400" dirty="0"/>
                     </a:p>
                   </a:txBody>
                   <a:tcPr/>
@@ -16244,18 +17002,18 @@
                     <a:lstStyle/>
                     <a:p>
                       <a:r>
-                        <a:rPr lang="nl-NL" sz="1100" dirty="0" smtClean="0"/>
+                        <a:rPr lang="nl-NL" sz="1400" dirty="0" smtClean="0"/>
                         <a:t>X (</a:t>
                       </a:r>
                       <a:r>
-                        <a:rPr lang="nl-NL" sz="1100" dirty="0" err="1" smtClean="0"/>
+                        <a:rPr lang="nl-NL" sz="1400" dirty="0" err="1" smtClean="0"/>
                         <a:t>subscribers</a:t>
                       </a:r>
                       <a:r>
-                        <a:rPr lang="nl-NL" sz="1100" dirty="0" smtClean="0"/>
+                        <a:rPr lang="nl-NL" sz="1400" dirty="0" smtClean="0"/>
                         <a:t>)</a:t>
                       </a:r>
-                      <a:endParaRPr lang="nl-NL" sz="1100" dirty="0"/>
+                      <a:endParaRPr lang="nl-NL" sz="1400" dirty="0"/>
                     </a:p>
                   </a:txBody>
                   <a:tcPr/>
@@ -16266,10 +17024,10 @@
                     <a:lstStyle/>
                     <a:p>
                       <a:r>
-                        <a:rPr lang="nl-NL" sz="1100" dirty="0" smtClean="0"/>
+                        <a:rPr lang="nl-NL" sz="1400" dirty="0" smtClean="0"/>
                         <a:t>Y (views)</a:t>
                       </a:r>
-                      <a:endParaRPr lang="nl-NL" sz="1100" dirty="0"/>
+                      <a:endParaRPr lang="nl-NL" sz="1400" dirty="0"/>
                     </a:p>
                   </a:txBody>
                   <a:tcPr/>
@@ -16280,14 +17038,14 @@
                     <a:lstStyle/>
                     <a:p>
                       <a:r>
-                        <a:rPr lang="nl-NL" sz="1100" dirty="0" smtClean="0"/>
+                        <a:rPr lang="nl-NL" sz="1400" dirty="0" smtClean="0"/>
                         <a:t>b</a:t>
                       </a:r>
                       <a:r>
-                        <a:rPr lang="nl-NL" sz="1100" baseline="-25000" dirty="0" smtClean="0"/>
+                        <a:rPr lang="nl-NL" sz="1400" baseline="-25000" dirty="0" smtClean="0"/>
                         <a:t>0</a:t>
                       </a:r>
-                      <a:endParaRPr lang="nl-NL" sz="1100" dirty="0"/>
+                      <a:endParaRPr lang="nl-NL" sz="1400" dirty="0"/>
                     </a:p>
                   </a:txBody>
                   <a:tcPr/>
@@ -16298,14 +17056,14 @@
                     <a:lstStyle/>
                     <a:p>
                       <a:r>
-                        <a:rPr lang="nl-NL" sz="1100" dirty="0" smtClean="0"/>
+                        <a:rPr lang="nl-NL" sz="1400" dirty="0" smtClean="0"/>
                         <a:t>b</a:t>
                       </a:r>
                       <a:r>
-                        <a:rPr lang="nl-NL" sz="1100" baseline="-25000" dirty="0" smtClean="0"/>
+                        <a:rPr lang="nl-NL" sz="1400" baseline="-25000" dirty="0" smtClean="0"/>
                         <a:t>1</a:t>
                       </a:r>
-                      <a:endParaRPr lang="nl-NL" sz="1100" dirty="0"/>
+                      <a:endParaRPr lang="nl-NL" sz="1400" dirty="0"/>
                     </a:p>
                   </a:txBody>
                   <a:tcPr/>
@@ -16316,24 +17074,24 @@
                     <a:lstStyle/>
                     <a:p>
                       <a:r>
-                        <a:rPr lang="nl-NL" sz="1100" dirty="0" smtClean="0"/>
+                        <a:rPr lang="nl-NL" sz="1400" dirty="0" smtClean="0"/>
                         <a:t>Y’ </a:t>
                       </a:r>
                     </a:p>
                     <a:p>
                       <a:r>
-                        <a:rPr lang="nl-NL" sz="1100" dirty="0" smtClean="0"/>
+                        <a:rPr lang="nl-NL" sz="1400" dirty="0" smtClean="0"/>
                         <a:t>(</a:t>
                       </a:r>
                       <a:r>
-                        <a:rPr lang="nl-NL" sz="1100" dirty="0" err="1" smtClean="0"/>
+                        <a:rPr lang="nl-NL" sz="1400" dirty="0" err="1" smtClean="0"/>
                         <a:t>predicted</a:t>
                       </a:r>
                       <a:r>
-                        <a:rPr lang="nl-NL" sz="1100" dirty="0" smtClean="0"/>
+                        <a:rPr lang="nl-NL" sz="1400" dirty="0" smtClean="0"/>
                         <a:t> views)</a:t>
                       </a:r>
-                      <a:endParaRPr lang="nl-NL" sz="1100" dirty="0"/>
+                      <a:endParaRPr lang="nl-NL" sz="1400" dirty="0"/>
                     </a:p>
                   </a:txBody>
                   <a:tcPr/>
@@ -16344,24 +17102,24 @@
                     <a:lstStyle/>
                     <a:p>
                       <a:r>
-                        <a:rPr lang="nl-NL" sz="1100" dirty="0" smtClean="0"/>
+                        <a:rPr lang="nl-NL" sz="1400" dirty="0" smtClean="0"/>
                         <a:t>e</a:t>
                       </a:r>
                     </a:p>
                     <a:p>
                       <a:r>
-                        <a:rPr lang="nl-NL" sz="1100" dirty="0" smtClean="0"/>
+                        <a:rPr lang="nl-NL" sz="1400" dirty="0" smtClean="0"/>
                         <a:t>(</a:t>
                       </a:r>
                       <a:r>
-                        <a:rPr lang="nl-NL" sz="1100" dirty="0" err="1" smtClean="0"/>
+                        <a:rPr lang="nl-NL" sz="1400" dirty="0" err="1" smtClean="0"/>
                         <a:t>residual</a:t>
                       </a:r>
                       <a:r>
-                        <a:rPr lang="nl-NL" sz="1100" dirty="0" smtClean="0"/>
+                        <a:rPr lang="nl-NL" sz="1400" dirty="0" smtClean="0"/>
                         <a:t>)</a:t>
                       </a:r>
-                      <a:endParaRPr lang="nl-NL" sz="1100" dirty="0"/>
+                      <a:endParaRPr lang="nl-NL" sz="1400" dirty="0"/>
                     </a:p>
                   </a:txBody>
                   <a:tcPr/>
@@ -16939,7 +17697,7 @@
 </p:sld>
 </file>
 
-<file path=ppt/slides/slide2.xml><?xml version="1.0" encoding="utf-8"?>
+<file path=ppt/slides/slide22.xml><?xml version="1.0" encoding="utf-8"?>
 <p:sld xmlns:a="http://schemas.openxmlformats.org/drawingml/2006/main" xmlns:r="http://schemas.openxmlformats.org/officeDocument/2006/relationships" xmlns:p="http://schemas.openxmlformats.org/presentationml/2006/main">
   <p:cSld>
     <p:spTree>
@@ -16972,157 +17730,6 @@
           <a:lstStyle/>
           <a:p>
             <a:r>
-              <a:rPr lang="nl-NL" dirty="0" smtClean="0"/>
-              <a:t>Check-in</a:t>
-            </a:r>
-            <a:endParaRPr lang="nl-NL" dirty="0"/>
-          </a:p>
-        </p:txBody>
-      </p:sp>
-      <p:sp>
-        <p:nvSpPr>
-          <p:cNvPr id="9" name="Tijdelijke aanduiding voor inhoud 8"/>
-          <p:cNvSpPr>
-            <a:spLocks noGrp="1"/>
-          </p:cNvSpPr>
-          <p:nvPr>
-            <p:ph idx="1"/>
-          </p:nvPr>
-        </p:nvSpPr>
-        <p:spPr/>
-        <p:txBody>
-          <a:bodyPr/>
-          <a:lstStyle/>
-          <a:p>
-            <a:endParaRPr lang="nl-NL"/>
-          </a:p>
-        </p:txBody>
-      </p:sp>
-      <p:pic>
-        <p:nvPicPr>
-          <p:cNvPr id="12" name="Afbeelding 11"/>
-          <p:cNvPicPr>
-            <a:picLocks noChangeAspect="1"/>
-          </p:cNvPicPr>
-          <p:nvPr/>
-        </p:nvPicPr>
-        <p:blipFill>
-          <a:blip r:embed="rId2"/>
-          <a:stretch>
-            <a:fillRect/>
-          </a:stretch>
-        </p:blipFill>
-        <p:spPr>
-          <a:xfrm>
-            <a:off x="6156176" y="2492896"/>
-            <a:ext cx="2253070" cy="2016224"/>
-          </a:xfrm>
-          <a:prstGeom prst="rect">
-            <a:avLst/>
-          </a:prstGeom>
-        </p:spPr>
-      </p:pic>
-      <p:pic>
-        <p:nvPicPr>
-          <p:cNvPr id="13" name="Afbeelding 12"/>
-          <p:cNvPicPr>
-            <a:picLocks noChangeAspect="1"/>
-          </p:cNvPicPr>
-          <p:nvPr/>
-        </p:nvPicPr>
-        <p:blipFill>
-          <a:blip r:embed="rId3"/>
-          <a:stretch>
-            <a:fillRect/>
-          </a:stretch>
-        </p:blipFill>
-        <p:spPr>
-          <a:xfrm>
-            <a:off x="3491880" y="2616786"/>
-            <a:ext cx="2129219" cy="1988089"/>
-          </a:xfrm>
-          <a:prstGeom prst="rect">
-            <a:avLst/>
-          </a:prstGeom>
-        </p:spPr>
-      </p:pic>
-      <p:pic>
-        <p:nvPicPr>
-          <p:cNvPr id="14" name="Afbeelding 13"/>
-          <p:cNvPicPr>
-            <a:picLocks noChangeAspect="1"/>
-          </p:cNvPicPr>
-          <p:nvPr/>
-        </p:nvPicPr>
-        <p:blipFill>
-          <a:blip r:embed="rId4"/>
-          <a:stretch>
-            <a:fillRect/>
-          </a:stretch>
-        </p:blipFill>
-        <p:spPr>
-          <a:xfrm>
-            <a:off x="869217" y="2712543"/>
-            <a:ext cx="1873659" cy="1796577"/>
-          </a:xfrm>
-          <a:prstGeom prst="rect">
-            <a:avLst/>
-          </a:prstGeom>
-        </p:spPr>
-      </p:pic>
-    </p:spTree>
-    <p:extLst>
-      <p:ext uri="{BB962C8B-B14F-4D97-AF65-F5344CB8AC3E}">
-        <p14:creationId xmlns:p14="http://schemas.microsoft.com/office/powerpoint/2010/main" val="3730000576"/>
-      </p:ext>
-    </p:extLst>
-  </p:cSld>
-  <p:clrMapOvr>
-    <a:masterClrMapping/>
-  </p:clrMapOvr>
-  <p:timing>
-    <p:tnLst>
-      <p:par>
-        <p:cTn id="1" dur="indefinite" restart="never" nodeType="tmRoot"/>
-      </p:par>
-    </p:tnLst>
-  </p:timing>
-</p:sld>
-</file>
-
-<file path=ppt/slides/slide20.xml><?xml version="1.0" encoding="utf-8"?>
-<p:sld xmlns:a="http://schemas.openxmlformats.org/drawingml/2006/main" xmlns:r="http://schemas.openxmlformats.org/officeDocument/2006/relationships" xmlns:p="http://schemas.openxmlformats.org/presentationml/2006/main">
-  <p:cSld>
-    <p:spTree>
-      <p:nvGrpSpPr>
-        <p:cNvPr id="1" name=""/>
-        <p:cNvGrpSpPr/>
-        <p:nvPr/>
-      </p:nvGrpSpPr>
-      <p:grpSpPr>
-        <a:xfrm>
-          <a:off x="0" y="0"/>
-          <a:ext cx="0" cy="0"/>
-          <a:chOff x="0" y="0"/>
-          <a:chExt cx="0" cy="0"/>
-        </a:xfrm>
-      </p:grpSpPr>
-      <p:sp>
-        <p:nvSpPr>
-          <p:cNvPr id="2" name="Titel 1"/>
-          <p:cNvSpPr>
-            <a:spLocks noGrp="1"/>
-          </p:cNvSpPr>
-          <p:nvPr>
-            <p:ph type="title"/>
-          </p:nvPr>
-        </p:nvSpPr>
-        <p:spPr/>
-        <p:txBody>
-          <a:bodyPr/>
-          <a:lstStyle/>
-          <a:p>
-            <a:r>
               <a:rPr lang="nl-NL" dirty="0" err="1" smtClean="0"/>
               <a:t>Example</a:t>
             </a:r>
@@ -17144,13 +17751,13 @@
             <p:ph idx="1"/>
             <p:extLst>
               <p:ext uri="{D42A27DB-BD31-4B8C-83A1-F6EECF244321}">
-                <p14:modId xmlns:p14="http://schemas.microsoft.com/office/powerpoint/2010/main" val="253406371"/>
+                <p14:modId xmlns:p14="http://schemas.microsoft.com/office/powerpoint/2010/main" val="3670618583"/>
               </p:ext>
             </p:extLst>
           </p:nvPr>
         </p:nvGraphicFramePr>
         <p:xfrm>
-          <a:off x="395536" y="2780928"/>
+          <a:off x="376067" y="2503191"/>
           <a:ext cx="8496941" cy="3168352"/>
         </p:xfrm>
         <a:graphic>
@@ -17167,14 +17774,14 @@
                     </a:ext>
                   </a:extLst>
                 </a:gridCol>
-                <a:gridCol w="1251073">
+                <a:gridCol w="1360684">
                   <a:extLst>
                     <a:ext uri="{9D8B030D-6E8A-4147-A177-3AD203B41FA5}">
                       <a16:colId xmlns:a16="http://schemas.microsoft.com/office/drawing/2014/main" val="3392550499"/>
                     </a:ext>
                   </a:extLst>
                 </a:gridCol>
-                <a:gridCol w="1251073">
+                <a:gridCol w="1141462">
                   <a:extLst>
                     <a:ext uri="{9D8B030D-6E8A-4147-A177-3AD203B41FA5}">
                       <a16:colId xmlns:a16="http://schemas.microsoft.com/office/drawing/2014/main" val="1700361680"/>
@@ -17217,10 +17824,10 @@
                     <a:lstStyle/>
                     <a:p>
                       <a:r>
-                        <a:rPr lang="nl-NL" sz="1100" dirty="0" smtClean="0"/>
+                        <a:rPr lang="nl-NL" sz="1400" dirty="0" smtClean="0"/>
                         <a:t>Channel</a:t>
                       </a:r>
-                      <a:endParaRPr lang="nl-NL" sz="1100" dirty="0"/>
+                      <a:endParaRPr lang="nl-NL" sz="1400" dirty="0"/>
                     </a:p>
                   </a:txBody>
                   <a:tcPr/>
@@ -17231,18 +17838,18 @@
                     <a:lstStyle/>
                     <a:p>
                       <a:r>
-                        <a:rPr lang="nl-NL" sz="1100" dirty="0" smtClean="0"/>
+                        <a:rPr lang="nl-NL" sz="1400" dirty="0" smtClean="0"/>
                         <a:t>X (</a:t>
                       </a:r>
                       <a:r>
-                        <a:rPr lang="nl-NL" sz="1100" dirty="0" err="1" smtClean="0"/>
+                        <a:rPr lang="nl-NL" sz="1400" dirty="0" err="1" smtClean="0"/>
                         <a:t>subscribers</a:t>
                       </a:r>
                       <a:r>
-                        <a:rPr lang="nl-NL" sz="1100" dirty="0" smtClean="0"/>
+                        <a:rPr lang="nl-NL" sz="1400" dirty="0" smtClean="0"/>
                         <a:t>)</a:t>
                       </a:r>
-                      <a:endParaRPr lang="nl-NL" sz="1100" dirty="0"/>
+                      <a:endParaRPr lang="nl-NL" sz="1400" dirty="0"/>
                     </a:p>
                   </a:txBody>
                   <a:tcPr/>
@@ -17253,10 +17860,10 @@
                     <a:lstStyle/>
                     <a:p>
                       <a:r>
-                        <a:rPr lang="nl-NL" sz="1100" dirty="0" smtClean="0"/>
+                        <a:rPr lang="nl-NL" sz="1400" dirty="0" smtClean="0"/>
                         <a:t>Y (views)</a:t>
                       </a:r>
-                      <a:endParaRPr lang="nl-NL" sz="1100" dirty="0"/>
+                      <a:endParaRPr lang="nl-NL" sz="1400" dirty="0"/>
                     </a:p>
                   </a:txBody>
                   <a:tcPr/>
@@ -17267,14 +17874,14 @@
                     <a:lstStyle/>
                     <a:p>
                       <a:r>
-                        <a:rPr lang="nl-NL" sz="1100" dirty="0" smtClean="0"/>
+                        <a:rPr lang="nl-NL" sz="1400" dirty="0" smtClean="0"/>
                         <a:t>b</a:t>
                       </a:r>
                       <a:r>
-                        <a:rPr lang="nl-NL" sz="1100" baseline="-25000" dirty="0" smtClean="0"/>
+                        <a:rPr lang="nl-NL" sz="1400" baseline="-25000" dirty="0" smtClean="0"/>
                         <a:t>0</a:t>
                       </a:r>
-                      <a:endParaRPr lang="nl-NL" sz="1100" dirty="0"/>
+                      <a:endParaRPr lang="nl-NL" sz="1400" dirty="0"/>
                     </a:p>
                   </a:txBody>
                   <a:tcPr/>
@@ -17285,14 +17892,14 @@
                     <a:lstStyle/>
                     <a:p>
                       <a:r>
-                        <a:rPr lang="nl-NL" sz="1100" dirty="0" smtClean="0"/>
+                        <a:rPr lang="nl-NL" sz="1400" dirty="0" smtClean="0"/>
                         <a:t>b</a:t>
                       </a:r>
                       <a:r>
-                        <a:rPr lang="nl-NL" sz="1100" baseline="-25000" dirty="0" smtClean="0"/>
+                        <a:rPr lang="nl-NL" sz="1400" baseline="-25000" dirty="0" smtClean="0"/>
                         <a:t>1</a:t>
                       </a:r>
-                      <a:endParaRPr lang="nl-NL" sz="1100" dirty="0"/>
+                      <a:endParaRPr lang="nl-NL" sz="1400" dirty="0"/>
                     </a:p>
                   </a:txBody>
                   <a:tcPr/>
@@ -17303,24 +17910,24 @@
                     <a:lstStyle/>
                     <a:p>
                       <a:r>
-                        <a:rPr lang="nl-NL" sz="1100" dirty="0" smtClean="0"/>
+                        <a:rPr lang="nl-NL" sz="1400" dirty="0" smtClean="0"/>
                         <a:t>Y’ </a:t>
                       </a:r>
                     </a:p>
                     <a:p>
                       <a:r>
-                        <a:rPr lang="nl-NL" sz="1100" dirty="0" smtClean="0"/>
+                        <a:rPr lang="nl-NL" sz="1400" dirty="0" smtClean="0"/>
                         <a:t>(</a:t>
                       </a:r>
                       <a:r>
-                        <a:rPr lang="nl-NL" sz="1100" dirty="0" err="1" smtClean="0"/>
+                        <a:rPr lang="nl-NL" sz="1400" dirty="0" err="1" smtClean="0"/>
                         <a:t>predicted</a:t>
                       </a:r>
                       <a:r>
-                        <a:rPr lang="nl-NL" sz="1100" dirty="0" smtClean="0"/>
+                        <a:rPr lang="nl-NL" sz="1400" dirty="0" smtClean="0"/>
                         <a:t> views)</a:t>
                       </a:r>
-                      <a:endParaRPr lang="nl-NL" sz="1100" dirty="0"/>
+                      <a:endParaRPr lang="nl-NL" sz="1400" dirty="0"/>
                     </a:p>
                   </a:txBody>
                   <a:tcPr/>
@@ -17331,24 +17938,24 @@
                     <a:lstStyle/>
                     <a:p>
                       <a:r>
-                        <a:rPr lang="nl-NL" sz="1100" dirty="0" smtClean="0"/>
+                        <a:rPr lang="nl-NL" sz="1400" dirty="0" smtClean="0"/>
                         <a:t>e</a:t>
                       </a:r>
                     </a:p>
                     <a:p>
                       <a:r>
-                        <a:rPr lang="nl-NL" sz="1100" dirty="0" smtClean="0"/>
+                        <a:rPr lang="nl-NL" sz="1400" dirty="0" smtClean="0"/>
                         <a:t>(</a:t>
                       </a:r>
                       <a:r>
-                        <a:rPr lang="nl-NL" sz="1100" dirty="0" err="1" smtClean="0"/>
+                        <a:rPr lang="nl-NL" sz="1400" dirty="0" err="1" smtClean="0"/>
                         <a:t>residual</a:t>
                       </a:r>
                       <a:r>
-                        <a:rPr lang="nl-NL" sz="1100" dirty="0" smtClean="0"/>
+                        <a:rPr lang="nl-NL" sz="1400" dirty="0" smtClean="0"/>
                         <a:t>)</a:t>
                       </a:r>
-                      <a:endParaRPr lang="nl-NL" sz="1100" dirty="0"/>
+                      <a:endParaRPr lang="nl-NL" sz="1400" dirty="0"/>
                     </a:p>
                   </a:txBody>
                   <a:tcPr/>
@@ -17973,7 +18580,7 @@
 </p:sld>
 </file>
 
-<file path=ppt/slides/slide21.xml><?xml version="1.0" encoding="utf-8"?>
+<file path=ppt/slides/slide23.xml><?xml version="1.0" encoding="utf-8"?>
 <p:sld xmlns:a="http://schemas.openxmlformats.org/drawingml/2006/main" xmlns:r="http://schemas.openxmlformats.org/officeDocument/2006/relationships" xmlns:p="http://schemas.openxmlformats.org/presentationml/2006/main">
   <p:cSld>
     <p:spTree>
@@ -18025,10 +18632,15 @@
           </p:cNvGraphicFramePr>
           <p:nvPr>
             <p:ph idx="1"/>
+            <p:extLst>
+              <p:ext uri="{D42A27DB-BD31-4B8C-83A1-F6EECF244321}">
+                <p14:modId xmlns:p14="http://schemas.microsoft.com/office/powerpoint/2010/main" val="1146140001"/>
+              </p:ext>
+            </p:extLst>
           </p:nvPr>
         </p:nvGraphicFramePr>
         <p:xfrm>
-          <a:off x="395536" y="2780928"/>
+          <a:off x="376067" y="2492895"/>
           <a:ext cx="8496941" cy="3168352"/>
         </p:xfrm>
         <a:graphic>
@@ -18045,14 +18657,14 @@
                     </a:ext>
                   </a:extLst>
                 </a:gridCol>
-                <a:gridCol w="1251073">
+                <a:gridCol w="1360684">
                   <a:extLst>
                     <a:ext uri="{9D8B030D-6E8A-4147-A177-3AD203B41FA5}">
                       <a16:colId xmlns:a16="http://schemas.microsoft.com/office/drawing/2014/main" val="3392550499"/>
                     </a:ext>
                   </a:extLst>
                 </a:gridCol>
-                <a:gridCol w="1251073">
+                <a:gridCol w="1141462">
                   <a:extLst>
                     <a:ext uri="{9D8B030D-6E8A-4147-A177-3AD203B41FA5}">
                       <a16:colId xmlns:a16="http://schemas.microsoft.com/office/drawing/2014/main" val="1700361680"/>
@@ -18095,10 +18707,10 @@
                     <a:lstStyle/>
                     <a:p>
                       <a:r>
-                        <a:rPr lang="nl-NL" sz="1100" dirty="0" smtClean="0"/>
+                        <a:rPr lang="nl-NL" sz="1400" dirty="0" smtClean="0"/>
                         <a:t>Channel</a:t>
                       </a:r>
-                      <a:endParaRPr lang="nl-NL" sz="1100" dirty="0"/>
+                      <a:endParaRPr lang="nl-NL" sz="1400" dirty="0"/>
                     </a:p>
                   </a:txBody>
                   <a:tcPr/>
@@ -18109,18 +18721,18 @@
                     <a:lstStyle/>
                     <a:p>
                       <a:r>
-                        <a:rPr lang="nl-NL" sz="1100" dirty="0" smtClean="0"/>
+                        <a:rPr lang="nl-NL" sz="1400" dirty="0" smtClean="0"/>
                         <a:t>X (</a:t>
                       </a:r>
                       <a:r>
-                        <a:rPr lang="nl-NL" sz="1100" dirty="0" err="1" smtClean="0"/>
+                        <a:rPr lang="nl-NL" sz="1400" dirty="0" err="1" smtClean="0"/>
                         <a:t>subscribers</a:t>
                       </a:r>
                       <a:r>
-                        <a:rPr lang="nl-NL" sz="1100" dirty="0" smtClean="0"/>
+                        <a:rPr lang="nl-NL" sz="1400" dirty="0" smtClean="0"/>
                         <a:t>)</a:t>
                       </a:r>
-                      <a:endParaRPr lang="nl-NL" sz="1100" dirty="0"/>
+                      <a:endParaRPr lang="nl-NL" sz="1400" dirty="0"/>
                     </a:p>
                   </a:txBody>
                   <a:tcPr/>
@@ -18131,10 +18743,10 @@
                     <a:lstStyle/>
                     <a:p>
                       <a:r>
-                        <a:rPr lang="nl-NL" sz="1100" dirty="0" smtClean="0"/>
+                        <a:rPr lang="nl-NL" sz="1400" dirty="0" smtClean="0"/>
                         <a:t>Y (views)</a:t>
                       </a:r>
-                      <a:endParaRPr lang="nl-NL" sz="1100" dirty="0"/>
+                      <a:endParaRPr lang="nl-NL" sz="1400" dirty="0"/>
                     </a:p>
                   </a:txBody>
                   <a:tcPr/>
@@ -18145,14 +18757,14 @@
                     <a:lstStyle/>
                     <a:p>
                       <a:r>
-                        <a:rPr lang="nl-NL" sz="1100" dirty="0" smtClean="0"/>
+                        <a:rPr lang="nl-NL" sz="1400" dirty="0" smtClean="0"/>
                         <a:t>b</a:t>
                       </a:r>
                       <a:r>
-                        <a:rPr lang="nl-NL" sz="1100" baseline="-25000" dirty="0" smtClean="0"/>
+                        <a:rPr lang="nl-NL" sz="1400" baseline="-25000" dirty="0" smtClean="0"/>
                         <a:t>0</a:t>
                       </a:r>
-                      <a:endParaRPr lang="nl-NL" sz="1100" dirty="0"/>
+                      <a:endParaRPr lang="nl-NL" sz="1400" dirty="0"/>
                     </a:p>
                   </a:txBody>
                   <a:tcPr/>
@@ -18163,14 +18775,14 @@
                     <a:lstStyle/>
                     <a:p>
                       <a:r>
-                        <a:rPr lang="nl-NL" sz="1100" dirty="0" smtClean="0"/>
+                        <a:rPr lang="nl-NL" sz="1400" dirty="0" smtClean="0"/>
                         <a:t>b</a:t>
                       </a:r>
                       <a:r>
-                        <a:rPr lang="nl-NL" sz="1100" baseline="-25000" dirty="0" smtClean="0"/>
+                        <a:rPr lang="nl-NL" sz="1400" baseline="-25000" dirty="0" smtClean="0"/>
                         <a:t>1</a:t>
                       </a:r>
-                      <a:endParaRPr lang="nl-NL" sz="1100" dirty="0"/>
+                      <a:endParaRPr lang="nl-NL" sz="1400" dirty="0"/>
                     </a:p>
                   </a:txBody>
                   <a:tcPr/>
@@ -18181,24 +18793,24 @@
                     <a:lstStyle/>
                     <a:p>
                       <a:r>
-                        <a:rPr lang="nl-NL" sz="1100" dirty="0" smtClean="0"/>
+                        <a:rPr lang="nl-NL" sz="1400" dirty="0" smtClean="0"/>
                         <a:t>Y’ </a:t>
                       </a:r>
                     </a:p>
                     <a:p>
                       <a:r>
-                        <a:rPr lang="nl-NL" sz="1100" dirty="0" smtClean="0"/>
+                        <a:rPr lang="nl-NL" sz="1400" dirty="0" smtClean="0"/>
                         <a:t>(</a:t>
                       </a:r>
                       <a:r>
-                        <a:rPr lang="nl-NL" sz="1100" dirty="0" err="1" smtClean="0"/>
+                        <a:rPr lang="nl-NL" sz="1400" dirty="0" err="1" smtClean="0"/>
                         <a:t>predicted</a:t>
                       </a:r>
                       <a:r>
-                        <a:rPr lang="nl-NL" sz="1100" dirty="0" smtClean="0"/>
+                        <a:rPr lang="nl-NL" sz="1400" dirty="0" smtClean="0"/>
                         <a:t> views)</a:t>
                       </a:r>
-                      <a:endParaRPr lang="nl-NL" sz="1100" dirty="0"/>
+                      <a:endParaRPr lang="nl-NL" sz="1400" dirty="0"/>
                     </a:p>
                   </a:txBody>
                   <a:tcPr/>
@@ -18209,24 +18821,24 @@
                     <a:lstStyle/>
                     <a:p>
                       <a:r>
-                        <a:rPr lang="nl-NL" sz="1100" dirty="0" smtClean="0"/>
+                        <a:rPr lang="nl-NL" sz="1400" dirty="0" smtClean="0"/>
                         <a:t>e</a:t>
                       </a:r>
                     </a:p>
                     <a:p>
                       <a:r>
-                        <a:rPr lang="nl-NL" sz="1100" dirty="0" smtClean="0"/>
+                        <a:rPr lang="nl-NL" sz="1400" dirty="0" smtClean="0"/>
                         <a:t>(</a:t>
                       </a:r>
                       <a:r>
-                        <a:rPr lang="nl-NL" sz="1100" dirty="0" err="1" smtClean="0"/>
+                        <a:rPr lang="nl-NL" sz="1400" dirty="0" err="1" smtClean="0"/>
                         <a:t>residual</a:t>
                       </a:r>
                       <a:r>
-                        <a:rPr lang="nl-NL" sz="1100" dirty="0" smtClean="0"/>
+                        <a:rPr lang="nl-NL" sz="1400" dirty="0" smtClean="0"/>
                         <a:t>)</a:t>
                       </a:r>
-                      <a:endParaRPr lang="nl-NL" sz="1100" dirty="0"/>
+                      <a:endParaRPr lang="nl-NL" sz="1400" dirty="0"/>
                     </a:p>
                   </a:txBody>
                   <a:tcPr/>
@@ -18879,7 +19491,7 @@
 </p:sld>
 </file>
 
-<file path=ppt/slides/slide22.xml><?xml version="1.0" encoding="utf-8"?>
+<file path=ppt/slides/slide24.xml><?xml version="1.0" encoding="utf-8"?>
 <p:sld xmlns:a="http://schemas.openxmlformats.org/drawingml/2006/main" xmlns:r="http://schemas.openxmlformats.org/officeDocument/2006/relationships" xmlns:p="http://schemas.openxmlformats.org/presentationml/2006/main">
   <p:cSld>
     <p:spTree>
@@ -18957,7 +19569,7 @@
         <p:spPr>
           <a:xfrm>
             <a:off x="762000" y="1762125"/>
-            <a:ext cx="7881938" cy="2850011"/>
+            <a:ext cx="7881938" cy="2086725"/>
           </a:xfrm>
         </p:spPr>
         <p:txBody>
@@ -18965,159 +19577,165 @@
           <a:lstStyle/>
           <a:p>
             <a:r>
-              <a:rPr lang="nl-NL" dirty="0" err="1" smtClean="0"/>
+              <a:rPr lang="nl-NL" sz="2400" dirty="0" err="1" smtClean="0"/>
               <a:t>sk-learn</a:t>
             </a:r>
             <a:r>
-              <a:rPr lang="nl-NL" dirty="0" smtClean="0"/>
+              <a:rPr lang="nl-NL" sz="2400" dirty="0" smtClean="0"/>
               <a:t> is the standard </a:t>
             </a:r>
             <a:r>
-              <a:rPr lang="nl-NL" dirty="0" err="1" smtClean="0"/>
+              <a:rPr lang="nl-NL" sz="2400" dirty="0" err="1" smtClean="0"/>
               <a:t>library</a:t>
             </a:r>
             <a:r>
-              <a:rPr lang="nl-NL" dirty="0" smtClean="0"/>
+              <a:rPr lang="nl-NL" sz="2400" dirty="0" smtClean="0"/>
               <a:t> </a:t>
             </a:r>
             <a:r>
-              <a:rPr lang="nl-NL" dirty="0" err="1" smtClean="0"/>
+              <a:rPr lang="nl-NL" sz="2400" dirty="0" err="1" smtClean="0"/>
               <a:t>for</a:t>
             </a:r>
             <a:r>
-              <a:rPr lang="nl-NL" dirty="0" smtClean="0"/>
+              <a:rPr lang="nl-NL" sz="2400" dirty="0" smtClean="0"/>
               <a:t> </a:t>
             </a:r>
             <a:r>
-              <a:rPr lang="nl-NL" dirty="0" err="1" smtClean="0"/>
+              <a:rPr lang="nl-NL" sz="2400" dirty="0" err="1" smtClean="0"/>
               <a:t>statistics</a:t>
             </a:r>
             <a:r>
-              <a:rPr lang="nl-NL" dirty="0" smtClean="0"/>
+              <a:rPr lang="nl-NL" sz="2400" dirty="0" smtClean="0"/>
               <a:t> </a:t>
             </a:r>
             <a:r>
-              <a:rPr lang="nl-NL" dirty="0" err="1" smtClean="0"/>
+              <a:rPr lang="nl-NL" sz="2400" dirty="0" err="1" smtClean="0"/>
               <a:t>and</a:t>
             </a:r>
             <a:r>
-              <a:rPr lang="nl-NL" dirty="0" smtClean="0"/>
+              <a:rPr lang="nl-NL" sz="2400" dirty="0" smtClean="0"/>
               <a:t> machine </a:t>
             </a:r>
             <a:r>
-              <a:rPr lang="nl-NL" dirty="0" err="1" smtClean="0"/>
+              <a:rPr lang="nl-NL" sz="2400" dirty="0" err="1" smtClean="0"/>
               <a:t>learning</a:t>
             </a:r>
             <a:r>
-              <a:rPr lang="nl-NL" dirty="0" smtClean="0"/>
+              <a:rPr lang="nl-NL" sz="2400" dirty="0" smtClean="0"/>
               <a:t>. We </a:t>
             </a:r>
             <a:r>
-              <a:rPr lang="nl-NL" dirty="0" err="1" smtClean="0"/>
+              <a:rPr lang="nl-NL" sz="2400" dirty="0" err="1" smtClean="0"/>
               <a:t>will</a:t>
             </a:r>
             <a:r>
-              <a:rPr lang="nl-NL" dirty="0" smtClean="0"/>
+              <a:rPr lang="nl-NL" sz="2400" dirty="0" smtClean="0"/>
               <a:t> </a:t>
             </a:r>
             <a:r>
-              <a:rPr lang="nl-NL" dirty="0" err="1" smtClean="0"/>
+              <a:rPr lang="nl-NL" sz="2400" dirty="0" err="1" smtClean="0"/>
               <a:t>be</a:t>
             </a:r>
             <a:r>
-              <a:rPr lang="nl-NL" dirty="0" smtClean="0"/>
+              <a:rPr lang="nl-NL" sz="2400" dirty="0" smtClean="0"/>
               <a:t> </a:t>
             </a:r>
             <a:r>
-              <a:rPr lang="nl-NL" dirty="0" err="1" smtClean="0"/>
+              <a:rPr lang="nl-NL" sz="2400" dirty="0" err="1" smtClean="0"/>
               <a:t>working</a:t>
             </a:r>
             <a:r>
-              <a:rPr lang="nl-NL" dirty="0" smtClean="0"/>
+              <a:rPr lang="nl-NL" sz="2400" dirty="0" smtClean="0"/>
               <a:t> </a:t>
             </a:r>
             <a:r>
-              <a:rPr lang="nl-NL" dirty="0" err="1" smtClean="0"/>
+              <a:rPr lang="nl-NL" sz="2400" dirty="0" err="1" smtClean="0"/>
               <a:t>with</a:t>
             </a:r>
             <a:r>
-              <a:rPr lang="nl-NL" dirty="0" smtClean="0"/>
+              <a:rPr lang="nl-NL" sz="2400" dirty="0" smtClean="0"/>
               <a:t> </a:t>
             </a:r>
             <a:r>
-              <a:rPr lang="nl-NL" dirty="0" err="1" smtClean="0"/>
+              <a:rPr lang="nl-NL" sz="2400" dirty="0" err="1" smtClean="0"/>
               <a:t>it</a:t>
             </a:r>
             <a:r>
-              <a:rPr lang="nl-NL" dirty="0" smtClean="0"/>
+              <a:rPr lang="nl-NL" sz="2400" dirty="0" smtClean="0"/>
               <a:t> a lot.</a:t>
             </a:r>
           </a:p>
           <a:p>
-            <a:endParaRPr lang="nl-NL" dirty="0"/>
-          </a:p>
-          <a:p>
-            <a:r>
-              <a:rPr lang="nl-NL" dirty="0" smtClean="0">
+            <a:endParaRPr lang="nl-NL" sz="2400" dirty="0"/>
+          </a:p>
+          <a:p>
+            <a:r>
+              <a:rPr lang="nl-NL" sz="2400" dirty="0" smtClean="0">
                 <a:hlinkClick r:id="rId2"/>
               </a:rPr>
               <a:t>Scraped </a:t>
             </a:r>
             <a:r>
-              <a:rPr lang="nl-NL" dirty="0" err="1">
+              <a:rPr lang="nl-NL" sz="2400" dirty="0" err="1">
                 <a:hlinkClick r:id="rId2"/>
               </a:rPr>
               <a:t>F</a:t>
             </a:r>
             <a:r>
-              <a:rPr lang="nl-NL" dirty="0" err="1" smtClean="0">
+              <a:rPr lang="nl-NL" sz="2400" dirty="0" err="1" smtClean="0">
                 <a:hlinkClick r:id="rId2"/>
               </a:rPr>
               <a:t>unda</a:t>
             </a:r>
             <a:r>
-              <a:rPr lang="nl-NL" dirty="0" smtClean="0">
+              <a:rPr lang="nl-NL" sz="2400" dirty="0" smtClean="0">
                 <a:hlinkClick r:id="rId2"/>
               </a:rPr>
-              <a:t> dataset</a:t>
-            </a:r>
-            <a:r>
-              <a:rPr lang="nl-NL" dirty="0" smtClean="0"/>
+              <a:t> </a:t>
+            </a:r>
+            <a:r>
+              <a:rPr lang="nl-NL" sz="2400" dirty="0" smtClean="0">
+                <a:hlinkClick r:id="rId2"/>
+              </a:rPr>
+              <a:t>data set</a:t>
+            </a:r>
+            <a:r>
+              <a:rPr lang="nl-NL" sz="2400" dirty="0" smtClean="0"/>
               <a:t>: house </a:t>
             </a:r>
             <a:r>
-              <a:rPr lang="nl-NL" dirty="0" err="1" smtClean="0"/>
+              <a:rPr lang="nl-NL" sz="2400" dirty="0" err="1" smtClean="0"/>
               <a:t>listings</a:t>
             </a:r>
             <a:r>
-              <a:rPr lang="nl-NL" dirty="0" smtClean="0"/>
+              <a:rPr lang="nl-NL" sz="2400" dirty="0" smtClean="0"/>
               <a:t> in Amsterdam. Will </a:t>
             </a:r>
             <a:r>
-              <a:rPr lang="nl-NL" dirty="0" err="1" smtClean="0"/>
+              <a:rPr lang="nl-NL" sz="2400" dirty="0" err="1" smtClean="0"/>
               <a:t>be</a:t>
             </a:r>
             <a:r>
-              <a:rPr lang="nl-NL" dirty="0" smtClean="0"/>
+              <a:rPr lang="nl-NL" sz="2400" dirty="0" smtClean="0"/>
               <a:t> </a:t>
             </a:r>
             <a:r>
-              <a:rPr lang="nl-NL" dirty="0" err="1" smtClean="0"/>
+              <a:rPr lang="nl-NL" sz="2400" dirty="0" err="1" smtClean="0"/>
               <a:t>used</a:t>
             </a:r>
             <a:r>
-              <a:rPr lang="nl-NL" dirty="0" smtClean="0"/>
+              <a:rPr lang="nl-NL" sz="2400" dirty="0" smtClean="0"/>
               <a:t> these </a:t>
             </a:r>
             <a:r>
-              <a:rPr lang="nl-NL" dirty="0" err="1" smtClean="0"/>
+              <a:rPr lang="nl-NL" sz="2400" dirty="0" err="1" smtClean="0"/>
               <a:t>two</a:t>
             </a:r>
             <a:r>
-              <a:rPr lang="nl-NL" dirty="0" smtClean="0"/>
+              <a:rPr lang="nl-NL" sz="2400" dirty="0" smtClean="0"/>
               <a:t> weeks.</a:t>
             </a:r>
-            <a:endParaRPr lang="nl-NL" dirty="0"/>
+            <a:endParaRPr lang="nl-NL" sz="2400" dirty="0"/>
           </a:p>
         </p:txBody>
       </p:sp>
@@ -19141,7 +19759,7 @@
 </p:sld>
 </file>
 
-<file path=ppt/slides/slide23.xml><?xml version="1.0" encoding="utf-8"?>
+<file path=ppt/slides/slide25.xml><?xml version="1.0" encoding="utf-8"?>
 <p:sld xmlns:a="http://schemas.openxmlformats.org/drawingml/2006/main" xmlns:r="http://schemas.openxmlformats.org/officeDocument/2006/relationships" xmlns:p="http://schemas.openxmlformats.org/presentationml/2006/main">
   <p:cSld>
     <p:spTree>
@@ -19305,7 +19923,7 @@
         <p:spPr bwMode="auto">
           <a:xfrm>
             <a:off x="683568" y="1700808"/>
-            <a:ext cx="7881938" cy="6081665"/>
+            <a:ext cx="7881938" cy="6297108"/>
           </a:xfrm>
           <a:prstGeom prst="rect">
             <a:avLst/>
@@ -19657,21 +20275,14 @@
                 <a:latin typeface="Courier New" panose="02070309020205020404" pitchFamily="49" charset="0"/>
                 <a:cs typeface="Courier New" panose="02070309020205020404" pitchFamily="49" charset="0"/>
               </a:rPr>
-              <a:t> data set in the </a:t>
-            </a:r>
-            <a:r>
-              <a:rPr lang="nl-NL" sz="1400" kern="0" dirty="0" err="1" smtClean="0">
-                <a:latin typeface="Courier New" panose="02070309020205020404" pitchFamily="49" charset="0"/>
-                <a:cs typeface="Courier New" panose="02070309020205020404" pitchFamily="49" charset="0"/>
-              </a:rPr>
-              <a:t>Exercises</a:t>
+              <a:t> data </a:t>
             </a:r>
             <a:r>
               <a:rPr lang="nl-NL" sz="1400" kern="0" dirty="0" smtClean="0">
                 <a:latin typeface="Courier New" panose="02070309020205020404" pitchFamily="49" charset="0"/>
                 <a:cs typeface="Courier New" panose="02070309020205020404" pitchFamily="49" charset="0"/>
               </a:rPr>
-              <a:t> folder.</a:t>
+              <a:t>set.</a:t>
             </a:r>
           </a:p>
           <a:p>
@@ -19694,13 +20305,62 @@
                 <a:latin typeface="Courier New" panose="02070309020205020404" pitchFamily="49" charset="0"/>
                 <a:cs typeface="Courier New" panose="02070309020205020404" pitchFamily="49" charset="0"/>
               </a:rPr>
-              <a:t>Make a </a:t>
+              <a:t>Clean up the </a:t>
+            </a:r>
+            <a:r>
+              <a:rPr lang="nl-NL" sz="1400" i="1" kern="0" dirty="0" err="1" smtClean="0">
+                <a:latin typeface="Courier New" panose="02070309020205020404" pitchFamily="49" charset="0"/>
+                <a:cs typeface="Courier New" panose="02070309020205020404" pitchFamily="49" charset="0"/>
+              </a:rPr>
+              <a:t>price</a:t>
+            </a:r>
+            <a:r>
+              <a:rPr lang="nl-NL" sz="1400" kern="0" dirty="0" smtClean="0">
+                <a:latin typeface="Courier New" panose="02070309020205020404" pitchFamily="49" charset="0"/>
+                <a:cs typeface="Courier New" panose="02070309020205020404" pitchFamily="49" charset="0"/>
+              </a:rPr>
+              <a:t> </a:t>
             </a:r>
             <a:r>
               <a:rPr lang="nl-NL" sz="1400" kern="0" dirty="0" err="1" smtClean="0">
                 <a:latin typeface="Courier New" panose="02070309020205020404" pitchFamily="49" charset="0"/>
                 <a:cs typeface="Courier New" panose="02070309020205020404" pitchFamily="49" charset="0"/>
               </a:rPr>
+              <a:t>variable</a:t>
+            </a:r>
+            <a:r>
+              <a:rPr lang="nl-NL" sz="1400" kern="0" dirty="0" smtClean="0">
+                <a:latin typeface="Courier New" panose="02070309020205020404" pitchFamily="49" charset="0"/>
+                <a:cs typeface="Courier New" panose="02070309020205020404" pitchFamily="49" charset="0"/>
+              </a:rPr>
+              <a:t> as in </a:t>
+            </a:r>
+            <a:r>
+              <a:rPr lang="nl-NL" sz="1400" kern="0" dirty="0" err="1" smtClean="0">
+                <a:latin typeface="Courier New" panose="02070309020205020404" pitchFamily="49" charset="0"/>
+                <a:cs typeface="Courier New" panose="02070309020205020404" pitchFamily="49" charset="0"/>
+              </a:rPr>
+              <a:t>Exercise</a:t>
+            </a:r>
+            <a:r>
+              <a:rPr lang="nl-NL" sz="1400" kern="0" dirty="0" smtClean="0">
+                <a:latin typeface="Courier New" panose="02070309020205020404" pitchFamily="49" charset="0"/>
+                <a:cs typeface="Courier New" panose="02070309020205020404" pitchFamily="49" charset="0"/>
+              </a:rPr>
+              <a:t> 2. Make </a:t>
+            </a:r>
+            <a:r>
+              <a:rPr lang="nl-NL" sz="1400" kern="0" dirty="0" smtClean="0">
+                <a:latin typeface="Courier New" panose="02070309020205020404" pitchFamily="49" charset="0"/>
+                <a:cs typeface="Courier New" panose="02070309020205020404" pitchFamily="49" charset="0"/>
+              </a:rPr>
+              <a:t>a </a:t>
+            </a:r>
+            <a:r>
+              <a:rPr lang="nl-NL" sz="1400" kern="0" dirty="0" err="1" smtClean="0">
+                <a:latin typeface="Courier New" panose="02070309020205020404" pitchFamily="49" charset="0"/>
+                <a:cs typeface="Courier New" panose="02070309020205020404" pitchFamily="49" charset="0"/>
+              </a:rPr>
               <a:t>scatter</a:t>
             </a:r>
             <a:r>
@@ -19715,6 +20375,34 @@
                 <a:latin typeface="Courier New" panose="02070309020205020404" pitchFamily="49" charset="0"/>
                 <a:cs typeface="Courier New" panose="02070309020205020404" pitchFamily="49" charset="0"/>
               </a:rPr>
+              <a:t>price</a:t>
+            </a:r>
+            <a:r>
+              <a:rPr lang="nl-NL" sz="1400" kern="0" dirty="0" smtClean="0">
+                <a:latin typeface="Courier New" panose="02070309020205020404" pitchFamily="49" charset="0"/>
+                <a:cs typeface="Courier New" panose="02070309020205020404" pitchFamily="49" charset="0"/>
+              </a:rPr>
+              <a:t> </a:t>
+            </a:r>
+            <a:r>
+              <a:rPr lang="nl-NL" sz="1400" kern="0" dirty="0" err="1" smtClean="0">
+                <a:latin typeface="Courier New" panose="02070309020205020404" pitchFamily="49" charset="0"/>
+                <a:cs typeface="Courier New" panose="02070309020205020404" pitchFamily="49" charset="0"/>
+              </a:rPr>
+              <a:t>and</a:t>
+            </a:r>
+            <a:r>
+              <a:rPr lang="nl-NL" sz="1400" kern="0" dirty="0" smtClean="0">
+                <a:latin typeface="Courier New" panose="02070309020205020404" pitchFamily="49" charset="0"/>
+                <a:cs typeface="Courier New" panose="02070309020205020404" pitchFamily="49" charset="0"/>
+              </a:rPr>
+              <a:t> </a:t>
+            </a:r>
+            <a:r>
+              <a:rPr lang="nl-NL" sz="1400" kern="0" dirty="0" err="1" smtClean="0">
+                <a:latin typeface="Courier New" panose="02070309020205020404" pitchFamily="49" charset="0"/>
+                <a:cs typeface="Courier New" panose="02070309020205020404" pitchFamily="49" charset="0"/>
+              </a:rPr>
               <a:t>surface</a:t>
             </a:r>
             <a:r>
@@ -19722,13 +20410,41 @@
                 <a:latin typeface="Courier New" panose="02070309020205020404" pitchFamily="49" charset="0"/>
                 <a:cs typeface="Courier New" panose="02070309020205020404" pitchFamily="49" charset="0"/>
               </a:rPr>
-              <a:t> area </a:t>
+              <a:t> area, </a:t>
             </a:r>
             <a:r>
               <a:rPr lang="nl-NL" sz="1400" kern="0" dirty="0" err="1" smtClean="0">
                 <a:latin typeface="Courier New" panose="02070309020205020404" pitchFamily="49" charset="0"/>
                 <a:cs typeface="Courier New" panose="02070309020205020404" pitchFamily="49" charset="0"/>
               </a:rPr>
+              <a:t>both</a:t>
+            </a:r>
+            <a:r>
+              <a:rPr lang="nl-NL" sz="1400" kern="0" dirty="0" smtClean="0">
+                <a:latin typeface="Courier New" panose="02070309020205020404" pitchFamily="49" charset="0"/>
+                <a:cs typeface="Courier New" panose="02070309020205020404" pitchFamily="49" charset="0"/>
+              </a:rPr>
+              <a:t> </a:t>
+            </a:r>
+            <a:r>
+              <a:rPr lang="nl-NL" sz="1400" kern="0" dirty="0" err="1" smtClean="0">
+                <a:latin typeface="Courier New" panose="02070309020205020404" pitchFamily="49" charset="0"/>
+                <a:cs typeface="Courier New" panose="02070309020205020404" pitchFamily="49" charset="0"/>
+              </a:rPr>
+              <a:t>with</a:t>
+            </a:r>
+            <a:r>
+              <a:rPr lang="nl-NL" sz="1400" kern="0" dirty="0" smtClean="0">
+                <a:latin typeface="Courier New" panose="02070309020205020404" pitchFamily="49" charset="0"/>
+                <a:cs typeface="Courier New" panose="02070309020205020404" pitchFamily="49" charset="0"/>
+              </a:rPr>
+              <a:t> </a:t>
+            </a:r>
+            <a:r>
+              <a:rPr lang="nl-NL" sz="1400" kern="0" dirty="0" err="1" smtClean="0">
+                <a:latin typeface="Courier New" panose="02070309020205020404" pitchFamily="49" charset="0"/>
+                <a:cs typeface="Courier New" panose="02070309020205020404" pitchFamily="49" charset="0"/>
+              </a:rPr>
               <a:t>and</a:t>
             </a:r>
             <a:r>
@@ -19736,6 +20452,34 @@
                 <a:latin typeface="Courier New" panose="02070309020205020404" pitchFamily="49" charset="0"/>
                 <a:cs typeface="Courier New" panose="02070309020205020404" pitchFamily="49" charset="0"/>
               </a:rPr>
+              <a:t> without a </a:t>
+            </a:r>
+            <a:r>
+              <a:rPr lang="nl-NL" sz="1400" kern="0" dirty="0" err="1" smtClean="0">
+                <a:latin typeface="Courier New" panose="02070309020205020404" pitchFamily="49" charset="0"/>
+                <a:cs typeface="Courier New" panose="02070309020205020404" pitchFamily="49" charset="0"/>
+              </a:rPr>
+              <a:t>regression</a:t>
+            </a:r>
+            <a:r>
+              <a:rPr lang="nl-NL" sz="1400" kern="0" dirty="0" smtClean="0">
+                <a:latin typeface="Courier New" panose="02070309020205020404" pitchFamily="49" charset="0"/>
+                <a:cs typeface="Courier New" panose="02070309020205020404" pitchFamily="49" charset="0"/>
+              </a:rPr>
+              <a:t> line. </a:t>
+            </a:r>
+            <a:r>
+              <a:rPr lang="nl-NL" sz="1400" kern="0" dirty="0" err="1" smtClean="0">
+                <a:latin typeface="Courier New" panose="02070309020205020404" pitchFamily="49" charset="0"/>
+                <a:cs typeface="Courier New" panose="02070309020205020404" pitchFamily="49" charset="0"/>
+              </a:rPr>
+              <a:t>Which</a:t>
+            </a:r>
+            <a:r>
+              <a:rPr lang="nl-NL" sz="1400" kern="0" dirty="0" smtClean="0">
+                <a:latin typeface="Courier New" panose="02070309020205020404" pitchFamily="49" charset="0"/>
+                <a:cs typeface="Courier New" panose="02070309020205020404" pitchFamily="49" charset="0"/>
+              </a:rPr>
               <a:t> </a:t>
             </a:r>
             <a:r>
@@ -19743,21 +20487,21 @@
                 <a:latin typeface="Courier New" panose="02070309020205020404" pitchFamily="49" charset="0"/>
                 <a:cs typeface="Courier New" panose="02070309020205020404" pitchFamily="49" charset="0"/>
               </a:rPr>
-              <a:t>price</a:t>
+              <a:t>should</a:t>
             </a:r>
             <a:r>
               <a:rPr lang="nl-NL" sz="1400" kern="0" dirty="0" smtClean="0">
                 <a:latin typeface="Courier New" panose="02070309020205020404" pitchFamily="49" charset="0"/>
                 <a:cs typeface="Courier New" panose="02070309020205020404" pitchFamily="49" charset="0"/>
               </a:rPr>
-              <a:t>, </a:t>
+              <a:t> </a:t>
             </a:r>
             <a:r>
               <a:rPr lang="nl-NL" sz="1400" kern="0" dirty="0" err="1" smtClean="0">
                 <a:latin typeface="Courier New" panose="02070309020205020404" pitchFamily="49" charset="0"/>
                 <a:cs typeface="Courier New" panose="02070309020205020404" pitchFamily="49" charset="0"/>
               </a:rPr>
-              <a:t>both</a:t>
+              <a:t>be</a:t>
             </a:r>
             <a:r>
               <a:rPr lang="nl-NL" sz="1400" kern="0" dirty="0" smtClean="0">
@@ -19767,11 +20511,18 @@
               <a:t> </a:t>
             </a:r>
             <a:r>
+              <a:rPr lang="nl-NL" sz="1400" kern="0" dirty="0" smtClean="0">
+                <a:latin typeface="Courier New" panose="02070309020205020404" pitchFamily="49" charset="0"/>
+                <a:cs typeface="Courier New" panose="02070309020205020404" pitchFamily="49" charset="0"/>
+              </a:rPr>
+              <a:t>X </a:t>
+            </a:r>
+            <a:r>
               <a:rPr lang="nl-NL" sz="1400" kern="0" dirty="0" err="1" smtClean="0">
                 <a:latin typeface="Courier New" panose="02070309020205020404" pitchFamily="49" charset="0"/>
                 <a:cs typeface="Courier New" panose="02070309020205020404" pitchFamily="49" charset="0"/>
               </a:rPr>
-              <a:t>with</a:t>
+              <a:t>and</a:t>
             </a:r>
             <a:r>
               <a:rPr lang="nl-NL" sz="1400" kern="0" dirty="0" smtClean="0">
@@ -19785,70 +20536,49 @@
                 <a:latin typeface="Courier New" panose="02070309020205020404" pitchFamily="49" charset="0"/>
                 <a:cs typeface="Courier New" panose="02070309020205020404" pitchFamily="49" charset="0"/>
               </a:rPr>
-              <a:t>and</a:t>
+              <a:t>which</a:t>
             </a:r>
             <a:r>
               <a:rPr lang="nl-NL" sz="1400" kern="0" dirty="0" smtClean="0">
                 <a:latin typeface="Courier New" panose="02070309020205020404" pitchFamily="49" charset="0"/>
                 <a:cs typeface="Courier New" panose="02070309020205020404" pitchFamily="49" charset="0"/>
               </a:rPr>
-              <a:t> without a </a:t>
+              <a:t> </a:t>
             </a:r>
             <a:r>
               <a:rPr lang="nl-NL" sz="1400" kern="0" dirty="0" err="1" smtClean="0">
                 <a:latin typeface="Courier New" panose="02070309020205020404" pitchFamily="49" charset="0"/>
                 <a:cs typeface="Courier New" panose="02070309020205020404" pitchFamily="49" charset="0"/>
               </a:rPr>
-              <a:t>regression</a:t>
+              <a:t>should</a:t>
             </a:r>
             <a:r>
               <a:rPr lang="nl-NL" sz="1400" kern="0" dirty="0" smtClean="0">
                 <a:latin typeface="Courier New" panose="02070309020205020404" pitchFamily="49" charset="0"/>
                 <a:cs typeface="Courier New" panose="02070309020205020404" pitchFamily="49" charset="0"/>
               </a:rPr>
-              <a:t> line. </a:t>
+              <a:t> </a:t>
             </a:r>
             <a:r>
               <a:rPr lang="nl-NL" sz="1400" kern="0" dirty="0" err="1" smtClean="0">
                 <a:latin typeface="Courier New" panose="02070309020205020404" pitchFamily="49" charset="0"/>
                 <a:cs typeface="Courier New" panose="02070309020205020404" pitchFamily="49" charset="0"/>
               </a:rPr>
-              <a:t>Which</a:t>
+              <a:t>be</a:t>
             </a:r>
             <a:r>
               <a:rPr lang="nl-NL" sz="1400" kern="0" dirty="0" smtClean="0">
                 <a:latin typeface="Courier New" panose="02070309020205020404" pitchFamily="49" charset="0"/>
                 <a:cs typeface="Courier New" panose="02070309020205020404" pitchFamily="49" charset="0"/>
               </a:rPr>
-              <a:t> is X </a:t>
-            </a:r>
-            <a:r>
-              <a:rPr lang="nl-NL" sz="1400" kern="0" dirty="0" err="1" smtClean="0">
-                <a:latin typeface="Courier New" panose="02070309020205020404" pitchFamily="49" charset="0"/>
-                <a:cs typeface="Courier New" panose="02070309020205020404" pitchFamily="49" charset="0"/>
-              </a:rPr>
-              <a:t>and</a:t>
+              <a:t> </a:t>
             </a:r>
             <a:r>
               <a:rPr lang="nl-NL" sz="1400" kern="0" dirty="0" smtClean="0">
                 <a:latin typeface="Courier New" panose="02070309020205020404" pitchFamily="49" charset="0"/>
                 <a:cs typeface="Courier New" panose="02070309020205020404" pitchFamily="49" charset="0"/>
               </a:rPr>
-              <a:t> </a:t>
-            </a:r>
-            <a:r>
-              <a:rPr lang="nl-NL" sz="1400" kern="0" dirty="0" err="1" smtClean="0">
-                <a:latin typeface="Courier New" panose="02070309020205020404" pitchFamily="49" charset="0"/>
-                <a:cs typeface="Courier New" panose="02070309020205020404" pitchFamily="49" charset="0"/>
-              </a:rPr>
-              <a:t>which</a:t>
-            </a:r>
-            <a:r>
-              <a:rPr lang="nl-NL" sz="1400" kern="0" dirty="0" smtClean="0">
-                <a:latin typeface="Courier New" panose="02070309020205020404" pitchFamily="49" charset="0"/>
-                <a:cs typeface="Courier New" panose="02070309020205020404" pitchFamily="49" charset="0"/>
-              </a:rPr>
-              <a:t> is Y?</a:t>
+              <a:t>Y?</a:t>
             </a:r>
           </a:p>
           <a:p>
@@ -19871,7 +20601,14 @@
                 <a:latin typeface="Courier New" panose="02070309020205020404" pitchFamily="49" charset="0"/>
                 <a:cs typeface="Courier New" panose="02070309020205020404" pitchFamily="49" charset="0"/>
               </a:rPr>
-              <a:t>Make a </a:t>
+              <a:t>Train </a:t>
+            </a:r>
+            <a:r>
+              <a:rPr lang="nl-NL" sz="1400" kern="0" dirty="0" smtClean="0">
+                <a:latin typeface="Courier New" panose="02070309020205020404" pitchFamily="49" charset="0"/>
+                <a:cs typeface="Courier New" panose="02070309020205020404" pitchFamily="49" charset="0"/>
+              </a:rPr>
+              <a:t>a </a:t>
             </a:r>
             <a:r>
               <a:rPr lang="nl-NL" sz="1400" kern="0" dirty="0" err="1" smtClean="0">
@@ -19920,6 +20657,48 @@
                 <a:latin typeface="Courier New" panose="02070309020205020404" pitchFamily="49" charset="0"/>
                 <a:cs typeface="Courier New" panose="02070309020205020404" pitchFamily="49" charset="0"/>
               </a:rPr>
+              <a:t>using</a:t>
+            </a:r>
+            <a:r>
+              <a:rPr lang="nl-NL" sz="1400" kern="0" dirty="0" smtClean="0">
+                <a:latin typeface="Courier New" panose="02070309020205020404" pitchFamily="49" charset="0"/>
+                <a:cs typeface="Courier New" panose="02070309020205020404" pitchFamily="49" charset="0"/>
+              </a:rPr>
+              <a:t> </a:t>
+            </a:r>
+            <a:r>
+              <a:rPr lang="nl-NL" sz="1400" kern="0" dirty="0" err="1" smtClean="0">
+                <a:latin typeface="Courier New" panose="02070309020205020404" pitchFamily="49" charset="0"/>
+                <a:cs typeface="Courier New" panose="02070309020205020404" pitchFamily="49" charset="0"/>
+              </a:rPr>
+              <a:t>sk-learn</a:t>
+            </a:r>
+            <a:r>
+              <a:rPr lang="nl-NL" sz="1400" kern="0" dirty="0" smtClean="0">
+                <a:latin typeface="Courier New" panose="02070309020205020404" pitchFamily="49" charset="0"/>
+                <a:cs typeface="Courier New" panose="02070309020205020404" pitchFamily="49" charset="0"/>
+              </a:rPr>
+              <a:t>. Write down the complete </a:t>
+            </a:r>
+            <a:r>
+              <a:rPr lang="nl-NL" sz="1400" kern="0" dirty="0" err="1" smtClean="0">
+                <a:latin typeface="Courier New" panose="02070309020205020404" pitchFamily="49" charset="0"/>
+                <a:cs typeface="Courier New" panose="02070309020205020404" pitchFamily="49" charset="0"/>
+              </a:rPr>
+              <a:t>formula</a:t>
+            </a:r>
+            <a:r>
+              <a:rPr lang="nl-NL" sz="1400" kern="0" dirty="0" smtClean="0">
+                <a:latin typeface="Courier New" panose="02070309020205020404" pitchFamily="49" charset="0"/>
+                <a:cs typeface="Courier New" panose="02070309020205020404" pitchFamily="49" charset="0"/>
+              </a:rPr>
+              <a:t> </a:t>
+            </a:r>
+            <a:r>
+              <a:rPr lang="nl-NL" sz="1400" kern="0" dirty="0" err="1" smtClean="0">
+                <a:latin typeface="Courier New" panose="02070309020205020404" pitchFamily="49" charset="0"/>
+                <a:cs typeface="Courier New" panose="02070309020205020404" pitchFamily="49" charset="0"/>
+              </a:rPr>
               <a:t>with</a:t>
             </a:r>
             <a:r>
@@ -19927,127 +20706,117 @@
                 <a:latin typeface="Courier New" panose="02070309020205020404" pitchFamily="49" charset="0"/>
                 <a:cs typeface="Courier New" panose="02070309020205020404" pitchFamily="49" charset="0"/>
               </a:rPr>
-              <a:t> </a:t>
+              <a:t> X, Y </a:t>
             </a:r>
             <a:r>
               <a:rPr lang="nl-NL" sz="1400" kern="0" dirty="0" err="1" smtClean="0">
                 <a:latin typeface="Courier New" panose="02070309020205020404" pitchFamily="49" charset="0"/>
                 <a:cs typeface="Courier New" panose="02070309020205020404" pitchFamily="49" charset="0"/>
               </a:rPr>
-              <a:t>sk-learn</a:t>
+              <a:t>and</a:t>
             </a:r>
             <a:r>
               <a:rPr lang="nl-NL" sz="1400" kern="0" dirty="0" smtClean="0">
                 <a:latin typeface="Courier New" panose="02070309020205020404" pitchFamily="49" charset="0"/>
                 <a:cs typeface="Courier New" panose="02070309020205020404" pitchFamily="49" charset="0"/>
               </a:rPr>
-              <a:t>. Write down the complete </a:t>
+              <a:t> the </a:t>
             </a:r>
             <a:r>
               <a:rPr lang="nl-NL" sz="1400" kern="0" dirty="0" err="1" smtClean="0">
                 <a:latin typeface="Courier New" panose="02070309020205020404" pitchFamily="49" charset="0"/>
                 <a:cs typeface="Courier New" panose="02070309020205020404" pitchFamily="49" charset="0"/>
               </a:rPr>
-              <a:t>formula</a:t>
+              <a:t>coefficients</a:t>
             </a:r>
             <a:r>
               <a:rPr lang="nl-NL" sz="1400" kern="0" dirty="0" smtClean="0">
                 <a:latin typeface="Courier New" panose="02070309020205020404" pitchFamily="49" charset="0"/>
                 <a:cs typeface="Courier New" panose="02070309020205020404" pitchFamily="49" charset="0"/>
               </a:rPr>
-              <a:t> </a:t>
+              <a:t> b</a:t>
+            </a:r>
+            <a:r>
+              <a:rPr lang="nl-NL" sz="1400" kern="0" baseline="-25000" dirty="0" smtClean="0">
+                <a:latin typeface="Courier New" panose="02070309020205020404" pitchFamily="49" charset="0"/>
+                <a:cs typeface="Courier New" panose="02070309020205020404" pitchFamily="49" charset="0"/>
+              </a:rPr>
+              <a:t>0 </a:t>
             </a:r>
             <a:r>
               <a:rPr lang="nl-NL" sz="1400" kern="0" dirty="0" err="1" smtClean="0">
                 <a:latin typeface="Courier New" panose="02070309020205020404" pitchFamily="49" charset="0"/>
                 <a:cs typeface="Courier New" panose="02070309020205020404" pitchFamily="49" charset="0"/>
               </a:rPr>
-              <a:t>with</a:t>
+              <a:t>and</a:t>
             </a:r>
             <a:r>
               <a:rPr lang="nl-NL" sz="1400" kern="0" dirty="0" smtClean="0">
                 <a:latin typeface="Courier New" panose="02070309020205020404" pitchFamily="49" charset="0"/>
                 <a:cs typeface="Courier New" panose="02070309020205020404" pitchFamily="49" charset="0"/>
               </a:rPr>
-              <a:t> X, Y </a:t>
+              <a:t> b</a:t>
+            </a:r>
+            <a:r>
+              <a:rPr lang="nl-NL" sz="1400" kern="0" baseline="-25000" dirty="0" smtClean="0">
+                <a:latin typeface="Courier New" panose="02070309020205020404" pitchFamily="49" charset="0"/>
+                <a:cs typeface="Courier New" panose="02070309020205020404" pitchFamily="49" charset="0"/>
+              </a:rPr>
+              <a:t>1</a:t>
+            </a:r>
+            <a:r>
+              <a:rPr lang="nl-NL" sz="1400" kern="0" dirty="0" smtClean="0">
+                <a:latin typeface="Courier New" panose="02070309020205020404" pitchFamily="49" charset="0"/>
+                <a:cs typeface="Courier New" panose="02070309020205020404" pitchFamily="49" charset="0"/>
+              </a:rPr>
+              <a:t> (as </a:t>
             </a:r>
             <a:r>
               <a:rPr lang="nl-NL" sz="1400" kern="0" dirty="0" err="1" smtClean="0">
                 <a:latin typeface="Courier New" panose="02070309020205020404" pitchFamily="49" charset="0"/>
                 <a:cs typeface="Courier New" panose="02070309020205020404" pitchFamily="49" charset="0"/>
               </a:rPr>
-              <a:t>and</a:t>
+              <a:t>numbers</a:t>
             </a:r>
             <a:r>
               <a:rPr lang="nl-NL" sz="1400" kern="0" dirty="0" smtClean="0">
                 <a:latin typeface="Courier New" panose="02070309020205020404" pitchFamily="49" charset="0"/>
                 <a:cs typeface="Courier New" panose="02070309020205020404" pitchFamily="49" charset="0"/>
               </a:rPr>
-              <a:t> the </a:t>
+              <a:t>). </a:t>
             </a:r>
             <a:r>
               <a:rPr lang="nl-NL" sz="1400" kern="0" dirty="0" err="1" smtClean="0">
                 <a:latin typeface="Courier New" panose="02070309020205020404" pitchFamily="49" charset="0"/>
                 <a:cs typeface="Courier New" panose="02070309020205020404" pitchFamily="49" charset="0"/>
               </a:rPr>
-              <a:t>coefficients</a:t>
+              <a:t>Use</a:t>
             </a:r>
             <a:r>
               <a:rPr lang="nl-NL" sz="1400" kern="0" dirty="0" smtClean="0">
                 <a:latin typeface="Courier New" panose="02070309020205020404" pitchFamily="49" charset="0"/>
                 <a:cs typeface="Courier New" panose="02070309020205020404" pitchFamily="49" charset="0"/>
               </a:rPr>
-              <a:t> b</a:t>
-            </a:r>
-            <a:r>
-              <a:rPr lang="nl-NL" sz="1400" kern="0" baseline="-25000" dirty="0" smtClean="0">
-                <a:latin typeface="Courier New" panose="02070309020205020404" pitchFamily="49" charset="0"/>
-                <a:cs typeface="Courier New" panose="02070309020205020404" pitchFamily="49" charset="0"/>
-              </a:rPr>
-              <a:t>0 </a:t>
+              <a:t> a Markdown </a:t>
             </a:r>
             <a:r>
               <a:rPr lang="nl-NL" sz="1400" kern="0" dirty="0" err="1" smtClean="0">
                 <a:latin typeface="Courier New" panose="02070309020205020404" pitchFamily="49" charset="0"/>
                 <a:cs typeface="Courier New" panose="02070309020205020404" pitchFamily="49" charset="0"/>
               </a:rPr>
-              <a:t>and</a:t>
+              <a:t>cell</a:t>
             </a:r>
             <a:r>
               <a:rPr lang="nl-NL" sz="1400" kern="0" dirty="0" smtClean="0">
                 <a:latin typeface="Courier New" panose="02070309020205020404" pitchFamily="49" charset="0"/>
                 <a:cs typeface="Courier New" panose="02070309020205020404" pitchFamily="49" charset="0"/>
               </a:rPr>
-              <a:t> b</a:t>
-            </a:r>
-            <a:r>
-              <a:rPr lang="nl-NL" sz="1400" kern="0" baseline="-25000" dirty="0" smtClean="0">
-                <a:latin typeface="Courier New" panose="02070309020205020404" pitchFamily="49" charset="0"/>
-                <a:cs typeface="Courier New" panose="02070309020205020404" pitchFamily="49" charset="0"/>
-              </a:rPr>
-              <a:t>1</a:t>
-            </a:r>
-            <a:r>
-              <a:rPr lang="nl-NL" sz="1400" kern="0" dirty="0" smtClean="0">
-                <a:latin typeface="Courier New" panose="02070309020205020404" pitchFamily="49" charset="0"/>
-                <a:cs typeface="Courier New" panose="02070309020205020404" pitchFamily="49" charset="0"/>
-              </a:rPr>
-              <a:t> (as </a:t>
-            </a:r>
-            <a:r>
-              <a:rPr lang="nl-NL" sz="1400" kern="0" dirty="0" err="1" smtClean="0">
-                <a:latin typeface="Courier New" panose="02070309020205020404" pitchFamily="49" charset="0"/>
-                <a:cs typeface="Courier New" panose="02070309020205020404" pitchFamily="49" charset="0"/>
-              </a:rPr>
-              <a:t>numbers</a:t>
-            </a:r>
-            <a:r>
-              <a:rPr lang="nl-NL" sz="1400" kern="0" dirty="0" smtClean="0">
-                <a:latin typeface="Courier New" panose="02070309020205020404" pitchFamily="49" charset="0"/>
-                <a:cs typeface="Courier New" panose="02070309020205020404" pitchFamily="49" charset="0"/>
-              </a:rPr>
-              <a:t>).</a:t>
-            </a:r>
+              <a:t>.</a:t>
+            </a:r>
+            <a:endParaRPr lang="nl-NL" sz="1400" kern="0" dirty="0" smtClean="0">
+              <a:latin typeface="Courier New" panose="02070309020205020404" pitchFamily="49" charset="0"/>
+              <a:cs typeface="Courier New" panose="02070309020205020404" pitchFamily="49" charset="0"/>
+            </a:endParaRPr>
           </a:p>
           <a:p>
             <a:pPr>
@@ -20285,8 +21054,33 @@
                 <a:latin typeface="Courier New" panose="02070309020205020404" pitchFamily="49" charset="0"/>
                 <a:cs typeface="Courier New" panose="02070309020205020404" pitchFamily="49" charset="0"/>
               </a:rPr>
-              <a:t> house XXXXXX?</a:t>
-            </a:r>
+              <a:t> </a:t>
+            </a:r>
+            <a:r>
+              <a:rPr lang="nl-NL" sz="1400" kern="0" dirty="0" smtClean="0">
+                <a:latin typeface="Courier New" panose="02070309020205020404" pitchFamily="49" charset="0"/>
+                <a:cs typeface="Courier New" panose="02070309020205020404" pitchFamily="49" charset="0"/>
+              </a:rPr>
+              <a:t>Baarsjesweg 180III, </a:t>
+            </a:r>
+            <a:r>
+              <a:rPr lang="nl-NL" sz="1400" kern="0" dirty="0" err="1" smtClean="0">
+                <a:latin typeface="Courier New" panose="02070309020205020404" pitchFamily="49" charset="0"/>
+                <a:cs typeface="Courier New" panose="02070309020205020404" pitchFamily="49" charset="0"/>
+              </a:rPr>
+              <a:t>sold</a:t>
+            </a:r>
+            <a:r>
+              <a:rPr lang="nl-NL" sz="1400" kern="0" dirty="0" smtClean="0">
+                <a:latin typeface="Courier New" panose="02070309020205020404" pitchFamily="49" charset="0"/>
+                <a:cs typeface="Courier New" panose="02070309020205020404" pitchFamily="49" charset="0"/>
+              </a:rPr>
+              <a:t> on 10-12-2015?</a:t>
+            </a:r>
+            <a:endParaRPr lang="nl-NL" sz="1400" kern="0" dirty="0" smtClean="0">
+              <a:latin typeface="Courier New" panose="02070309020205020404" pitchFamily="49" charset="0"/>
+              <a:cs typeface="Courier New" panose="02070309020205020404" pitchFamily="49" charset="0"/>
+            </a:endParaRPr>
           </a:p>
           <a:p>
             <a:pPr marL="0" indent="0">
@@ -20380,7 +21174,189 @@
 </p:sld>
 </file>
 
-<file path=ppt/slides/slide24.xml><?xml version="1.0" encoding="utf-8"?>
+<file path=ppt/slides/slide26.xml><?xml version="1.0" encoding="utf-8"?>
+<p:sld xmlns:a="http://schemas.openxmlformats.org/drawingml/2006/main" xmlns:r="http://schemas.openxmlformats.org/officeDocument/2006/relationships" xmlns:p="http://schemas.openxmlformats.org/presentationml/2006/main">
+  <p:cSld>
+    <p:spTree>
+      <p:nvGrpSpPr>
+        <p:cNvPr id="1" name=""/>
+        <p:cNvGrpSpPr/>
+        <p:nvPr/>
+      </p:nvGrpSpPr>
+      <p:grpSpPr>
+        <a:xfrm>
+          <a:off x="0" y="0"/>
+          <a:ext cx="0" cy="0"/>
+          <a:chOff x="0" y="0"/>
+          <a:chExt cx="0" cy="0"/>
+        </a:xfrm>
+      </p:grpSpPr>
+      <p:sp>
+        <p:nvSpPr>
+          <p:cNvPr id="2" name="Titel 1"/>
+          <p:cNvSpPr>
+            <a:spLocks noGrp="1"/>
+          </p:cNvSpPr>
+          <p:nvPr>
+            <p:ph type="title"/>
+          </p:nvPr>
+        </p:nvSpPr>
+        <p:spPr/>
+        <p:txBody>
+          <a:bodyPr/>
+          <a:lstStyle/>
+          <a:p>
+            <a:r>
+              <a:rPr lang="nl-NL" dirty="0" err="1" smtClean="0"/>
+              <a:t>So</a:t>
+            </a:r>
+            <a:r>
+              <a:rPr lang="nl-NL" dirty="0" smtClean="0"/>
+              <a:t>…</a:t>
+            </a:r>
+            <a:endParaRPr lang="nl-NL" dirty="0"/>
+          </a:p>
+        </p:txBody>
+      </p:sp>
+      <p:sp>
+        <p:nvSpPr>
+          <p:cNvPr id="3" name="Tijdelijke aanduiding voor inhoud 2"/>
+          <p:cNvSpPr>
+            <a:spLocks noGrp="1"/>
+          </p:cNvSpPr>
+          <p:nvPr>
+            <p:ph idx="1"/>
+          </p:nvPr>
+        </p:nvSpPr>
+        <p:spPr>
+          <a:xfrm>
+            <a:off x="762000" y="1762125"/>
+            <a:ext cx="7881938" cy="1717393"/>
+          </a:xfrm>
+        </p:spPr>
+        <p:txBody>
+          <a:bodyPr/>
+          <a:lstStyle/>
+          <a:p>
+            <a:r>
+              <a:rPr lang="nl-NL" sz="2400" dirty="0" smtClean="0"/>
+              <a:t>Is </a:t>
+            </a:r>
+            <a:r>
+              <a:rPr lang="nl-NL" sz="2400" dirty="0" err="1" smtClean="0"/>
+              <a:t>it</a:t>
+            </a:r>
+            <a:r>
+              <a:rPr lang="nl-NL" sz="2400" dirty="0" smtClean="0"/>
+              <a:t> a </a:t>
+            </a:r>
+            <a:r>
+              <a:rPr lang="nl-NL" sz="2400" dirty="0" err="1" smtClean="0"/>
+              <a:t>good</a:t>
+            </a:r>
+            <a:r>
+              <a:rPr lang="nl-NL" sz="2400" dirty="0" smtClean="0"/>
+              <a:t> model?</a:t>
+            </a:r>
+          </a:p>
+          <a:p>
+            <a:endParaRPr lang="nl-NL" sz="2400" dirty="0"/>
+          </a:p>
+          <a:p>
+            <a:r>
+              <a:rPr lang="nl-NL" sz="2400" dirty="0" err="1" smtClean="0"/>
+              <a:t>You’ll</a:t>
+            </a:r>
+            <a:r>
+              <a:rPr lang="nl-NL" sz="2400" dirty="0" smtClean="0"/>
+              <a:t> </a:t>
+            </a:r>
+            <a:r>
+              <a:rPr lang="nl-NL" sz="2400" dirty="0" err="1" smtClean="0"/>
+              <a:t>learn</a:t>
+            </a:r>
+            <a:r>
+              <a:rPr lang="nl-NL" sz="2400" dirty="0" smtClean="0"/>
+              <a:t> more </a:t>
+            </a:r>
+            <a:r>
+              <a:rPr lang="nl-NL" sz="2400" dirty="0" err="1" smtClean="0"/>
+              <a:t>about</a:t>
+            </a:r>
+            <a:r>
+              <a:rPr lang="nl-NL" sz="2400" dirty="0" smtClean="0"/>
+              <a:t> </a:t>
+            </a:r>
+            <a:r>
+              <a:rPr lang="nl-NL" sz="2400" dirty="0" err="1" smtClean="0"/>
+              <a:t>how</a:t>
+            </a:r>
+            <a:r>
+              <a:rPr lang="nl-NL" sz="2400" dirty="0" smtClean="0"/>
+              <a:t> </a:t>
+            </a:r>
+            <a:r>
+              <a:rPr lang="nl-NL" sz="2400" dirty="0" err="1" smtClean="0"/>
+              <a:t>to</a:t>
+            </a:r>
+            <a:r>
+              <a:rPr lang="nl-NL" sz="2400" dirty="0" smtClean="0"/>
+              <a:t> </a:t>
+            </a:r>
+            <a:r>
+              <a:rPr lang="nl-NL" sz="2400" dirty="0" err="1" smtClean="0"/>
+              <a:t>evaluate</a:t>
+            </a:r>
+            <a:r>
+              <a:rPr lang="nl-NL" sz="2400" dirty="0" smtClean="0"/>
+              <a:t> </a:t>
+            </a:r>
+            <a:r>
+              <a:rPr lang="nl-NL" sz="2400" dirty="0" err="1" smtClean="0"/>
+              <a:t>linear</a:t>
+            </a:r>
+            <a:r>
+              <a:rPr lang="nl-NL" sz="2400" dirty="0" smtClean="0"/>
+              <a:t> </a:t>
+            </a:r>
+            <a:r>
+              <a:rPr lang="nl-NL" sz="2400" dirty="0" err="1" smtClean="0"/>
+              <a:t>regression</a:t>
+            </a:r>
+            <a:r>
+              <a:rPr lang="nl-NL" sz="2400" dirty="0" smtClean="0"/>
+              <a:t> </a:t>
+            </a:r>
+            <a:r>
+              <a:rPr lang="nl-NL" sz="2400" dirty="0" err="1" smtClean="0"/>
+              <a:t>models</a:t>
+            </a:r>
+            <a:r>
+              <a:rPr lang="nl-NL" sz="2400" dirty="0" smtClean="0"/>
+              <a:t> on </a:t>
+            </a:r>
+            <a:r>
+              <a:rPr lang="nl-NL" sz="2400" dirty="0" err="1" smtClean="0"/>
+              <a:t>Wednesday</a:t>
+            </a:r>
+            <a:endParaRPr lang="nl-NL" sz="2400" dirty="0"/>
+          </a:p>
+        </p:txBody>
+      </p:sp>
+    </p:spTree>
+    <p:extLst>
+      <p:ext uri="{BB962C8B-B14F-4D97-AF65-F5344CB8AC3E}">
+        <p14:creationId xmlns:p14="http://schemas.microsoft.com/office/powerpoint/2010/main" val="2569880446"/>
+      </p:ext>
+    </p:extLst>
+  </p:cSld>
+  <p:clrMapOvr>
+    <a:masterClrMapping/>
+  </p:clrMapOvr>
+</p:sld>
+</file>
+
+<file path=ppt/slides/slide27.xml><?xml version="1.0" encoding="utf-8"?>
 <p:sld xmlns:a="http://schemas.openxmlformats.org/drawingml/2006/main" xmlns:r="http://schemas.openxmlformats.org/officeDocument/2006/relationships" xmlns:p="http://schemas.openxmlformats.org/presentationml/2006/main">
   <p:cSld>
     <p:spTree>
@@ -20604,45 +21580,102 @@
           <a:chExt cx="0" cy="0"/>
         </a:xfrm>
       </p:grpSpPr>
+      <p:pic>
+        <p:nvPicPr>
+          <p:cNvPr id="4" name="Picture 2" descr="http://i.stack.imgur.com/TWQaB.jpg"/>
+          <p:cNvPicPr>
+            <a:picLocks noChangeAspect="1" noChangeArrowheads="1"/>
+          </p:cNvPicPr>
+          <p:nvPr/>
+        </p:nvPicPr>
+        <p:blipFill>
+          <a:blip r:embed="rId2">
+            <a:extLst>
+              <a:ext uri="{28A0092B-C50C-407E-A947-70E740481C1C}">
+                <a14:useLocalDpi xmlns:a14="http://schemas.microsoft.com/office/drawing/2010/main" val="0"/>
+              </a:ext>
+            </a:extLst>
+          </a:blip>
+          <a:srcRect/>
+          <a:stretch>
+            <a:fillRect/>
+          </a:stretch>
+        </p:blipFill>
+        <p:spPr bwMode="auto">
+          <a:xfrm>
+            <a:off x="2095508" y="1186750"/>
+            <a:ext cx="4914900" cy="4305301"/>
+          </a:xfrm>
+          <a:prstGeom prst="rect">
+            <a:avLst/>
+          </a:prstGeom>
+          <a:noFill/>
+          <a:extLst>
+            <a:ext uri="{909E8E84-426E-40DD-AFC4-6F175D3DCCD1}">
+              <a14:hiddenFill xmlns:a14="http://schemas.microsoft.com/office/drawing/2010/main">
+                <a:solidFill>
+                  <a:srgbClr val="FFFFFF"/>
+                </a:solidFill>
+              </a14:hiddenFill>
+            </a:ext>
+          </a:extLst>
+        </p:spPr>
+      </p:pic>
       <p:sp>
         <p:nvSpPr>
-          <p:cNvPr id="2" name="Titel 1"/>
-          <p:cNvSpPr>
-            <a:spLocks noGrp="1"/>
-          </p:cNvSpPr>
-          <p:nvPr>
-            <p:ph type="title"/>
-          </p:nvPr>
+          <p:cNvPr id="5" name="Tekstvak 4"/>
+          <p:cNvSpPr txBox="1"/>
+          <p:nvPr/>
         </p:nvSpPr>
-        <p:spPr/>
+        <p:spPr>
+          <a:xfrm>
+            <a:off x="1979712" y="5690440"/>
+            <a:ext cx="6810582" cy="646331"/>
+          </a:xfrm>
+          <a:prstGeom prst="rect">
+            <a:avLst/>
+          </a:prstGeom>
+          <a:noFill/>
+        </p:spPr>
         <p:txBody>
-          <a:bodyPr/>
+          <a:bodyPr wrap="none" rtlCol="0">
+            <a:spAutoFit/>
+          </a:bodyPr>
           <a:lstStyle/>
           <a:p>
             <a:r>
-              <a:rPr lang="nl-NL" dirty="0" smtClean="0"/>
-              <a:t>Intro</a:t>
-            </a:r>
-            <a:endParaRPr lang="nl-NL" dirty="0"/>
-          </a:p>
-        </p:txBody>
-      </p:sp>
-      <p:sp>
-        <p:nvSpPr>
-          <p:cNvPr id="3" name="Tijdelijke aanduiding voor inhoud 2"/>
-          <p:cNvSpPr>
-            <a:spLocks noGrp="1"/>
-          </p:cNvSpPr>
-          <p:nvPr>
-            <p:ph idx="1"/>
-          </p:nvPr>
-        </p:nvSpPr>
-        <p:spPr/>
-        <p:txBody>
-          <a:bodyPr/>
-          <a:lstStyle/>
-          <a:p>
-            <a:endParaRPr lang="nl-NL"/>
+              <a:rPr lang="en-US" dirty="0" smtClean="0">
+                <a:hlinkClick r:id="rId3"/>
+              </a:rPr>
+              <a:t>Does chocolate consumption really boost Nobel Award chances?</a:t>
+            </a:r>
+          </a:p>
+          <a:p>
+            <a:r>
+              <a:rPr lang="nl-NL" dirty="0" err="1" smtClean="0">
+                <a:hlinkClick r:id="rId3"/>
+              </a:rPr>
+              <a:t>Maurage</a:t>
+            </a:r>
+            <a:r>
+              <a:rPr lang="nl-NL" dirty="0" smtClean="0">
+                <a:hlinkClick r:id="rId3"/>
+              </a:rPr>
+              <a:t>, Heeren, &amp; </a:t>
+            </a:r>
+            <a:r>
+              <a:rPr lang="nl-NL" dirty="0" err="1" smtClean="0">
+                <a:hlinkClick r:id="rId3"/>
+              </a:rPr>
+              <a:t>Pesenti</a:t>
+            </a:r>
+            <a:r>
+              <a:rPr lang="nl-NL" dirty="0" smtClean="0">
+                <a:hlinkClick r:id="rId3"/>
+              </a:rPr>
+              <a:t> (2013)</a:t>
+            </a:r>
+            <a:endParaRPr lang="en-US" dirty="0"/>
           </a:p>
         </p:txBody>
       </p:sp>
@@ -20693,7 +21726,11 @@
           <a:p>
             <a:r>
               <a:rPr lang="nl-NL" dirty="0" smtClean="0"/>
-              <a:t>Feedback</a:t>
+              <a:t>Feedback </a:t>
+            </a:r>
+            <a:r>
+              <a:rPr lang="nl-NL" dirty="0" err="1" smtClean="0"/>
+              <a:t>exercises</a:t>
             </a:r>
             <a:endParaRPr lang="nl-NL" dirty="0"/>
           </a:p>
@@ -20709,15 +21746,268 @@
             <p:ph idx="1"/>
           </p:nvPr>
         </p:nvSpPr>
-        <p:spPr/>
+        <p:spPr>
+          <a:xfrm>
+            <a:off x="762000" y="1762125"/>
+            <a:ext cx="7881938" cy="3416320"/>
+          </a:xfrm>
+        </p:spPr>
         <p:txBody>
           <a:bodyPr/>
           <a:lstStyle/>
           <a:p>
-            <a:endParaRPr lang="nl-NL"/>
+            <a:r>
+              <a:rPr lang="nl-NL" sz="2400" dirty="0" err="1" smtClean="0"/>
+              <a:t>If</a:t>
+            </a:r>
+            <a:r>
+              <a:rPr lang="nl-NL" sz="2400" dirty="0" smtClean="0"/>
+              <a:t> </a:t>
+            </a:r>
+            <a:r>
+              <a:rPr lang="nl-NL" sz="2400" dirty="0" err="1" smtClean="0"/>
+              <a:t>you</a:t>
+            </a:r>
+            <a:r>
+              <a:rPr lang="nl-NL" sz="2400" dirty="0" smtClean="0"/>
+              <a:t> </a:t>
+            </a:r>
+            <a:r>
+              <a:rPr lang="nl-NL" sz="2400" dirty="0" err="1" smtClean="0"/>
+              <a:t>don’t</a:t>
+            </a:r>
+            <a:r>
+              <a:rPr lang="nl-NL" sz="2400" dirty="0" smtClean="0"/>
+              <a:t> have the </a:t>
+            </a:r>
+            <a:r>
+              <a:rPr lang="nl-NL" sz="2400" dirty="0" err="1" smtClean="0"/>
+              <a:t>latest</a:t>
+            </a:r>
+            <a:r>
+              <a:rPr lang="nl-NL" sz="2400" dirty="0" smtClean="0"/>
+              <a:t> </a:t>
+            </a:r>
+            <a:r>
+              <a:rPr lang="nl-NL" sz="2400" dirty="0" err="1" smtClean="0"/>
+              <a:t>version</a:t>
+            </a:r>
+            <a:r>
+              <a:rPr lang="nl-NL" sz="2400" dirty="0" smtClean="0"/>
+              <a:t> of Seaborn: </a:t>
+            </a:r>
+            <a:r>
+              <a:rPr lang="nl-NL" sz="2400" dirty="0" smtClean="0">
+                <a:latin typeface="Courier New" panose="02070309020205020404" pitchFamily="49" charset="0"/>
+                <a:cs typeface="Courier New" panose="02070309020205020404" pitchFamily="49" charset="0"/>
+              </a:rPr>
+              <a:t>pip </a:t>
+            </a:r>
+            <a:r>
+              <a:rPr lang="nl-NL" sz="2400" dirty="0" err="1" smtClean="0">
+                <a:latin typeface="Courier New" panose="02070309020205020404" pitchFamily="49" charset="0"/>
+                <a:cs typeface="Courier New" panose="02070309020205020404" pitchFamily="49" charset="0"/>
+              </a:rPr>
+              <a:t>install</a:t>
+            </a:r>
+            <a:r>
+              <a:rPr lang="nl-NL" sz="2400" dirty="0" smtClean="0">
+                <a:latin typeface="Courier New" panose="02070309020205020404" pitchFamily="49" charset="0"/>
+                <a:cs typeface="Courier New" panose="02070309020205020404" pitchFamily="49" charset="0"/>
+              </a:rPr>
+              <a:t> </a:t>
+            </a:r>
+            <a:r>
+              <a:rPr lang="nl-NL" sz="2400" dirty="0" err="1" smtClean="0">
+                <a:latin typeface="Courier New" panose="02070309020205020404" pitchFamily="49" charset="0"/>
+                <a:cs typeface="Courier New" panose="02070309020205020404" pitchFamily="49" charset="0"/>
+              </a:rPr>
+              <a:t>seaborn</a:t>
+            </a:r>
+            <a:r>
+              <a:rPr lang="nl-NL" sz="2400" dirty="0" smtClean="0">
+                <a:latin typeface="Courier New" panose="02070309020205020404" pitchFamily="49" charset="0"/>
+                <a:cs typeface="Courier New" panose="02070309020205020404" pitchFamily="49" charset="0"/>
+              </a:rPr>
+              <a:t> –upgrade </a:t>
+            </a:r>
+            <a:r>
+              <a:rPr lang="nl-NL" sz="2400" dirty="0" smtClean="0">
+                <a:latin typeface="+mj-lt"/>
+                <a:cs typeface="Courier New" panose="02070309020205020404" pitchFamily="49" charset="0"/>
+              </a:rPr>
+              <a:t>in Anaconda prompt (</a:t>
+            </a:r>
+            <a:r>
+              <a:rPr lang="nl-NL" sz="2400" dirty="0" err="1" smtClean="0">
+                <a:latin typeface="+mj-lt"/>
+                <a:cs typeface="Courier New" panose="02070309020205020404" pitchFamily="49" charset="0"/>
+              </a:rPr>
+              <a:t>thanks</a:t>
+            </a:r>
+            <a:r>
+              <a:rPr lang="nl-NL" sz="2400" dirty="0" smtClean="0">
+                <a:latin typeface="+mj-lt"/>
+                <a:cs typeface="Courier New" panose="02070309020205020404" pitchFamily="49" charset="0"/>
+              </a:rPr>
+              <a:t> Leon)</a:t>
+            </a:r>
+          </a:p>
+          <a:p>
+            <a:endParaRPr lang="nl-NL" sz="2400" dirty="0">
+              <a:latin typeface="+mj-lt"/>
+              <a:cs typeface="Courier New" panose="02070309020205020404" pitchFamily="49" charset="0"/>
+            </a:endParaRPr>
+          </a:p>
+          <a:p>
+            <a:r>
+              <a:rPr lang="nl-NL" sz="2400" dirty="0" err="1" smtClean="0">
+                <a:latin typeface="+mj-lt"/>
+                <a:cs typeface="Courier New" panose="02070309020205020404" pitchFamily="49" charset="0"/>
+              </a:rPr>
+              <a:t>Remember</a:t>
+            </a:r>
+            <a:r>
+              <a:rPr lang="nl-NL" sz="2400" dirty="0" smtClean="0">
+                <a:latin typeface="+mj-lt"/>
+                <a:cs typeface="Courier New" panose="02070309020205020404" pitchFamily="49" charset="0"/>
+              </a:rPr>
+              <a:t>: </a:t>
+            </a:r>
+            <a:r>
+              <a:rPr lang="nl-NL" sz="2400" i="1" dirty="0" smtClean="0">
+                <a:latin typeface="+mj-lt"/>
+                <a:cs typeface="Courier New" panose="02070309020205020404" pitchFamily="49" charset="0"/>
+              </a:rPr>
+              <a:t>p </a:t>
+            </a:r>
+            <a:r>
+              <a:rPr lang="nl-NL" sz="2400" b="1" dirty="0" smtClean="0">
+                <a:solidFill>
+                  <a:srgbClr val="FF0000"/>
+                </a:solidFill>
+                <a:latin typeface="+mj-lt"/>
+                <a:cs typeface="Courier New" panose="02070309020205020404" pitchFamily="49" charset="0"/>
+              </a:rPr>
+              <a:t>&lt;</a:t>
+            </a:r>
+            <a:r>
+              <a:rPr lang="nl-NL" sz="2400" dirty="0" smtClean="0">
+                <a:latin typeface="+mj-lt"/>
+                <a:cs typeface="Courier New" panose="02070309020205020404" pitchFamily="49" charset="0"/>
+              </a:rPr>
+              <a:t> 0.05 means </a:t>
+            </a:r>
+            <a:r>
+              <a:rPr lang="nl-NL" sz="2400" dirty="0" err="1" smtClean="0">
+                <a:latin typeface="+mj-lt"/>
+                <a:cs typeface="Courier New" panose="02070309020205020404" pitchFamily="49" charset="0"/>
+              </a:rPr>
+              <a:t>it</a:t>
+            </a:r>
+            <a:r>
+              <a:rPr lang="nl-NL" sz="2400" dirty="0" smtClean="0">
+                <a:latin typeface="+mj-lt"/>
+                <a:cs typeface="Courier New" panose="02070309020205020404" pitchFamily="49" charset="0"/>
+              </a:rPr>
+              <a:t> is a significant </a:t>
+            </a:r>
+            <a:r>
+              <a:rPr lang="nl-NL" sz="2400" dirty="0" err="1" smtClean="0">
+                <a:latin typeface="+mj-lt"/>
+                <a:cs typeface="Courier New" panose="02070309020205020404" pitchFamily="49" charset="0"/>
+              </a:rPr>
+              <a:t>difference</a:t>
+            </a:r>
+            <a:endParaRPr lang="nl-NL" sz="2400" dirty="0" smtClean="0">
+              <a:latin typeface="+mj-lt"/>
+              <a:cs typeface="Courier New" panose="02070309020205020404" pitchFamily="49" charset="0"/>
+            </a:endParaRPr>
+          </a:p>
+          <a:p>
+            <a:endParaRPr lang="nl-NL" sz="2400" dirty="0">
+              <a:latin typeface="+mj-lt"/>
+              <a:cs typeface="Courier New" panose="02070309020205020404" pitchFamily="49" charset="0"/>
+            </a:endParaRPr>
+          </a:p>
+          <a:p>
+            <a:r>
+              <a:rPr lang="nl-NL" sz="2400" dirty="0" smtClean="0">
+                <a:latin typeface="+mj-lt"/>
+                <a:cs typeface="Courier New" panose="02070309020205020404" pitchFamily="49" charset="0"/>
+              </a:rPr>
+              <a:t>IF-statement: </a:t>
+            </a:r>
+            <a:r>
+              <a:rPr lang="nl-NL" sz="2400" dirty="0" err="1" smtClean="0">
+                <a:latin typeface="+mj-lt"/>
+                <a:cs typeface="Courier New" panose="02070309020205020404" pitchFamily="49" charset="0"/>
+              </a:rPr>
+              <a:t>nicely</a:t>
+            </a:r>
+            <a:r>
+              <a:rPr lang="nl-NL" sz="2400" dirty="0" smtClean="0">
+                <a:latin typeface="+mj-lt"/>
+                <a:cs typeface="Courier New" panose="02070309020205020404" pitchFamily="49" charset="0"/>
+              </a:rPr>
+              <a:t> </a:t>
+            </a:r>
+            <a:r>
+              <a:rPr lang="nl-NL" sz="2400" dirty="0" err="1" smtClean="0">
+                <a:latin typeface="+mj-lt"/>
+                <a:cs typeface="Courier New" panose="02070309020205020404" pitchFamily="49" charset="0"/>
+              </a:rPr>
+              <a:t>done</a:t>
+            </a:r>
+            <a:r>
+              <a:rPr lang="nl-NL" sz="2400" dirty="0" smtClean="0">
+                <a:latin typeface="+mj-lt"/>
+                <a:cs typeface="Courier New" panose="02070309020205020404" pitchFamily="49" charset="0"/>
+              </a:rPr>
+              <a:t>! </a:t>
+            </a:r>
+            <a:r>
+              <a:rPr lang="nl-NL" dirty="0" smtClean="0">
+                <a:solidFill>
+                  <a:srgbClr val="FFC000"/>
+                </a:solidFill>
+                <a:latin typeface="+mj-lt"/>
+                <a:cs typeface="Courier New" panose="02070309020205020404" pitchFamily="49" charset="0"/>
+              </a:rPr>
+              <a:t>👍</a:t>
+            </a:r>
+            <a:endParaRPr lang="nl-NL" dirty="0">
+              <a:solidFill>
+                <a:srgbClr val="FFC000"/>
+              </a:solidFill>
+            </a:endParaRPr>
           </a:p>
         </p:txBody>
       </p:sp>
+      <p:pic>
+        <p:nvPicPr>
+          <p:cNvPr id="5" name="Afbeelding 4"/>
+          <p:cNvPicPr>
+            <a:picLocks noChangeAspect="1"/>
+          </p:cNvPicPr>
+          <p:nvPr/>
+        </p:nvPicPr>
+        <p:blipFill>
+          <a:blip r:embed="rId2"/>
+          <a:stretch>
+            <a:fillRect/>
+          </a:stretch>
+        </p:blipFill>
+        <p:spPr>
+          <a:xfrm>
+            <a:off x="1259632" y="5301208"/>
+            <a:ext cx="7478563" cy="1111300"/>
+          </a:xfrm>
+          <a:prstGeom prst="rect">
+            <a:avLst/>
+          </a:prstGeom>
+        </p:spPr>
+      </p:pic>
     </p:spTree>
     <p:extLst>
       <p:ext uri="{BB962C8B-B14F-4D97-AF65-F5344CB8AC3E}">
@@ -20765,7 +22055,11 @@
           <a:p>
             <a:r>
               <a:rPr lang="nl-NL" dirty="0" smtClean="0"/>
-              <a:t>Topics</a:t>
+              <a:t>Feedback </a:t>
+            </a:r>
+            <a:r>
+              <a:rPr lang="nl-NL" dirty="0" err="1" smtClean="0"/>
+              <a:t>exercises</a:t>
             </a:r>
             <a:endParaRPr lang="nl-NL" dirty="0"/>
           </a:p>
@@ -20783,8 +22077,8 @@
         </p:nvSpPr>
         <p:spPr>
           <a:xfrm>
-            <a:off x="755576" y="1700808"/>
-            <a:ext cx="7881938" cy="5189113"/>
+            <a:off x="994518" y="1373727"/>
+            <a:ext cx="7881938" cy="1366528"/>
           </a:xfrm>
         </p:spPr>
         <p:txBody>
@@ -20792,105 +22086,229 @@
           <a:lstStyle/>
           <a:p>
             <a:r>
-              <a:rPr lang="nl-NL" sz="2400" dirty="0" smtClean="0"/>
-              <a:t>Excel training</a:t>
-            </a:r>
-          </a:p>
-          <a:p>
-            <a:endParaRPr lang="nl-NL" sz="2400" dirty="0"/>
-          </a:p>
-          <a:p>
-            <a:r>
-              <a:rPr lang="nl-NL" sz="2400" dirty="0" smtClean="0"/>
-              <a:t>Correlation</a:t>
-            </a:r>
-          </a:p>
-          <a:p>
-            <a:endParaRPr lang="nl-NL" sz="2400" dirty="0"/>
-          </a:p>
-          <a:p>
-            <a:r>
-              <a:rPr lang="nl-NL" sz="2400" dirty="0" smtClean="0"/>
-              <a:t>Simple </a:t>
-            </a:r>
-            <a:r>
-              <a:rPr lang="nl-NL" sz="2400" dirty="0" err="1" smtClean="0"/>
-              <a:t>linear</a:t>
-            </a:r>
-            <a:r>
-              <a:rPr lang="nl-NL" sz="2400" dirty="0" smtClean="0"/>
+              <a:rPr lang="nl-NL" sz="1800" dirty="0" err="1" smtClean="0"/>
+              <a:t>Don’t</a:t>
+            </a:r>
+            <a:r>
+              <a:rPr lang="nl-NL" sz="1800" dirty="0" smtClean="0"/>
               <a:t> </a:t>
             </a:r>
             <a:r>
-              <a:rPr lang="nl-NL" sz="2400" dirty="0" err="1" smtClean="0"/>
-              <a:t>regression</a:t>
-            </a:r>
-            <a:endParaRPr lang="nl-NL" sz="2400" dirty="0"/>
-          </a:p>
-          <a:p>
-            <a:endParaRPr lang="nl-NL" sz="2400" dirty="0" smtClean="0"/>
-          </a:p>
-          <a:p>
-            <a:r>
-              <a:rPr lang="nl-NL" sz="2400" dirty="0" smtClean="0"/>
-              <a:t>Simple </a:t>
-            </a:r>
-            <a:r>
-              <a:rPr lang="nl-NL" sz="2400" dirty="0" err="1" smtClean="0"/>
-              <a:t>linear</a:t>
-            </a:r>
-            <a:r>
-              <a:rPr lang="nl-NL" sz="2400" dirty="0" smtClean="0"/>
+              <a:rPr lang="nl-NL" sz="1800" dirty="0" err="1" smtClean="0"/>
+              <a:t>forget</a:t>
+            </a:r>
+            <a:r>
+              <a:rPr lang="nl-NL" sz="1800" dirty="0" smtClean="0"/>
               <a:t> </a:t>
             </a:r>
             <a:r>
-              <a:rPr lang="nl-NL" sz="2400" dirty="0" err="1" smtClean="0"/>
-              <a:t>regression</a:t>
-            </a:r>
-            <a:r>
-              <a:rPr lang="nl-NL" sz="2400" dirty="0" smtClean="0"/>
-              <a:t>: model </a:t>
-            </a:r>
-            <a:r>
-              <a:rPr lang="nl-NL" sz="2400" dirty="0" err="1" smtClean="0"/>
-              <a:t>evaluation</a:t>
-            </a:r>
-            <a:endParaRPr lang="nl-NL" sz="2400" dirty="0"/>
+              <a:rPr lang="nl-NL" sz="1800" dirty="0" err="1" smtClean="0"/>
+              <a:t>pretty</a:t>
+            </a:r>
+            <a:r>
+              <a:rPr lang="nl-NL" sz="1800" dirty="0" smtClean="0"/>
+              <a:t>, </a:t>
+            </a:r>
+            <a:r>
+              <a:rPr lang="nl-NL" sz="1800" dirty="0" err="1" smtClean="0"/>
+              <a:t>informative</a:t>
+            </a:r>
+            <a:r>
+              <a:rPr lang="nl-NL" sz="1800" dirty="0" smtClean="0"/>
+              <a:t> labels (</a:t>
+            </a:r>
+            <a:r>
+              <a:rPr lang="nl-NL" sz="1800" dirty="0" err="1" smtClean="0"/>
+              <a:t>capitalization</a:t>
+            </a:r>
+            <a:r>
+              <a:rPr lang="nl-NL" sz="1800" dirty="0" smtClean="0"/>
+              <a:t>, etc.)</a:t>
+            </a:r>
+          </a:p>
+          <a:p>
+            <a:r>
+              <a:rPr lang="nl-NL" sz="1800" dirty="0" err="1" smtClean="0"/>
+              <a:t>You</a:t>
+            </a:r>
+            <a:r>
+              <a:rPr lang="nl-NL" sz="1800" dirty="0" smtClean="0"/>
+              <a:t> </a:t>
+            </a:r>
+            <a:r>
+              <a:rPr lang="nl-NL" sz="1800" dirty="0" err="1" smtClean="0"/>
+              <a:t>can</a:t>
+            </a:r>
+            <a:r>
+              <a:rPr lang="nl-NL" sz="1800" dirty="0" smtClean="0"/>
+              <a:t> </a:t>
+            </a:r>
+            <a:r>
+              <a:rPr lang="nl-NL" sz="1800" dirty="0" err="1" smtClean="0"/>
+              <a:t>also</a:t>
+            </a:r>
+            <a:r>
+              <a:rPr lang="nl-NL" sz="1800" dirty="0" smtClean="0"/>
+              <a:t> </a:t>
+            </a:r>
+            <a:r>
+              <a:rPr lang="nl-NL" sz="1800" dirty="0" err="1" smtClean="0"/>
+              <a:t>use</a:t>
+            </a:r>
+            <a:r>
+              <a:rPr lang="nl-NL" sz="1800" dirty="0" smtClean="0"/>
+              <a:t> </a:t>
+            </a:r>
           </a:p>
           <a:p>
             <a:pPr marL="0" indent="0">
               <a:buNone/>
             </a:pPr>
-            <a:endParaRPr lang="nl-NL" dirty="0"/>
-          </a:p>
-          <a:p>
-            <a:endParaRPr lang="nl-NL" dirty="0" smtClean="0"/>
-          </a:p>
-          <a:p>
-            <a:endParaRPr lang="nl-NL" dirty="0"/>
-          </a:p>
-          <a:p>
-            <a:endParaRPr lang="nl-NL" dirty="0"/>
+            <a:r>
+              <a:rPr lang="nl-NL" sz="1400" dirty="0" err="1" smtClean="0">
+                <a:latin typeface="Courier New" panose="02070309020205020404" pitchFamily="49" charset="0"/>
+                <a:cs typeface="Courier New" panose="02070309020205020404" pitchFamily="49" charset="0"/>
+              </a:rPr>
+              <a:t>df</a:t>
+            </a:r>
+            <a:r>
+              <a:rPr lang="nl-NL" sz="1400" dirty="0" smtClean="0">
+                <a:latin typeface="Courier New" panose="02070309020205020404" pitchFamily="49" charset="0"/>
+                <a:cs typeface="Courier New" panose="02070309020205020404" pitchFamily="49" charset="0"/>
+              </a:rPr>
+              <a:t>[‘rating’].name = ‘Rating (stars)’</a:t>
+            </a:r>
+            <a:r>
+              <a:rPr lang="nl-NL" sz="1800" dirty="0" smtClean="0"/>
+              <a:t> </a:t>
+            </a:r>
+          </a:p>
+          <a:p>
+            <a:pPr marL="0" indent="0">
+              <a:buNone/>
+            </a:pPr>
+            <a:r>
+              <a:rPr lang="nl-NL" sz="1800" dirty="0" err="1" smtClean="0"/>
+              <a:t>And</a:t>
+            </a:r>
+            <a:r>
+              <a:rPr lang="nl-NL" sz="1800" dirty="0" smtClean="0"/>
+              <a:t> </a:t>
+            </a:r>
+            <a:r>
+              <a:rPr lang="nl-NL" sz="1800" dirty="0" err="1" smtClean="0"/>
+              <a:t>then</a:t>
+            </a:r>
+            <a:r>
+              <a:rPr lang="nl-NL" sz="1800" dirty="0" smtClean="0"/>
+              <a:t> Seaborn </a:t>
+            </a:r>
+            <a:r>
+              <a:rPr lang="nl-NL" sz="1800" dirty="0" err="1" smtClean="0"/>
+              <a:t>should</a:t>
+            </a:r>
+            <a:r>
+              <a:rPr lang="nl-NL" sz="1800" dirty="0" smtClean="0"/>
+              <a:t> </a:t>
+            </a:r>
+            <a:r>
+              <a:rPr lang="nl-NL" sz="1800" dirty="0" err="1" smtClean="0"/>
+              <a:t>pick</a:t>
+            </a:r>
+            <a:r>
+              <a:rPr lang="nl-NL" sz="1800" dirty="0" smtClean="0"/>
+              <a:t> </a:t>
+            </a:r>
+            <a:r>
+              <a:rPr lang="nl-NL" sz="1800" dirty="0" err="1" smtClean="0"/>
+              <a:t>it</a:t>
+            </a:r>
+            <a:r>
+              <a:rPr lang="nl-NL" sz="1800" dirty="0" smtClean="0"/>
+              <a:t> up, but </a:t>
+            </a:r>
+            <a:r>
+              <a:rPr lang="nl-NL" sz="1800" dirty="0" err="1" smtClean="0"/>
+              <a:t>it</a:t>
+            </a:r>
+            <a:r>
+              <a:rPr lang="nl-NL" sz="1800" dirty="0" smtClean="0"/>
+              <a:t> </a:t>
+            </a:r>
+            <a:r>
+              <a:rPr lang="nl-NL" sz="1800" dirty="0" err="1" smtClean="0"/>
+              <a:t>doesn’t</a:t>
+            </a:r>
+            <a:r>
+              <a:rPr lang="nl-NL" sz="1800" dirty="0" smtClean="0"/>
+              <a:t> </a:t>
+            </a:r>
+            <a:r>
+              <a:rPr lang="nl-NL" sz="1800" dirty="0" err="1" smtClean="0"/>
+              <a:t>always</a:t>
+            </a:r>
+            <a:r>
+              <a:rPr lang="nl-NL" sz="1800" dirty="0" smtClean="0"/>
+              <a:t> </a:t>
+            </a:r>
+            <a:r>
+              <a:rPr lang="nl-NL" sz="1800" dirty="0" err="1" smtClean="0"/>
+              <a:t>seem</a:t>
+            </a:r>
+            <a:r>
+              <a:rPr lang="nl-NL" sz="1800" dirty="0" smtClean="0"/>
+              <a:t> </a:t>
+            </a:r>
+            <a:r>
+              <a:rPr lang="nl-NL" sz="1800" dirty="0" err="1" smtClean="0"/>
+              <a:t>to</a:t>
+            </a:r>
+            <a:r>
+              <a:rPr lang="nl-NL" sz="1800" dirty="0" smtClean="0"/>
+              <a:t> </a:t>
+            </a:r>
+            <a:r>
+              <a:rPr lang="nl-NL" sz="1800" dirty="0" err="1" smtClean="0"/>
+              <a:t>work</a:t>
+            </a:r>
+            <a:endParaRPr lang="nl-NL" sz="1800" dirty="0"/>
           </a:p>
         </p:txBody>
       </p:sp>
+      <p:pic>
+        <p:nvPicPr>
+          <p:cNvPr id="4" name="Afbeelding 3"/>
+          <p:cNvPicPr>
+            <a:picLocks noChangeAspect="1"/>
+          </p:cNvPicPr>
+          <p:nvPr/>
+        </p:nvPicPr>
+        <p:blipFill>
+          <a:blip r:embed="rId2"/>
+          <a:stretch>
+            <a:fillRect/>
+          </a:stretch>
+        </p:blipFill>
+        <p:spPr>
+          <a:xfrm>
+            <a:off x="991086" y="2998272"/>
+            <a:ext cx="7305960" cy="3833416"/>
+          </a:xfrm>
+          <a:prstGeom prst="rect">
+            <a:avLst/>
+          </a:prstGeom>
+        </p:spPr>
+      </p:pic>
     </p:spTree>
     <p:extLst>
       <p:ext uri="{BB962C8B-B14F-4D97-AF65-F5344CB8AC3E}">
-        <p14:creationId xmlns:p14="http://schemas.microsoft.com/office/powerpoint/2010/main" val="4138616627"/>
+        <p14:creationId xmlns:p14="http://schemas.microsoft.com/office/powerpoint/2010/main" val="3208869994"/>
       </p:ext>
     </p:extLst>
   </p:cSld>
   <p:clrMapOvr>
     <a:masterClrMapping/>
   </p:clrMapOvr>
-  <p:timing>
-    <p:tnLst>
-      <p:par>
-        <p:cTn id="1" dur="indefinite" restart="never" nodeType="tmRoot"/>
-      </p:par>
-    </p:tnLst>
-  </p:timing>
 </p:sld>
 </file>
 
@@ -20928,6 +22346,444 @@
           <a:p>
             <a:r>
               <a:rPr lang="nl-NL" dirty="0" smtClean="0"/>
+              <a:t>Feedback </a:t>
+            </a:r>
+            <a:r>
+              <a:rPr lang="nl-NL" dirty="0" err="1" smtClean="0"/>
+              <a:t>exercises</a:t>
+            </a:r>
+            <a:endParaRPr lang="nl-NL" dirty="0"/>
+          </a:p>
+        </p:txBody>
+      </p:sp>
+      <p:sp>
+        <p:nvSpPr>
+          <p:cNvPr id="3" name="Tijdelijke aanduiding voor inhoud 2"/>
+          <p:cNvSpPr>
+            <a:spLocks noGrp="1"/>
+          </p:cNvSpPr>
+          <p:nvPr>
+            <p:ph idx="1"/>
+          </p:nvPr>
+        </p:nvSpPr>
+        <p:spPr>
+          <a:xfrm>
+            <a:off x="762000" y="1762125"/>
+            <a:ext cx="7881938" cy="1988237"/>
+          </a:xfrm>
+        </p:spPr>
+        <p:txBody>
+          <a:bodyPr/>
+          <a:lstStyle/>
+          <a:p>
+            <a:r>
+              <a:rPr lang="nl-NL" dirty="0" err="1" smtClean="0"/>
+              <a:t>Use</a:t>
+            </a:r>
+            <a:r>
+              <a:rPr lang="nl-NL" dirty="0" smtClean="0"/>
+              <a:t> Markdown </a:t>
+            </a:r>
+            <a:r>
+              <a:rPr lang="nl-NL" dirty="0" err="1" smtClean="0"/>
+              <a:t>cells</a:t>
+            </a:r>
+            <a:r>
+              <a:rPr lang="nl-NL" dirty="0" smtClean="0"/>
+              <a:t> </a:t>
+            </a:r>
+            <a:r>
+              <a:rPr lang="nl-NL" dirty="0" err="1" smtClean="0"/>
+              <a:t>for</a:t>
+            </a:r>
+            <a:r>
+              <a:rPr lang="nl-NL" dirty="0" smtClean="0"/>
+              <a:t> </a:t>
+            </a:r>
+            <a:r>
+              <a:rPr lang="nl-NL" dirty="0" err="1" smtClean="0"/>
+              <a:t>text</a:t>
+            </a:r>
+            <a:r>
+              <a:rPr lang="nl-NL" dirty="0" smtClean="0"/>
+              <a:t> </a:t>
+            </a:r>
+            <a:r>
+              <a:rPr lang="nl-NL" dirty="0" err="1" smtClean="0"/>
+              <a:t>that</a:t>
+            </a:r>
+            <a:r>
+              <a:rPr lang="nl-NL" dirty="0" smtClean="0"/>
+              <a:t> is </a:t>
+            </a:r>
+            <a:r>
+              <a:rPr lang="nl-NL" dirty="0" err="1" smtClean="0"/>
+              <a:t>not</a:t>
+            </a:r>
+            <a:r>
+              <a:rPr lang="nl-NL" dirty="0" smtClean="0"/>
+              <a:t> </a:t>
+            </a:r>
+            <a:r>
+              <a:rPr lang="nl-NL" dirty="0" err="1" smtClean="0"/>
+              <a:t>directly</a:t>
+            </a:r>
+            <a:r>
+              <a:rPr lang="nl-NL" dirty="0" smtClean="0"/>
+              <a:t> </a:t>
+            </a:r>
+            <a:r>
+              <a:rPr lang="nl-NL" dirty="0" err="1" smtClean="0"/>
+              <a:t>referring</a:t>
+            </a:r>
+            <a:r>
+              <a:rPr lang="nl-NL" dirty="0" smtClean="0"/>
+              <a:t> </a:t>
+            </a:r>
+            <a:r>
+              <a:rPr lang="nl-NL" dirty="0" err="1" smtClean="0"/>
+              <a:t>to</a:t>
+            </a:r>
+            <a:r>
+              <a:rPr lang="nl-NL" dirty="0" smtClean="0"/>
+              <a:t> the code</a:t>
+            </a:r>
+            <a:endParaRPr lang="nl-NL" i="1" dirty="0"/>
+          </a:p>
+          <a:p>
+            <a:endParaRPr lang="nl-NL" i="1" dirty="0" smtClean="0"/>
+          </a:p>
+          <a:p>
+            <a:r>
+              <a:rPr lang="nl-NL" dirty="0" smtClean="0">
+                <a:hlinkClick r:id="rId2"/>
+              </a:rPr>
+              <a:t>Markdown cheatsheet</a:t>
+            </a:r>
+            <a:endParaRPr lang="nl-NL" dirty="0"/>
+          </a:p>
+        </p:txBody>
+      </p:sp>
+      <p:pic>
+        <p:nvPicPr>
+          <p:cNvPr id="4" name="Afbeelding 3"/>
+          <p:cNvPicPr>
+            <a:picLocks noChangeAspect="1"/>
+          </p:cNvPicPr>
+          <p:nvPr/>
+        </p:nvPicPr>
+        <p:blipFill>
+          <a:blip r:embed="rId3"/>
+          <a:stretch>
+            <a:fillRect/>
+          </a:stretch>
+        </p:blipFill>
+        <p:spPr>
+          <a:xfrm>
+            <a:off x="762000" y="4323449"/>
+            <a:ext cx="3295650" cy="1809750"/>
+          </a:xfrm>
+          <a:prstGeom prst="rect">
+            <a:avLst/>
+          </a:prstGeom>
+        </p:spPr>
+      </p:pic>
+      <p:pic>
+        <p:nvPicPr>
+          <p:cNvPr id="5" name="Afbeelding 4"/>
+          <p:cNvPicPr>
+            <a:picLocks noChangeAspect="1"/>
+          </p:cNvPicPr>
+          <p:nvPr/>
+        </p:nvPicPr>
+        <p:blipFill>
+          <a:blip r:embed="rId4"/>
+          <a:stretch>
+            <a:fillRect/>
+          </a:stretch>
+        </p:blipFill>
+        <p:spPr>
+          <a:xfrm>
+            <a:off x="4572000" y="4221088"/>
+            <a:ext cx="4257675" cy="581025"/>
+          </a:xfrm>
+          <a:prstGeom prst="rect">
+            <a:avLst/>
+          </a:prstGeom>
+        </p:spPr>
+      </p:pic>
+      <p:pic>
+        <p:nvPicPr>
+          <p:cNvPr id="6" name="Afbeelding 5"/>
+          <p:cNvPicPr>
+            <a:picLocks noChangeAspect="1"/>
+          </p:cNvPicPr>
+          <p:nvPr/>
+        </p:nvPicPr>
+        <p:blipFill>
+          <a:blip r:embed="rId5"/>
+          <a:stretch>
+            <a:fillRect/>
+          </a:stretch>
+        </p:blipFill>
+        <p:spPr>
+          <a:xfrm>
+            <a:off x="5186362" y="5681894"/>
+            <a:ext cx="3028950" cy="457200"/>
+          </a:xfrm>
+          <a:prstGeom prst="rect">
+            <a:avLst/>
+          </a:prstGeom>
+        </p:spPr>
+      </p:pic>
+      <p:sp>
+        <p:nvSpPr>
+          <p:cNvPr id="7" name="Pijl-omlaag 6"/>
+          <p:cNvSpPr/>
+          <p:nvPr/>
+        </p:nvSpPr>
+        <p:spPr bwMode="auto">
+          <a:xfrm>
+            <a:off x="6381737" y="4917943"/>
+            <a:ext cx="638200" cy="648072"/>
+          </a:xfrm>
+          <a:prstGeom prst="downArrow">
+            <a:avLst/>
+          </a:prstGeom>
+          <a:solidFill>
+            <a:schemeClr val="accent1"/>
+          </a:solidFill>
+          <a:ln w="9525" cap="flat" cmpd="sng" algn="ctr">
+            <a:solidFill>
+              <a:schemeClr val="tx1"/>
+            </a:solidFill>
+            <a:prstDash val="solid"/>
+            <a:round/>
+            <a:headEnd type="none" w="med" len="med"/>
+            <a:tailEnd type="none" w="med" len="med"/>
+          </a:ln>
+          <a:effectLst/>
+        </p:spPr>
+        <p:txBody>
+          <a:bodyPr vert="horz" wrap="none" lIns="91440" tIns="45720" rIns="91440" bIns="45720" numCol="1" rtlCol="0" anchor="ctr" anchorCtr="0" compatLnSpc="1">
+            <a:prstTxWarp prst="textNoShape">
+              <a:avLst/>
+            </a:prstTxWarp>
+          </a:bodyPr>
+          <a:lstStyle/>
+          <a:p>
+            <a:pPr marL="0" marR="0" indent="0" algn="l" defTabSz="914400" rtl="0" eaLnBrk="1" fontAlgn="base" latinLnBrk="0" hangingPunct="1">
+              <a:lnSpc>
+                <a:spcPct val="100000"/>
+              </a:lnSpc>
+              <a:spcBef>
+                <a:spcPct val="0"/>
+              </a:spcBef>
+              <a:spcAft>
+                <a:spcPct val="0"/>
+              </a:spcAft>
+              <a:buClrTx/>
+              <a:buSzTx/>
+              <a:buFontTx/>
+              <a:buNone/>
+              <a:tabLst/>
+            </a:pPr>
+            <a:endParaRPr kumimoji="0" lang="nl-NL" sz="1400" b="0" i="0" u="none" strike="noStrike" cap="none" normalizeH="0" baseline="0" smtClean="0">
+              <a:ln>
+                <a:noFill/>
+              </a:ln>
+              <a:solidFill>
+                <a:schemeClr val="tx1"/>
+              </a:solidFill>
+              <a:effectLst/>
+              <a:latin typeface="Arial" charset="0"/>
+            </a:endParaRPr>
+          </a:p>
+        </p:txBody>
+      </p:sp>
+    </p:spTree>
+    <p:extLst>
+      <p:ext uri="{BB962C8B-B14F-4D97-AF65-F5344CB8AC3E}">
+        <p14:creationId xmlns:p14="http://schemas.microsoft.com/office/powerpoint/2010/main" val="3663627932"/>
+      </p:ext>
+    </p:extLst>
+  </p:cSld>
+  <p:clrMapOvr>
+    <a:masterClrMapping/>
+  </p:clrMapOvr>
+</p:sld>
+</file>
+
+<file path=ppt/slides/slide7.xml><?xml version="1.0" encoding="utf-8"?>
+<p:sld xmlns:a="http://schemas.openxmlformats.org/drawingml/2006/main" xmlns:r="http://schemas.openxmlformats.org/officeDocument/2006/relationships" xmlns:p="http://schemas.openxmlformats.org/presentationml/2006/main">
+  <p:cSld>
+    <p:spTree>
+      <p:nvGrpSpPr>
+        <p:cNvPr id="1" name=""/>
+        <p:cNvGrpSpPr/>
+        <p:nvPr/>
+      </p:nvGrpSpPr>
+      <p:grpSpPr>
+        <a:xfrm>
+          <a:off x="0" y="0"/>
+          <a:ext cx="0" cy="0"/>
+          <a:chOff x="0" y="0"/>
+          <a:chExt cx="0" cy="0"/>
+        </a:xfrm>
+      </p:grpSpPr>
+      <p:sp>
+        <p:nvSpPr>
+          <p:cNvPr id="2" name="Titel 1"/>
+          <p:cNvSpPr>
+            <a:spLocks noGrp="1"/>
+          </p:cNvSpPr>
+          <p:nvPr>
+            <p:ph type="title"/>
+          </p:nvPr>
+        </p:nvSpPr>
+        <p:spPr/>
+        <p:txBody>
+          <a:bodyPr/>
+          <a:lstStyle/>
+          <a:p>
+            <a:r>
+              <a:rPr lang="nl-NL" dirty="0" smtClean="0"/>
+              <a:t>Topics</a:t>
+            </a:r>
+            <a:endParaRPr lang="nl-NL" dirty="0"/>
+          </a:p>
+        </p:txBody>
+      </p:sp>
+      <p:sp>
+        <p:nvSpPr>
+          <p:cNvPr id="3" name="Tijdelijke aanduiding voor inhoud 2"/>
+          <p:cNvSpPr>
+            <a:spLocks noGrp="1"/>
+          </p:cNvSpPr>
+          <p:nvPr>
+            <p:ph idx="1"/>
+          </p:nvPr>
+        </p:nvSpPr>
+        <p:spPr>
+          <a:xfrm>
+            <a:off x="755576" y="1700808"/>
+            <a:ext cx="7881938" cy="4745915"/>
+          </a:xfrm>
+        </p:spPr>
+        <p:txBody>
+          <a:bodyPr/>
+          <a:lstStyle/>
+          <a:p>
+            <a:r>
+              <a:rPr lang="nl-NL" sz="2400" dirty="0" smtClean="0"/>
+              <a:t>Excel training</a:t>
+            </a:r>
+          </a:p>
+          <a:p>
+            <a:endParaRPr lang="nl-NL" sz="2400" dirty="0"/>
+          </a:p>
+          <a:p>
+            <a:r>
+              <a:rPr lang="nl-NL" sz="2400" dirty="0" smtClean="0"/>
+              <a:t>Correlation</a:t>
+            </a:r>
+          </a:p>
+          <a:p>
+            <a:endParaRPr lang="nl-NL" sz="2400" dirty="0"/>
+          </a:p>
+          <a:p>
+            <a:r>
+              <a:rPr lang="nl-NL" sz="2400" dirty="0" smtClean="0"/>
+              <a:t>Simple </a:t>
+            </a:r>
+            <a:r>
+              <a:rPr lang="nl-NL" sz="2400" dirty="0" err="1" smtClean="0"/>
+              <a:t>linear</a:t>
+            </a:r>
+            <a:r>
+              <a:rPr lang="nl-NL" sz="2400" dirty="0" smtClean="0"/>
+              <a:t> </a:t>
+            </a:r>
+            <a:r>
+              <a:rPr lang="nl-NL" sz="2400" dirty="0" err="1" smtClean="0"/>
+              <a:t>regression</a:t>
+            </a:r>
+            <a:endParaRPr lang="nl-NL" sz="2400" dirty="0"/>
+          </a:p>
+          <a:p>
+            <a:endParaRPr lang="nl-NL" sz="2400" dirty="0" smtClean="0"/>
+          </a:p>
+          <a:p>
+            <a:pPr marL="0" indent="0">
+              <a:buNone/>
+            </a:pPr>
+            <a:endParaRPr lang="nl-NL" dirty="0"/>
+          </a:p>
+          <a:p>
+            <a:endParaRPr lang="nl-NL" dirty="0" smtClean="0"/>
+          </a:p>
+          <a:p>
+            <a:endParaRPr lang="nl-NL" dirty="0"/>
+          </a:p>
+          <a:p>
+            <a:endParaRPr lang="nl-NL" dirty="0"/>
+          </a:p>
+        </p:txBody>
+      </p:sp>
+    </p:spTree>
+    <p:extLst>
+      <p:ext uri="{BB962C8B-B14F-4D97-AF65-F5344CB8AC3E}">
+        <p14:creationId xmlns:p14="http://schemas.microsoft.com/office/powerpoint/2010/main" val="2698427618"/>
+      </p:ext>
+    </p:extLst>
+  </p:cSld>
+  <p:clrMapOvr>
+    <a:masterClrMapping/>
+  </p:clrMapOvr>
+  <p:timing>
+    <p:tnLst>
+      <p:par>
+        <p:cTn id="1" dur="indefinite" restart="never" nodeType="tmRoot"/>
+      </p:par>
+    </p:tnLst>
+  </p:timing>
+</p:sld>
+</file>
+
+<file path=ppt/slides/slide8.xml><?xml version="1.0" encoding="utf-8"?>
+<p:sld xmlns:a="http://schemas.openxmlformats.org/drawingml/2006/main" xmlns:r="http://schemas.openxmlformats.org/officeDocument/2006/relationships" xmlns:p="http://schemas.openxmlformats.org/presentationml/2006/main">
+  <p:cSld>
+    <p:spTree>
+      <p:nvGrpSpPr>
+        <p:cNvPr id="1" name=""/>
+        <p:cNvGrpSpPr/>
+        <p:nvPr/>
+      </p:nvGrpSpPr>
+      <p:grpSpPr>
+        <a:xfrm>
+          <a:off x="0" y="0"/>
+          <a:ext cx="0" cy="0"/>
+          <a:chOff x="0" y="0"/>
+          <a:chExt cx="0" cy="0"/>
+        </a:xfrm>
+      </p:grpSpPr>
+      <p:sp>
+        <p:nvSpPr>
+          <p:cNvPr id="2" name="Titel 1"/>
+          <p:cNvSpPr>
+            <a:spLocks noGrp="1"/>
+          </p:cNvSpPr>
+          <p:nvPr>
+            <p:ph type="title"/>
+          </p:nvPr>
+        </p:nvSpPr>
+        <p:spPr/>
+        <p:txBody>
+          <a:bodyPr/>
+          <a:lstStyle/>
+          <a:p>
+            <a:r>
+              <a:rPr lang="nl-NL" dirty="0" smtClean="0"/>
               <a:t>Excel: </a:t>
             </a:r>
             <a:r>
@@ -21275,7 +23131,7 @@
 </p:sld>
 </file>
 
-<file path=ppt/slides/slide7.xml><?xml version="1.0" encoding="utf-8"?>
+<file path=ppt/slides/slide9.xml><?xml version="1.0" encoding="utf-8"?>
 <p:sld xmlns:a="http://schemas.openxmlformats.org/drawingml/2006/main" xmlns:r="http://schemas.openxmlformats.org/officeDocument/2006/relationships" xmlns:p="http://schemas.openxmlformats.org/presentationml/2006/main">
   <p:cSld>
     <p:spTree>
@@ -21710,338 +23566,6 @@
     <p:extLst>
       <p:ext uri="{BB962C8B-B14F-4D97-AF65-F5344CB8AC3E}">
         <p14:creationId xmlns:p14="http://schemas.microsoft.com/office/powerpoint/2010/main" val="2701790432"/>
-      </p:ext>
-    </p:extLst>
-  </p:cSld>
-  <p:clrMapOvr>
-    <a:masterClrMapping/>
-  </p:clrMapOvr>
-  <p:timing>
-    <p:tnLst>
-      <p:par>
-        <p:cTn id="1" dur="indefinite" restart="never" nodeType="tmRoot"/>
-      </p:par>
-    </p:tnLst>
-  </p:timing>
-</p:sld>
-</file>
-
-<file path=ppt/slides/slide8.xml><?xml version="1.0" encoding="utf-8"?>
-<p:sld xmlns:a="http://schemas.openxmlformats.org/drawingml/2006/main" xmlns:r="http://schemas.openxmlformats.org/officeDocument/2006/relationships" xmlns:p="http://schemas.openxmlformats.org/presentationml/2006/main">
-  <p:cSld>
-    <p:spTree>
-      <p:nvGrpSpPr>
-        <p:cNvPr id="1" name=""/>
-        <p:cNvGrpSpPr/>
-        <p:nvPr/>
-      </p:nvGrpSpPr>
-      <p:grpSpPr>
-        <a:xfrm>
-          <a:off x="0" y="0"/>
-          <a:ext cx="0" cy="0"/>
-          <a:chOff x="0" y="0"/>
-          <a:chExt cx="0" cy="0"/>
-        </a:xfrm>
-      </p:grpSpPr>
-      <p:sp>
-        <p:nvSpPr>
-          <p:cNvPr id="2" name="Titel 1"/>
-          <p:cNvSpPr>
-            <a:spLocks noGrp="1"/>
-          </p:cNvSpPr>
-          <p:nvPr>
-            <p:ph type="title"/>
-          </p:nvPr>
-        </p:nvSpPr>
-        <p:spPr/>
-        <p:txBody>
-          <a:bodyPr/>
-          <a:lstStyle/>
-          <a:p>
-            <a:r>
-              <a:rPr lang="nl-NL" dirty="0" smtClean="0"/>
-              <a:t>Topics</a:t>
-            </a:r>
-            <a:endParaRPr lang="nl-NL" dirty="0"/>
-          </a:p>
-        </p:txBody>
-      </p:sp>
-      <p:sp>
-        <p:nvSpPr>
-          <p:cNvPr id="3" name="Tijdelijke aanduiding voor inhoud 2"/>
-          <p:cNvSpPr>
-            <a:spLocks noGrp="1"/>
-          </p:cNvSpPr>
-          <p:nvPr>
-            <p:ph idx="1"/>
-          </p:nvPr>
-        </p:nvSpPr>
-        <p:spPr>
-          <a:xfrm>
-            <a:off x="755576" y="1700808"/>
-            <a:ext cx="7881938" cy="4745915"/>
-          </a:xfrm>
-        </p:spPr>
-        <p:txBody>
-          <a:bodyPr/>
-          <a:lstStyle/>
-          <a:p>
-            <a:r>
-              <a:rPr lang="nl-NL" sz="2400" dirty="0" smtClean="0"/>
-              <a:t>Excel training</a:t>
-            </a:r>
-          </a:p>
-          <a:p>
-            <a:endParaRPr lang="nl-NL" sz="2400" dirty="0"/>
-          </a:p>
-          <a:p>
-            <a:r>
-              <a:rPr lang="nl-NL" sz="2400" dirty="0" smtClean="0"/>
-              <a:t>Correlation</a:t>
-            </a:r>
-          </a:p>
-          <a:p>
-            <a:endParaRPr lang="nl-NL" sz="2400" dirty="0"/>
-          </a:p>
-          <a:p>
-            <a:r>
-              <a:rPr lang="nl-NL" sz="2400" dirty="0" smtClean="0"/>
-              <a:t>Simple </a:t>
-            </a:r>
-            <a:r>
-              <a:rPr lang="nl-NL" sz="2400" dirty="0" err="1" smtClean="0"/>
-              <a:t>linear</a:t>
-            </a:r>
-            <a:r>
-              <a:rPr lang="nl-NL" sz="2400" dirty="0" smtClean="0"/>
-              <a:t> </a:t>
-            </a:r>
-            <a:r>
-              <a:rPr lang="nl-NL" sz="2400" dirty="0" err="1" smtClean="0"/>
-              <a:t>regression</a:t>
-            </a:r>
-            <a:endParaRPr lang="nl-NL" sz="2400" dirty="0"/>
-          </a:p>
-          <a:p>
-            <a:endParaRPr lang="nl-NL" sz="2400" dirty="0" smtClean="0"/>
-          </a:p>
-          <a:p>
-            <a:pPr marL="0" indent="0">
-              <a:buNone/>
-            </a:pPr>
-            <a:endParaRPr lang="nl-NL" dirty="0"/>
-          </a:p>
-          <a:p>
-            <a:endParaRPr lang="nl-NL" dirty="0" smtClean="0"/>
-          </a:p>
-          <a:p>
-            <a:endParaRPr lang="nl-NL" dirty="0"/>
-          </a:p>
-          <a:p>
-            <a:endParaRPr lang="nl-NL" dirty="0"/>
-          </a:p>
-        </p:txBody>
-      </p:sp>
-    </p:spTree>
-    <p:extLst>
-      <p:ext uri="{BB962C8B-B14F-4D97-AF65-F5344CB8AC3E}">
-        <p14:creationId xmlns:p14="http://schemas.microsoft.com/office/powerpoint/2010/main" val="3193507491"/>
-      </p:ext>
-    </p:extLst>
-  </p:cSld>
-  <p:clrMapOvr>
-    <a:masterClrMapping/>
-  </p:clrMapOvr>
-  <p:timing>
-    <p:tnLst>
-      <p:par>
-        <p:cTn id="1" dur="indefinite" restart="never" nodeType="tmRoot"/>
-      </p:par>
-    </p:tnLst>
-  </p:timing>
-</p:sld>
-</file>
-
-<file path=ppt/slides/slide9.xml><?xml version="1.0" encoding="utf-8"?>
-<p:sld xmlns:a="http://schemas.openxmlformats.org/drawingml/2006/main" xmlns:r="http://schemas.openxmlformats.org/officeDocument/2006/relationships" xmlns:p="http://schemas.openxmlformats.org/presentationml/2006/main">
-  <p:cSld>
-    <p:spTree>
-      <p:nvGrpSpPr>
-        <p:cNvPr id="1" name=""/>
-        <p:cNvGrpSpPr/>
-        <p:nvPr/>
-      </p:nvGrpSpPr>
-      <p:grpSpPr>
-        <a:xfrm>
-          <a:off x="0" y="0"/>
-          <a:ext cx="0" cy="0"/>
-          <a:chOff x="0" y="0"/>
-          <a:chExt cx="0" cy="0"/>
-        </a:xfrm>
-      </p:grpSpPr>
-      <p:sp>
-        <p:nvSpPr>
-          <p:cNvPr id="2" name="Titel 1"/>
-          <p:cNvSpPr>
-            <a:spLocks noGrp="1"/>
-          </p:cNvSpPr>
-          <p:nvPr>
-            <p:ph type="title"/>
-          </p:nvPr>
-        </p:nvSpPr>
-        <p:spPr>
-          <a:xfrm>
-            <a:off x="838200" y="234931"/>
-            <a:ext cx="6172200" cy="954107"/>
-          </a:xfrm>
-        </p:spPr>
-        <p:txBody>
-          <a:bodyPr/>
-          <a:lstStyle/>
-          <a:p>
-            <a:r>
-              <a:rPr lang="nl-NL" sz="2800" dirty="0" err="1" smtClean="0"/>
-              <a:t>Relation</a:t>
-            </a:r>
-            <a:r>
-              <a:rPr lang="nl-NL" sz="2800" dirty="0" smtClean="0"/>
-              <a:t> </a:t>
-            </a:r>
-            <a:r>
-              <a:rPr lang="nl-NL" sz="2800" dirty="0" err="1" smtClean="0"/>
-              <a:t>between</a:t>
-            </a:r>
-            <a:r>
-              <a:rPr lang="nl-NL" sz="2800" dirty="0" smtClean="0"/>
-              <a:t> </a:t>
-            </a:r>
-            <a:r>
-              <a:rPr lang="nl-NL" sz="2800" dirty="0" err="1" smtClean="0"/>
-              <a:t>two</a:t>
-            </a:r>
-            <a:r>
-              <a:rPr lang="nl-NL" sz="2800" dirty="0" smtClean="0"/>
-              <a:t> </a:t>
-            </a:r>
-            <a:r>
-              <a:rPr lang="nl-NL" sz="2800" dirty="0" err="1" smtClean="0"/>
-              <a:t>quantitative</a:t>
-            </a:r>
-            <a:r>
-              <a:rPr lang="nl-NL" sz="2800" dirty="0" smtClean="0"/>
-              <a:t> variables: </a:t>
-            </a:r>
-            <a:r>
-              <a:rPr lang="nl-NL" sz="2800" dirty="0" err="1" smtClean="0"/>
-              <a:t>scatterplot</a:t>
-            </a:r>
-            <a:endParaRPr lang="nl-NL" sz="2800" dirty="0"/>
-          </a:p>
-        </p:txBody>
-      </p:sp>
-      <p:pic>
-        <p:nvPicPr>
-          <p:cNvPr id="4" name="Picture 2" descr="http://i.stack.imgur.com/TWQaB.jpg"/>
-          <p:cNvPicPr>
-            <a:picLocks noChangeAspect="1" noChangeArrowheads="1"/>
-          </p:cNvPicPr>
-          <p:nvPr/>
-        </p:nvPicPr>
-        <p:blipFill>
-          <a:blip r:embed="rId2">
-            <a:extLst>
-              <a:ext uri="{28A0092B-C50C-407E-A947-70E740481C1C}">
-                <a14:useLocalDpi xmlns:a14="http://schemas.microsoft.com/office/drawing/2010/main" val="0"/>
-              </a:ext>
-            </a:extLst>
-          </a:blip>
-          <a:srcRect/>
-          <a:stretch>
-            <a:fillRect/>
-          </a:stretch>
-        </p:blipFill>
-        <p:spPr bwMode="auto">
-          <a:xfrm>
-            <a:off x="2095500" y="1412776"/>
-            <a:ext cx="4914900" cy="4305301"/>
-          </a:xfrm>
-          <a:prstGeom prst="rect">
-            <a:avLst/>
-          </a:prstGeom>
-          <a:noFill/>
-          <a:extLst>
-            <a:ext uri="{909E8E84-426E-40DD-AFC4-6F175D3DCCD1}">
-              <a14:hiddenFill xmlns:a14="http://schemas.microsoft.com/office/drawing/2010/main">
-                <a:solidFill>
-                  <a:srgbClr val="FFFFFF"/>
-                </a:solidFill>
-              </a14:hiddenFill>
-            </a:ext>
-          </a:extLst>
-        </p:spPr>
-      </p:pic>
-      <p:sp>
-        <p:nvSpPr>
-          <p:cNvPr id="5" name="Tekstvak 4"/>
-          <p:cNvSpPr txBox="1"/>
-          <p:nvPr/>
-        </p:nvSpPr>
-        <p:spPr>
-          <a:xfrm>
-            <a:off x="1951484" y="5877272"/>
-            <a:ext cx="6810582" cy="646331"/>
-          </a:xfrm>
-          <a:prstGeom prst="rect">
-            <a:avLst/>
-          </a:prstGeom>
-          <a:noFill/>
-        </p:spPr>
-        <p:txBody>
-          <a:bodyPr wrap="none" rtlCol="0">
-            <a:spAutoFit/>
-          </a:bodyPr>
-          <a:lstStyle/>
-          <a:p>
-            <a:r>
-              <a:rPr lang="en-US" dirty="0" smtClean="0">
-                <a:hlinkClick r:id="rId3"/>
-              </a:rPr>
-              <a:t>Does chocolate consumption really boost Nobel Award chances?</a:t>
-            </a:r>
-          </a:p>
-          <a:p>
-            <a:r>
-              <a:rPr lang="nl-NL" dirty="0" err="1" smtClean="0">
-                <a:hlinkClick r:id="rId3"/>
-              </a:rPr>
-              <a:t>Maurage</a:t>
-            </a:r>
-            <a:r>
-              <a:rPr lang="nl-NL" dirty="0" smtClean="0">
-                <a:hlinkClick r:id="rId3"/>
-              </a:rPr>
-              <a:t>, Heeren, &amp; </a:t>
-            </a:r>
-            <a:r>
-              <a:rPr lang="nl-NL" dirty="0" err="1" smtClean="0">
-                <a:hlinkClick r:id="rId3"/>
-              </a:rPr>
-              <a:t>Pesenti</a:t>
-            </a:r>
-            <a:r>
-              <a:rPr lang="nl-NL" dirty="0" smtClean="0">
-                <a:hlinkClick r:id="rId3"/>
-              </a:rPr>
-              <a:t> (2013)</a:t>
-            </a:r>
-            <a:endParaRPr lang="en-US" dirty="0"/>
-          </a:p>
-        </p:txBody>
-      </p:sp>
-    </p:spTree>
-    <p:extLst>
-      <p:ext uri="{BB962C8B-B14F-4D97-AF65-F5344CB8AC3E}">
-        <p14:creationId xmlns:p14="http://schemas.microsoft.com/office/powerpoint/2010/main" val="2530842157"/>
       </p:ext>
     </p:extLst>
   </p:cSld>

--- a/slides/ddl-w5l1.pptx
+++ b/slides/ddl-w5l1.pptx
@@ -14331,14 +14331,7 @@
                 <a:latin typeface="Courier New" panose="02070309020205020404" pitchFamily="49" charset="0"/>
                 <a:cs typeface="Courier New" panose="02070309020205020404" pitchFamily="49" charset="0"/>
               </a:rPr>
-              <a:t> </a:t>
-            </a:r>
-            <a:r>
-              <a:rPr lang="nl-NL" sz="1400" kern="0" dirty="0" smtClean="0">
-                <a:latin typeface="Courier New" panose="02070309020205020404" pitchFamily="49" charset="0"/>
-                <a:cs typeface="Courier New" panose="02070309020205020404" pitchFamily="49" charset="0"/>
-              </a:rPr>
-              <a:t>data set </a:t>
+              <a:t> data set </a:t>
             </a:r>
             <a:r>
               <a:rPr lang="nl-NL" sz="1400" kern="0" dirty="0" err="1" smtClean="0">
@@ -14537,6 +14530,13 @@
               <a:buNone/>
             </a:pPr>
             <a:r>
+              <a:rPr lang="nl-NL" sz="1400" kern="0" dirty="0" smtClean="0">
+                <a:latin typeface="Courier New" panose="02070309020205020404" pitchFamily="49" charset="0"/>
+                <a:cs typeface="Courier New" panose="02070309020205020404" pitchFamily="49" charset="0"/>
+              </a:rPr>
+              <a:t>	</a:t>
+            </a:r>
+            <a:r>
               <a:rPr lang="nl-NL" sz="1400" kern="0" dirty="0" err="1" smtClean="0">
                 <a:latin typeface="Courier New" panose="02070309020205020404" pitchFamily="49" charset="0"/>
                 <a:cs typeface="Courier New" panose="02070309020205020404" pitchFamily="49" charset="0"/>
@@ -14569,23 +14569,30 @@
                 <a:latin typeface="Courier New" panose="02070309020205020404" pitchFamily="49" charset="0"/>
                 <a:cs typeface="Courier New" panose="02070309020205020404" pitchFamily="49" charset="0"/>
               </a:rPr>
-              <a:t>[[‘col_name1’, ‘col_name2’, ‘col_name3</a:t>
+              <a:t>[[‘col_name1’, ‘col_name2’, ‘col_name3’]]</a:t>
+            </a:r>
+          </a:p>
+          <a:p>
+            <a:r>
+              <a:rPr lang="nl-NL" sz="1400" kern="0" dirty="0" err="1" smtClean="0">
+                <a:latin typeface="Courier New" panose="02070309020205020404" pitchFamily="49" charset="0"/>
+                <a:cs typeface="Courier New" panose="02070309020205020404" pitchFamily="49" charset="0"/>
+              </a:rPr>
+              <a:t>Note</a:t>
             </a:r>
             <a:r>
               <a:rPr lang="nl-NL" sz="1400" kern="0" dirty="0" smtClean="0">
                 <a:latin typeface="Courier New" panose="02070309020205020404" pitchFamily="49" charset="0"/>
                 <a:cs typeface="Courier New" panose="02070309020205020404" pitchFamily="49" charset="0"/>
               </a:rPr>
-              <a:t>’]]</a:t>
-            </a:r>
-          </a:p>
-          <a:p>
+              <a:t> </a:t>
+            </a:r>
             <a:r>
               <a:rPr lang="nl-NL" sz="1400" kern="0" dirty="0" err="1" smtClean="0">
                 <a:latin typeface="Courier New" panose="02070309020205020404" pitchFamily="49" charset="0"/>
                 <a:cs typeface="Courier New" panose="02070309020205020404" pitchFamily="49" charset="0"/>
               </a:rPr>
-              <a:t>Note</a:t>
+              <a:t>that</a:t>
             </a:r>
             <a:r>
               <a:rPr lang="nl-NL" sz="1400" kern="0" dirty="0" smtClean="0">
@@ -14599,7 +14606,7 @@
                 <a:latin typeface="Courier New" panose="02070309020205020404" pitchFamily="49" charset="0"/>
                 <a:cs typeface="Courier New" panose="02070309020205020404" pitchFamily="49" charset="0"/>
               </a:rPr>
-              <a:t>that</a:t>
+              <a:t>you</a:t>
             </a:r>
             <a:r>
               <a:rPr lang="nl-NL" sz="1400" kern="0" dirty="0" smtClean="0">
@@ -14613,6 +14620,90 @@
                 <a:latin typeface="Courier New" panose="02070309020205020404" pitchFamily="49" charset="0"/>
                 <a:cs typeface="Courier New" panose="02070309020205020404" pitchFamily="49" charset="0"/>
               </a:rPr>
+              <a:t>need</a:t>
+            </a:r>
+            <a:r>
+              <a:rPr lang="nl-NL" sz="1400" kern="0" dirty="0" smtClean="0">
+                <a:latin typeface="Courier New" panose="02070309020205020404" pitchFamily="49" charset="0"/>
+                <a:cs typeface="Courier New" panose="02070309020205020404" pitchFamily="49" charset="0"/>
+              </a:rPr>
+              <a:t> </a:t>
+            </a:r>
+            <a:r>
+              <a:rPr lang="nl-NL" sz="1400" kern="0" dirty="0" err="1" smtClean="0">
+                <a:latin typeface="Courier New" panose="02070309020205020404" pitchFamily="49" charset="0"/>
+                <a:cs typeface="Courier New" panose="02070309020205020404" pitchFamily="49" charset="0"/>
+              </a:rPr>
+              <a:t>to</a:t>
+            </a:r>
+            <a:r>
+              <a:rPr lang="nl-NL" sz="1400" kern="0" dirty="0" smtClean="0">
+                <a:latin typeface="Courier New" panose="02070309020205020404" pitchFamily="49" charset="0"/>
+                <a:cs typeface="Courier New" panose="02070309020205020404" pitchFamily="49" charset="0"/>
+              </a:rPr>
+              <a:t> </a:t>
+            </a:r>
+            <a:r>
+              <a:rPr lang="nl-NL" sz="1400" kern="0" dirty="0" err="1" smtClean="0">
+                <a:latin typeface="Courier New" panose="02070309020205020404" pitchFamily="49" charset="0"/>
+                <a:cs typeface="Courier New" panose="02070309020205020404" pitchFamily="49" charset="0"/>
+              </a:rPr>
+              <a:t>some</a:t>
+            </a:r>
+            <a:r>
+              <a:rPr lang="nl-NL" sz="1400" kern="0" dirty="0" smtClean="0">
+                <a:latin typeface="Courier New" panose="02070309020205020404" pitchFamily="49" charset="0"/>
+                <a:cs typeface="Courier New" panose="02070309020205020404" pitchFamily="49" charset="0"/>
+              </a:rPr>
+              <a:t> pre-processing on </a:t>
+            </a:r>
+            <a:r>
+              <a:rPr lang="nl-NL" sz="1400" kern="0" dirty="0" err="1" smtClean="0">
+                <a:latin typeface="Courier New" panose="02070309020205020404" pitchFamily="49" charset="0"/>
+                <a:cs typeface="Courier New" panose="02070309020205020404" pitchFamily="49" charset="0"/>
+              </a:rPr>
+              <a:t>price</a:t>
+            </a:r>
+            <a:r>
+              <a:rPr lang="nl-NL" sz="1400" kern="0" dirty="0" smtClean="0">
+                <a:latin typeface="Courier New" panose="02070309020205020404" pitchFamily="49" charset="0"/>
+                <a:cs typeface="Courier New" panose="02070309020205020404" pitchFamily="49" charset="0"/>
+              </a:rPr>
+              <a:t>. </a:t>
+            </a:r>
+            <a:r>
+              <a:rPr lang="nl-NL" sz="1400" kern="0" dirty="0" err="1" smtClean="0">
+                <a:latin typeface="Courier New" panose="02070309020205020404" pitchFamily="49" charset="0"/>
+                <a:cs typeface="Courier New" panose="02070309020205020404" pitchFamily="49" charset="0"/>
+              </a:rPr>
+              <a:t>What</a:t>
+            </a:r>
+            <a:r>
+              <a:rPr lang="nl-NL" sz="1400" kern="0" dirty="0" smtClean="0">
+                <a:latin typeface="Courier New" panose="02070309020205020404" pitchFamily="49" charset="0"/>
+                <a:cs typeface="Courier New" panose="02070309020205020404" pitchFamily="49" charset="0"/>
+              </a:rPr>
+              <a:t> is </a:t>
+            </a:r>
+            <a:r>
+              <a:rPr lang="nl-NL" sz="1400" kern="0" dirty="0" err="1" smtClean="0">
+                <a:latin typeface="Courier New" panose="02070309020205020404" pitchFamily="49" charset="0"/>
+                <a:cs typeface="Courier New" panose="02070309020205020404" pitchFamily="49" charset="0"/>
+              </a:rPr>
+              <a:t>it</a:t>
+            </a:r>
+            <a:r>
+              <a:rPr lang="nl-NL" sz="1400" kern="0" dirty="0" smtClean="0">
+                <a:latin typeface="Courier New" panose="02070309020205020404" pitchFamily="49" charset="0"/>
+                <a:cs typeface="Courier New" panose="02070309020205020404" pitchFamily="49" charset="0"/>
+              </a:rPr>
+              <a:t> </a:t>
+            </a:r>
+            <a:r>
+              <a:rPr lang="nl-NL" sz="1400" kern="0" dirty="0" err="1" smtClean="0">
+                <a:latin typeface="Courier New" panose="02070309020205020404" pitchFamily="49" charset="0"/>
+                <a:cs typeface="Courier New" panose="02070309020205020404" pitchFamily="49" charset="0"/>
+              </a:rPr>
               <a:t>you</a:t>
             </a:r>
             <a:r>
@@ -14644,10 +14735,31 @@
               <a:t>to</a:t>
             </a:r>
             <a:r>
+              <a:rPr lang="nl-NL" sz="1400" kern="0" smtClean="0">
+                <a:latin typeface="Courier New" panose="02070309020205020404" pitchFamily="49" charset="0"/>
+                <a:cs typeface="Courier New" panose="02070309020205020404" pitchFamily="49" charset="0"/>
+              </a:rPr>
+              <a:t> do? </a:t>
+            </a:r>
+            <a:r>
               <a:rPr lang="nl-NL" sz="1400" kern="0" dirty="0" smtClean="0">
                 <a:latin typeface="Courier New" panose="02070309020205020404" pitchFamily="49" charset="0"/>
                 <a:cs typeface="Courier New" panose="02070309020205020404" pitchFamily="49" charset="0"/>
               </a:rPr>
+              <a:t>As </a:t>
+            </a:r>
+            <a:r>
+              <a:rPr lang="nl-NL" sz="1400" kern="0" dirty="0" err="1" smtClean="0">
+                <a:latin typeface="Courier New" panose="02070309020205020404" pitchFamily="49" charset="0"/>
+                <a:cs typeface="Courier New" panose="02070309020205020404" pitchFamily="49" charset="0"/>
+              </a:rPr>
+              <a:t>for</a:t>
+            </a:r>
+            <a:r>
+              <a:rPr lang="nl-NL" sz="1400" kern="0" dirty="0" smtClean="0">
+                <a:latin typeface="Courier New" panose="02070309020205020404" pitchFamily="49" charset="0"/>
+                <a:cs typeface="Courier New" panose="02070309020205020404" pitchFamily="49" charset="0"/>
+              </a:rPr>
               <a:t> </a:t>
             </a:r>
             <a:r>
@@ -14655,84 +14767,42 @@
                 <a:latin typeface="Courier New" panose="02070309020205020404" pitchFamily="49" charset="0"/>
                 <a:cs typeface="Courier New" panose="02070309020205020404" pitchFamily="49" charset="0"/>
               </a:rPr>
-              <a:t>some</a:t>
+              <a:t>how</a:t>
             </a:r>
             <a:r>
               <a:rPr lang="nl-NL" sz="1400" kern="0" dirty="0" smtClean="0">
                 <a:latin typeface="Courier New" panose="02070309020205020404" pitchFamily="49" charset="0"/>
                 <a:cs typeface="Courier New" panose="02070309020205020404" pitchFamily="49" charset="0"/>
               </a:rPr>
-              <a:t> pre-processing on </a:t>
+              <a:t> </a:t>
             </a:r>
             <a:r>
               <a:rPr lang="nl-NL" sz="1400" kern="0" dirty="0" err="1" smtClean="0">
                 <a:latin typeface="Courier New" panose="02070309020205020404" pitchFamily="49" charset="0"/>
                 <a:cs typeface="Courier New" panose="02070309020205020404" pitchFamily="49" charset="0"/>
               </a:rPr>
-              <a:t>price</a:t>
+              <a:t>to</a:t>
             </a:r>
             <a:r>
               <a:rPr lang="nl-NL" sz="1400" kern="0" dirty="0" smtClean="0">
                 <a:latin typeface="Courier New" panose="02070309020205020404" pitchFamily="49" charset="0"/>
                 <a:cs typeface="Courier New" panose="02070309020205020404" pitchFamily="49" charset="0"/>
               </a:rPr>
-              <a:t>. </a:t>
+              <a:t> do </a:t>
             </a:r>
             <a:r>
               <a:rPr lang="nl-NL" sz="1400" kern="0" dirty="0" err="1" smtClean="0">
                 <a:latin typeface="Courier New" panose="02070309020205020404" pitchFamily="49" charset="0"/>
                 <a:cs typeface="Courier New" panose="02070309020205020404" pitchFamily="49" charset="0"/>
               </a:rPr>
-              <a:t>What</a:t>
+              <a:t>it</a:t>
             </a:r>
             <a:r>
               <a:rPr lang="nl-NL" sz="1400" kern="0" dirty="0" smtClean="0">
                 <a:latin typeface="Courier New" panose="02070309020205020404" pitchFamily="49" charset="0"/>
                 <a:cs typeface="Courier New" panose="02070309020205020404" pitchFamily="49" charset="0"/>
               </a:rPr>
-              <a:t> is </a:t>
-            </a:r>
-            <a:r>
-              <a:rPr lang="nl-NL" sz="1400" kern="0" dirty="0" err="1" smtClean="0">
-                <a:latin typeface="Courier New" panose="02070309020205020404" pitchFamily="49" charset="0"/>
-                <a:cs typeface="Courier New" panose="02070309020205020404" pitchFamily="49" charset="0"/>
-              </a:rPr>
-              <a:t>it</a:t>
-            </a:r>
-            <a:r>
-              <a:rPr lang="nl-NL" sz="1400" kern="0" dirty="0" smtClean="0">
-                <a:latin typeface="Courier New" panose="02070309020205020404" pitchFamily="49" charset="0"/>
-                <a:cs typeface="Courier New" panose="02070309020205020404" pitchFamily="49" charset="0"/>
-              </a:rPr>
-              <a:t>? </a:t>
-            </a:r>
-            <a:r>
-              <a:rPr lang="nl-NL" sz="1400" kern="0" dirty="0" err="1" smtClean="0">
-                <a:latin typeface="Courier New" panose="02070309020205020404" pitchFamily="49" charset="0"/>
-                <a:cs typeface="Courier New" panose="02070309020205020404" pitchFamily="49" charset="0"/>
-              </a:rPr>
-              <a:t>Think</a:t>
-            </a:r>
-            <a:r>
-              <a:rPr lang="nl-NL" sz="1400" kern="0" dirty="0" smtClean="0">
-                <a:latin typeface="Courier New" panose="02070309020205020404" pitchFamily="49" charset="0"/>
-                <a:cs typeface="Courier New" panose="02070309020205020404" pitchFamily="49" charset="0"/>
-              </a:rPr>
-              <a:t> back </a:t>
-            </a:r>
-            <a:r>
-              <a:rPr lang="nl-NL" sz="1400" kern="0" dirty="0" err="1" smtClean="0">
-                <a:latin typeface="Courier New" panose="02070309020205020404" pitchFamily="49" charset="0"/>
-                <a:cs typeface="Courier New" panose="02070309020205020404" pitchFamily="49" charset="0"/>
-              </a:rPr>
-              <a:t>to</a:t>
-            </a:r>
-            <a:r>
-              <a:rPr lang="nl-NL" sz="1400" kern="0" dirty="0" smtClean="0">
-                <a:latin typeface="Courier New" panose="02070309020205020404" pitchFamily="49" charset="0"/>
-                <a:cs typeface="Courier New" panose="02070309020205020404" pitchFamily="49" charset="0"/>
-              </a:rPr>
-              <a:t> </a:t>
+              <a:t>: check </a:t>
             </a:r>
             <a:r>
               <a:rPr lang="nl-NL" sz="1400" kern="0" dirty="0" err="1" smtClean="0">
@@ -15237,14 +15307,7 @@
                 <a:latin typeface="Courier New" panose="02070309020205020404" pitchFamily="49" charset="0"/>
                 <a:cs typeface="Courier New" panose="02070309020205020404" pitchFamily="49" charset="0"/>
               </a:rPr>
-              <a:t> variables</a:t>
-            </a:r>
-            <a:r>
-              <a:rPr lang="nl-NL" sz="1400" kern="0" dirty="0" smtClean="0">
-                <a:latin typeface="Courier New" panose="02070309020205020404" pitchFamily="49" charset="0"/>
-                <a:cs typeface="Courier New" panose="02070309020205020404" pitchFamily="49" charset="0"/>
-              </a:rPr>
-              <a:t>? </a:t>
+              <a:t> variables? </a:t>
             </a:r>
           </a:p>
           <a:p>
@@ -15675,11 +15738,7 @@
             </a:r>
             <a:r>
               <a:rPr lang="nl-NL" sz="1800" dirty="0" smtClean="0"/>
-              <a:t> </a:t>
-            </a:r>
-            <a:r>
-              <a:rPr lang="nl-NL" sz="1800" dirty="0" smtClean="0"/>
-              <a:t>on </a:t>
+              <a:t> on </a:t>
             </a:r>
             <a:r>
               <a:rPr lang="nl-NL" sz="1800" dirty="0" err="1" smtClean="0"/>
@@ -19691,13 +19750,7 @@
               <a:rPr lang="nl-NL" sz="2400" dirty="0" smtClean="0">
                 <a:hlinkClick r:id="rId2"/>
               </a:rPr>
-              <a:t> </a:t>
-            </a:r>
-            <a:r>
-              <a:rPr lang="nl-NL" sz="2400" dirty="0" smtClean="0">
-                <a:hlinkClick r:id="rId2"/>
-              </a:rPr>
-              <a:t>data set</a:t>
+              <a:t> data set</a:t>
             </a:r>
             <a:r>
               <a:rPr lang="nl-NL" sz="2400" dirty="0" smtClean="0"/>
@@ -20275,14 +20328,7 @@
                 <a:latin typeface="Courier New" panose="02070309020205020404" pitchFamily="49" charset="0"/>
                 <a:cs typeface="Courier New" panose="02070309020205020404" pitchFamily="49" charset="0"/>
               </a:rPr>
-              <a:t> data </a:t>
-            </a:r>
-            <a:r>
-              <a:rPr lang="nl-NL" sz="1400" kern="0" dirty="0" smtClean="0">
-                <a:latin typeface="Courier New" panose="02070309020205020404" pitchFamily="49" charset="0"/>
-                <a:cs typeface="Courier New" panose="02070309020205020404" pitchFamily="49" charset="0"/>
-              </a:rPr>
-              <a:t>set.</a:t>
+              <a:t> data set.</a:t>
             </a:r>
           </a:p>
           <a:p>
@@ -20347,35 +20393,42 @@
                 <a:latin typeface="Courier New" panose="02070309020205020404" pitchFamily="49" charset="0"/>
                 <a:cs typeface="Courier New" panose="02070309020205020404" pitchFamily="49" charset="0"/>
               </a:rPr>
-              <a:t> 2. Make </a:t>
+              <a:t> 2. Make a </a:t>
+            </a:r>
+            <a:r>
+              <a:rPr lang="nl-NL" sz="1400" kern="0" dirty="0" err="1" smtClean="0">
+                <a:latin typeface="Courier New" panose="02070309020205020404" pitchFamily="49" charset="0"/>
+                <a:cs typeface="Courier New" panose="02070309020205020404" pitchFamily="49" charset="0"/>
+              </a:rPr>
+              <a:t>scatter</a:t>
             </a:r>
             <a:r>
               <a:rPr lang="nl-NL" sz="1400" kern="0" dirty="0" smtClean="0">
                 <a:latin typeface="Courier New" panose="02070309020205020404" pitchFamily="49" charset="0"/>
                 <a:cs typeface="Courier New" panose="02070309020205020404" pitchFamily="49" charset="0"/>
               </a:rPr>
-              <a:t>a </a:t>
+              <a:t> plot of </a:t>
             </a:r>
             <a:r>
               <a:rPr lang="nl-NL" sz="1400" kern="0" dirty="0" err="1" smtClean="0">
                 <a:latin typeface="Courier New" panose="02070309020205020404" pitchFamily="49" charset="0"/>
                 <a:cs typeface="Courier New" panose="02070309020205020404" pitchFamily="49" charset="0"/>
               </a:rPr>
-              <a:t>scatter</a:t>
+              <a:t>price</a:t>
             </a:r>
             <a:r>
               <a:rPr lang="nl-NL" sz="1400" kern="0" dirty="0" smtClean="0">
                 <a:latin typeface="Courier New" panose="02070309020205020404" pitchFamily="49" charset="0"/>
                 <a:cs typeface="Courier New" panose="02070309020205020404" pitchFamily="49" charset="0"/>
               </a:rPr>
-              <a:t> plot of </a:t>
+              <a:t> </a:t>
             </a:r>
             <a:r>
               <a:rPr lang="nl-NL" sz="1400" kern="0" dirty="0" err="1" smtClean="0">
                 <a:latin typeface="Courier New" panose="02070309020205020404" pitchFamily="49" charset="0"/>
                 <a:cs typeface="Courier New" panose="02070309020205020404" pitchFamily="49" charset="0"/>
               </a:rPr>
-              <a:t>price</a:t>
+              <a:t>and</a:t>
             </a:r>
             <a:r>
               <a:rPr lang="nl-NL" sz="1400" kern="0" dirty="0" smtClean="0">
@@ -20389,6 +20442,48 @@
                 <a:latin typeface="Courier New" panose="02070309020205020404" pitchFamily="49" charset="0"/>
                 <a:cs typeface="Courier New" panose="02070309020205020404" pitchFamily="49" charset="0"/>
               </a:rPr>
+              <a:t>surface</a:t>
+            </a:r>
+            <a:r>
+              <a:rPr lang="nl-NL" sz="1400" kern="0" dirty="0" smtClean="0">
+                <a:latin typeface="Courier New" panose="02070309020205020404" pitchFamily="49" charset="0"/>
+                <a:cs typeface="Courier New" panose="02070309020205020404" pitchFamily="49" charset="0"/>
+              </a:rPr>
+              <a:t> area, </a:t>
+            </a:r>
+            <a:r>
+              <a:rPr lang="nl-NL" sz="1400" kern="0" dirty="0" err="1" smtClean="0">
+                <a:latin typeface="Courier New" panose="02070309020205020404" pitchFamily="49" charset="0"/>
+                <a:cs typeface="Courier New" panose="02070309020205020404" pitchFamily="49" charset="0"/>
+              </a:rPr>
+              <a:t>both</a:t>
+            </a:r>
+            <a:r>
+              <a:rPr lang="nl-NL" sz="1400" kern="0" dirty="0" smtClean="0">
+                <a:latin typeface="Courier New" panose="02070309020205020404" pitchFamily="49" charset="0"/>
+                <a:cs typeface="Courier New" panose="02070309020205020404" pitchFamily="49" charset="0"/>
+              </a:rPr>
+              <a:t> </a:t>
+            </a:r>
+            <a:r>
+              <a:rPr lang="nl-NL" sz="1400" kern="0" dirty="0" err="1" smtClean="0">
+                <a:latin typeface="Courier New" panose="02070309020205020404" pitchFamily="49" charset="0"/>
+                <a:cs typeface="Courier New" panose="02070309020205020404" pitchFamily="49" charset="0"/>
+              </a:rPr>
+              <a:t>with</a:t>
+            </a:r>
+            <a:r>
+              <a:rPr lang="nl-NL" sz="1400" kern="0" dirty="0" smtClean="0">
+                <a:latin typeface="Courier New" panose="02070309020205020404" pitchFamily="49" charset="0"/>
+                <a:cs typeface="Courier New" panose="02070309020205020404" pitchFamily="49" charset="0"/>
+              </a:rPr>
+              <a:t> </a:t>
+            </a:r>
+            <a:r>
+              <a:rPr lang="nl-NL" sz="1400" kern="0" dirty="0" err="1" smtClean="0">
+                <a:latin typeface="Courier New" panose="02070309020205020404" pitchFamily="49" charset="0"/>
+                <a:cs typeface="Courier New" panose="02070309020205020404" pitchFamily="49" charset="0"/>
+              </a:rPr>
               <a:t>and</a:t>
             </a:r>
             <a:r>
@@ -20396,6 +20491,34 @@
                 <a:latin typeface="Courier New" panose="02070309020205020404" pitchFamily="49" charset="0"/>
                 <a:cs typeface="Courier New" panose="02070309020205020404" pitchFamily="49" charset="0"/>
               </a:rPr>
+              <a:t> without a </a:t>
+            </a:r>
+            <a:r>
+              <a:rPr lang="nl-NL" sz="1400" kern="0" dirty="0" err="1" smtClean="0">
+                <a:latin typeface="Courier New" panose="02070309020205020404" pitchFamily="49" charset="0"/>
+                <a:cs typeface="Courier New" panose="02070309020205020404" pitchFamily="49" charset="0"/>
+              </a:rPr>
+              <a:t>regression</a:t>
+            </a:r>
+            <a:r>
+              <a:rPr lang="nl-NL" sz="1400" kern="0" dirty="0" smtClean="0">
+                <a:latin typeface="Courier New" panose="02070309020205020404" pitchFamily="49" charset="0"/>
+                <a:cs typeface="Courier New" panose="02070309020205020404" pitchFamily="49" charset="0"/>
+              </a:rPr>
+              <a:t> line. </a:t>
+            </a:r>
+            <a:r>
+              <a:rPr lang="nl-NL" sz="1400" kern="0" dirty="0" err="1" smtClean="0">
+                <a:latin typeface="Courier New" panose="02070309020205020404" pitchFamily="49" charset="0"/>
+                <a:cs typeface="Courier New" panose="02070309020205020404" pitchFamily="49" charset="0"/>
+              </a:rPr>
+              <a:t>Which</a:t>
+            </a:r>
+            <a:r>
+              <a:rPr lang="nl-NL" sz="1400" kern="0" dirty="0" smtClean="0">
+                <a:latin typeface="Courier New" panose="02070309020205020404" pitchFamily="49" charset="0"/>
+                <a:cs typeface="Courier New" panose="02070309020205020404" pitchFamily="49" charset="0"/>
+              </a:rPr>
               <a:t> </a:t>
             </a:r>
             <a:r>
@@ -20403,27 +20526,41 @@
                 <a:latin typeface="Courier New" panose="02070309020205020404" pitchFamily="49" charset="0"/>
                 <a:cs typeface="Courier New" panose="02070309020205020404" pitchFamily="49" charset="0"/>
               </a:rPr>
-              <a:t>surface</a:t>
+              <a:t>should</a:t>
             </a:r>
             <a:r>
               <a:rPr lang="nl-NL" sz="1400" kern="0" dirty="0" smtClean="0">
                 <a:latin typeface="Courier New" panose="02070309020205020404" pitchFamily="49" charset="0"/>
                 <a:cs typeface="Courier New" panose="02070309020205020404" pitchFamily="49" charset="0"/>
               </a:rPr>
-              <a:t> area, </a:t>
+              <a:t> </a:t>
             </a:r>
             <a:r>
               <a:rPr lang="nl-NL" sz="1400" kern="0" dirty="0" err="1" smtClean="0">
                 <a:latin typeface="Courier New" panose="02070309020205020404" pitchFamily="49" charset="0"/>
                 <a:cs typeface="Courier New" panose="02070309020205020404" pitchFamily="49" charset="0"/>
               </a:rPr>
-              <a:t>both</a:t>
+              <a:t>be</a:t>
             </a:r>
             <a:r>
               <a:rPr lang="nl-NL" sz="1400" kern="0" dirty="0" smtClean="0">
                 <a:latin typeface="Courier New" panose="02070309020205020404" pitchFamily="49" charset="0"/>
                 <a:cs typeface="Courier New" panose="02070309020205020404" pitchFamily="49" charset="0"/>
               </a:rPr>
+              <a:t> X </a:t>
+            </a:r>
+            <a:r>
+              <a:rPr lang="nl-NL" sz="1400" kern="0" dirty="0" err="1" smtClean="0">
+                <a:latin typeface="Courier New" panose="02070309020205020404" pitchFamily="49" charset="0"/>
+                <a:cs typeface="Courier New" panose="02070309020205020404" pitchFamily="49" charset="0"/>
+              </a:rPr>
+              <a:t>and</a:t>
+            </a:r>
+            <a:r>
+              <a:rPr lang="nl-NL" sz="1400" kern="0" dirty="0" smtClean="0">
+                <a:latin typeface="Courier New" panose="02070309020205020404" pitchFamily="49" charset="0"/>
+                <a:cs typeface="Courier New" panose="02070309020205020404" pitchFamily="49" charset="0"/>
+              </a:rPr>
               <a:t> </a:t>
             </a:r>
             <a:r>
@@ -20431,7 +20568,7 @@
                 <a:latin typeface="Courier New" panose="02070309020205020404" pitchFamily="49" charset="0"/>
                 <a:cs typeface="Courier New" panose="02070309020205020404" pitchFamily="49" charset="0"/>
               </a:rPr>
-              <a:t>with</a:t>
+              <a:t>which</a:t>
             </a:r>
             <a:r>
               <a:rPr lang="nl-NL" sz="1400" kern="0" dirty="0" smtClean="0">
@@ -20445,140 +20582,28 @@
                 <a:latin typeface="Courier New" panose="02070309020205020404" pitchFamily="49" charset="0"/>
                 <a:cs typeface="Courier New" panose="02070309020205020404" pitchFamily="49" charset="0"/>
               </a:rPr>
-              <a:t>and</a:t>
+              <a:t>should</a:t>
             </a:r>
             <a:r>
               <a:rPr lang="nl-NL" sz="1400" kern="0" dirty="0" smtClean="0">
                 <a:latin typeface="Courier New" panose="02070309020205020404" pitchFamily="49" charset="0"/>
                 <a:cs typeface="Courier New" panose="02070309020205020404" pitchFamily="49" charset="0"/>
               </a:rPr>
-              <a:t> without a </a:t>
+              <a:t> </a:t>
             </a:r>
             <a:r>
               <a:rPr lang="nl-NL" sz="1400" kern="0" dirty="0" err="1" smtClean="0">
                 <a:latin typeface="Courier New" panose="02070309020205020404" pitchFamily="49" charset="0"/>
                 <a:cs typeface="Courier New" panose="02070309020205020404" pitchFamily="49" charset="0"/>
               </a:rPr>
-              <a:t>regression</a:t>
+              <a:t>be</a:t>
             </a:r>
             <a:r>
               <a:rPr lang="nl-NL" sz="1400" kern="0" dirty="0" smtClean="0">
                 <a:latin typeface="Courier New" panose="02070309020205020404" pitchFamily="49" charset="0"/>
                 <a:cs typeface="Courier New" panose="02070309020205020404" pitchFamily="49" charset="0"/>
               </a:rPr>
-              <a:t> line. </a:t>
-            </a:r>
-            <a:r>
-              <a:rPr lang="nl-NL" sz="1400" kern="0" dirty="0" err="1" smtClean="0">
-                <a:latin typeface="Courier New" panose="02070309020205020404" pitchFamily="49" charset="0"/>
-                <a:cs typeface="Courier New" panose="02070309020205020404" pitchFamily="49" charset="0"/>
-              </a:rPr>
-              <a:t>Which</a:t>
-            </a:r>
-            <a:r>
-              <a:rPr lang="nl-NL" sz="1400" kern="0" dirty="0" smtClean="0">
-                <a:latin typeface="Courier New" panose="02070309020205020404" pitchFamily="49" charset="0"/>
-                <a:cs typeface="Courier New" panose="02070309020205020404" pitchFamily="49" charset="0"/>
-              </a:rPr>
-              <a:t> </a:t>
-            </a:r>
-            <a:r>
-              <a:rPr lang="nl-NL" sz="1400" kern="0" dirty="0" err="1" smtClean="0">
-                <a:latin typeface="Courier New" panose="02070309020205020404" pitchFamily="49" charset="0"/>
-                <a:cs typeface="Courier New" panose="02070309020205020404" pitchFamily="49" charset="0"/>
-              </a:rPr>
-              <a:t>should</a:t>
-            </a:r>
-            <a:r>
-              <a:rPr lang="nl-NL" sz="1400" kern="0" dirty="0" smtClean="0">
-                <a:latin typeface="Courier New" panose="02070309020205020404" pitchFamily="49" charset="0"/>
-                <a:cs typeface="Courier New" panose="02070309020205020404" pitchFamily="49" charset="0"/>
-              </a:rPr>
-              <a:t> </a:t>
-            </a:r>
-            <a:r>
-              <a:rPr lang="nl-NL" sz="1400" kern="0" dirty="0" err="1" smtClean="0">
-                <a:latin typeface="Courier New" panose="02070309020205020404" pitchFamily="49" charset="0"/>
-                <a:cs typeface="Courier New" panose="02070309020205020404" pitchFamily="49" charset="0"/>
-              </a:rPr>
-              <a:t>be</a:t>
-            </a:r>
-            <a:r>
-              <a:rPr lang="nl-NL" sz="1400" kern="0" dirty="0" smtClean="0">
-                <a:latin typeface="Courier New" panose="02070309020205020404" pitchFamily="49" charset="0"/>
-                <a:cs typeface="Courier New" panose="02070309020205020404" pitchFamily="49" charset="0"/>
-              </a:rPr>
-              <a:t> </a:t>
-            </a:r>
-            <a:r>
-              <a:rPr lang="nl-NL" sz="1400" kern="0" dirty="0" smtClean="0">
-                <a:latin typeface="Courier New" panose="02070309020205020404" pitchFamily="49" charset="0"/>
-                <a:cs typeface="Courier New" panose="02070309020205020404" pitchFamily="49" charset="0"/>
-              </a:rPr>
-              <a:t>X </a:t>
-            </a:r>
-            <a:r>
-              <a:rPr lang="nl-NL" sz="1400" kern="0" dirty="0" err="1" smtClean="0">
-                <a:latin typeface="Courier New" panose="02070309020205020404" pitchFamily="49" charset="0"/>
-                <a:cs typeface="Courier New" panose="02070309020205020404" pitchFamily="49" charset="0"/>
-              </a:rPr>
-              <a:t>and</a:t>
-            </a:r>
-            <a:r>
-              <a:rPr lang="nl-NL" sz="1400" kern="0" dirty="0" smtClean="0">
-                <a:latin typeface="Courier New" panose="02070309020205020404" pitchFamily="49" charset="0"/>
-                <a:cs typeface="Courier New" panose="02070309020205020404" pitchFamily="49" charset="0"/>
-              </a:rPr>
-              <a:t> </a:t>
-            </a:r>
-            <a:r>
-              <a:rPr lang="nl-NL" sz="1400" kern="0" dirty="0" err="1" smtClean="0">
-                <a:latin typeface="Courier New" panose="02070309020205020404" pitchFamily="49" charset="0"/>
-                <a:cs typeface="Courier New" panose="02070309020205020404" pitchFamily="49" charset="0"/>
-              </a:rPr>
-              <a:t>which</a:t>
-            </a:r>
-            <a:r>
-              <a:rPr lang="nl-NL" sz="1400" kern="0" dirty="0" smtClean="0">
-                <a:latin typeface="Courier New" panose="02070309020205020404" pitchFamily="49" charset="0"/>
-                <a:cs typeface="Courier New" panose="02070309020205020404" pitchFamily="49" charset="0"/>
-              </a:rPr>
-              <a:t> </a:t>
-            </a:r>
-            <a:r>
-              <a:rPr lang="nl-NL" sz="1400" kern="0" dirty="0" err="1" smtClean="0">
-                <a:latin typeface="Courier New" panose="02070309020205020404" pitchFamily="49" charset="0"/>
-                <a:cs typeface="Courier New" panose="02070309020205020404" pitchFamily="49" charset="0"/>
-              </a:rPr>
-              <a:t>should</a:t>
-            </a:r>
-            <a:r>
-              <a:rPr lang="nl-NL" sz="1400" kern="0" dirty="0" smtClean="0">
-                <a:latin typeface="Courier New" panose="02070309020205020404" pitchFamily="49" charset="0"/>
-                <a:cs typeface="Courier New" panose="02070309020205020404" pitchFamily="49" charset="0"/>
-              </a:rPr>
-              <a:t> </a:t>
-            </a:r>
-            <a:r>
-              <a:rPr lang="nl-NL" sz="1400" kern="0" dirty="0" err="1" smtClean="0">
-                <a:latin typeface="Courier New" panose="02070309020205020404" pitchFamily="49" charset="0"/>
-                <a:cs typeface="Courier New" panose="02070309020205020404" pitchFamily="49" charset="0"/>
-              </a:rPr>
-              <a:t>be</a:t>
-            </a:r>
-            <a:r>
-              <a:rPr lang="nl-NL" sz="1400" kern="0" dirty="0" smtClean="0">
-                <a:latin typeface="Courier New" panose="02070309020205020404" pitchFamily="49" charset="0"/>
-                <a:cs typeface="Courier New" panose="02070309020205020404" pitchFamily="49" charset="0"/>
-              </a:rPr>
-              <a:t> </a:t>
-            </a:r>
-            <a:r>
-              <a:rPr lang="nl-NL" sz="1400" kern="0" dirty="0" smtClean="0">
-                <a:latin typeface="Courier New" panose="02070309020205020404" pitchFamily="49" charset="0"/>
-                <a:cs typeface="Courier New" panose="02070309020205020404" pitchFamily="49" charset="0"/>
-              </a:rPr>
-              <a:t>Y?</a:t>
+              <a:t> Y?</a:t>
             </a:r>
           </a:p>
           <a:p>
@@ -20601,41 +20626,118 @@
                 <a:latin typeface="Courier New" panose="02070309020205020404" pitchFamily="49" charset="0"/>
                 <a:cs typeface="Courier New" panose="02070309020205020404" pitchFamily="49" charset="0"/>
               </a:rPr>
-              <a:t>Train </a:t>
+              <a:t>Train a </a:t>
+            </a:r>
+            <a:r>
+              <a:rPr lang="nl-NL" sz="1400" kern="0" dirty="0" err="1" smtClean="0">
+                <a:latin typeface="Courier New" panose="02070309020205020404" pitchFamily="49" charset="0"/>
+                <a:cs typeface="Courier New" panose="02070309020205020404" pitchFamily="49" charset="0"/>
+              </a:rPr>
+              <a:t>linear</a:t>
             </a:r>
             <a:r>
               <a:rPr lang="nl-NL" sz="1400" kern="0" dirty="0" smtClean="0">
                 <a:latin typeface="Courier New" panose="02070309020205020404" pitchFamily="49" charset="0"/>
                 <a:cs typeface="Courier New" panose="02070309020205020404" pitchFamily="49" charset="0"/>
               </a:rPr>
-              <a:t>a </a:t>
+              <a:t> model </a:t>
             </a:r>
             <a:r>
               <a:rPr lang="nl-NL" sz="1400" kern="0" dirty="0" err="1" smtClean="0">
                 <a:latin typeface="Courier New" panose="02070309020205020404" pitchFamily="49" charset="0"/>
                 <a:cs typeface="Courier New" panose="02070309020205020404" pitchFamily="49" charset="0"/>
               </a:rPr>
-              <a:t>linear</a:t>
+              <a:t>for</a:t>
             </a:r>
             <a:r>
               <a:rPr lang="nl-NL" sz="1400" kern="0" dirty="0" smtClean="0">
                 <a:latin typeface="Courier New" panose="02070309020205020404" pitchFamily="49" charset="0"/>
                 <a:cs typeface="Courier New" panose="02070309020205020404" pitchFamily="49" charset="0"/>
               </a:rPr>
-              <a:t> model </a:t>
+              <a:t> the </a:t>
             </a:r>
             <a:r>
               <a:rPr lang="nl-NL" sz="1400" kern="0" dirty="0" err="1" smtClean="0">
                 <a:latin typeface="Courier New" panose="02070309020205020404" pitchFamily="49" charset="0"/>
                 <a:cs typeface="Courier New" panose="02070309020205020404" pitchFamily="49" charset="0"/>
               </a:rPr>
-              <a:t>for</a:t>
+              <a:t>relation</a:t>
+            </a:r>
+            <a:r>
+              <a:rPr lang="nl-NL" sz="1400" kern="0" dirty="0">
+                <a:latin typeface="Courier New" panose="02070309020205020404" pitchFamily="49" charset="0"/>
+                <a:cs typeface="Courier New" panose="02070309020205020404" pitchFamily="49" charset="0"/>
+              </a:rPr>
+              <a:t> </a:t>
+            </a:r>
+            <a:r>
+              <a:rPr lang="nl-NL" sz="1400" kern="0" dirty="0" err="1" smtClean="0">
+                <a:latin typeface="Courier New" panose="02070309020205020404" pitchFamily="49" charset="0"/>
+                <a:cs typeface="Courier New" panose="02070309020205020404" pitchFamily="49" charset="0"/>
+              </a:rPr>
+              <a:t>using</a:t>
             </a:r>
             <a:r>
               <a:rPr lang="nl-NL" sz="1400" kern="0" dirty="0" smtClean="0">
                 <a:latin typeface="Courier New" panose="02070309020205020404" pitchFamily="49" charset="0"/>
                 <a:cs typeface="Courier New" panose="02070309020205020404" pitchFamily="49" charset="0"/>
               </a:rPr>
+              <a:t> </a:t>
+            </a:r>
+            <a:r>
+              <a:rPr lang="nl-NL" sz="1400" kern="0" dirty="0" err="1" smtClean="0">
+                <a:latin typeface="Courier New" panose="02070309020205020404" pitchFamily="49" charset="0"/>
+                <a:cs typeface="Courier New" panose="02070309020205020404" pitchFamily="49" charset="0"/>
+              </a:rPr>
+              <a:t>sk-learn</a:t>
+            </a:r>
+            <a:r>
+              <a:rPr lang="nl-NL" sz="1400" kern="0" dirty="0" smtClean="0">
+                <a:latin typeface="Courier New" panose="02070309020205020404" pitchFamily="49" charset="0"/>
+                <a:cs typeface="Courier New" panose="02070309020205020404" pitchFamily="49" charset="0"/>
+              </a:rPr>
+              <a:t>. Write down the complete </a:t>
+            </a:r>
+            <a:r>
+              <a:rPr lang="nl-NL" sz="1400" kern="0" dirty="0" err="1" smtClean="0">
+                <a:latin typeface="Courier New" panose="02070309020205020404" pitchFamily="49" charset="0"/>
+                <a:cs typeface="Courier New" panose="02070309020205020404" pitchFamily="49" charset="0"/>
+              </a:rPr>
+              <a:t>formula</a:t>
+            </a:r>
+            <a:r>
+              <a:rPr lang="nl-NL" sz="1400" kern="0" dirty="0" smtClean="0">
+                <a:latin typeface="Courier New" panose="02070309020205020404" pitchFamily="49" charset="0"/>
+                <a:cs typeface="Courier New" panose="02070309020205020404" pitchFamily="49" charset="0"/>
+              </a:rPr>
+              <a:t> </a:t>
+            </a:r>
+            <a:r>
+              <a:rPr lang="nl-NL" sz="1400" kern="0" dirty="0" err="1" smtClean="0">
+                <a:latin typeface="Courier New" panose="02070309020205020404" pitchFamily="49" charset="0"/>
+                <a:cs typeface="Courier New" panose="02070309020205020404" pitchFamily="49" charset="0"/>
+              </a:rPr>
+              <a:t>with</a:t>
+            </a:r>
+            <a:r>
+              <a:rPr lang="nl-NL" sz="1400" kern="0" dirty="0" smtClean="0">
+                <a:latin typeface="Courier New" panose="02070309020205020404" pitchFamily="49" charset="0"/>
+                <a:cs typeface="Courier New" panose="02070309020205020404" pitchFamily="49" charset="0"/>
+              </a:rPr>
+              <a:t> X, Y </a:t>
+            </a:r>
+            <a:r>
+              <a:rPr lang="nl-NL" sz="1400" kern="0" dirty="0" err="1" smtClean="0">
+                <a:latin typeface="Courier New" panose="02070309020205020404" pitchFamily="49" charset="0"/>
+                <a:cs typeface="Courier New" panose="02070309020205020404" pitchFamily="49" charset="0"/>
+              </a:rPr>
+              <a:t>and</a:t>
+            </a:r>
+            <a:r>
+              <a:rPr lang="nl-NL" sz="1400" kern="0" dirty="0" smtClean="0">
+                <a:latin typeface="Courier New" panose="02070309020205020404" pitchFamily="49" charset="0"/>
+                <a:cs typeface="Courier New" panose="02070309020205020404" pitchFamily="49" charset="0"/>
+              </a:rPr>
               <a:t> the </a:t>
             </a:r>
             <a:r>
@@ -20643,180 +20745,92 @@
                 <a:latin typeface="Courier New" panose="02070309020205020404" pitchFamily="49" charset="0"/>
                 <a:cs typeface="Courier New" panose="02070309020205020404" pitchFamily="49" charset="0"/>
               </a:rPr>
-              <a:t>relation</a:t>
-            </a:r>
-            <a:r>
-              <a:rPr lang="nl-NL" sz="1400" kern="0" dirty="0">
-                <a:latin typeface="Courier New" panose="02070309020205020404" pitchFamily="49" charset="0"/>
-                <a:cs typeface="Courier New" panose="02070309020205020404" pitchFamily="49" charset="0"/>
-              </a:rPr>
-              <a:t> </a:t>
+              <a:t>coefficients</a:t>
+            </a:r>
+            <a:r>
+              <a:rPr lang="nl-NL" sz="1400" kern="0" dirty="0" smtClean="0">
+                <a:latin typeface="Courier New" panose="02070309020205020404" pitchFamily="49" charset="0"/>
+                <a:cs typeface="Courier New" panose="02070309020205020404" pitchFamily="49" charset="0"/>
+              </a:rPr>
+              <a:t> b</a:t>
+            </a:r>
+            <a:r>
+              <a:rPr lang="nl-NL" sz="1400" kern="0" baseline="-25000" dirty="0" smtClean="0">
+                <a:latin typeface="Courier New" panose="02070309020205020404" pitchFamily="49" charset="0"/>
+                <a:cs typeface="Courier New" panose="02070309020205020404" pitchFamily="49" charset="0"/>
+              </a:rPr>
+              <a:t>0 </a:t>
             </a:r>
             <a:r>
               <a:rPr lang="nl-NL" sz="1400" kern="0" dirty="0" err="1" smtClean="0">
                 <a:latin typeface="Courier New" panose="02070309020205020404" pitchFamily="49" charset="0"/>
                 <a:cs typeface="Courier New" panose="02070309020205020404" pitchFamily="49" charset="0"/>
               </a:rPr>
-              <a:t>using</a:t>
+              <a:t>and</a:t>
             </a:r>
             <a:r>
               <a:rPr lang="nl-NL" sz="1400" kern="0" dirty="0" smtClean="0">
                 <a:latin typeface="Courier New" panose="02070309020205020404" pitchFamily="49" charset="0"/>
                 <a:cs typeface="Courier New" panose="02070309020205020404" pitchFamily="49" charset="0"/>
               </a:rPr>
-              <a:t> </a:t>
+              <a:t> b</a:t>
+            </a:r>
+            <a:r>
+              <a:rPr lang="nl-NL" sz="1400" kern="0" baseline="-25000" dirty="0" smtClean="0">
+                <a:latin typeface="Courier New" panose="02070309020205020404" pitchFamily="49" charset="0"/>
+                <a:cs typeface="Courier New" panose="02070309020205020404" pitchFamily="49" charset="0"/>
+              </a:rPr>
+              <a:t>1</a:t>
+            </a:r>
+            <a:r>
+              <a:rPr lang="nl-NL" sz="1400" kern="0" dirty="0" smtClean="0">
+                <a:latin typeface="Courier New" panose="02070309020205020404" pitchFamily="49" charset="0"/>
+                <a:cs typeface="Courier New" panose="02070309020205020404" pitchFamily="49" charset="0"/>
+              </a:rPr>
+              <a:t> (as </a:t>
             </a:r>
             <a:r>
               <a:rPr lang="nl-NL" sz="1400" kern="0" dirty="0" err="1" smtClean="0">
                 <a:latin typeface="Courier New" panose="02070309020205020404" pitchFamily="49" charset="0"/>
                 <a:cs typeface="Courier New" panose="02070309020205020404" pitchFamily="49" charset="0"/>
               </a:rPr>
-              <a:t>sk-learn</a:t>
+              <a:t>numbers</a:t>
             </a:r>
             <a:r>
               <a:rPr lang="nl-NL" sz="1400" kern="0" dirty="0" smtClean="0">
                 <a:latin typeface="Courier New" panose="02070309020205020404" pitchFamily="49" charset="0"/>
                 <a:cs typeface="Courier New" panose="02070309020205020404" pitchFamily="49" charset="0"/>
               </a:rPr>
-              <a:t>. Write down the complete </a:t>
+              <a:t>). </a:t>
             </a:r>
             <a:r>
               <a:rPr lang="nl-NL" sz="1400" kern="0" dirty="0" err="1" smtClean="0">
                 <a:latin typeface="Courier New" panose="02070309020205020404" pitchFamily="49" charset="0"/>
                 <a:cs typeface="Courier New" panose="02070309020205020404" pitchFamily="49" charset="0"/>
               </a:rPr>
-              <a:t>formula</a:t>
+              <a:t>Use</a:t>
             </a:r>
             <a:r>
               <a:rPr lang="nl-NL" sz="1400" kern="0" dirty="0" smtClean="0">
                 <a:latin typeface="Courier New" panose="02070309020205020404" pitchFamily="49" charset="0"/>
                 <a:cs typeface="Courier New" panose="02070309020205020404" pitchFamily="49" charset="0"/>
               </a:rPr>
-              <a:t> </a:t>
+              <a:t> a Markdown </a:t>
             </a:r>
             <a:r>
               <a:rPr lang="nl-NL" sz="1400" kern="0" dirty="0" err="1" smtClean="0">
                 <a:latin typeface="Courier New" panose="02070309020205020404" pitchFamily="49" charset="0"/>
                 <a:cs typeface="Courier New" panose="02070309020205020404" pitchFamily="49" charset="0"/>
               </a:rPr>
-              <a:t>with</a:t>
+              <a:t>cell</a:t>
             </a:r>
             <a:r>
               <a:rPr lang="nl-NL" sz="1400" kern="0" dirty="0" smtClean="0">
                 <a:latin typeface="Courier New" panose="02070309020205020404" pitchFamily="49" charset="0"/>
                 <a:cs typeface="Courier New" panose="02070309020205020404" pitchFamily="49" charset="0"/>
               </a:rPr>
-              <a:t> X, Y </a:t>
-            </a:r>
-            <a:r>
-              <a:rPr lang="nl-NL" sz="1400" kern="0" dirty="0" err="1" smtClean="0">
-                <a:latin typeface="Courier New" panose="02070309020205020404" pitchFamily="49" charset="0"/>
-                <a:cs typeface="Courier New" panose="02070309020205020404" pitchFamily="49" charset="0"/>
-              </a:rPr>
-              <a:t>and</a:t>
-            </a:r>
-            <a:r>
-              <a:rPr lang="nl-NL" sz="1400" kern="0" dirty="0" smtClean="0">
-                <a:latin typeface="Courier New" panose="02070309020205020404" pitchFamily="49" charset="0"/>
-                <a:cs typeface="Courier New" panose="02070309020205020404" pitchFamily="49" charset="0"/>
-              </a:rPr>
-              <a:t> the </a:t>
-            </a:r>
-            <a:r>
-              <a:rPr lang="nl-NL" sz="1400" kern="0" dirty="0" err="1" smtClean="0">
-                <a:latin typeface="Courier New" panose="02070309020205020404" pitchFamily="49" charset="0"/>
-                <a:cs typeface="Courier New" panose="02070309020205020404" pitchFamily="49" charset="0"/>
-              </a:rPr>
-              <a:t>coefficients</a:t>
-            </a:r>
-            <a:r>
-              <a:rPr lang="nl-NL" sz="1400" kern="0" dirty="0" smtClean="0">
-                <a:latin typeface="Courier New" panose="02070309020205020404" pitchFamily="49" charset="0"/>
-                <a:cs typeface="Courier New" panose="02070309020205020404" pitchFamily="49" charset="0"/>
-              </a:rPr>
-              <a:t> b</a:t>
-            </a:r>
-            <a:r>
-              <a:rPr lang="nl-NL" sz="1400" kern="0" baseline="-25000" dirty="0" smtClean="0">
-                <a:latin typeface="Courier New" panose="02070309020205020404" pitchFamily="49" charset="0"/>
-                <a:cs typeface="Courier New" panose="02070309020205020404" pitchFamily="49" charset="0"/>
-              </a:rPr>
-              <a:t>0 </a:t>
-            </a:r>
-            <a:r>
-              <a:rPr lang="nl-NL" sz="1400" kern="0" dirty="0" err="1" smtClean="0">
-                <a:latin typeface="Courier New" panose="02070309020205020404" pitchFamily="49" charset="0"/>
-                <a:cs typeface="Courier New" panose="02070309020205020404" pitchFamily="49" charset="0"/>
-              </a:rPr>
-              <a:t>and</a:t>
-            </a:r>
-            <a:r>
-              <a:rPr lang="nl-NL" sz="1400" kern="0" dirty="0" smtClean="0">
-                <a:latin typeface="Courier New" panose="02070309020205020404" pitchFamily="49" charset="0"/>
-                <a:cs typeface="Courier New" panose="02070309020205020404" pitchFamily="49" charset="0"/>
-              </a:rPr>
-              <a:t> b</a:t>
-            </a:r>
-            <a:r>
-              <a:rPr lang="nl-NL" sz="1400" kern="0" baseline="-25000" dirty="0" smtClean="0">
-                <a:latin typeface="Courier New" panose="02070309020205020404" pitchFamily="49" charset="0"/>
-                <a:cs typeface="Courier New" panose="02070309020205020404" pitchFamily="49" charset="0"/>
-              </a:rPr>
-              <a:t>1</a:t>
-            </a:r>
-            <a:r>
-              <a:rPr lang="nl-NL" sz="1400" kern="0" dirty="0" smtClean="0">
-                <a:latin typeface="Courier New" panose="02070309020205020404" pitchFamily="49" charset="0"/>
-                <a:cs typeface="Courier New" panose="02070309020205020404" pitchFamily="49" charset="0"/>
-              </a:rPr>
-              <a:t> (as </a:t>
-            </a:r>
-            <a:r>
-              <a:rPr lang="nl-NL" sz="1400" kern="0" dirty="0" err="1" smtClean="0">
-                <a:latin typeface="Courier New" panose="02070309020205020404" pitchFamily="49" charset="0"/>
-                <a:cs typeface="Courier New" panose="02070309020205020404" pitchFamily="49" charset="0"/>
-              </a:rPr>
-              <a:t>numbers</a:t>
-            </a:r>
-            <a:r>
-              <a:rPr lang="nl-NL" sz="1400" kern="0" dirty="0" smtClean="0">
-                <a:latin typeface="Courier New" panose="02070309020205020404" pitchFamily="49" charset="0"/>
-                <a:cs typeface="Courier New" panose="02070309020205020404" pitchFamily="49" charset="0"/>
-              </a:rPr>
-              <a:t>). </a:t>
-            </a:r>
-            <a:r>
-              <a:rPr lang="nl-NL" sz="1400" kern="0" dirty="0" err="1" smtClean="0">
-                <a:latin typeface="Courier New" panose="02070309020205020404" pitchFamily="49" charset="0"/>
-                <a:cs typeface="Courier New" panose="02070309020205020404" pitchFamily="49" charset="0"/>
-              </a:rPr>
-              <a:t>Use</a:t>
-            </a:r>
-            <a:r>
-              <a:rPr lang="nl-NL" sz="1400" kern="0" dirty="0" smtClean="0">
-                <a:latin typeface="Courier New" panose="02070309020205020404" pitchFamily="49" charset="0"/>
-                <a:cs typeface="Courier New" panose="02070309020205020404" pitchFamily="49" charset="0"/>
-              </a:rPr>
-              <a:t> a Markdown </a:t>
-            </a:r>
-            <a:r>
-              <a:rPr lang="nl-NL" sz="1400" kern="0" dirty="0" err="1" smtClean="0">
-                <a:latin typeface="Courier New" panose="02070309020205020404" pitchFamily="49" charset="0"/>
-                <a:cs typeface="Courier New" panose="02070309020205020404" pitchFamily="49" charset="0"/>
-              </a:rPr>
-              <a:t>cell</a:t>
-            </a:r>
-            <a:r>
-              <a:rPr lang="nl-NL" sz="1400" kern="0" dirty="0" smtClean="0">
-                <a:latin typeface="Courier New" panose="02070309020205020404" pitchFamily="49" charset="0"/>
-                <a:cs typeface="Courier New" panose="02070309020205020404" pitchFamily="49" charset="0"/>
-              </a:rPr>
               <a:t>.</a:t>
             </a:r>
-            <a:endParaRPr lang="nl-NL" sz="1400" kern="0" dirty="0" smtClean="0">
-              <a:latin typeface="Courier New" panose="02070309020205020404" pitchFamily="49" charset="0"/>
-              <a:cs typeface="Courier New" panose="02070309020205020404" pitchFamily="49" charset="0"/>
-            </a:endParaRPr>
           </a:p>
           <a:p>
             <a:pPr>
@@ -21054,33 +21068,22 @@
                 <a:latin typeface="Courier New" panose="02070309020205020404" pitchFamily="49" charset="0"/>
                 <a:cs typeface="Courier New" panose="02070309020205020404" pitchFamily="49" charset="0"/>
               </a:rPr>
-              <a:t> </a:t>
+              <a:t> Baarsjesweg 180III, </a:t>
+            </a:r>
+            <a:r>
+              <a:rPr lang="nl-NL" sz="1400" kern="0" dirty="0" err="1" smtClean="0">
+                <a:latin typeface="Courier New" panose="02070309020205020404" pitchFamily="49" charset="0"/>
+                <a:cs typeface="Courier New" panose="02070309020205020404" pitchFamily="49" charset="0"/>
+              </a:rPr>
+              <a:t>sold</a:t>
             </a:r>
             <a:r>
               <a:rPr lang="nl-NL" sz="1400" kern="0" dirty="0" smtClean="0">
                 <a:latin typeface="Courier New" panose="02070309020205020404" pitchFamily="49" charset="0"/>
                 <a:cs typeface="Courier New" panose="02070309020205020404" pitchFamily="49" charset="0"/>
               </a:rPr>
-              <a:t>Baarsjesweg 180III, </a:t>
-            </a:r>
-            <a:r>
-              <a:rPr lang="nl-NL" sz="1400" kern="0" dirty="0" err="1" smtClean="0">
-                <a:latin typeface="Courier New" panose="02070309020205020404" pitchFamily="49" charset="0"/>
-                <a:cs typeface="Courier New" panose="02070309020205020404" pitchFamily="49" charset="0"/>
-              </a:rPr>
-              <a:t>sold</a:t>
-            </a:r>
-            <a:r>
-              <a:rPr lang="nl-NL" sz="1400" kern="0" dirty="0" smtClean="0">
-                <a:latin typeface="Courier New" panose="02070309020205020404" pitchFamily="49" charset="0"/>
-                <a:cs typeface="Courier New" panose="02070309020205020404" pitchFamily="49" charset="0"/>
-              </a:rPr>
               <a:t> on 10-12-2015?</a:t>
             </a:r>
-            <a:endParaRPr lang="nl-NL" sz="1400" kern="0" dirty="0" smtClean="0">
-              <a:latin typeface="Courier New" panose="02070309020205020404" pitchFamily="49" charset="0"/>
-              <a:cs typeface="Courier New" panose="02070309020205020404" pitchFamily="49" charset="0"/>
-            </a:endParaRPr>
           </a:p>
           <a:p>
             <a:pPr marL="0" indent="0">
@@ -21919,6 +21922,55 @@
               </a:rPr>
               <a:t>difference</a:t>
             </a:r>
+            <a:r>
+              <a:rPr lang="nl-NL" sz="2400" dirty="0" smtClean="0">
+                <a:latin typeface="+mj-lt"/>
+                <a:cs typeface="Courier New" panose="02070309020205020404" pitchFamily="49" charset="0"/>
+              </a:rPr>
+              <a:t> (</a:t>
+            </a:r>
+            <a:r>
+              <a:rPr lang="nl-NL" sz="2400" dirty="0" err="1" smtClean="0">
+                <a:latin typeface="+mj-lt"/>
+                <a:cs typeface="Courier New" panose="02070309020205020404" pitchFamily="49" charset="0"/>
+              </a:rPr>
+              <a:t>counterintuitive</a:t>
+            </a:r>
+            <a:r>
+              <a:rPr lang="nl-NL" sz="2400" dirty="0">
+                <a:latin typeface="+mj-lt"/>
+                <a:cs typeface="Courier New" panose="02070309020205020404" pitchFamily="49" charset="0"/>
+              </a:rPr>
+              <a:t> </a:t>
+            </a:r>
+            <a:r>
+              <a:rPr lang="nl-NL" sz="2400" dirty="0" err="1" smtClean="0">
+                <a:latin typeface="+mj-lt"/>
+                <a:cs typeface="Courier New" panose="02070309020205020404" pitchFamily="49" charset="0"/>
+              </a:rPr>
+              <a:t>for</a:t>
+            </a:r>
+            <a:r>
+              <a:rPr lang="nl-NL" sz="2400" dirty="0" smtClean="0">
+                <a:latin typeface="+mj-lt"/>
+                <a:cs typeface="Courier New" panose="02070309020205020404" pitchFamily="49" charset="0"/>
+              </a:rPr>
+              <a:t> </a:t>
+            </a:r>
+            <a:r>
+              <a:rPr lang="nl-NL" sz="2400" dirty="0" err="1" smtClean="0">
+                <a:latin typeface="+mj-lt"/>
+                <a:cs typeface="Courier New" panose="02070309020205020404" pitchFamily="49" charset="0"/>
+              </a:rPr>
+              <a:t>many</a:t>
+            </a:r>
+            <a:r>
+              <a:rPr lang="nl-NL" sz="2400" dirty="0" smtClean="0">
+                <a:latin typeface="+mj-lt"/>
+                <a:cs typeface="Courier New" panose="02070309020205020404" pitchFamily="49" charset="0"/>
+              </a:rPr>
+              <a:t>)</a:t>
+            </a:r>
             <a:endParaRPr lang="nl-NL" sz="2400" dirty="0" smtClean="0">
               <a:latin typeface="+mj-lt"/>
               <a:cs typeface="Courier New" panose="02070309020205020404" pitchFamily="49" charset="0"/>
@@ -22077,8 +22129,8 @@
         </p:nvSpPr>
         <p:spPr>
           <a:xfrm>
-            <a:off x="994518" y="1373727"/>
-            <a:ext cx="7881938" cy="1366528"/>
+            <a:off x="994518" y="1273067"/>
+            <a:ext cx="7881938" cy="1643527"/>
           </a:xfrm>
         </p:spPr>
         <p:txBody>
@@ -22270,6 +22322,58 @@
             <a:r>
               <a:rPr lang="nl-NL" sz="1800" dirty="0" err="1" smtClean="0"/>
               <a:t>work</a:t>
+            </a:r>
+            <a:r>
+              <a:rPr lang="nl-NL" sz="1800" dirty="0" smtClean="0"/>
+              <a:t>. </a:t>
+            </a:r>
+            <a:r>
+              <a:rPr lang="nl-NL" sz="1800" dirty="0" err="1" smtClean="0"/>
+              <a:t>So</a:t>
+            </a:r>
+            <a:r>
+              <a:rPr lang="nl-NL" sz="1800" dirty="0" smtClean="0"/>
+              <a:t> I </a:t>
+            </a:r>
+            <a:r>
+              <a:rPr lang="nl-NL" sz="1800" dirty="0" err="1" smtClean="0"/>
+              <a:t>will</a:t>
+            </a:r>
+            <a:r>
+              <a:rPr lang="nl-NL" sz="1800" dirty="0" smtClean="0"/>
+              <a:t> </a:t>
+            </a:r>
+            <a:r>
+              <a:rPr lang="nl-NL" sz="1800" dirty="0" err="1" smtClean="0"/>
+              <a:t>use</a:t>
+            </a:r>
+            <a:r>
+              <a:rPr lang="nl-NL" sz="1800" dirty="0" smtClean="0"/>
+              <a:t> </a:t>
+            </a:r>
+            <a:r>
+              <a:rPr lang="nl-NL" sz="1800" dirty="0" err="1" smtClean="0"/>
+              <a:t>Matplotlib</a:t>
+            </a:r>
+            <a:r>
+              <a:rPr lang="nl-NL" sz="1800" dirty="0" smtClean="0"/>
+              <a:t> </a:t>
+            </a:r>
+            <a:r>
+              <a:rPr lang="nl-NL" sz="1800" dirty="0" err="1" smtClean="0"/>
+              <a:t>functions</a:t>
+            </a:r>
+            <a:r>
+              <a:rPr lang="nl-NL" sz="1800" dirty="0" smtClean="0"/>
+              <a:t> (</a:t>
+            </a:r>
+            <a:r>
+              <a:rPr lang="nl-NL" sz="1800" dirty="0" err="1" smtClean="0"/>
+              <a:t>plt</a:t>
+            </a:r>
+            <a:r>
+              <a:rPr lang="nl-NL" sz="1800" dirty="0"/>
+              <a:t>)</a:t>
             </a:r>
             <a:endParaRPr lang="nl-NL" sz="1800" dirty="0"/>
           </a:p>
@@ -22291,7 +22395,7 @@
         </p:blipFill>
         <p:spPr>
           <a:xfrm>
-            <a:off x="991086" y="2998272"/>
+            <a:off x="994518" y="3044000"/>
             <a:ext cx="7305960" cy="3833416"/>
           </a:xfrm>
           <a:prstGeom prst="rect">
@@ -22369,7 +22473,7 @@
         <p:spPr>
           <a:xfrm>
             <a:off x="762000" y="1762125"/>
-            <a:ext cx="7881938" cy="1988237"/>
+            <a:ext cx="7881938" cy="1717393"/>
           </a:xfrm>
         </p:spPr>
         <p:txBody>
@@ -22377,90 +22481,90 @@
           <a:lstStyle/>
           <a:p>
             <a:r>
-              <a:rPr lang="nl-NL" dirty="0" err="1" smtClean="0"/>
+              <a:rPr lang="nl-NL" sz="2400" dirty="0" err="1" smtClean="0"/>
               <a:t>Use</a:t>
             </a:r>
             <a:r>
-              <a:rPr lang="nl-NL" dirty="0" smtClean="0"/>
+              <a:rPr lang="nl-NL" sz="2400" dirty="0" smtClean="0"/>
               <a:t> Markdown </a:t>
             </a:r>
             <a:r>
-              <a:rPr lang="nl-NL" dirty="0" err="1" smtClean="0"/>
+              <a:rPr lang="nl-NL" sz="2400" dirty="0" err="1" smtClean="0"/>
               <a:t>cells</a:t>
             </a:r>
             <a:r>
-              <a:rPr lang="nl-NL" dirty="0" smtClean="0"/>
+              <a:rPr lang="nl-NL" sz="2400" dirty="0" smtClean="0"/>
               <a:t> </a:t>
             </a:r>
             <a:r>
-              <a:rPr lang="nl-NL" dirty="0" err="1" smtClean="0"/>
+              <a:rPr lang="nl-NL" sz="2400" dirty="0" err="1" smtClean="0"/>
               <a:t>for</a:t>
             </a:r>
             <a:r>
-              <a:rPr lang="nl-NL" dirty="0" smtClean="0"/>
+              <a:rPr lang="nl-NL" sz="2400" dirty="0" smtClean="0"/>
               <a:t> </a:t>
             </a:r>
             <a:r>
-              <a:rPr lang="nl-NL" dirty="0" err="1" smtClean="0"/>
+              <a:rPr lang="nl-NL" sz="2400" dirty="0" err="1" smtClean="0"/>
               <a:t>text</a:t>
             </a:r>
             <a:r>
-              <a:rPr lang="nl-NL" dirty="0" smtClean="0"/>
+              <a:rPr lang="nl-NL" sz="2400" dirty="0" smtClean="0"/>
               <a:t> </a:t>
             </a:r>
             <a:r>
-              <a:rPr lang="nl-NL" dirty="0" err="1" smtClean="0"/>
+              <a:rPr lang="nl-NL" sz="2400" dirty="0" err="1" smtClean="0"/>
               <a:t>that</a:t>
             </a:r>
             <a:r>
-              <a:rPr lang="nl-NL" dirty="0" smtClean="0"/>
+              <a:rPr lang="nl-NL" sz="2400" dirty="0" smtClean="0"/>
               <a:t> is </a:t>
             </a:r>
             <a:r>
-              <a:rPr lang="nl-NL" dirty="0" err="1" smtClean="0"/>
+              <a:rPr lang="nl-NL" sz="2400" dirty="0" err="1" smtClean="0"/>
               <a:t>not</a:t>
             </a:r>
             <a:r>
-              <a:rPr lang="nl-NL" dirty="0" smtClean="0"/>
+              <a:rPr lang="nl-NL" sz="2400" dirty="0" smtClean="0"/>
               <a:t> </a:t>
             </a:r>
             <a:r>
-              <a:rPr lang="nl-NL" dirty="0" err="1" smtClean="0"/>
+              <a:rPr lang="nl-NL" sz="2400" dirty="0" err="1" smtClean="0"/>
               <a:t>directly</a:t>
             </a:r>
             <a:r>
-              <a:rPr lang="nl-NL" dirty="0" smtClean="0"/>
+              <a:rPr lang="nl-NL" sz="2400" dirty="0" smtClean="0"/>
               <a:t> </a:t>
             </a:r>
             <a:r>
-              <a:rPr lang="nl-NL" dirty="0" err="1" smtClean="0"/>
+              <a:rPr lang="nl-NL" sz="2400" dirty="0" err="1" smtClean="0"/>
               <a:t>referring</a:t>
             </a:r>
             <a:r>
-              <a:rPr lang="nl-NL" dirty="0" smtClean="0"/>
+              <a:rPr lang="nl-NL" sz="2400" dirty="0" smtClean="0"/>
               <a:t> </a:t>
             </a:r>
             <a:r>
-              <a:rPr lang="nl-NL" dirty="0" err="1" smtClean="0"/>
+              <a:rPr lang="nl-NL" sz="2400" dirty="0" err="1" smtClean="0"/>
               <a:t>to</a:t>
             </a:r>
             <a:r>
-              <a:rPr lang="nl-NL" dirty="0" smtClean="0"/>
+              <a:rPr lang="nl-NL" sz="2400" dirty="0" smtClean="0"/>
               <a:t> the code</a:t>
             </a:r>
-            <a:endParaRPr lang="nl-NL" i="1" dirty="0"/>
-          </a:p>
-          <a:p>
-            <a:endParaRPr lang="nl-NL" i="1" dirty="0" smtClean="0"/>
-          </a:p>
-          <a:p>
-            <a:r>
-              <a:rPr lang="nl-NL" dirty="0" smtClean="0">
+            <a:endParaRPr lang="nl-NL" sz="2400" i="1" dirty="0"/>
+          </a:p>
+          <a:p>
+            <a:endParaRPr lang="nl-NL" sz="2400" i="1" dirty="0" smtClean="0"/>
+          </a:p>
+          <a:p>
+            <a:r>
+              <a:rPr lang="nl-NL" sz="2400" dirty="0" smtClean="0">
                 <a:hlinkClick r:id="rId2"/>
               </a:rPr>
               <a:t>Markdown cheatsheet</a:t>
             </a:r>
-            <a:endParaRPr lang="nl-NL" dirty="0"/>
+            <a:endParaRPr lang="nl-NL" sz="2400" dirty="0"/>
           </a:p>
         </p:txBody>
       </p:sp>
@@ -22480,7 +22584,7 @@
         </p:blipFill>
         <p:spPr>
           <a:xfrm>
-            <a:off x="762000" y="4323449"/>
+            <a:off x="762000" y="4052605"/>
             <a:ext cx="3295650" cy="1809750"/>
           </a:xfrm>
           <a:prstGeom prst="rect">
@@ -22504,7 +22608,7 @@
         </p:blipFill>
         <p:spPr>
           <a:xfrm>
-            <a:off x="4572000" y="4221088"/>
+            <a:off x="4571999" y="3988466"/>
             <a:ext cx="4257675" cy="581025"/>
           </a:xfrm>
           <a:prstGeom prst="rect">
@@ -22528,7 +22632,7 @@
         </p:blipFill>
         <p:spPr>
           <a:xfrm>
-            <a:off x="5186362" y="5681894"/>
+            <a:off x="5186361" y="5570211"/>
             <a:ext cx="3028950" cy="457200"/>
           </a:xfrm>
           <a:prstGeom prst="rect">
@@ -22544,7 +22648,7 @@
         </p:nvSpPr>
         <p:spPr bwMode="auto">
           <a:xfrm>
-            <a:off x="6381737" y="4917943"/>
+            <a:off x="6381736" y="4754403"/>
             <a:ext cx="638200" cy="648072"/>
           </a:xfrm>
           <a:prstGeom prst="downArrow">

--- a/slides/ddl-w5l1.pptx
+++ b/slides/ddl-w5l1.pptx
@@ -26,15 +26,15 @@
     <p:sldId id="261" r:id="rId14"/>
     <p:sldId id="262" r:id="rId15"/>
     <p:sldId id="263" r:id="rId16"/>
-    <p:sldId id="264" r:id="rId17"/>
-    <p:sldId id="288" r:id="rId18"/>
-    <p:sldId id="273" r:id="rId19"/>
-    <p:sldId id="274" r:id="rId20"/>
-    <p:sldId id="275" r:id="rId21"/>
-    <p:sldId id="279" r:id="rId22"/>
-    <p:sldId id="285" r:id="rId23"/>
-    <p:sldId id="284" r:id="rId24"/>
-    <p:sldId id="282" r:id="rId25"/>
+    <p:sldId id="294" r:id="rId17"/>
+    <p:sldId id="264" r:id="rId18"/>
+    <p:sldId id="288" r:id="rId19"/>
+    <p:sldId id="273" r:id="rId20"/>
+    <p:sldId id="274" r:id="rId21"/>
+    <p:sldId id="275" r:id="rId22"/>
+    <p:sldId id="279" r:id="rId23"/>
+    <p:sldId id="285" r:id="rId24"/>
+    <p:sldId id="284" r:id="rId25"/>
     <p:sldId id="281" r:id="rId26"/>
     <p:sldId id="290" r:id="rId27"/>
     <p:sldId id="265" r:id="rId28"/>
@@ -13886,6 +13886,293 @@
         </p:nvSpPr>
         <p:spPr>
           <a:xfrm>
+            <a:off x="838200" y="665818"/>
+            <a:ext cx="6172200" cy="523220"/>
+          </a:xfrm>
+        </p:spPr>
+        <p:txBody>
+          <a:bodyPr/>
+          <a:lstStyle/>
+          <a:p>
+            <a:r>
+              <a:rPr lang="nl-NL" sz="2800" dirty="0" err="1" smtClean="0"/>
+              <a:t>Introducing</a:t>
+            </a:r>
+            <a:r>
+              <a:rPr lang="nl-NL" sz="2800" dirty="0" smtClean="0"/>
+              <a:t> the </a:t>
+            </a:r>
+            <a:r>
+              <a:rPr lang="nl-NL" sz="2800" dirty="0" err="1" smtClean="0"/>
+              <a:t>library</a:t>
+            </a:r>
+            <a:r>
+              <a:rPr lang="nl-NL" sz="2800" dirty="0" smtClean="0"/>
+              <a:t> </a:t>
+            </a:r>
+            <a:r>
+              <a:rPr lang="nl-NL" sz="2800" dirty="0" err="1" smtClean="0"/>
+              <a:t>and</a:t>
+            </a:r>
+            <a:r>
+              <a:rPr lang="nl-NL" sz="2800" dirty="0" smtClean="0"/>
+              <a:t> data set</a:t>
+            </a:r>
+            <a:endParaRPr lang="nl-NL" sz="2800" dirty="0"/>
+          </a:p>
+        </p:txBody>
+      </p:sp>
+      <p:sp>
+        <p:nvSpPr>
+          <p:cNvPr id="3" name="Tijdelijke aanduiding voor inhoud 2"/>
+          <p:cNvSpPr>
+            <a:spLocks noGrp="1"/>
+          </p:cNvSpPr>
+          <p:nvPr>
+            <p:ph idx="1"/>
+          </p:nvPr>
+        </p:nvSpPr>
+        <p:spPr>
+          <a:xfrm>
+            <a:off x="762000" y="1762125"/>
+            <a:ext cx="7881938" cy="2456057"/>
+          </a:xfrm>
+        </p:spPr>
+        <p:txBody>
+          <a:bodyPr/>
+          <a:lstStyle/>
+          <a:p>
+            <a:r>
+              <a:rPr lang="nl-NL" sz="2400" i="1" dirty="0" err="1" smtClean="0"/>
+              <a:t>sk-learn</a:t>
+            </a:r>
+            <a:r>
+              <a:rPr lang="nl-NL" sz="2400" dirty="0" smtClean="0"/>
+              <a:t> is the standard </a:t>
+            </a:r>
+            <a:r>
+              <a:rPr lang="nl-NL" sz="2400" dirty="0" err="1" smtClean="0"/>
+              <a:t>library</a:t>
+            </a:r>
+            <a:r>
+              <a:rPr lang="nl-NL" sz="2400" dirty="0" smtClean="0"/>
+              <a:t> </a:t>
+            </a:r>
+            <a:r>
+              <a:rPr lang="nl-NL" sz="2400" dirty="0" err="1" smtClean="0"/>
+              <a:t>for</a:t>
+            </a:r>
+            <a:r>
+              <a:rPr lang="nl-NL" sz="2400" dirty="0" smtClean="0"/>
+              <a:t> </a:t>
+            </a:r>
+            <a:r>
+              <a:rPr lang="nl-NL" sz="2400" dirty="0" err="1" smtClean="0"/>
+              <a:t>statistics</a:t>
+            </a:r>
+            <a:r>
+              <a:rPr lang="nl-NL" sz="2400" dirty="0" smtClean="0"/>
+              <a:t> </a:t>
+            </a:r>
+            <a:r>
+              <a:rPr lang="nl-NL" sz="2400" dirty="0" err="1" smtClean="0"/>
+              <a:t>and</a:t>
+            </a:r>
+            <a:r>
+              <a:rPr lang="nl-NL" sz="2400" dirty="0" smtClean="0"/>
+              <a:t> machine </a:t>
+            </a:r>
+            <a:r>
+              <a:rPr lang="nl-NL" sz="2400" dirty="0" err="1" smtClean="0"/>
+              <a:t>learning</a:t>
+            </a:r>
+            <a:r>
+              <a:rPr lang="nl-NL" sz="2400" dirty="0" smtClean="0"/>
+              <a:t>. We </a:t>
+            </a:r>
+            <a:r>
+              <a:rPr lang="nl-NL" sz="2400" dirty="0" err="1" smtClean="0"/>
+              <a:t>will</a:t>
+            </a:r>
+            <a:r>
+              <a:rPr lang="nl-NL" sz="2400" dirty="0" smtClean="0"/>
+              <a:t> </a:t>
+            </a:r>
+            <a:r>
+              <a:rPr lang="nl-NL" sz="2400" dirty="0" err="1" smtClean="0"/>
+              <a:t>be</a:t>
+            </a:r>
+            <a:r>
+              <a:rPr lang="nl-NL" sz="2400" dirty="0" smtClean="0"/>
+              <a:t> </a:t>
+            </a:r>
+            <a:r>
+              <a:rPr lang="nl-NL" sz="2400" dirty="0" err="1" smtClean="0"/>
+              <a:t>working</a:t>
+            </a:r>
+            <a:r>
+              <a:rPr lang="nl-NL" sz="2400" dirty="0" smtClean="0"/>
+              <a:t> </a:t>
+            </a:r>
+            <a:r>
+              <a:rPr lang="nl-NL" sz="2400" dirty="0" err="1" smtClean="0"/>
+              <a:t>with</a:t>
+            </a:r>
+            <a:r>
+              <a:rPr lang="nl-NL" sz="2400" dirty="0" smtClean="0"/>
+              <a:t> </a:t>
+            </a:r>
+            <a:r>
+              <a:rPr lang="nl-NL" sz="2400" dirty="0" err="1" smtClean="0"/>
+              <a:t>it</a:t>
+            </a:r>
+            <a:r>
+              <a:rPr lang="nl-NL" sz="2400" dirty="0" smtClean="0"/>
+              <a:t> a lot</a:t>
+            </a:r>
+            <a:r>
+              <a:rPr lang="nl-NL" sz="2400" dirty="0" smtClean="0"/>
+              <a:t>. </a:t>
+            </a:r>
+            <a:r>
+              <a:rPr lang="nl-NL" sz="2400" dirty="0" err="1" smtClean="0"/>
+              <a:t>Used</a:t>
+            </a:r>
+            <a:r>
+              <a:rPr lang="nl-NL" sz="2400" dirty="0" smtClean="0"/>
+              <a:t> in </a:t>
+            </a:r>
+            <a:r>
+              <a:rPr lang="nl-NL" sz="2400" dirty="0" err="1" smtClean="0"/>
+              <a:t>theird</a:t>
+            </a:r>
+            <a:r>
+              <a:rPr lang="nl-NL" sz="2400" dirty="0" smtClean="0"/>
+              <a:t> </a:t>
+            </a:r>
+            <a:r>
+              <a:rPr lang="nl-NL" sz="2400" dirty="0" err="1" smtClean="0"/>
+              <a:t>exercise</a:t>
+            </a:r>
+            <a:endParaRPr lang="nl-NL" sz="2400" dirty="0" smtClean="0"/>
+          </a:p>
+          <a:p>
+            <a:endParaRPr lang="nl-NL" sz="2400" dirty="0"/>
+          </a:p>
+          <a:p>
+            <a:r>
+              <a:rPr lang="nl-NL" sz="2400" dirty="0" smtClean="0">
+                <a:hlinkClick r:id="rId2"/>
+              </a:rPr>
+              <a:t>Scraped </a:t>
+            </a:r>
+            <a:r>
+              <a:rPr lang="nl-NL" sz="2400" dirty="0" err="1">
+                <a:hlinkClick r:id="rId2"/>
+              </a:rPr>
+              <a:t>F</a:t>
+            </a:r>
+            <a:r>
+              <a:rPr lang="nl-NL" sz="2400" dirty="0" err="1" smtClean="0">
+                <a:hlinkClick r:id="rId2"/>
+              </a:rPr>
+              <a:t>unda</a:t>
+            </a:r>
+            <a:r>
+              <a:rPr lang="nl-NL" sz="2400" dirty="0" smtClean="0">
+                <a:hlinkClick r:id="rId2"/>
+              </a:rPr>
+              <a:t> data set</a:t>
+            </a:r>
+            <a:r>
+              <a:rPr lang="nl-NL" sz="2400" dirty="0" smtClean="0"/>
+              <a:t>: house </a:t>
+            </a:r>
+            <a:r>
+              <a:rPr lang="nl-NL" sz="2400" dirty="0" err="1" smtClean="0"/>
+              <a:t>listings</a:t>
+            </a:r>
+            <a:r>
+              <a:rPr lang="nl-NL" sz="2400" dirty="0" smtClean="0"/>
+              <a:t> in Amsterdam. Will </a:t>
+            </a:r>
+            <a:r>
+              <a:rPr lang="nl-NL" sz="2400" dirty="0" err="1" smtClean="0"/>
+              <a:t>be</a:t>
+            </a:r>
+            <a:r>
+              <a:rPr lang="nl-NL" sz="2400" dirty="0" smtClean="0"/>
+              <a:t> </a:t>
+            </a:r>
+            <a:r>
+              <a:rPr lang="nl-NL" sz="2400" dirty="0" err="1" smtClean="0"/>
+              <a:t>used</a:t>
+            </a:r>
+            <a:r>
+              <a:rPr lang="nl-NL" sz="2400" dirty="0" smtClean="0"/>
+              <a:t> these </a:t>
+            </a:r>
+            <a:r>
+              <a:rPr lang="nl-NL" sz="2400" dirty="0" err="1" smtClean="0"/>
+              <a:t>two</a:t>
+            </a:r>
+            <a:r>
+              <a:rPr lang="nl-NL" sz="2400" dirty="0" smtClean="0"/>
+              <a:t> weeks.</a:t>
+            </a:r>
+            <a:endParaRPr lang="nl-NL" sz="2400" dirty="0"/>
+          </a:p>
+        </p:txBody>
+      </p:sp>
+    </p:spTree>
+    <p:extLst>
+      <p:ext uri="{BB962C8B-B14F-4D97-AF65-F5344CB8AC3E}">
+        <p14:creationId xmlns:p14="http://schemas.microsoft.com/office/powerpoint/2010/main" val="1468728109"/>
+      </p:ext>
+    </p:extLst>
+  </p:cSld>
+  <p:clrMapOvr>
+    <a:masterClrMapping/>
+  </p:clrMapOvr>
+  <p:timing>
+    <p:tnLst>
+      <p:par>
+        <p:cTn id="1" dur="indefinite" restart="never" nodeType="tmRoot"/>
+      </p:par>
+    </p:tnLst>
+  </p:timing>
+</p:sld>
+</file>
+
+<file path=ppt/slides/slide17.xml><?xml version="1.0" encoding="utf-8"?>
+<p:sld xmlns:a="http://schemas.openxmlformats.org/drawingml/2006/main" xmlns:r="http://schemas.openxmlformats.org/officeDocument/2006/relationships" xmlns:p="http://schemas.openxmlformats.org/presentationml/2006/main">
+  <p:cSld>
+    <p:spTree>
+      <p:nvGrpSpPr>
+        <p:cNvPr id="1" name=""/>
+        <p:cNvGrpSpPr/>
+        <p:nvPr/>
+      </p:nvGrpSpPr>
+      <p:grpSpPr>
+        <a:xfrm>
+          <a:off x="0" y="0"/>
+          <a:ext cx="0" cy="0"/>
+          <a:chOff x="0" y="0"/>
+          <a:chExt cx="0" cy="0"/>
+        </a:xfrm>
+      </p:grpSpPr>
+      <p:sp>
+        <p:nvSpPr>
+          <p:cNvPr id="2" name="Titel 1"/>
+          <p:cNvSpPr>
+            <a:spLocks noGrp="1"/>
+          </p:cNvSpPr>
+          <p:nvPr>
+            <p:ph type="title"/>
+          </p:nvPr>
+        </p:nvSpPr>
+        <p:spPr>
+          <a:xfrm>
             <a:off x="827584" y="615351"/>
             <a:ext cx="6172200" cy="584775"/>
           </a:xfrm>
@@ -14004,8 +14291,8 @@
         </p:nvSpPr>
         <p:spPr bwMode="auto">
           <a:xfrm>
-            <a:off x="683568" y="1700808"/>
-            <a:ext cx="7881938" cy="6641818"/>
+            <a:off x="683568" y="1340768"/>
+            <a:ext cx="7881938" cy="6814173"/>
           </a:xfrm>
           <a:prstGeom prst="rect">
             <a:avLst/>
@@ -14410,6 +14697,13 @@
               </a:rPr>
               <a:t>price</a:t>
             </a:r>
+            <a:r>
+              <a:rPr lang="nl-NL" sz="1400" i="1" kern="0" dirty="0" smtClean="0">
+                <a:latin typeface="Courier New" panose="02070309020205020404" pitchFamily="49" charset="0"/>
+                <a:cs typeface="Courier New" panose="02070309020205020404" pitchFamily="49" charset="0"/>
+              </a:rPr>
+              <a:t>.</a:t>
+            </a:r>
             <a:endParaRPr lang="nl-NL" sz="1400" kern="0" dirty="0" smtClean="0">
               <a:latin typeface="Courier New" panose="02070309020205020404" pitchFamily="49" charset="0"/>
               <a:cs typeface="Courier New" panose="02070309020205020404" pitchFamily="49" charset="0"/>
@@ -14548,37 +14842,78 @@
                 <a:latin typeface="Courier New" panose="02070309020205020404" pitchFamily="49" charset="0"/>
                 <a:cs typeface="Courier New" panose="02070309020205020404" pitchFamily="49" charset="0"/>
               </a:rPr>
+              <a:t> = </a:t>
+            </a:r>
+            <a:r>
+              <a:rPr lang="nl-NL" sz="1400" kern="0" dirty="0" err="1" smtClean="0">
+                <a:latin typeface="Courier New" panose="02070309020205020404" pitchFamily="49" charset="0"/>
+                <a:cs typeface="Courier New" panose="02070309020205020404" pitchFamily="49" charset="0"/>
+              </a:rPr>
+              <a:t>df</a:t>
+            </a:r>
+            <a:r>
+              <a:rPr lang="nl-NL" sz="1400" kern="0" dirty="0" smtClean="0">
+                <a:latin typeface="Courier New" panose="02070309020205020404" pitchFamily="49" charset="0"/>
+                <a:cs typeface="Courier New" panose="02070309020205020404" pitchFamily="49" charset="0"/>
+              </a:rPr>
+              <a:t>[[‘col_name1’, ‘col_name2’, ‘col_name3’]]</a:t>
+            </a:r>
+          </a:p>
+          <a:p>
+            <a:endParaRPr lang="nl-NL" sz="1400" kern="0" dirty="0" smtClean="0">
+              <a:latin typeface="Courier New" panose="02070309020205020404" pitchFamily="49" charset="0"/>
+              <a:cs typeface="Courier New" panose="02070309020205020404" pitchFamily="49" charset="0"/>
+            </a:endParaRPr>
+          </a:p>
+          <a:p>
+            <a:r>
+              <a:rPr lang="nl-NL" sz="1400" kern="0" dirty="0" err="1" smtClean="0">
+                <a:latin typeface="Courier New" panose="02070309020205020404" pitchFamily="49" charset="0"/>
+                <a:cs typeface="Courier New" panose="02070309020205020404" pitchFamily="49" charset="0"/>
+              </a:rPr>
+              <a:t>After</a:t>
+            </a:r>
+            <a:r>
+              <a:rPr lang="nl-NL" sz="1400" kern="0" dirty="0" smtClean="0">
+                <a:latin typeface="Courier New" panose="02070309020205020404" pitchFamily="49" charset="0"/>
+                <a:cs typeface="Courier New" panose="02070309020205020404" pitchFamily="49" charset="0"/>
+              </a:rPr>
               <a:t> </a:t>
             </a:r>
             <a:r>
+              <a:rPr lang="nl-NL" sz="1400" kern="0" dirty="0" err="1" smtClean="0">
+                <a:latin typeface="Courier New" panose="02070309020205020404" pitchFamily="49" charset="0"/>
+                <a:cs typeface="Courier New" panose="02070309020205020404" pitchFamily="49" charset="0"/>
+              </a:rPr>
+              <a:t>you</a:t>
+            </a:r>
+            <a:r>
               <a:rPr lang="nl-NL" sz="1400" kern="0" dirty="0" smtClean="0">
                 <a:latin typeface="Courier New" panose="02070309020205020404" pitchFamily="49" charset="0"/>
                 <a:cs typeface="Courier New" panose="02070309020205020404" pitchFamily="49" charset="0"/>
               </a:rPr>
-              <a:t>= </a:t>
+              <a:t> do step (1) below, </a:t>
             </a:r>
             <a:r>
               <a:rPr lang="nl-NL" sz="1400" kern="0" dirty="0" err="1" smtClean="0">
                 <a:latin typeface="Courier New" panose="02070309020205020404" pitchFamily="49" charset="0"/>
                 <a:cs typeface="Courier New" panose="02070309020205020404" pitchFamily="49" charset="0"/>
               </a:rPr>
-              <a:t>df</a:t>
+              <a:t>you</a:t>
             </a:r>
             <a:r>
               <a:rPr lang="nl-NL" sz="1400" kern="0" dirty="0" smtClean="0">
                 <a:latin typeface="Courier New" panose="02070309020205020404" pitchFamily="49" charset="0"/>
                 <a:cs typeface="Courier New" panose="02070309020205020404" pitchFamily="49" charset="0"/>
               </a:rPr>
-              <a:t>[[‘col_name1’, ‘col_name2’, ‘col_name3’]]</a:t>
-            </a:r>
-          </a:p>
-          <a:p>
+              <a:t> </a:t>
+            </a:r>
             <a:r>
               <a:rPr lang="nl-NL" sz="1400" kern="0" dirty="0" err="1" smtClean="0">
                 <a:latin typeface="Courier New" panose="02070309020205020404" pitchFamily="49" charset="0"/>
                 <a:cs typeface="Courier New" panose="02070309020205020404" pitchFamily="49" charset="0"/>
               </a:rPr>
-              <a:t>Note</a:t>
+              <a:t>will</a:t>
             </a:r>
             <a:r>
               <a:rPr lang="nl-NL" sz="1400" kern="0" dirty="0" smtClean="0">
@@ -14592,6 +14927,20 @@
                 <a:latin typeface="Courier New" panose="02070309020205020404" pitchFamily="49" charset="0"/>
                 <a:cs typeface="Courier New" panose="02070309020205020404" pitchFamily="49" charset="0"/>
               </a:rPr>
+              <a:t>find</a:t>
+            </a:r>
+            <a:r>
+              <a:rPr lang="nl-NL" sz="1400" kern="0" dirty="0" smtClean="0">
+                <a:latin typeface="Courier New" panose="02070309020205020404" pitchFamily="49" charset="0"/>
+                <a:cs typeface="Courier New" panose="02070309020205020404" pitchFamily="49" charset="0"/>
+              </a:rPr>
+              <a:t> </a:t>
+            </a:r>
+            <a:r>
+              <a:rPr lang="nl-NL" sz="1400" kern="0" dirty="0" err="1" smtClean="0">
+                <a:latin typeface="Courier New" panose="02070309020205020404" pitchFamily="49" charset="0"/>
+                <a:cs typeface="Courier New" panose="02070309020205020404" pitchFamily="49" charset="0"/>
+              </a:rPr>
               <a:t>that</a:t>
             </a:r>
             <a:r>
@@ -14655,20 +15004,62 @@
                 <a:latin typeface="Courier New" panose="02070309020205020404" pitchFamily="49" charset="0"/>
                 <a:cs typeface="Courier New" panose="02070309020205020404" pitchFamily="49" charset="0"/>
               </a:rPr>
-              <a:t> pre-processing on </a:t>
+              <a:t> pre-processing </a:t>
+            </a:r>
+            <a:r>
+              <a:rPr lang="nl-NL" sz="1400" kern="0" dirty="0" smtClean="0">
+                <a:latin typeface="Courier New" panose="02070309020205020404" pitchFamily="49" charset="0"/>
+                <a:cs typeface="Courier New" panose="02070309020205020404" pitchFamily="49" charset="0"/>
+              </a:rPr>
+              <a:t>(</a:t>
             </a:r>
             <a:r>
               <a:rPr lang="nl-NL" sz="1400" kern="0" dirty="0" err="1" smtClean="0">
                 <a:latin typeface="Courier New" panose="02070309020205020404" pitchFamily="49" charset="0"/>
                 <a:cs typeface="Courier New" panose="02070309020205020404" pitchFamily="49" charset="0"/>
               </a:rPr>
-              <a:t>price</a:t>
+              <a:t>some</a:t>
             </a:r>
             <a:r>
               <a:rPr lang="nl-NL" sz="1400" kern="0" dirty="0" smtClean="0">
                 <a:latin typeface="Courier New" panose="02070309020205020404" pitchFamily="49" charset="0"/>
                 <a:cs typeface="Courier New" panose="02070309020205020404" pitchFamily="49" charset="0"/>
               </a:rPr>
+              <a:t> </a:t>
+            </a:r>
+            <a:r>
+              <a:rPr lang="nl-NL" sz="1400" kern="0" dirty="0" err="1" smtClean="0">
+                <a:latin typeface="Courier New" panose="02070309020205020404" pitchFamily="49" charset="0"/>
+                <a:cs typeface="Courier New" panose="02070309020205020404" pitchFamily="49" charset="0"/>
+              </a:rPr>
+              <a:t>values</a:t>
+            </a:r>
+            <a:r>
+              <a:rPr lang="nl-NL" sz="1400" kern="0" dirty="0" smtClean="0">
+                <a:latin typeface="Courier New" panose="02070309020205020404" pitchFamily="49" charset="0"/>
+                <a:cs typeface="Courier New" panose="02070309020205020404" pitchFamily="49" charset="0"/>
+              </a:rPr>
+              <a:t> are </a:t>
+            </a:r>
+            <a:r>
+              <a:rPr lang="nl-NL" sz="1400" kern="0" dirty="0" err="1" smtClean="0">
+                <a:latin typeface="Courier New" panose="02070309020205020404" pitchFamily="49" charset="0"/>
+                <a:cs typeface="Courier New" panose="02070309020205020404" pitchFamily="49" charset="0"/>
+              </a:rPr>
+              <a:t>implausible</a:t>
+            </a:r>
+            <a:r>
+              <a:rPr lang="nl-NL" sz="1400" kern="0" dirty="0" smtClean="0">
+                <a:latin typeface="Courier New" panose="02070309020205020404" pitchFamily="49" charset="0"/>
+                <a:cs typeface="Courier New" panose="02070309020205020404" pitchFamily="49" charset="0"/>
+              </a:rPr>
+              <a:t>)</a:t>
+            </a:r>
+            <a:r>
+              <a:rPr lang="nl-NL" sz="1400" kern="0" dirty="0" smtClean="0">
+                <a:latin typeface="Courier New" panose="02070309020205020404" pitchFamily="49" charset="0"/>
+                <a:cs typeface="Courier New" panose="02070309020205020404" pitchFamily="49" charset="0"/>
+              </a:rPr>
               <a:t>. </a:t>
             </a:r>
             <a:r>
@@ -14676,20 +15067,118 @@
                 <a:latin typeface="Courier New" panose="02070309020205020404" pitchFamily="49" charset="0"/>
                 <a:cs typeface="Courier New" panose="02070309020205020404" pitchFamily="49" charset="0"/>
               </a:rPr>
-              <a:t>What</a:t>
+              <a:t>Rather</a:t>
             </a:r>
             <a:r>
               <a:rPr lang="nl-NL" sz="1400" kern="0" dirty="0" smtClean="0">
                 <a:latin typeface="Courier New" panose="02070309020205020404" pitchFamily="49" charset="0"/>
                 <a:cs typeface="Courier New" panose="02070309020205020404" pitchFamily="49" charset="0"/>
               </a:rPr>
-              <a:t> is </a:t>
+              <a:t> </a:t>
             </a:r>
             <a:r>
               <a:rPr lang="nl-NL" sz="1400" kern="0" dirty="0" err="1" smtClean="0">
                 <a:latin typeface="Courier New" panose="02070309020205020404" pitchFamily="49" charset="0"/>
                 <a:cs typeface="Courier New" panose="02070309020205020404" pitchFamily="49" charset="0"/>
               </a:rPr>
+              <a:t>than</a:t>
+            </a:r>
+            <a:r>
+              <a:rPr lang="nl-NL" sz="1400" kern="0" dirty="0" smtClean="0">
+                <a:latin typeface="Courier New" panose="02070309020205020404" pitchFamily="49" charset="0"/>
+                <a:cs typeface="Courier New" panose="02070309020205020404" pitchFamily="49" charset="0"/>
+              </a:rPr>
+              <a:t> </a:t>
+            </a:r>
+            <a:r>
+              <a:rPr lang="nl-NL" sz="1400" kern="0" dirty="0" err="1" smtClean="0">
+                <a:latin typeface="Courier New" panose="02070309020205020404" pitchFamily="49" charset="0"/>
+                <a:cs typeface="Courier New" panose="02070309020205020404" pitchFamily="49" charset="0"/>
+              </a:rPr>
+              <a:t>replacing</a:t>
+            </a:r>
+            <a:r>
+              <a:rPr lang="nl-NL" sz="1400" kern="0" dirty="0" smtClean="0">
+                <a:latin typeface="Courier New" panose="02070309020205020404" pitchFamily="49" charset="0"/>
+                <a:cs typeface="Courier New" panose="02070309020205020404" pitchFamily="49" charset="0"/>
+              </a:rPr>
+              <a:t> </a:t>
+            </a:r>
+            <a:r>
+              <a:rPr lang="nl-NL" sz="1400" kern="0" dirty="0" err="1" smtClean="0">
+                <a:latin typeface="Courier New" panose="02070309020205020404" pitchFamily="49" charset="0"/>
+                <a:cs typeface="Courier New" panose="02070309020205020404" pitchFamily="49" charset="0"/>
+              </a:rPr>
+              <a:t>them</a:t>
+            </a:r>
+            <a:r>
+              <a:rPr lang="nl-NL" sz="1400" kern="0" dirty="0" smtClean="0">
+                <a:latin typeface="Courier New" panose="02070309020205020404" pitchFamily="49" charset="0"/>
+                <a:cs typeface="Courier New" panose="02070309020205020404" pitchFamily="49" charset="0"/>
+              </a:rPr>
+              <a:t> </a:t>
+            </a:r>
+            <a:r>
+              <a:rPr lang="nl-NL" sz="1400" kern="0" dirty="0" err="1" smtClean="0">
+                <a:latin typeface="Courier New" panose="02070309020205020404" pitchFamily="49" charset="0"/>
+                <a:cs typeface="Courier New" panose="02070309020205020404" pitchFamily="49" charset="0"/>
+              </a:rPr>
+              <a:t>with</a:t>
+            </a:r>
+            <a:r>
+              <a:rPr lang="nl-NL" sz="1400" kern="0" dirty="0" smtClean="0">
+                <a:latin typeface="Courier New" panose="02070309020205020404" pitchFamily="49" charset="0"/>
+                <a:cs typeface="Courier New" panose="02070309020205020404" pitchFamily="49" charset="0"/>
+              </a:rPr>
+              <a:t> </a:t>
+            </a:r>
+            <a:r>
+              <a:rPr lang="nl-NL" sz="1400" kern="0" dirty="0" err="1" smtClean="0">
+                <a:latin typeface="Courier New" panose="02070309020205020404" pitchFamily="49" charset="0"/>
+                <a:cs typeface="Courier New" panose="02070309020205020404" pitchFamily="49" charset="0"/>
+              </a:rPr>
+              <a:t>NaN</a:t>
+            </a:r>
+            <a:r>
+              <a:rPr lang="nl-NL" sz="1400" kern="0" dirty="0" smtClean="0">
+                <a:latin typeface="Courier New" panose="02070309020205020404" pitchFamily="49" charset="0"/>
+                <a:cs typeface="Courier New" panose="02070309020205020404" pitchFamily="49" charset="0"/>
+              </a:rPr>
+              <a:t> (like in the </a:t>
+            </a:r>
+            <a:r>
+              <a:rPr lang="nl-NL" sz="1400" kern="0" dirty="0" err="1" smtClean="0">
+                <a:latin typeface="Courier New" panose="02070309020205020404" pitchFamily="49" charset="0"/>
+                <a:cs typeface="Courier New" panose="02070309020205020404" pitchFamily="49" charset="0"/>
+              </a:rPr>
+              <a:t>Fitbit</a:t>
+            </a:r>
+            <a:r>
+              <a:rPr lang="nl-NL" sz="1400" kern="0" dirty="0" smtClean="0">
+                <a:latin typeface="Courier New" panose="02070309020205020404" pitchFamily="49" charset="0"/>
+                <a:cs typeface="Courier New" panose="02070309020205020404" pitchFamily="49" charset="0"/>
+              </a:rPr>
+              <a:t> </a:t>
+            </a:r>
+            <a:r>
+              <a:rPr lang="nl-NL" sz="1400" kern="0" dirty="0" err="1" smtClean="0">
+                <a:latin typeface="Courier New" panose="02070309020205020404" pitchFamily="49" charset="0"/>
+                <a:cs typeface="Courier New" panose="02070309020205020404" pitchFamily="49" charset="0"/>
+              </a:rPr>
+              <a:t>example</a:t>
+            </a:r>
+            <a:r>
+              <a:rPr lang="nl-NL" sz="1400" kern="0" dirty="0" smtClean="0">
+                <a:latin typeface="Courier New" panose="02070309020205020404" pitchFamily="49" charset="0"/>
+                <a:cs typeface="Courier New" panose="02070309020205020404" pitchFamily="49" charset="0"/>
+              </a:rPr>
+              <a:t>), </a:t>
+            </a:r>
+            <a:r>
+              <a:rPr lang="nl-NL" sz="1400" kern="0" dirty="0" err="1" smtClean="0">
+                <a:latin typeface="Courier New" panose="02070309020205020404" pitchFamily="49" charset="0"/>
+                <a:cs typeface="Courier New" panose="02070309020205020404" pitchFamily="49" charset="0"/>
+              </a:rPr>
               <a:t>it</a:t>
             </a:r>
             <a:r>
@@ -14704,7 +15193,7 @@
                 <a:latin typeface="Courier New" panose="02070309020205020404" pitchFamily="49" charset="0"/>
                 <a:cs typeface="Courier New" panose="02070309020205020404" pitchFamily="49" charset="0"/>
               </a:rPr>
-              <a:t>you</a:t>
+              <a:t>seems</a:t>
             </a:r>
             <a:r>
               <a:rPr lang="nl-NL" sz="1400" kern="0" dirty="0" smtClean="0">
@@ -14718,7 +15207,7 @@
                 <a:latin typeface="Courier New" panose="02070309020205020404" pitchFamily="49" charset="0"/>
                 <a:cs typeface="Courier New" panose="02070309020205020404" pitchFamily="49" charset="0"/>
               </a:rPr>
-              <a:t>need</a:t>
+              <a:t>better</a:t>
             </a:r>
             <a:r>
               <a:rPr lang="nl-NL" sz="1400" kern="0" dirty="0" smtClean="0">
@@ -14735,31 +15224,38 @@
               <a:t>to</a:t>
             </a:r>
             <a:r>
-              <a:rPr lang="nl-NL" sz="1400" kern="0" smtClean="0">
-                <a:latin typeface="Courier New" panose="02070309020205020404" pitchFamily="49" charset="0"/>
-                <a:cs typeface="Courier New" panose="02070309020205020404" pitchFamily="49" charset="0"/>
-              </a:rPr>
-              <a:t> do? </a:t>
-            </a:r>
-            <a:r>
               <a:rPr lang="nl-NL" sz="1400" kern="0" dirty="0" smtClean="0">
                 <a:latin typeface="Courier New" panose="02070309020205020404" pitchFamily="49" charset="0"/>
                 <a:cs typeface="Courier New" panose="02070309020205020404" pitchFamily="49" charset="0"/>
               </a:rPr>
-              <a:t>As </a:t>
+              <a:t> </a:t>
             </a:r>
             <a:r>
               <a:rPr lang="nl-NL" sz="1400" kern="0" dirty="0" err="1" smtClean="0">
                 <a:latin typeface="Courier New" panose="02070309020205020404" pitchFamily="49" charset="0"/>
                 <a:cs typeface="Courier New" panose="02070309020205020404" pitchFamily="49" charset="0"/>
               </a:rPr>
-              <a:t>for</a:t>
+              <a:t>remove</a:t>
             </a:r>
             <a:r>
               <a:rPr lang="nl-NL" sz="1400" kern="0" dirty="0" smtClean="0">
                 <a:latin typeface="Courier New" panose="02070309020205020404" pitchFamily="49" charset="0"/>
                 <a:cs typeface="Courier New" panose="02070309020205020404" pitchFamily="49" charset="0"/>
               </a:rPr>
+              <a:t> these </a:t>
+            </a:r>
+            <a:r>
+              <a:rPr lang="nl-NL" sz="1400" kern="0" dirty="0" err="1" smtClean="0">
+                <a:latin typeface="Courier New" panose="02070309020205020404" pitchFamily="49" charset="0"/>
+                <a:cs typeface="Courier New" panose="02070309020205020404" pitchFamily="49" charset="0"/>
+              </a:rPr>
+              <a:t>rows</a:t>
+            </a:r>
+            <a:r>
+              <a:rPr lang="nl-NL" sz="1400" kern="0" dirty="0" smtClean="0">
+                <a:latin typeface="Courier New" panose="02070309020205020404" pitchFamily="49" charset="0"/>
+                <a:cs typeface="Courier New" panose="02070309020205020404" pitchFamily="49" charset="0"/>
+              </a:rPr>
               <a:t> </a:t>
             </a:r>
             <a:r>
@@ -14767,6 +15263,34 @@
                 <a:latin typeface="Courier New" panose="02070309020205020404" pitchFamily="49" charset="0"/>
                 <a:cs typeface="Courier New" panose="02070309020205020404" pitchFamily="49" charset="0"/>
               </a:rPr>
+              <a:t>completely</a:t>
+            </a:r>
+            <a:r>
+              <a:rPr lang="nl-NL" sz="1400" kern="0" dirty="0" smtClean="0">
+                <a:latin typeface="Courier New" panose="02070309020205020404" pitchFamily="49" charset="0"/>
+                <a:cs typeface="Courier New" panose="02070309020205020404" pitchFamily="49" charset="0"/>
+              </a:rPr>
+              <a:t>. </a:t>
+            </a:r>
+            <a:r>
+              <a:rPr lang="nl-NL" sz="1400" kern="0" dirty="0" err="1" smtClean="0">
+                <a:latin typeface="Courier New" panose="02070309020205020404" pitchFamily="49" charset="0"/>
+                <a:cs typeface="Courier New" panose="02070309020205020404" pitchFamily="49" charset="0"/>
+              </a:rPr>
+              <a:t>Remember</a:t>
+            </a:r>
+            <a:r>
+              <a:rPr lang="nl-NL" sz="1400" kern="0" dirty="0" smtClean="0">
+                <a:latin typeface="Courier New" panose="02070309020205020404" pitchFamily="49" charset="0"/>
+                <a:cs typeface="Courier New" panose="02070309020205020404" pitchFamily="49" charset="0"/>
+              </a:rPr>
+              <a:t> </a:t>
+            </a:r>
+            <a:r>
+              <a:rPr lang="nl-NL" sz="1400" kern="0" dirty="0" err="1" smtClean="0">
+                <a:latin typeface="Courier New" panose="02070309020205020404" pitchFamily="49" charset="0"/>
+                <a:cs typeface="Courier New" panose="02070309020205020404" pitchFamily="49" charset="0"/>
+              </a:rPr>
               <a:t>how</a:t>
             </a:r>
             <a:r>
@@ -14788,35 +15312,14 @@
                 <a:latin typeface="Courier New" panose="02070309020205020404" pitchFamily="49" charset="0"/>
                 <a:cs typeface="Courier New" panose="02070309020205020404" pitchFamily="49" charset="0"/>
               </a:rPr>
-              <a:t> do </a:t>
-            </a:r>
-            <a:r>
-              <a:rPr lang="nl-NL" sz="1400" kern="0" dirty="0" err="1" smtClean="0">
-                <a:latin typeface="Courier New" panose="02070309020205020404" pitchFamily="49" charset="0"/>
-                <a:cs typeface="Courier New" panose="02070309020205020404" pitchFamily="49" charset="0"/>
-              </a:rPr>
-              <a:t>it</a:t>
+              <a:t> subset a dataframe?</a:t>
             </a:r>
             <a:r>
               <a:rPr lang="nl-NL" sz="1400" kern="0" dirty="0" smtClean="0">
                 <a:latin typeface="Courier New" panose="02070309020205020404" pitchFamily="49" charset="0"/>
                 <a:cs typeface="Courier New" panose="02070309020205020404" pitchFamily="49" charset="0"/>
               </a:rPr>
-              <a:t>: check </a:t>
-            </a:r>
-            <a:r>
-              <a:rPr lang="nl-NL" sz="1400" kern="0" dirty="0" err="1" smtClean="0">
-                <a:latin typeface="Courier New" panose="02070309020205020404" pitchFamily="49" charset="0"/>
-                <a:cs typeface="Courier New" panose="02070309020205020404" pitchFamily="49" charset="0"/>
-              </a:rPr>
-              <a:t>Monday</a:t>
-            </a:r>
-            <a:r>
-              <a:rPr lang="nl-NL" sz="1400" kern="0" dirty="0" smtClean="0">
-                <a:latin typeface="Courier New" panose="02070309020205020404" pitchFamily="49" charset="0"/>
-                <a:cs typeface="Courier New" panose="02070309020205020404" pitchFamily="49" charset="0"/>
-              </a:rPr>
-              <a:t> last week</a:t>
+              <a:t> </a:t>
             </a:r>
             <a:endParaRPr lang="nl-NL" sz="1400" kern="0" dirty="0" smtClean="0">
               <a:latin typeface="Courier New" panose="02070309020205020404" pitchFamily="49" charset="0"/>
@@ -14875,16 +15378,6 @@
             </a:r>
           </a:p>
           <a:p>
-            <a:pPr marL="0" indent="0">
-              <a:buFont typeface="Zapf Dingbats" charset="2"/>
-              <a:buNone/>
-            </a:pPr>
-            <a:endParaRPr lang="nl-NL" sz="1400" kern="0" dirty="0" smtClean="0">
-              <a:latin typeface="Courier New" panose="02070309020205020404" pitchFamily="49" charset="0"/>
-              <a:cs typeface="Courier New" panose="02070309020205020404" pitchFamily="49" charset="0"/>
-            </a:endParaRPr>
-          </a:p>
-          <a:p>
             <a:pPr>
               <a:buFont typeface="+mj-lt"/>
               <a:buAutoNum type="arabicPeriod"/>
@@ -15315,7 +15808,7 @@
               <a:buFont typeface="Zapf Dingbats" charset="2"/>
               <a:buNone/>
             </a:pPr>
-            <a:endParaRPr lang="nl-NL" sz="1400" kern="0" dirty="0" smtClean="0">
+            <a:endParaRPr lang="nl-NL" sz="1200" kern="0" dirty="0" smtClean="0">
               <a:latin typeface="Courier New" panose="02070309020205020404" pitchFamily="49" charset="0"/>
               <a:cs typeface="Courier New" panose="02070309020205020404" pitchFamily="49" charset="0"/>
             </a:endParaRPr>
@@ -15325,7 +15818,7 @@
               <a:buFont typeface="Zapf Dingbats" charset="2"/>
               <a:buNone/>
             </a:pPr>
-            <a:endParaRPr lang="nl-NL" sz="1400" kern="0" dirty="0" smtClean="0">
+            <a:endParaRPr lang="nl-NL" sz="1200" kern="0" dirty="0" smtClean="0">
               <a:latin typeface="Courier New" panose="02070309020205020404" pitchFamily="49" charset="0"/>
               <a:cs typeface="Courier New" panose="02070309020205020404" pitchFamily="49" charset="0"/>
             </a:endParaRPr>
@@ -15335,7 +15828,7 @@
               <a:buFont typeface="Zapf Dingbats" charset="2"/>
               <a:buNone/>
             </a:pPr>
-            <a:endParaRPr lang="nl-NL" sz="1400" kern="0" dirty="0" smtClean="0">
+            <a:endParaRPr lang="nl-NL" sz="1200" kern="0" dirty="0" smtClean="0">
               <a:latin typeface="Courier New" panose="02070309020205020404" pitchFamily="49" charset="0"/>
               <a:cs typeface="Courier New" panose="02070309020205020404" pitchFamily="49" charset="0"/>
             </a:endParaRPr>
@@ -15345,7 +15838,7 @@
               <a:buFont typeface="Zapf Dingbats" charset="2"/>
               <a:buNone/>
             </a:pPr>
-            <a:endParaRPr lang="nl-NL" sz="1400" kern="0" dirty="0" smtClean="0">
+            <a:endParaRPr lang="nl-NL" sz="1200" kern="0" dirty="0" smtClean="0">
               <a:latin typeface="Courier New" panose="02070309020205020404" pitchFamily="49" charset="0"/>
               <a:cs typeface="Courier New" panose="02070309020205020404" pitchFamily="49" charset="0"/>
             </a:endParaRPr>
@@ -15355,7 +15848,7 @@
               <a:buFont typeface="Zapf Dingbats" charset="2"/>
               <a:buNone/>
             </a:pPr>
-            <a:endParaRPr lang="nl-NL" sz="1400" kern="0" dirty="0" smtClean="0">
+            <a:endParaRPr lang="nl-NL" sz="1200" kern="0" dirty="0" smtClean="0">
               <a:latin typeface="Courier New" panose="02070309020205020404" pitchFamily="49" charset="0"/>
               <a:cs typeface="Courier New" panose="02070309020205020404" pitchFamily="49" charset="0"/>
             </a:endParaRPr>
@@ -15365,7 +15858,7 @@
               <a:buFont typeface="Zapf Dingbats" charset="2"/>
               <a:buNone/>
             </a:pPr>
-            <a:endParaRPr lang="nl-NL" sz="1400" kern="0" dirty="0" smtClean="0">
+            <a:endParaRPr lang="nl-NL" sz="1200" kern="0" dirty="0" smtClean="0">
               <a:latin typeface="Courier New" panose="02070309020205020404" pitchFamily="49" charset="0"/>
               <a:cs typeface="Courier New" panose="02070309020205020404" pitchFamily="49" charset="0"/>
             </a:endParaRPr>
@@ -15375,7 +15868,7 @@
               <a:buFont typeface="Zapf Dingbats" charset="2"/>
               <a:buNone/>
             </a:pPr>
-            <a:endParaRPr lang="nl-NL" sz="1400" kern="0" dirty="0" smtClean="0">
+            <a:endParaRPr lang="nl-NL" sz="1200" kern="0" dirty="0" smtClean="0">
               <a:latin typeface="Courier New" panose="02070309020205020404" pitchFamily="49" charset="0"/>
               <a:cs typeface="Courier New" panose="02070309020205020404" pitchFamily="49" charset="0"/>
             </a:endParaRPr>
@@ -15386,142 +15879,6 @@
     <p:extLst>
       <p:ext uri="{BB962C8B-B14F-4D97-AF65-F5344CB8AC3E}">
         <p14:creationId xmlns:p14="http://schemas.microsoft.com/office/powerpoint/2010/main" val="292065096"/>
-      </p:ext>
-    </p:extLst>
-  </p:cSld>
-  <p:clrMapOvr>
-    <a:masterClrMapping/>
-  </p:clrMapOvr>
-  <p:timing>
-    <p:tnLst>
-      <p:par>
-        <p:cTn id="1" dur="indefinite" restart="never" nodeType="tmRoot"/>
-      </p:par>
-    </p:tnLst>
-  </p:timing>
-</p:sld>
-</file>
-
-<file path=ppt/slides/slide17.xml><?xml version="1.0" encoding="utf-8"?>
-<p:sld xmlns:a="http://schemas.openxmlformats.org/drawingml/2006/main" xmlns:r="http://schemas.openxmlformats.org/officeDocument/2006/relationships" xmlns:p="http://schemas.openxmlformats.org/presentationml/2006/main">
-  <p:cSld>
-    <p:spTree>
-      <p:nvGrpSpPr>
-        <p:cNvPr id="1" name=""/>
-        <p:cNvGrpSpPr/>
-        <p:nvPr/>
-      </p:nvGrpSpPr>
-      <p:grpSpPr>
-        <a:xfrm>
-          <a:off x="0" y="0"/>
-          <a:ext cx="0" cy="0"/>
-          <a:chOff x="0" y="0"/>
-          <a:chExt cx="0" cy="0"/>
-        </a:xfrm>
-      </p:grpSpPr>
-      <p:sp>
-        <p:nvSpPr>
-          <p:cNvPr id="2" name="Titel 1"/>
-          <p:cNvSpPr>
-            <a:spLocks noGrp="1"/>
-          </p:cNvSpPr>
-          <p:nvPr>
-            <p:ph type="title"/>
-          </p:nvPr>
-        </p:nvSpPr>
-        <p:spPr/>
-        <p:txBody>
-          <a:bodyPr/>
-          <a:lstStyle/>
-          <a:p>
-            <a:r>
-              <a:rPr lang="nl-NL" dirty="0" smtClean="0"/>
-              <a:t>Topics</a:t>
-            </a:r>
-            <a:endParaRPr lang="nl-NL" dirty="0"/>
-          </a:p>
-        </p:txBody>
-      </p:sp>
-      <p:sp>
-        <p:nvSpPr>
-          <p:cNvPr id="3" name="Tijdelijke aanduiding voor inhoud 2"/>
-          <p:cNvSpPr>
-            <a:spLocks noGrp="1"/>
-          </p:cNvSpPr>
-          <p:nvPr>
-            <p:ph idx="1"/>
-          </p:nvPr>
-        </p:nvSpPr>
-        <p:spPr>
-          <a:xfrm>
-            <a:off x="755576" y="1700808"/>
-            <a:ext cx="7881938" cy="4745915"/>
-          </a:xfrm>
-        </p:spPr>
-        <p:txBody>
-          <a:bodyPr/>
-          <a:lstStyle/>
-          <a:p>
-            <a:r>
-              <a:rPr lang="nl-NL" sz="2400" dirty="0" smtClean="0"/>
-              <a:t>Excel training</a:t>
-            </a:r>
-          </a:p>
-          <a:p>
-            <a:endParaRPr lang="nl-NL" sz="2400" dirty="0"/>
-          </a:p>
-          <a:p>
-            <a:r>
-              <a:rPr lang="nl-NL" sz="2400" dirty="0" smtClean="0"/>
-              <a:t>Correlation</a:t>
-            </a:r>
-          </a:p>
-          <a:p>
-            <a:endParaRPr lang="nl-NL" sz="2400" dirty="0"/>
-          </a:p>
-          <a:p>
-            <a:r>
-              <a:rPr lang="nl-NL" sz="2400" dirty="0" smtClean="0"/>
-              <a:t>Simple </a:t>
-            </a:r>
-            <a:r>
-              <a:rPr lang="nl-NL" sz="2400" dirty="0" err="1" smtClean="0"/>
-              <a:t>linear</a:t>
-            </a:r>
-            <a:r>
-              <a:rPr lang="nl-NL" sz="2400" dirty="0" smtClean="0"/>
-              <a:t> </a:t>
-            </a:r>
-            <a:r>
-              <a:rPr lang="nl-NL" sz="2400" dirty="0" err="1" smtClean="0"/>
-              <a:t>regression</a:t>
-            </a:r>
-            <a:endParaRPr lang="nl-NL" sz="2400" dirty="0"/>
-          </a:p>
-          <a:p>
-            <a:endParaRPr lang="nl-NL" sz="2400" dirty="0" smtClean="0"/>
-          </a:p>
-          <a:p>
-            <a:pPr marL="0" indent="0">
-              <a:buNone/>
-            </a:pPr>
-            <a:endParaRPr lang="nl-NL" dirty="0"/>
-          </a:p>
-          <a:p>
-            <a:endParaRPr lang="nl-NL" dirty="0" smtClean="0"/>
-          </a:p>
-          <a:p>
-            <a:endParaRPr lang="nl-NL" dirty="0"/>
-          </a:p>
-          <a:p>
-            <a:endParaRPr lang="nl-NL" dirty="0"/>
-          </a:p>
-        </p:txBody>
-      </p:sp>
-    </p:spTree>
-    <p:extLst>
-      <p:ext uri="{BB962C8B-B14F-4D97-AF65-F5344CB8AC3E}">
-        <p14:creationId xmlns:p14="http://schemas.microsoft.com/office/powerpoint/2010/main" val="586896398"/>
       </p:ext>
     </p:extLst>
   </p:cSld>
@@ -15571,24 +15928,16 @@
           <a:lstStyle/>
           <a:p>
             <a:r>
-              <a:rPr lang="nl-NL" dirty="0" err="1" smtClean="0"/>
-              <a:t>Linear</a:t>
-            </a:r>
-            <a:r>
               <a:rPr lang="nl-NL" dirty="0" smtClean="0"/>
-              <a:t> </a:t>
-            </a:r>
-            <a:r>
-              <a:rPr lang="nl-NL" dirty="0" err="1" smtClean="0"/>
-              <a:t>relation</a:t>
-            </a:r>
-            <a:endParaRPr lang="en-US" dirty="0"/>
+              <a:t>Topics</a:t>
+            </a:r>
+            <a:endParaRPr lang="nl-NL" dirty="0"/>
           </a:p>
         </p:txBody>
       </p:sp>
       <p:sp>
         <p:nvSpPr>
-          <p:cNvPr id="6" name="Tijdelijke aanduiding voor inhoud 2"/>
+          <p:cNvPr id="3" name="Tijdelijke aanduiding voor inhoud 2"/>
           <p:cNvSpPr>
             <a:spLocks noGrp="1"/>
           </p:cNvSpPr>
@@ -15598,8 +15947,8 @@
         </p:nvSpPr>
         <p:spPr>
           <a:xfrm>
-            <a:off x="1475656" y="5085184"/>
-            <a:ext cx="6552728" cy="2105192"/>
+            <a:off x="755576" y="1700808"/>
+            <a:ext cx="7881938" cy="4745915"/>
           </a:xfrm>
         </p:spPr>
         <p:txBody>
@@ -15607,193 +15956,71 @@
           <a:lstStyle/>
           <a:p>
             <a:r>
-              <a:rPr lang="nl-NL" sz="1800" dirty="0" smtClean="0"/>
-              <a:t>The points in the </a:t>
-            </a:r>
-            <a:r>
-              <a:rPr lang="nl-NL" sz="1800" dirty="0" err="1" smtClean="0"/>
-              <a:t>scatter</a:t>
-            </a:r>
-            <a:r>
-              <a:rPr lang="nl-NL" sz="1800" dirty="0" smtClean="0"/>
-              <a:t> plot </a:t>
-            </a:r>
-            <a:r>
-              <a:rPr lang="nl-NL" sz="1800" dirty="0" err="1" smtClean="0"/>
-              <a:t>seem</a:t>
-            </a:r>
-            <a:r>
-              <a:rPr lang="nl-NL" sz="1800" dirty="0" smtClean="0"/>
+              <a:rPr lang="nl-NL" sz="2400" dirty="0" smtClean="0"/>
+              <a:t>Excel training</a:t>
+            </a:r>
+          </a:p>
+          <a:p>
+            <a:endParaRPr lang="nl-NL" sz="2400" dirty="0"/>
+          </a:p>
+          <a:p>
+            <a:r>
+              <a:rPr lang="nl-NL" sz="2400" dirty="0" smtClean="0"/>
+              <a:t>Correlation</a:t>
+            </a:r>
+          </a:p>
+          <a:p>
+            <a:endParaRPr lang="nl-NL" sz="2400" dirty="0"/>
+          </a:p>
+          <a:p>
+            <a:r>
+              <a:rPr lang="nl-NL" sz="2400" dirty="0" smtClean="0"/>
+              <a:t>Simple </a:t>
+            </a:r>
+            <a:r>
+              <a:rPr lang="nl-NL" sz="2400" dirty="0" err="1" smtClean="0"/>
+              <a:t>linear</a:t>
+            </a:r>
+            <a:r>
+              <a:rPr lang="nl-NL" sz="2400" dirty="0" smtClean="0"/>
               <a:t> </a:t>
             </a:r>
             <a:r>
-              <a:rPr lang="nl-NL" sz="1800" dirty="0" err="1" smtClean="0"/>
-              <a:t>to</a:t>
-            </a:r>
-            <a:r>
-              <a:rPr lang="nl-NL" sz="1800" dirty="0" smtClean="0"/>
-              <a:t> </a:t>
-            </a:r>
-            <a:r>
-              <a:rPr lang="nl-NL" sz="1800" dirty="0" err="1" smtClean="0"/>
-              <a:t>be</a:t>
-            </a:r>
-            <a:r>
-              <a:rPr lang="nl-NL" sz="1800" dirty="0" smtClean="0"/>
-              <a:t> </a:t>
-            </a:r>
-            <a:r>
-              <a:rPr lang="nl-NL" sz="1800" dirty="0" err="1" smtClean="0"/>
-              <a:t>centered</a:t>
-            </a:r>
-            <a:r>
-              <a:rPr lang="nl-NL" sz="1800" dirty="0" smtClean="0"/>
-              <a:t> </a:t>
-            </a:r>
-            <a:r>
-              <a:rPr lang="nl-NL" sz="1800" dirty="0" err="1" smtClean="0"/>
-              <a:t>around</a:t>
-            </a:r>
-            <a:r>
-              <a:rPr lang="nl-NL" sz="1800" dirty="0" smtClean="0"/>
-              <a:t> a line, </a:t>
-            </a:r>
-            <a:r>
-              <a:rPr lang="nl-NL" sz="1800" dirty="0" err="1" smtClean="0"/>
-              <a:t>with</a:t>
-            </a:r>
-            <a:r>
-              <a:rPr lang="nl-NL" sz="1800" dirty="0" smtClean="0"/>
-              <a:t> </a:t>
-            </a:r>
-            <a:r>
-              <a:rPr lang="nl-NL" sz="1800" dirty="0" err="1" smtClean="0"/>
-              <a:t>some</a:t>
-            </a:r>
-            <a:r>
-              <a:rPr lang="nl-NL" sz="1800" dirty="0" smtClean="0"/>
-              <a:t> </a:t>
-            </a:r>
-            <a:r>
-              <a:rPr lang="nl-NL" sz="1800" dirty="0" err="1" smtClean="0"/>
-              <a:t>variation</a:t>
-            </a:r>
-            <a:endParaRPr lang="nl-NL" sz="1800" dirty="0" smtClean="0"/>
-          </a:p>
-          <a:p>
-            <a:endParaRPr lang="nl-NL" sz="1800" dirty="0" smtClean="0"/>
-          </a:p>
-          <a:p>
-            <a:r>
-              <a:rPr lang="nl-NL" sz="1800" dirty="0" err="1" smtClean="0"/>
-              <a:t>Variance</a:t>
-            </a:r>
-            <a:r>
-              <a:rPr lang="nl-NL" sz="1800" dirty="0" smtClean="0"/>
-              <a:t> in views </a:t>
-            </a:r>
-            <a:r>
-              <a:rPr lang="nl-NL" sz="1800" dirty="0" err="1" smtClean="0"/>
-              <a:t>seems</a:t>
-            </a:r>
-            <a:r>
-              <a:rPr lang="nl-NL" sz="1800" dirty="0" smtClean="0"/>
-              <a:t> </a:t>
-            </a:r>
-            <a:r>
-              <a:rPr lang="nl-NL" sz="1800" dirty="0" err="1" smtClean="0"/>
-              <a:t>to</a:t>
-            </a:r>
-            <a:r>
-              <a:rPr lang="nl-NL" sz="1800" dirty="0" smtClean="0"/>
-              <a:t> </a:t>
-            </a:r>
-            <a:r>
-              <a:rPr lang="nl-NL" sz="1800" i="1" dirty="0" err="1" smtClean="0"/>
-              <a:t>increase</a:t>
-            </a:r>
-            <a:r>
-              <a:rPr lang="nl-NL" sz="1800" i="1" dirty="0" smtClean="0"/>
-              <a:t> </a:t>
-            </a:r>
-            <a:r>
-              <a:rPr lang="nl-NL" sz="1800" dirty="0" err="1" smtClean="0"/>
-              <a:t>with</a:t>
-            </a:r>
-            <a:r>
-              <a:rPr lang="nl-NL" sz="1800" dirty="0" smtClean="0"/>
-              <a:t> </a:t>
-            </a:r>
-            <a:r>
-              <a:rPr lang="nl-NL" sz="1800" dirty="0" err="1" smtClean="0"/>
-              <a:t>subscribers</a:t>
-            </a:r>
-            <a:r>
-              <a:rPr lang="nl-NL" sz="1800" dirty="0" smtClean="0"/>
-              <a:t> (more on </a:t>
-            </a:r>
-            <a:r>
-              <a:rPr lang="nl-NL" sz="1800" dirty="0" err="1" smtClean="0"/>
-              <a:t>that</a:t>
-            </a:r>
-            <a:r>
-              <a:rPr lang="nl-NL" sz="1800" dirty="0" smtClean="0"/>
-              <a:t> on </a:t>
-            </a:r>
-            <a:r>
-              <a:rPr lang="nl-NL" sz="1800" dirty="0" err="1" smtClean="0"/>
-              <a:t>Wednesday</a:t>
-            </a:r>
-            <a:r>
-              <a:rPr lang="nl-NL" sz="1800" dirty="0" smtClean="0"/>
-              <a:t>)</a:t>
-            </a:r>
-            <a:endParaRPr lang="nl-NL" sz="1800" dirty="0"/>
-          </a:p>
-          <a:p>
-            <a:pPr>
-              <a:buFont typeface="Wingdings" panose="05000000000000000000" pitchFamily="2" charset="2"/>
-              <a:buChar char="q"/>
+              <a:rPr lang="nl-NL" sz="2400" dirty="0" err="1" smtClean="0"/>
+              <a:t>regression</a:t>
+            </a:r>
+            <a:endParaRPr lang="nl-NL" sz="2400" dirty="0"/>
+          </a:p>
+          <a:p>
+            <a:endParaRPr lang="nl-NL" sz="2400" dirty="0" smtClean="0"/>
+          </a:p>
+          <a:p>
+            <a:pPr marL="0" indent="0">
+              <a:buNone/>
             </a:pPr>
-            <a:endParaRPr lang="nl-NL" sz="2400" dirty="0"/>
+            <a:endParaRPr lang="nl-NL" dirty="0"/>
+          </a:p>
+          <a:p>
+            <a:endParaRPr lang="nl-NL" dirty="0" smtClean="0"/>
+          </a:p>
+          <a:p>
+            <a:endParaRPr lang="nl-NL" dirty="0"/>
+          </a:p>
+          <a:p>
+            <a:endParaRPr lang="nl-NL" dirty="0"/>
           </a:p>
         </p:txBody>
       </p:sp>
-      <p:pic>
-        <p:nvPicPr>
-          <p:cNvPr id="5" name="Afbeelding 4"/>
-          <p:cNvPicPr>
-            <a:picLocks noChangeAspect="1"/>
-          </p:cNvPicPr>
-          <p:nvPr/>
-        </p:nvPicPr>
-        <p:blipFill>
-          <a:blip r:embed="rId2"/>
-          <a:stretch>
-            <a:fillRect/>
-          </a:stretch>
-        </p:blipFill>
-        <p:spPr>
-          <a:xfrm>
-            <a:off x="2699792" y="1480927"/>
-            <a:ext cx="3272804" cy="3384376"/>
-          </a:xfrm>
-          <a:prstGeom prst="rect">
-            <a:avLst/>
-          </a:prstGeom>
-        </p:spPr>
-      </p:pic>
     </p:spTree>
     <p:extLst>
       <p:ext uri="{BB962C8B-B14F-4D97-AF65-F5344CB8AC3E}">
-        <p14:creationId xmlns:p14="http://schemas.microsoft.com/office/powerpoint/2010/main" val="1860002408"/>
+        <p14:creationId xmlns:p14="http://schemas.microsoft.com/office/powerpoint/2010/main" val="586896398"/>
       </p:ext>
     </p:extLst>
   </p:cSld>
   <p:clrMapOvr>
     <a:masterClrMapping/>
   </p:clrMapOvr>
-  <p:transition spd="slow"/>
   <p:timing>
     <p:tnLst>
       <p:par>
@@ -15852,30 +16079,197 @@
           </a:p>
         </p:txBody>
       </p:sp>
+      <p:sp>
+        <p:nvSpPr>
+          <p:cNvPr id="6" name="Tijdelijke aanduiding voor inhoud 2"/>
+          <p:cNvSpPr>
+            <a:spLocks noGrp="1"/>
+          </p:cNvSpPr>
+          <p:nvPr>
+            <p:ph idx="1"/>
+          </p:nvPr>
+        </p:nvSpPr>
+        <p:spPr>
+          <a:xfrm>
+            <a:off x="1475656" y="5085184"/>
+            <a:ext cx="6552728" cy="2105192"/>
+          </a:xfrm>
+        </p:spPr>
+        <p:txBody>
+          <a:bodyPr/>
+          <a:lstStyle/>
+          <a:p>
+            <a:r>
+              <a:rPr lang="nl-NL" sz="1800" dirty="0" smtClean="0"/>
+              <a:t>The points in the </a:t>
+            </a:r>
+            <a:r>
+              <a:rPr lang="nl-NL" sz="1800" dirty="0" err="1" smtClean="0"/>
+              <a:t>scatter</a:t>
+            </a:r>
+            <a:r>
+              <a:rPr lang="nl-NL" sz="1800" dirty="0" smtClean="0"/>
+              <a:t> plot </a:t>
+            </a:r>
+            <a:r>
+              <a:rPr lang="nl-NL" sz="1800" dirty="0" err="1" smtClean="0"/>
+              <a:t>seem</a:t>
+            </a:r>
+            <a:r>
+              <a:rPr lang="nl-NL" sz="1800" dirty="0" smtClean="0"/>
+              <a:t> </a:t>
+            </a:r>
+            <a:r>
+              <a:rPr lang="nl-NL" sz="1800" dirty="0" err="1" smtClean="0"/>
+              <a:t>to</a:t>
+            </a:r>
+            <a:r>
+              <a:rPr lang="nl-NL" sz="1800" dirty="0" smtClean="0"/>
+              <a:t> </a:t>
+            </a:r>
+            <a:r>
+              <a:rPr lang="nl-NL" sz="1800" dirty="0" err="1" smtClean="0"/>
+              <a:t>be</a:t>
+            </a:r>
+            <a:r>
+              <a:rPr lang="nl-NL" sz="1800" dirty="0" smtClean="0"/>
+              <a:t> </a:t>
+            </a:r>
+            <a:r>
+              <a:rPr lang="nl-NL" sz="1800" dirty="0" err="1" smtClean="0"/>
+              <a:t>centered</a:t>
+            </a:r>
+            <a:r>
+              <a:rPr lang="nl-NL" sz="1800" dirty="0" smtClean="0"/>
+              <a:t> </a:t>
+            </a:r>
+            <a:r>
+              <a:rPr lang="nl-NL" sz="1800" dirty="0" err="1" smtClean="0"/>
+              <a:t>around</a:t>
+            </a:r>
+            <a:r>
+              <a:rPr lang="nl-NL" sz="1800" dirty="0" smtClean="0"/>
+              <a:t> a line, </a:t>
+            </a:r>
+            <a:r>
+              <a:rPr lang="nl-NL" sz="1800" dirty="0" err="1" smtClean="0"/>
+              <a:t>with</a:t>
+            </a:r>
+            <a:r>
+              <a:rPr lang="nl-NL" sz="1800" dirty="0" smtClean="0"/>
+              <a:t> </a:t>
+            </a:r>
+            <a:r>
+              <a:rPr lang="nl-NL" sz="1800" dirty="0" err="1" smtClean="0"/>
+              <a:t>some</a:t>
+            </a:r>
+            <a:r>
+              <a:rPr lang="nl-NL" sz="1800" dirty="0" smtClean="0"/>
+              <a:t> </a:t>
+            </a:r>
+            <a:r>
+              <a:rPr lang="nl-NL" sz="1800" dirty="0" err="1" smtClean="0"/>
+              <a:t>variation</a:t>
+            </a:r>
+            <a:endParaRPr lang="nl-NL" sz="1800" dirty="0" smtClean="0"/>
+          </a:p>
+          <a:p>
+            <a:endParaRPr lang="nl-NL" sz="1800" dirty="0" smtClean="0"/>
+          </a:p>
+          <a:p>
+            <a:r>
+              <a:rPr lang="nl-NL" sz="1800" dirty="0" err="1" smtClean="0"/>
+              <a:t>Variance</a:t>
+            </a:r>
+            <a:r>
+              <a:rPr lang="nl-NL" sz="1800" dirty="0" smtClean="0"/>
+              <a:t> in views </a:t>
+            </a:r>
+            <a:r>
+              <a:rPr lang="nl-NL" sz="1800" dirty="0" err="1" smtClean="0"/>
+              <a:t>seems</a:t>
+            </a:r>
+            <a:r>
+              <a:rPr lang="nl-NL" sz="1800" dirty="0" smtClean="0"/>
+              <a:t> </a:t>
+            </a:r>
+            <a:r>
+              <a:rPr lang="nl-NL" sz="1800" dirty="0" err="1" smtClean="0"/>
+              <a:t>to</a:t>
+            </a:r>
+            <a:r>
+              <a:rPr lang="nl-NL" sz="1800" dirty="0" smtClean="0"/>
+              <a:t> </a:t>
+            </a:r>
+            <a:r>
+              <a:rPr lang="nl-NL" sz="1800" i="1" dirty="0" err="1" smtClean="0"/>
+              <a:t>increase</a:t>
+            </a:r>
+            <a:r>
+              <a:rPr lang="nl-NL" sz="1800" i="1" dirty="0" smtClean="0"/>
+              <a:t> </a:t>
+            </a:r>
+            <a:r>
+              <a:rPr lang="nl-NL" sz="1800" dirty="0" err="1" smtClean="0"/>
+              <a:t>with</a:t>
+            </a:r>
+            <a:r>
+              <a:rPr lang="nl-NL" sz="1800" dirty="0" smtClean="0"/>
+              <a:t> </a:t>
+            </a:r>
+            <a:r>
+              <a:rPr lang="nl-NL" sz="1800" dirty="0" err="1" smtClean="0"/>
+              <a:t>subscribers</a:t>
+            </a:r>
+            <a:r>
+              <a:rPr lang="nl-NL" sz="1800" dirty="0" smtClean="0"/>
+              <a:t> (more on </a:t>
+            </a:r>
+            <a:r>
+              <a:rPr lang="nl-NL" sz="1800" dirty="0" err="1" smtClean="0"/>
+              <a:t>that</a:t>
+            </a:r>
+            <a:r>
+              <a:rPr lang="nl-NL" sz="1800" dirty="0" smtClean="0"/>
+              <a:t> on </a:t>
+            </a:r>
+            <a:r>
+              <a:rPr lang="nl-NL" sz="1800" dirty="0" err="1" smtClean="0"/>
+              <a:t>Wednesday</a:t>
+            </a:r>
+            <a:r>
+              <a:rPr lang="nl-NL" sz="1800" dirty="0" smtClean="0"/>
+              <a:t>)</a:t>
+            </a:r>
+            <a:endParaRPr lang="nl-NL" sz="1800" dirty="0"/>
+          </a:p>
+          <a:p>
+            <a:pPr>
+              <a:buFont typeface="Wingdings" panose="05000000000000000000" pitchFamily="2" charset="2"/>
+              <a:buChar char="q"/>
+            </a:pPr>
+            <a:endParaRPr lang="nl-NL" sz="2400" dirty="0"/>
+          </a:p>
+        </p:txBody>
+      </p:sp>
       <p:pic>
         <p:nvPicPr>
-          <p:cNvPr id="4" name="Afbeelding 3"/>
+          <p:cNvPr id="5" name="Afbeelding 4"/>
           <p:cNvPicPr>
             <a:picLocks noChangeAspect="1"/>
           </p:cNvPicPr>
           <p:nvPr/>
         </p:nvPicPr>
         <p:blipFill>
-          <a:blip r:embed="rId2" cstate="print">
-            <a:extLst>
-              <a:ext uri="{28A0092B-C50C-407E-A947-70E740481C1C}">
-                <a14:useLocalDpi xmlns:a14="http://schemas.microsoft.com/office/drawing/2010/main" val="0"/>
-              </a:ext>
-            </a:extLst>
-          </a:blip>
+          <a:blip r:embed="rId2"/>
           <a:stretch>
             <a:fillRect/>
           </a:stretch>
         </p:blipFill>
         <p:spPr>
           <a:xfrm>
-            <a:off x="1547664" y="1340768"/>
-            <a:ext cx="5904656" cy="5016620"/>
+            <a:off x="2699792" y="1480927"/>
+            <a:ext cx="3272804" cy="3384376"/>
           </a:xfrm>
           <a:prstGeom prst="rect">
             <a:avLst/>
@@ -15885,7 +16279,7 @@
     </p:spTree>
     <p:extLst>
       <p:ext uri="{BB962C8B-B14F-4D97-AF65-F5344CB8AC3E}">
-        <p14:creationId xmlns:p14="http://schemas.microsoft.com/office/powerpoint/2010/main" val="3662037439"/>
+        <p14:creationId xmlns:p14="http://schemas.microsoft.com/office/powerpoint/2010/main" val="1860002408"/>
       </p:ext>
     </p:extLst>
   </p:cSld>
@@ -16055,6 +16449,105 @@
 </file>
 
 <file path=ppt/slides/slide20.xml><?xml version="1.0" encoding="utf-8"?>
+<p:sld xmlns:a="http://schemas.openxmlformats.org/drawingml/2006/main" xmlns:r="http://schemas.openxmlformats.org/officeDocument/2006/relationships" xmlns:p="http://schemas.openxmlformats.org/presentationml/2006/main">
+  <p:cSld>
+    <p:spTree>
+      <p:nvGrpSpPr>
+        <p:cNvPr id="1" name=""/>
+        <p:cNvGrpSpPr/>
+        <p:nvPr/>
+      </p:nvGrpSpPr>
+      <p:grpSpPr>
+        <a:xfrm>
+          <a:off x="0" y="0"/>
+          <a:ext cx="0" cy="0"/>
+          <a:chOff x="0" y="0"/>
+          <a:chExt cx="0" cy="0"/>
+        </a:xfrm>
+      </p:grpSpPr>
+      <p:sp>
+        <p:nvSpPr>
+          <p:cNvPr id="2" name="Titel 1"/>
+          <p:cNvSpPr>
+            <a:spLocks noGrp="1"/>
+          </p:cNvSpPr>
+          <p:nvPr>
+            <p:ph type="title"/>
+          </p:nvPr>
+        </p:nvSpPr>
+        <p:spPr/>
+        <p:txBody>
+          <a:bodyPr/>
+          <a:lstStyle/>
+          <a:p>
+            <a:r>
+              <a:rPr lang="nl-NL" dirty="0" err="1" smtClean="0"/>
+              <a:t>Linear</a:t>
+            </a:r>
+            <a:r>
+              <a:rPr lang="nl-NL" dirty="0" smtClean="0"/>
+              <a:t> </a:t>
+            </a:r>
+            <a:r>
+              <a:rPr lang="nl-NL" dirty="0" err="1" smtClean="0"/>
+              <a:t>relation</a:t>
+            </a:r>
+            <a:endParaRPr lang="en-US" dirty="0"/>
+          </a:p>
+        </p:txBody>
+      </p:sp>
+      <p:pic>
+        <p:nvPicPr>
+          <p:cNvPr id="4" name="Afbeelding 3"/>
+          <p:cNvPicPr>
+            <a:picLocks noChangeAspect="1"/>
+          </p:cNvPicPr>
+          <p:nvPr/>
+        </p:nvPicPr>
+        <p:blipFill>
+          <a:blip r:embed="rId2" cstate="print">
+            <a:extLst>
+              <a:ext uri="{28A0092B-C50C-407E-A947-70E740481C1C}">
+                <a14:useLocalDpi xmlns:a14="http://schemas.microsoft.com/office/drawing/2010/main" val="0"/>
+              </a:ext>
+            </a:extLst>
+          </a:blip>
+          <a:stretch>
+            <a:fillRect/>
+          </a:stretch>
+        </p:blipFill>
+        <p:spPr>
+          <a:xfrm>
+            <a:off x="1547664" y="1340768"/>
+            <a:ext cx="5904656" cy="5016620"/>
+          </a:xfrm>
+          <a:prstGeom prst="rect">
+            <a:avLst/>
+          </a:prstGeom>
+        </p:spPr>
+      </p:pic>
+    </p:spTree>
+    <p:extLst>
+      <p:ext uri="{BB962C8B-B14F-4D97-AF65-F5344CB8AC3E}">
+        <p14:creationId xmlns:p14="http://schemas.microsoft.com/office/powerpoint/2010/main" val="3662037439"/>
+      </p:ext>
+    </p:extLst>
+  </p:cSld>
+  <p:clrMapOvr>
+    <a:masterClrMapping/>
+  </p:clrMapOvr>
+  <p:transition spd="slow"/>
+  <p:timing>
+    <p:tnLst>
+      <p:par>
+        <p:cTn id="1" dur="indefinite" restart="never" nodeType="tmRoot"/>
+      </p:par>
+    </p:tnLst>
+  </p:timing>
+</p:sld>
+</file>
+
+<file path=ppt/slides/slide21.xml><?xml version="1.0" encoding="utf-8"?>
 <p:sld xmlns:a="http://schemas.openxmlformats.org/drawingml/2006/main" xmlns:r="http://schemas.openxmlformats.org/officeDocument/2006/relationships" xmlns:p="http://schemas.openxmlformats.org/presentationml/2006/main">
   <p:cSld>
     <p:spTree>
@@ -16920,7 +17413,7 @@
 </p:sld>
 </file>
 
-<file path=ppt/slides/slide21.xml><?xml version="1.0" encoding="utf-8"?>
+<file path=ppt/slides/slide22.xml><?xml version="1.0" encoding="utf-8"?>
 <p:sld xmlns:a="http://schemas.openxmlformats.org/drawingml/2006/main" xmlns:r="http://schemas.openxmlformats.org/officeDocument/2006/relationships" xmlns:p="http://schemas.openxmlformats.org/presentationml/2006/main">
   <p:cSld>
     <p:spTree>
@@ -17756,7 +18249,7 @@
 </p:sld>
 </file>
 
-<file path=ppt/slides/slide22.xml><?xml version="1.0" encoding="utf-8"?>
+<file path=ppt/slides/slide23.xml><?xml version="1.0" encoding="utf-8"?>
 <p:sld xmlns:a="http://schemas.openxmlformats.org/drawingml/2006/main" xmlns:r="http://schemas.openxmlformats.org/officeDocument/2006/relationships" xmlns:p="http://schemas.openxmlformats.org/presentationml/2006/main">
   <p:cSld>
     <p:spTree>
@@ -18639,7 +19132,7 @@
 </p:sld>
 </file>
 
-<file path=ppt/slides/slide23.xml><?xml version="1.0" encoding="utf-8"?>
+<file path=ppt/slides/slide24.xml><?xml version="1.0" encoding="utf-8"?>
 <p:sld xmlns:a="http://schemas.openxmlformats.org/drawingml/2006/main" xmlns:r="http://schemas.openxmlformats.org/officeDocument/2006/relationships" xmlns:p="http://schemas.openxmlformats.org/presentationml/2006/main">
   <p:cSld>
     <p:spTree>
@@ -19550,268 +20043,6 @@
 </p:sld>
 </file>
 
-<file path=ppt/slides/slide24.xml><?xml version="1.0" encoding="utf-8"?>
-<p:sld xmlns:a="http://schemas.openxmlformats.org/drawingml/2006/main" xmlns:r="http://schemas.openxmlformats.org/officeDocument/2006/relationships" xmlns:p="http://schemas.openxmlformats.org/presentationml/2006/main">
-  <p:cSld>
-    <p:spTree>
-      <p:nvGrpSpPr>
-        <p:cNvPr id="1" name=""/>
-        <p:cNvGrpSpPr/>
-        <p:nvPr/>
-      </p:nvGrpSpPr>
-      <p:grpSpPr>
-        <a:xfrm>
-          <a:off x="0" y="0"/>
-          <a:ext cx="0" cy="0"/>
-          <a:chOff x="0" y="0"/>
-          <a:chExt cx="0" cy="0"/>
-        </a:xfrm>
-      </p:grpSpPr>
-      <p:sp>
-        <p:nvSpPr>
-          <p:cNvPr id="2" name="Titel 1"/>
-          <p:cNvSpPr>
-            <a:spLocks noGrp="1"/>
-          </p:cNvSpPr>
-          <p:nvPr>
-            <p:ph type="title"/>
-          </p:nvPr>
-        </p:nvSpPr>
-        <p:spPr>
-          <a:xfrm>
-            <a:off x="838200" y="665818"/>
-            <a:ext cx="6172200" cy="523220"/>
-          </a:xfrm>
-        </p:spPr>
-        <p:txBody>
-          <a:bodyPr/>
-          <a:lstStyle/>
-          <a:p>
-            <a:r>
-              <a:rPr lang="nl-NL" sz="2800" dirty="0" err="1" smtClean="0"/>
-              <a:t>Introducing</a:t>
-            </a:r>
-            <a:r>
-              <a:rPr lang="nl-NL" sz="2800" dirty="0" smtClean="0"/>
-              <a:t> the </a:t>
-            </a:r>
-            <a:r>
-              <a:rPr lang="nl-NL" sz="2800" dirty="0" err="1" smtClean="0"/>
-              <a:t>library</a:t>
-            </a:r>
-            <a:r>
-              <a:rPr lang="nl-NL" sz="2800" dirty="0" smtClean="0"/>
-              <a:t> </a:t>
-            </a:r>
-            <a:r>
-              <a:rPr lang="nl-NL" sz="2800" dirty="0" err="1" smtClean="0"/>
-              <a:t>and</a:t>
-            </a:r>
-            <a:r>
-              <a:rPr lang="nl-NL" sz="2800" dirty="0" smtClean="0"/>
-              <a:t> data set</a:t>
-            </a:r>
-            <a:endParaRPr lang="nl-NL" sz="2800" dirty="0"/>
-          </a:p>
-        </p:txBody>
-      </p:sp>
-      <p:sp>
-        <p:nvSpPr>
-          <p:cNvPr id="3" name="Tijdelijke aanduiding voor inhoud 2"/>
-          <p:cNvSpPr>
-            <a:spLocks noGrp="1"/>
-          </p:cNvSpPr>
-          <p:nvPr>
-            <p:ph idx="1"/>
-          </p:nvPr>
-        </p:nvSpPr>
-        <p:spPr>
-          <a:xfrm>
-            <a:off x="762000" y="1762125"/>
-            <a:ext cx="7881938" cy="2086725"/>
-          </a:xfrm>
-        </p:spPr>
-        <p:txBody>
-          <a:bodyPr/>
-          <a:lstStyle/>
-          <a:p>
-            <a:r>
-              <a:rPr lang="nl-NL" sz="2400" dirty="0" err="1" smtClean="0"/>
-              <a:t>sk-learn</a:t>
-            </a:r>
-            <a:r>
-              <a:rPr lang="nl-NL" sz="2400" dirty="0" smtClean="0"/>
-              <a:t> is the standard </a:t>
-            </a:r>
-            <a:r>
-              <a:rPr lang="nl-NL" sz="2400" dirty="0" err="1" smtClean="0"/>
-              <a:t>library</a:t>
-            </a:r>
-            <a:r>
-              <a:rPr lang="nl-NL" sz="2400" dirty="0" smtClean="0"/>
-              <a:t> </a:t>
-            </a:r>
-            <a:r>
-              <a:rPr lang="nl-NL" sz="2400" dirty="0" err="1" smtClean="0"/>
-              <a:t>for</a:t>
-            </a:r>
-            <a:r>
-              <a:rPr lang="nl-NL" sz="2400" dirty="0" smtClean="0"/>
-              <a:t> </a:t>
-            </a:r>
-            <a:r>
-              <a:rPr lang="nl-NL" sz="2400" dirty="0" err="1" smtClean="0"/>
-              <a:t>statistics</a:t>
-            </a:r>
-            <a:r>
-              <a:rPr lang="nl-NL" sz="2400" dirty="0" smtClean="0"/>
-              <a:t> </a:t>
-            </a:r>
-            <a:r>
-              <a:rPr lang="nl-NL" sz="2400" dirty="0" err="1" smtClean="0"/>
-              <a:t>and</a:t>
-            </a:r>
-            <a:r>
-              <a:rPr lang="nl-NL" sz="2400" dirty="0" smtClean="0"/>
-              <a:t> machine </a:t>
-            </a:r>
-            <a:r>
-              <a:rPr lang="nl-NL" sz="2400" dirty="0" err="1" smtClean="0"/>
-              <a:t>learning</a:t>
-            </a:r>
-            <a:r>
-              <a:rPr lang="nl-NL" sz="2400" dirty="0" smtClean="0"/>
-              <a:t>. We </a:t>
-            </a:r>
-            <a:r>
-              <a:rPr lang="nl-NL" sz="2400" dirty="0" err="1" smtClean="0"/>
-              <a:t>will</a:t>
-            </a:r>
-            <a:r>
-              <a:rPr lang="nl-NL" sz="2400" dirty="0" smtClean="0"/>
-              <a:t> </a:t>
-            </a:r>
-            <a:r>
-              <a:rPr lang="nl-NL" sz="2400" dirty="0" err="1" smtClean="0"/>
-              <a:t>be</a:t>
-            </a:r>
-            <a:r>
-              <a:rPr lang="nl-NL" sz="2400" dirty="0" smtClean="0"/>
-              <a:t> </a:t>
-            </a:r>
-            <a:r>
-              <a:rPr lang="nl-NL" sz="2400" dirty="0" err="1" smtClean="0"/>
-              <a:t>working</a:t>
-            </a:r>
-            <a:r>
-              <a:rPr lang="nl-NL" sz="2400" dirty="0" smtClean="0"/>
-              <a:t> </a:t>
-            </a:r>
-            <a:r>
-              <a:rPr lang="nl-NL" sz="2400" dirty="0" err="1" smtClean="0"/>
-              <a:t>with</a:t>
-            </a:r>
-            <a:r>
-              <a:rPr lang="nl-NL" sz="2400" dirty="0" smtClean="0"/>
-              <a:t> </a:t>
-            </a:r>
-            <a:r>
-              <a:rPr lang="nl-NL" sz="2400" dirty="0" err="1" smtClean="0"/>
-              <a:t>it</a:t>
-            </a:r>
-            <a:r>
-              <a:rPr lang="nl-NL" sz="2400" dirty="0" smtClean="0"/>
-              <a:t> a lot.</a:t>
-            </a:r>
-          </a:p>
-          <a:p>
-            <a:endParaRPr lang="nl-NL" sz="2400" dirty="0"/>
-          </a:p>
-          <a:p>
-            <a:r>
-              <a:rPr lang="nl-NL" sz="2400" dirty="0" smtClean="0">
-                <a:hlinkClick r:id="rId2"/>
-              </a:rPr>
-              <a:t>Scraped </a:t>
-            </a:r>
-            <a:r>
-              <a:rPr lang="nl-NL" sz="2400" dirty="0" err="1">
-                <a:hlinkClick r:id="rId2"/>
-              </a:rPr>
-              <a:t>F</a:t>
-            </a:r>
-            <a:r>
-              <a:rPr lang="nl-NL" sz="2400" dirty="0" err="1" smtClean="0">
-                <a:hlinkClick r:id="rId2"/>
-              </a:rPr>
-              <a:t>unda</a:t>
-            </a:r>
-            <a:r>
-              <a:rPr lang="nl-NL" sz="2400" dirty="0" smtClean="0">
-                <a:hlinkClick r:id="rId2"/>
-              </a:rPr>
-              <a:t> data set</a:t>
-            </a:r>
-            <a:r>
-              <a:rPr lang="nl-NL" sz="2400" dirty="0" smtClean="0"/>
-              <a:t>: house </a:t>
-            </a:r>
-            <a:r>
-              <a:rPr lang="nl-NL" sz="2400" dirty="0" err="1" smtClean="0"/>
-              <a:t>listings</a:t>
-            </a:r>
-            <a:r>
-              <a:rPr lang="nl-NL" sz="2400" dirty="0" smtClean="0"/>
-              <a:t> in Amsterdam. Will </a:t>
-            </a:r>
-            <a:r>
-              <a:rPr lang="nl-NL" sz="2400" dirty="0" err="1" smtClean="0"/>
-              <a:t>be</a:t>
-            </a:r>
-            <a:r>
-              <a:rPr lang="nl-NL" sz="2400" dirty="0" smtClean="0"/>
-              <a:t> </a:t>
-            </a:r>
-            <a:r>
-              <a:rPr lang="nl-NL" sz="2400" dirty="0" err="1" smtClean="0"/>
-              <a:t>used</a:t>
-            </a:r>
-            <a:r>
-              <a:rPr lang="nl-NL" sz="2400" dirty="0" smtClean="0"/>
-              <a:t> these </a:t>
-            </a:r>
-            <a:r>
-              <a:rPr lang="nl-NL" sz="2400" dirty="0" err="1" smtClean="0"/>
-              <a:t>two</a:t>
-            </a:r>
-            <a:r>
-              <a:rPr lang="nl-NL" sz="2400" dirty="0" smtClean="0"/>
-              <a:t> weeks.</a:t>
-            </a:r>
-            <a:endParaRPr lang="nl-NL" sz="2400" dirty="0"/>
-          </a:p>
-        </p:txBody>
-      </p:sp>
-    </p:spTree>
-    <p:extLst>
-      <p:ext uri="{BB962C8B-B14F-4D97-AF65-F5344CB8AC3E}">
-        <p14:creationId xmlns:p14="http://schemas.microsoft.com/office/powerpoint/2010/main" val="2389832019"/>
-      </p:ext>
-    </p:extLst>
-  </p:cSld>
-  <p:clrMapOvr>
-    <a:masterClrMapping/>
-  </p:clrMapOvr>
-  <p:timing>
-    <p:tnLst>
-      <p:par>
-        <p:cTn id="1" dur="indefinite" restart="never" nodeType="tmRoot"/>
-      </p:par>
-    </p:tnLst>
-  </p:timing>
-</p:sld>
-</file>
-
 <file path=ppt/slides/slide25.xml><?xml version="1.0" encoding="utf-8"?>
 <p:sld xmlns:a="http://schemas.openxmlformats.org/drawingml/2006/main" xmlns:r="http://schemas.openxmlformats.org/officeDocument/2006/relationships" xmlns:p="http://schemas.openxmlformats.org/presentationml/2006/main">
   <p:cSld>
@@ -19976,7 +20207,7 @@
         <p:spPr bwMode="auto">
           <a:xfrm>
             <a:off x="683568" y="1700808"/>
-            <a:ext cx="7881938" cy="6297108"/>
+            <a:ext cx="7881938" cy="6727996"/>
           </a:xfrm>
           <a:prstGeom prst="rect">
             <a:avLst/>
@@ -21047,6 +21278,62 @@
                 <a:latin typeface="Courier New" panose="02070309020205020404" pitchFamily="49" charset="0"/>
                 <a:cs typeface="Courier New" panose="02070309020205020404" pitchFamily="49" charset="0"/>
               </a:rPr>
+              <a:t>prediction</a:t>
+            </a:r>
+            <a:r>
+              <a:rPr lang="nl-NL" sz="1400" kern="0" dirty="0" smtClean="0">
+                <a:latin typeface="Courier New" panose="02070309020205020404" pitchFamily="49" charset="0"/>
+                <a:cs typeface="Courier New" panose="02070309020205020404" pitchFamily="49" charset="0"/>
+              </a:rPr>
+              <a:t> </a:t>
+            </a:r>
+            <a:r>
+              <a:rPr lang="nl-NL" sz="1400" kern="0" dirty="0" err="1" smtClean="0">
+                <a:latin typeface="Courier New" panose="02070309020205020404" pitchFamily="49" charset="0"/>
+                <a:cs typeface="Courier New" panose="02070309020205020404" pitchFamily="49" charset="0"/>
+              </a:rPr>
+              <a:t>for</a:t>
+            </a:r>
+            <a:r>
+              <a:rPr lang="nl-NL" sz="1400" kern="0" dirty="0" smtClean="0">
+                <a:latin typeface="Courier New" panose="02070309020205020404" pitchFamily="49" charset="0"/>
+                <a:cs typeface="Courier New" panose="02070309020205020404" pitchFamily="49" charset="0"/>
+              </a:rPr>
+              <a:t> </a:t>
+            </a:r>
+            <a:r>
+              <a:rPr lang="nl-NL" sz="1400" kern="0" dirty="0" err="1" smtClean="0">
+                <a:latin typeface="Courier New" panose="02070309020205020404" pitchFamily="49" charset="0"/>
+                <a:cs typeface="Courier New" panose="02070309020205020404" pitchFamily="49" charset="0"/>
+              </a:rPr>
+              <a:t>Slichtenhorststraat</a:t>
+            </a:r>
+            <a:r>
+              <a:rPr lang="nl-NL" sz="1400" kern="0" dirty="0" smtClean="0">
+                <a:latin typeface="Courier New" panose="02070309020205020404" pitchFamily="49" charset="0"/>
+                <a:cs typeface="Courier New" panose="02070309020205020404" pitchFamily="49" charset="0"/>
+              </a:rPr>
+              <a:t> 10? </a:t>
+            </a:r>
+            <a:r>
+              <a:rPr lang="nl-NL" sz="1400" kern="0" dirty="0" err="1" smtClean="0">
+                <a:latin typeface="Courier New" panose="02070309020205020404" pitchFamily="49" charset="0"/>
+                <a:cs typeface="Courier New" panose="02070309020205020404" pitchFamily="49" charset="0"/>
+              </a:rPr>
+              <a:t>What</a:t>
+            </a:r>
+            <a:r>
+              <a:rPr lang="nl-NL" sz="1400" kern="0" dirty="0" smtClean="0">
+                <a:latin typeface="Courier New" panose="02070309020205020404" pitchFamily="49" charset="0"/>
+                <a:cs typeface="Courier New" panose="02070309020205020404" pitchFamily="49" charset="0"/>
+              </a:rPr>
+              <a:t> is the </a:t>
+            </a:r>
+            <a:r>
+              <a:rPr lang="nl-NL" sz="1400" kern="0" dirty="0" err="1" smtClean="0">
+                <a:latin typeface="Courier New" panose="02070309020205020404" pitchFamily="49" charset="0"/>
+                <a:cs typeface="Courier New" panose="02070309020205020404" pitchFamily="49" charset="0"/>
+              </a:rPr>
               <a:t>residual</a:t>
             </a:r>
             <a:r>
@@ -21054,6 +21341,34 @@
                 <a:latin typeface="Courier New" panose="02070309020205020404" pitchFamily="49" charset="0"/>
                 <a:cs typeface="Courier New" panose="02070309020205020404" pitchFamily="49" charset="0"/>
               </a:rPr>
+              <a:t>? </a:t>
+            </a:r>
+            <a:r>
+              <a:rPr lang="nl-NL" sz="1400" kern="0" dirty="0" err="1" smtClean="0">
+                <a:latin typeface="Courier New" panose="02070309020205020404" pitchFamily="49" charset="0"/>
+                <a:cs typeface="Courier New" panose="02070309020205020404" pitchFamily="49" charset="0"/>
+              </a:rPr>
+              <a:t>Note</a:t>
+            </a:r>
+            <a:r>
+              <a:rPr lang="nl-NL" sz="1400" kern="0" dirty="0" smtClean="0">
+                <a:latin typeface="Courier New" panose="02070309020205020404" pitchFamily="49" charset="0"/>
+                <a:cs typeface="Courier New" panose="02070309020205020404" pitchFamily="49" charset="0"/>
+              </a:rPr>
+              <a:t>: </a:t>
+            </a:r>
+            <a:r>
+              <a:rPr lang="nl-NL" sz="1400" kern="0" dirty="0" err="1" smtClean="0">
+                <a:latin typeface="Courier New" panose="02070309020205020404" pitchFamily="49" charset="0"/>
+                <a:cs typeface="Courier New" panose="02070309020205020404" pitchFamily="49" charset="0"/>
+              </a:rPr>
+              <a:t>how</a:t>
+            </a:r>
+            <a:r>
+              <a:rPr lang="nl-NL" sz="1400" kern="0" dirty="0" smtClean="0">
+                <a:latin typeface="Courier New" panose="02070309020205020404" pitchFamily="49" charset="0"/>
+                <a:cs typeface="Courier New" panose="02070309020205020404" pitchFamily="49" charset="0"/>
+              </a:rPr>
               <a:t> </a:t>
             </a:r>
             <a:r>
@@ -21061,29 +21376,152 @@
                 <a:latin typeface="Courier New" panose="02070309020205020404" pitchFamily="49" charset="0"/>
                 <a:cs typeface="Courier New" panose="02070309020205020404" pitchFamily="49" charset="0"/>
               </a:rPr>
-              <a:t>for</a:t>
+              <a:t>to</a:t>
             </a:r>
             <a:r>
               <a:rPr lang="nl-NL" sz="1400" kern="0" dirty="0" smtClean="0">
                 <a:latin typeface="Courier New" panose="02070309020205020404" pitchFamily="49" charset="0"/>
                 <a:cs typeface="Courier New" panose="02070309020205020404" pitchFamily="49" charset="0"/>
               </a:rPr>
-              <a:t> Baarsjesweg 180III, </a:t>
+              <a:t> get </a:t>
+            </a:r>
+            <a:r>
+              <a:rPr lang="nl-NL" sz="1400" kern="0" smtClean="0">
+                <a:latin typeface="Courier New" panose="02070309020205020404" pitchFamily="49" charset="0"/>
+                <a:cs typeface="Courier New" panose="02070309020205020404" pitchFamily="49" charset="0"/>
+              </a:rPr>
+              <a:t>this vale is </a:t>
             </a:r>
             <a:r>
               <a:rPr lang="nl-NL" sz="1400" kern="0" dirty="0" err="1" smtClean="0">
                 <a:latin typeface="Courier New" panose="02070309020205020404" pitchFamily="49" charset="0"/>
                 <a:cs typeface="Courier New" panose="02070309020205020404" pitchFamily="49" charset="0"/>
               </a:rPr>
-              <a:t>sold</a:t>
+              <a:t>not</a:t>
             </a:r>
             <a:r>
               <a:rPr lang="nl-NL" sz="1400" kern="0" dirty="0" smtClean="0">
                 <a:latin typeface="Courier New" panose="02070309020205020404" pitchFamily="49" charset="0"/>
                 <a:cs typeface="Courier New" panose="02070309020205020404" pitchFamily="49" charset="0"/>
               </a:rPr>
-              <a:t> on 10-12-2015?</a:t>
-            </a:r>
+              <a:t> in the </a:t>
+            </a:r>
+            <a:r>
+              <a:rPr lang="nl-NL" sz="1400" kern="0" dirty="0" err="1" smtClean="0">
+                <a:latin typeface="Courier New" panose="02070309020205020404" pitchFamily="49" charset="0"/>
+                <a:cs typeface="Courier New" panose="02070309020205020404" pitchFamily="49" charset="0"/>
+              </a:rPr>
+              <a:t>example</a:t>
+            </a:r>
+            <a:r>
+              <a:rPr lang="nl-NL" sz="1400" kern="0" dirty="0" smtClean="0">
+                <a:latin typeface="Courier New" panose="02070309020205020404" pitchFamily="49" charset="0"/>
+                <a:cs typeface="Courier New" panose="02070309020205020404" pitchFamily="49" charset="0"/>
+              </a:rPr>
+              <a:t> Notebook, but </a:t>
+            </a:r>
+            <a:r>
+              <a:rPr lang="nl-NL" sz="1400" kern="0" dirty="0" err="1" smtClean="0">
+                <a:latin typeface="Courier New" panose="02070309020205020404" pitchFamily="49" charset="0"/>
+                <a:cs typeface="Courier New" panose="02070309020205020404" pitchFamily="49" charset="0"/>
+              </a:rPr>
+              <a:t>perhaps</a:t>
+            </a:r>
+            <a:r>
+              <a:rPr lang="nl-NL" sz="1400" kern="0" dirty="0" smtClean="0">
+                <a:latin typeface="Courier New" panose="02070309020205020404" pitchFamily="49" charset="0"/>
+                <a:cs typeface="Courier New" panose="02070309020205020404" pitchFamily="49" charset="0"/>
+              </a:rPr>
+              <a:t> </a:t>
+            </a:r>
+            <a:r>
+              <a:rPr lang="nl-NL" sz="1400" kern="0" dirty="0" err="1" smtClean="0">
+                <a:latin typeface="Courier New" panose="02070309020205020404" pitchFamily="49" charset="0"/>
+                <a:cs typeface="Courier New" panose="02070309020205020404" pitchFamily="49" charset="0"/>
+              </a:rPr>
+              <a:t>you</a:t>
+            </a:r>
+            <a:r>
+              <a:rPr lang="nl-NL" sz="1400" kern="0" dirty="0" smtClean="0">
+                <a:latin typeface="Courier New" panose="02070309020205020404" pitchFamily="49" charset="0"/>
+                <a:cs typeface="Courier New" panose="02070309020205020404" pitchFamily="49" charset="0"/>
+              </a:rPr>
+              <a:t> </a:t>
+            </a:r>
+            <a:r>
+              <a:rPr lang="nl-NL" sz="1400" kern="0" dirty="0" err="1" smtClean="0">
+                <a:latin typeface="Courier New" panose="02070309020205020404" pitchFamily="49" charset="0"/>
+                <a:cs typeface="Courier New" panose="02070309020205020404" pitchFamily="49" charset="0"/>
+              </a:rPr>
+              <a:t>can</a:t>
+            </a:r>
+            <a:r>
+              <a:rPr lang="nl-NL" sz="1400" kern="0" dirty="0" smtClean="0">
+                <a:latin typeface="Courier New" panose="02070309020205020404" pitchFamily="49" charset="0"/>
+                <a:cs typeface="Courier New" panose="02070309020205020404" pitchFamily="49" charset="0"/>
+              </a:rPr>
+              <a:t> </a:t>
+            </a:r>
+            <a:r>
+              <a:rPr lang="nl-NL" sz="1400" kern="0" dirty="0" err="1" smtClean="0">
+                <a:latin typeface="Courier New" panose="02070309020205020404" pitchFamily="49" charset="0"/>
+                <a:cs typeface="Courier New" panose="02070309020205020404" pitchFamily="49" charset="0"/>
+              </a:rPr>
+              <a:t>figure</a:t>
+            </a:r>
+            <a:r>
+              <a:rPr lang="nl-NL" sz="1400" kern="0" dirty="0" smtClean="0">
+                <a:latin typeface="Courier New" panose="02070309020205020404" pitchFamily="49" charset="0"/>
+                <a:cs typeface="Courier New" panose="02070309020205020404" pitchFamily="49" charset="0"/>
+              </a:rPr>
+              <a:t> out </a:t>
+            </a:r>
+            <a:r>
+              <a:rPr lang="nl-NL" sz="1400" kern="0" dirty="0" err="1" smtClean="0">
+                <a:latin typeface="Courier New" panose="02070309020205020404" pitchFamily="49" charset="0"/>
+                <a:cs typeface="Courier New" panose="02070309020205020404" pitchFamily="49" charset="0"/>
+              </a:rPr>
+              <a:t>how</a:t>
+            </a:r>
+            <a:r>
+              <a:rPr lang="nl-NL" sz="1400" kern="0" dirty="0" smtClean="0">
+                <a:latin typeface="Courier New" panose="02070309020205020404" pitchFamily="49" charset="0"/>
+                <a:cs typeface="Courier New" panose="02070309020205020404" pitchFamily="49" charset="0"/>
+              </a:rPr>
+              <a:t> </a:t>
+            </a:r>
+            <a:r>
+              <a:rPr lang="nl-NL" sz="1400" kern="0" dirty="0" err="1" smtClean="0">
+                <a:latin typeface="Courier New" panose="02070309020205020404" pitchFamily="49" charset="0"/>
+                <a:cs typeface="Courier New" panose="02070309020205020404" pitchFamily="49" charset="0"/>
+              </a:rPr>
+              <a:t>to</a:t>
+            </a:r>
+            <a:r>
+              <a:rPr lang="nl-NL" sz="1400" kern="0" dirty="0" smtClean="0">
+                <a:latin typeface="Courier New" panose="02070309020205020404" pitchFamily="49" charset="0"/>
+                <a:cs typeface="Courier New" panose="02070309020205020404" pitchFamily="49" charset="0"/>
+              </a:rPr>
+              <a:t> </a:t>
+            </a:r>
+            <a:r>
+              <a:rPr lang="nl-NL" sz="1400" kern="0" dirty="0" err="1" smtClean="0">
+                <a:latin typeface="Courier New" panose="02070309020205020404" pitchFamily="49" charset="0"/>
+                <a:cs typeface="Courier New" panose="02070309020205020404" pitchFamily="49" charset="0"/>
+              </a:rPr>
+              <a:t>retrieve</a:t>
+            </a:r>
+            <a:r>
+              <a:rPr lang="nl-NL" sz="1400" kern="0" dirty="0" smtClean="0">
+                <a:latin typeface="Courier New" panose="02070309020205020404" pitchFamily="49" charset="0"/>
+                <a:cs typeface="Courier New" panose="02070309020205020404" pitchFamily="49" charset="0"/>
+              </a:rPr>
+              <a:t> it.</a:t>
+            </a:r>
+            <a:endParaRPr lang="nl-NL" sz="1400" kern="0" dirty="0" smtClean="0">
+              <a:latin typeface="Courier New" panose="02070309020205020404" pitchFamily="49" charset="0"/>
+              <a:cs typeface="Courier New" panose="02070309020205020404" pitchFamily="49" charset="0"/>
+            </a:endParaRPr>
           </a:p>
           <a:p>
             <a:pPr marL="0" indent="0">
@@ -21971,10 +22409,6 @@
               </a:rPr>
               <a:t>)</a:t>
             </a:r>
-            <a:endParaRPr lang="nl-NL" sz="2400" dirty="0" smtClean="0">
-              <a:latin typeface="+mj-lt"/>
-              <a:cs typeface="Courier New" panose="02070309020205020404" pitchFamily="49" charset="0"/>
-            </a:endParaRPr>
           </a:p>
           <a:p>
             <a:endParaRPr lang="nl-NL" sz="2400" dirty="0">
@@ -22375,7 +22809,6 @@
               <a:rPr lang="nl-NL" sz="1800" dirty="0"/>
               <a:t>)</a:t>
             </a:r>
-            <a:endParaRPr lang="nl-NL" sz="1800" dirty="0"/>
           </a:p>
         </p:txBody>
       </p:sp>

--- a/slides/ddl-w5l1.pptx
+++ b/slides/ddl-w5l1.pptx
@@ -316,7 +316,7 @@
             <a:fld id="{373F1B60-BDF4-4D63-AD79-99D5A5B1DF99}" type="datetime1">
               <a:rPr lang="en-US"/>
               <a:pPr/>
-              <a:t>12/9/2018</a:t>
+              <a:t>12/10/2018</a:t>
             </a:fld>
             <a:endParaRPr lang="en-US"/>
           </a:p>
@@ -535,7 +535,7 @@
             <a:fld id="{4387A7AA-DFE9-4771-BEDE-3294FCEBFB02}" type="datetime1">
               <a:rPr lang="en-US"/>
               <a:pPr/>
-              <a:t>12/9/2018</a:t>
+              <a:t>12/10/2018</a:t>
             </a:fld>
             <a:endParaRPr lang="en-US"/>
           </a:p>
@@ -926,7 +926,7 @@
             <a:fld id="{8541E2CD-DBF4-40F9-B6F8-EEFD0DF8A138}" type="datetime1">
               <a:rPr lang="en-US"/>
               <a:pPr/>
-              <a:t>12/9/2018</a:t>
+              <a:t>12/10/2018</a:t>
             </a:fld>
             <a:endParaRPr lang="en-US"/>
           </a:p>
@@ -1141,7 +1141,7 @@
             <a:fld id="{93F21019-3A00-48AC-9663-40DF67A83229}" type="datetime1">
               <a:rPr lang="en-US"/>
               <a:pPr/>
-              <a:t>12/9/2018</a:t>
+              <a:t>12/10/2018</a:t>
             </a:fld>
             <a:endParaRPr lang="en-US">
               <a:solidFill>
@@ -1327,7 +1327,7 @@
             <a:fld id="{8B2EF9C8-0AC3-4A53-9A61-1834A571F420}" type="datetime1">
               <a:rPr lang="en-US"/>
               <a:pPr/>
-              <a:t>12/9/2018</a:t>
+              <a:t>12/10/2018</a:t>
             </a:fld>
             <a:endParaRPr lang="en-US" sz="1400">
               <a:solidFill>
@@ -1524,7 +1524,7 @@
             <a:fld id="{F02960F3-A385-4905-A491-FDC17E063DD1}" type="datetime1">
               <a:rPr lang="en-US"/>
               <a:pPr/>
-              <a:t>12/9/2018</a:t>
+              <a:t>12/10/2018</a:t>
             </a:fld>
             <a:endParaRPr lang="en-US" sz="1400">
               <a:solidFill>
@@ -1783,7 +1783,7 @@
             <a:fld id="{CD3AD70A-8E2A-47B5-AC18-ABBB5A8E737D}" type="datetime1">
               <a:rPr lang="en-US"/>
               <a:pPr/>
-              <a:t>12/9/2018</a:t>
+              <a:t>12/10/2018</a:t>
             </a:fld>
             <a:endParaRPr lang="en-US" sz="1400">
               <a:solidFill>
@@ -2019,7 +2019,7 @@
             <a:fld id="{07008C2E-9BD6-496B-BFC3-B4A975EBC85E}" type="datetime1">
               <a:rPr lang="en-US"/>
               <a:pPr/>
-              <a:t>12/9/2018</a:t>
+              <a:t>12/10/2018</a:t>
             </a:fld>
             <a:endParaRPr lang="en-US" sz="1400">
               <a:solidFill>
@@ -2198,7 +2198,7 @@
             <a:fld id="{1AA2C3CF-866C-4FDE-B76D-4E9536901630}" type="datetime1">
               <a:rPr lang="en-US"/>
               <a:pPr/>
-              <a:t>12/9/2018</a:t>
+              <a:t>12/10/2018</a:t>
             </a:fld>
             <a:endParaRPr lang="en-US" sz="1400">
               <a:solidFill>
@@ -2377,7 +2377,7 @@
             <a:fld id="{555EE259-FE08-4558-B721-B189FFE77284}" type="datetime1">
               <a:rPr lang="en-US"/>
               <a:pPr/>
-              <a:t>12/9/2018</a:t>
+              <a:t>12/10/2018</a:t>
             </a:fld>
             <a:endParaRPr lang="en-US" sz="1400">
               <a:solidFill>
@@ -2646,7 +2646,7 @@
             <a:fld id="{0AF4064E-5624-49AB-B7C6-E301A8F6B1FF}" type="datetime1">
               <a:rPr lang="en-US"/>
               <a:pPr/>
-              <a:t>12/9/2018</a:t>
+              <a:t>12/10/2018</a:t>
             </a:fld>
             <a:endParaRPr lang="en-US" sz="1400">
               <a:solidFill>
@@ -2843,7 +2843,7 @@
             <a:fld id="{CBC97FCD-6C54-4833-B032-BFBCDFA8379D}" type="datetime1">
               <a:rPr lang="en-US"/>
               <a:pPr/>
-              <a:t>12/9/2018</a:t>
+              <a:t>12/10/2018</a:t>
             </a:fld>
             <a:endParaRPr lang="en-US" sz="1400">
               <a:solidFill>
@@ -3052,7 +3052,7 @@
             <a:fld id="{F04AA577-515A-431F-98B6-3B03494ABB11}" type="datetime1">
               <a:rPr lang="en-US"/>
               <a:pPr/>
-              <a:t>12/9/2018</a:t>
+              <a:t>12/10/2018</a:t>
             </a:fld>
             <a:endParaRPr lang="en-US" sz="1400">
               <a:solidFill>
@@ -3357,7 +3357,7 @@
             <a:fld id="{6475F1A4-C474-4345-A800-2F40B0E4E70C}" type="datetime1">
               <a:rPr lang="en-US"/>
               <a:pPr/>
-              <a:t>12/9/2018</a:t>
+              <a:t>12/10/2018</a:t>
             </a:fld>
             <a:endParaRPr lang="en-US" sz="1400">
               <a:solidFill>
@@ -3801,7 +3801,7 @@
             <a:fld id="{7BA535AB-820E-4207-9DA8-5F37106C7AF4}" type="datetime1">
               <a:rPr lang="en-US"/>
               <a:pPr/>
-              <a:t>12/9/2018</a:t>
+              <a:t>12/10/2018</a:t>
             </a:fld>
             <a:endParaRPr lang="en-US" sz="1400">
               <a:solidFill>
@@ -3936,7 +3936,7 @@
             <a:fld id="{0A7E69FA-D7EE-42C0-9117-1971B541885F}" type="datetime1">
               <a:rPr lang="en-US"/>
               <a:pPr/>
-              <a:t>12/9/2018</a:t>
+              <a:t>12/10/2018</a:t>
             </a:fld>
             <a:endParaRPr lang="en-US" sz="1400">
               <a:solidFill>
@@ -4048,7 +4048,7 @@
             <a:fld id="{10D7644E-1B5D-4325-BA79-338DF2B89B56}" type="datetime1">
               <a:rPr lang="en-US"/>
               <a:pPr/>
-              <a:t>12/9/2018</a:t>
+              <a:t>12/10/2018</a:t>
             </a:fld>
             <a:endParaRPr lang="en-US" sz="1400">
               <a:solidFill>
@@ -4342,7 +4342,7 @@
             <a:fld id="{B790C882-0B74-4932-8998-E9ABB8AF1740}" type="datetime1">
               <a:rPr lang="en-US"/>
               <a:pPr/>
-              <a:t>12/9/2018</a:t>
+              <a:t>12/10/2018</a:t>
             </a:fld>
             <a:endParaRPr lang="en-US" sz="1400">
               <a:solidFill>
@@ -4612,7 +4612,7 @@
             <a:fld id="{9DC585DC-AE7D-44C1-90AB-C3A391DEA065}" type="datetime1">
               <a:rPr lang="en-US"/>
               <a:pPr/>
-              <a:t>12/9/2018</a:t>
+              <a:t>12/10/2018</a:t>
             </a:fld>
             <a:endParaRPr lang="en-US" sz="1400">
               <a:solidFill>
@@ -4876,7 +4876,7 @@
             <a:fld id="{256CE565-1940-4E5F-9190-C0815CEAAA9D}" type="datetime1">
               <a:rPr lang="en-US"/>
               <a:pPr/>
-              <a:t>12/9/2018</a:t>
+              <a:t>12/10/2018</a:t>
             </a:fld>
             <a:endParaRPr lang="en-US"/>
           </a:p>
@@ -14028,11 +14028,7 @@
             </a:r>
             <a:r>
               <a:rPr lang="nl-NL" sz="2400" dirty="0" smtClean="0"/>
-              <a:t> a lot</a:t>
-            </a:r>
-            <a:r>
-              <a:rPr lang="nl-NL" sz="2400" dirty="0" smtClean="0"/>
-              <a:t>. </a:t>
+              <a:t> a lot. </a:t>
             </a:r>
             <a:r>
               <a:rPr lang="nl-NL" sz="2400" dirty="0" err="1" smtClean="0"/>
@@ -15004,27 +15000,62 @@
                 <a:latin typeface="Courier New" panose="02070309020205020404" pitchFamily="49" charset="0"/>
                 <a:cs typeface="Courier New" panose="02070309020205020404" pitchFamily="49" charset="0"/>
               </a:rPr>
-              <a:t> pre-processing </a:t>
+              <a:t> pre-processing (</a:t>
+            </a:r>
+            <a:r>
+              <a:rPr lang="nl-NL" sz="1400" kern="0" dirty="0" err="1" smtClean="0">
+                <a:latin typeface="Courier New" panose="02070309020205020404" pitchFamily="49" charset="0"/>
+                <a:cs typeface="Courier New" panose="02070309020205020404" pitchFamily="49" charset="0"/>
+              </a:rPr>
+              <a:t>some</a:t>
             </a:r>
             <a:r>
               <a:rPr lang="nl-NL" sz="1400" kern="0" dirty="0" smtClean="0">
                 <a:latin typeface="Courier New" panose="02070309020205020404" pitchFamily="49" charset="0"/>
                 <a:cs typeface="Courier New" panose="02070309020205020404" pitchFamily="49" charset="0"/>
               </a:rPr>
-              <a:t>(</a:t>
+              <a:t> </a:t>
             </a:r>
             <a:r>
               <a:rPr lang="nl-NL" sz="1400" kern="0" dirty="0" err="1" smtClean="0">
                 <a:latin typeface="Courier New" panose="02070309020205020404" pitchFamily="49" charset="0"/>
                 <a:cs typeface="Courier New" panose="02070309020205020404" pitchFamily="49" charset="0"/>
               </a:rPr>
-              <a:t>some</a:t>
+              <a:t>values</a:t>
             </a:r>
             <a:r>
               <a:rPr lang="nl-NL" sz="1400" kern="0" dirty="0" smtClean="0">
                 <a:latin typeface="Courier New" panose="02070309020205020404" pitchFamily="49" charset="0"/>
                 <a:cs typeface="Courier New" panose="02070309020205020404" pitchFamily="49" charset="0"/>
               </a:rPr>
+              <a:t> are </a:t>
+            </a:r>
+            <a:r>
+              <a:rPr lang="nl-NL" sz="1400" kern="0" dirty="0" err="1" smtClean="0">
+                <a:latin typeface="Courier New" panose="02070309020205020404" pitchFamily="49" charset="0"/>
+                <a:cs typeface="Courier New" panose="02070309020205020404" pitchFamily="49" charset="0"/>
+              </a:rPr>
+              <a:t>implausible</a:t>
+            </a:r>
+            <a:r>
+              <a:rPr lang="nl-NL" sz="1400" kern="0" dirty="0" smtClean="0">
+                <a:latin typeface="Courier New" panose="02070309020205020404" pitchFamily="49" charset="0"/>
+                <a:cs typeface="Courier New" panose="02070309020205020404" pitchFamily="49" charset="0"/>
+              </a:rPr>
+              <a:t>). </a:t>
+            </a:r>
+            <a:r>
+              <a:rPr lang="nl-NL" sz="1400" kern="0" dirty="0" err="1" smtClean="0">
+                <a:latin typeface="Courier New" panose="02070309020205020404" pitchFamily="49" charset="0"/>
+                <a:cs typeface="Courier New" panose="02070309020205020404" pitchFamily="49" charset="0"/>
+              </a:rPr>
+              <a:t>Rather</a:t>
+            </a:r>
+            <a:r>
+              <a:rPr lang="nl-NL" sz="1400" kern="0" dirty="0" smtClean="0">
+                <a:latin typeface="Courier New" panose="02070309020205020404" pitchFamily="49" charset="0"/>
+                <a:cs typeface="Courier New" panose="02070309020205020404" pitchFamily="49" charset="0"/>
+              </a:rPr>
               <a:t> </a:t>
             </a:r>
             <a:r>
@@ -15032,34 +15063,195 @@
                 <a:latin typeface="Courier New" panose="02070309020205020404" pitchFamily="49" charset="0"/>
                 <a:cs typeface="Courier New" panose="02070309020205020404" pitchFamily="49" charset="0"/>
               </a:rPr>
-              <a:t>values</a:t>
+              <a:t>than</a:t>
             </a:r>
             <a:r>
               <a:rPr lang="nl-NL" sz="1400" kern="0" dirty="0" smtClean="0">
                 <a:latin typeface="Courier New" panose="02070309020205020404" pitchFamily="49" charset="0"/>
                 <a:cs typeface="Courier New" panose="02070309020205020404" pitchFamily="49" charset="0"/>
               </a:rPr>
-              <a:t> are </a:t>
+              <a:t> </a:t>
             </a:r>
             <a:r>
               <a:rPr lang="nl-NL" sz="1400" kern="0" dirty="0" err="1" smtClean="0">
                 <a:latin typeface="Courier New" panose="02070309020205020404" pitchFamily="49" charset="0"/>
                 <a:cs typeface="Courier New" panose="02070309020205020404" pitchFamily="49" charset="0"/>
               </a:rPr>
-              <a:t>implausible</a:t>
+              <a:t>replacing</a:t>
             </a:r>
             <a:r>
               <a:rPr lang="nl-NL" sz="1400" kern="0" dirty="0" smtClean="0">
                 <a:latin typeface="Courier New" panose="02070309020205020404" pitchFamily="49" charset="0"/>
                 <a:cs typeface="Courier New" panose="02070309020205020404" pitchFamily="49" charset="0"/>
               </a:rPr>
-              <a:t>)</a:t>
+              <a:t> </a:t>
+            </a:r>
+            <a:r>
+              <a:rPr lang="nl-NL" sz="1400" kern="0" dirty="0" err="1" smtClean="0">
+                <a:latin typeface="Courier New" panose="02070309020205020404" pitchFamily="49" charset="0"/>
+                <a:cs typeface="Courier New" panose="02070309020205020404" pitchFamily="49" charset="0"/>
+              </a:rPr>
+              <a:t>them</a:t>
             </a:r>
             <a:r>
               <a:rPr lang="nl-NL" sz="1400" kern="0" dirty="0" smtClean="0">
                 <a:latin typeface="Courier New" panose="02070309020205020404" pitchFamily="49" charset="0"/>
                 <a:cs typeface="Courier New" panose="02070309020205020404" pitchFamily="49" charset="0"/>
               </a:rPr>
+              <a:t> </a:t>
+            </a:r>
+            <a:r>
+              <a:rPr lang="nl-NL" sz="1400" kern="0" dirty="0" err="1" smtClean="0">
+                <a:latin typeface="Courier New" panose="02070309020205020404" pitchFamily="49" charset="0"/>
+                <a:cs typeface="Courier New" panose="02070309020205020404" pitchFamily="49" charset="0"/>
+              </a:rPr>
+              <a:t>with</a:t>
+            </a:r>
+            <a:r>
+              <a:rPr lang="nl-NL" sz="1400" kern="0" dirty="0" smtClean="0">
+                <a:latin typeface="Courier New" panose="02070309020205020404" pitchFamily="49" charset="0"/>
+                <a:cs typeface="Courier New" panose="02070309020205020404" pitchFamily="49" charset="0"/>
+              </a:rPr>
+              <a:t> </a:t>
+            </a:r>
+            <a:r>
+              <a:rPr lang="nl-NL" sz="1400" kern="0" dirty="0" err="1" smtClean="0">
+                <a:latin typeface="Courier New" panose="02070309020205020404" pitchFamily="49" charset="0"/>
+                <a:cs typeface="Courier New" panose="02070309020205020404" pitchFamily="49" charset="0"/>
+              </a:rPr>
+              <a:t>NaN</a:t>
+            </a:r>
+            <a:r>
+              <a:rPr lang="nl-NL" sz="1400" kern="0" dirty="0" smtClean="0">
+                <a:latin typeface="Courier New" panose="02070309020205020404" pitchFamily="49" charset="0"/>
+                <a:cs typeface="Courier New" panose="02070309020205020404" pitchFamily="49" charset="0"/>
+              </a:rPr>
+              <a:t> (like in the </a:t>
+            </a:r>
+            <a:r>
+              <a:rPr lang="nl-NL" sz="1400" kern="0" dirty="0" err="1" smtClean="0">
+                <a:latin typeface="Courier New" panose="02070309020205020404" pitchFamily="49" charset="0"/>
+                <a:cs typeface="Courier New" panose="02070309020205020404" pitchFamily="49" charset="0"/>
+              </a:rPr>
+              <a:t>Fitbit</a:t>
+            </a:r>
+            <a:r>
+              <a:rPr lang="nl-NL" sz="1400" kern="0" dirty="0" smtClean="0">
+                <a:latin typeface="Courier New" panose="02070309020205020404" pitchFamily="49" charset="0"/>
+                <a:cs typeface="Courier New" panose="02070309020205020404" pitchFamily="49" charset="0"/>
+              </a:rPr>
+              <a:t> </a:t>
+            </a:r>
+            <a:r>
+              <a:rPr lang="nl-NL" sz="1400" kern="0" dirty="0" err="1" smtClean="0">
+                <a:latin typeface="Courier New" panose="02070309020205020404" pitchFamily="49" charset="0"/>
+                <a:cs typeface="Courier New" panose="02070309020205020404" pitchFamily="49" charset="0"/>
+              </a:rPr>
+              <a:t>example</a:t>
+            </a:r>
+            <a:r>
+              <a:rPr lang="nl-NL" sz="1400" kern="0" dirty="0" smtClean="0">
+                <a:latin typeface="Courier New" panose="02070309020205020404" pitchFamily="49" charset="0"/>
+                <a:cs typeface="Courier New" panose="02070309020205020404" pitchFamily="49" charset="0"/>
+              </a:rPr>
+              <a:t>), </a:t>
+            </a:r>
+            <a:r>
+              <a:rPr lang="nl-NL" sz="1400" kern="0" dirty="0" err="1" smtClean="0">
+                <a:latin typeface="Courier New" panose="02070309020205020404" pitchFamily="49" charset="0"/>
+                <a:cs typeface="Courier New" panose="02070309020205020404" pitchFamily="49" charset="0"/>
+              </a:rPr>
+              <a:t>it</a:t>
+            </a:r>
+            <a:r>
+              <a:rPr lang="nl-NL" sz="1400" kern="0" dirty="0" smtClean="0">
+                <a:latin typeface="Courier New" panose="02070309020205020404" pitchFamily="49" charset="0"/>
+                <a:cs typeface="Courier New" panose="02070309020205020404" pitchFamily="49" charset="0"/>
+              </a:rPr>
+              <a:t> </a:t>
+            </a:r>
+            <a:r>
+              <a:rPr lang="nl-NL" sz="1400" kern="0" dirty="0" err="1" smtClean="0">
+                <a:latin typeface="Courier New" panose="02070309020205020404" pitchFamily="49" charset="0"/>
+                <a:cs typeface="Courier New" panose="02070309020205020404" pitchFamily="49" charset="0"/>
+              </a:rPr>
+              <a:t>seems</a:t>
+            </a:r>
+            <a:r>
+              <a:rPr lang="nl-NL" sz="1400" kern="0" dirty="0" smtClean="0">
+                <a:latin typeface="Courier New" panose="02070309020205020404" pitchFamily="49" charset="0"/>
+                <a:cs typeface="Courier New" panose="02070309020205020404" pitchFamily="49" charset="0"/>
+              </a:rPr>
+              <a:t> </a:t>
+            </a:r>
+            <a:r>
+              <a:rPr lang="nl-NL" sz="1400" kern="0" dirty="0" err="1" smtClean="0">
+                <a:latin typeface="Courier New" panose="02070309020205020404" pitchFamily="49" charset="0"/>
+                <a:cs typeface="Courier New" panose="02070309020205020404" pitchFamily="49" charset="0"/>
+              </a:rPr>
+              <a:t>better</a:t>
+            </a:r>
+            <a:r>
+              <a:rPr lang="nl-NL" sz="1400" kern="0" dirty="0" smtClean="0">
+                <a:latin typeface="Courier New" panose="02070309020205020404" pitchFamily="49" charset="0"/>
+                <a:cs typeface="Courier New" panose="02070309020205020404" pitchFamily="49" charset="0"/>
+              </a:rPr>
+              <a:t> </a:t>
+            </a:r>
+            <a:r>
+              <a:rPr lang="nl-NL" sz="1400" kern="0" dirty="0" err="1" smtClean="0">
+                <a:latin typeface="Courier New" panose="02070309020205020404" pitchFamily="49" charset="0"/>
+                <a:cs typeface="Courier New" panose="02070309020205020404" pitchFamily="49" charset="0"/>
+              </a:rPr>
+              <a:t>to</a:t>
+            </a:r>
+            <a:r>
+              <a:rPr lang="nl-NL" sz="1400" kern="0" dirty="0" smtClean="0">
+                <a:latin typeface="Courier New" panose="02070309020205020404" pitchFamily="49" charset="0"/>
+                <a:cs typeface="Courier New" panose="02070309020205020404" pitchFamily="49" charset="0"/>
+              </a:rPr>
+              <a:t> </a:t>
+            </a:r>
+            <a:r>
+              <a:rPr lang="nl-NL" sz="1400" kern="0" dirty="0" err="1" smtClean="0">
+                <a:latin typeface="Courier New" panose="02070309020205020404" pitchFamily="49" charset="0"/>
+                <a:cs typeface="Courier New" panose="02070309020205020404" pitchFamily="49" charset="0"/>
+              </a:rPr>
+              <a:t>remove</a:t>
+            </a:r>
+            <a:r>
+              <a:rPr lang="nl-NL" sz="1400" kern="0" dirty="0" smtClean="0">
+                <a:latin typeface="Courier New" panose="02070309020205020404" pitchFamily="49" charset="0"/>
+                <a:cs typeface="Courier New" panose="02070309020205020404" pitchFamily="49" charset="0"/>
+              </a:rPr>
+              <a:t> these </a:t>
+            </a:r>
+            <a:r>
+              <a:rPr lang="nl-NL" sz="1400" kern="0" dirty="0" err="1" smtClean="0">
+                <a:latin typeface="Courier New" panose="02070309020205020404" pitchFamily="49" charset="0"/>
+                <a:cs typeface="Courier New" panose="02070309020205020404" pitchFamily="49" charset="0"/>
+              </a:rPr>
+              <a:t>rows</a:t>
+            </a:r>
+            <a:r>
+              <a:rPr lang="nl-NL" sz="1400" kern="0" dirty="0" smtClean="0">
+                <a:latin typeface="Courier New" panose="02070309020205020404" pitchFamily="49" charset="0"/>
+                <a:cs typeface="Courier New" panose="02070309020205020404" pitchFamily="49" charset="0"/>
+              </a:rPr>
+              <a:t> </a:t>
+            </a:r>
+            <a:r>
+              <a:rPr lang="nl-NL" sz="1400" kern="0" dirty="0" err="1" smtClean="0">
+                <a:latin typeface="Courier New" panose="02070309020205020404" pitchFamily="49" charset="0"/>
+                <a:cs typeface="Courier New" panose="02070309020205020404" pitchFamily="49" charset="0"/>
+              </a:rPr>
+              <a:t>completely</a:t>
+            </a:r>
+            <a:r>
+              <a:rPr lang="nl-NL" sz="1400" kern="0" dirty="0" smtClean="0">
+                <a:latin typeface="Courier New" panose="02070309020205020404" pitchFamily="49" charset="0"/>
+                <a:cs typeface="Courier New" panose="02070309020205020404" pitchFamily="49" charset="0"/>
+              </a:rPr>
               <a:t>. </a:t>
             </a:r>
             <a:r>
@@ -15067,7 +15259,7 @@
                 <a:latin typeface="Courier New" panose="02070309020205020404" pitchFamily="49" charset="0"/>
                 <a:cs typeface="Courier New" panose="02070309020205020404" pitchFamily="49" charset="0"/>
               </a:rPr>
-              <a:t>Rather</a:t>
+              <a:t>Remember</a:t>
             </a:r>
             <a:r>
               <a:rPr lang="nl-NL" sz="1400" kern="0" dirty="0" smtClean="0">
@@ -15081,7 +15273,7 @@
                 <a:latin typeface="Courier New" panose="02070309020205020404" pitchFamily="49" charset="0"/>
                 <a:cs typeface="Courier New" panose="02070309020205020404" pitchFamily="49" charset="0"/>
               </a:rPr>
-              <a:t>than</a:t>
+              <a:t>how</a:t>
             </a:r>
             <a:r>
               <a:rPr lang="nl-NL" sz="1400" kern="0" dirty="0" smtClean="0">
@@ -15095,236 +15287,15 @@
                 <a:latin typeface="Courier New" panose="02070309020205020404" pitchFamily="49" charset="0"/>
                 <a:cs typeface="Courier New" panose="02070309020205020404" pitchFamily="49" charset="0"/>
               </a:rPr>
-              <a:t>replacing</a:t>
+              <a:t>to</a:t>
             </a:r>
             <a:r>
               <a:rPr lang="nl-NL" sz="1400" kern="0" dirty="0" smtClean="0">
                 <a:latin typeface="Courier New" panose="02070309020205020404" pitchFamily="49" charset="0"/>
                 <a:cs typeface="Courier New" panose="02070309020205020404" pitchFamily="49" charset="0"/>
               </a:rPr>
-              <a:t> </a:t>
-            </a:r>
-            <a:r>
-              <a:rPr lang="nl-NL" sz="1400" kern="0" dirty="0" err="1" smtClean="0">
-                <a:latin typeface="Courier New" panose="02070309020205020404" pitchFamily="49" charset="0"/>
-                <a:cs typeface="Courier New" panose="02070309020205020404" pitchFamily="49" charset="0"/>
-              </a:rPr>
-              <a:t>them</a:t>
-            </a:r>
-            <a:r>
-              <a:rPr lang="nl-NL" sz="1400" kern="0" dirty="0" smtClean="0">
-                <a:latin typeface="Courier New" panose="02070309020205020404" pitchFamily="49" charset="0"/>
-                <a:cs typeface="Courier New" panose="02070309020205020404" pitchFamily="49" charset="0"/>
-              </a:rPr>
-              <a:t> </a:t>
-            </a:r>
-            <a:r>
-              <a:rPr lang="nl-NL" sz="1400" kern="0" dirty="0" err="1" smtClean="0">
-                <a:latin typeface="Courier New" panose="02070309020205020404" pitchFamily="49" charset="0"/>
-                <a:cs typeface="Courier New" panose="02070309020205020404" pitchFamily="49" charset="0"/>
-              </a:rPr>
-              <a:t>with</a:t>
-            </a:r>
-            <a:r>
-              <a:rPr lang="nl-NL" sz="1400" kern="0" dirty="0" smtClean="0">
-                <a:latin typeface="Courier New" panose="02070309020205020404" pitchFamily="49" charset="0"/>
-                <a:cs typeface="Courier New" panose="02070309020205020404" pitchFamily="49" charset="0"/>
-              </a:rPr>
-              <a:t> </a:t>
-            </a:r>
-            <a:r>
-              <a:rPr lang="nl-NL" sz="1400" kern="0" dirty="0" err="1" smtClean="0">
-                <a:latin typeface="Courier New" panose="02070309020205020404" pitchFamily="49" charset="0"/>
-                <a:cs typeface="Courier New" panose="02070309020205020404" pitchFamily="49" charset="0"/>
-              </a:rPr>
-              <a:t>NaN</a:t>
-            </a:r>
-            <a:r>
-              <a:rPr lang="nl-NL" sz="1400" kern="0" dirty="0" smtClean="0">
-                <a:latin typeface="Courier New" panose="02070309020205020404" pitchFamily="49" charset="0"/>
-                <a:cs typeface="Courier New" panose="02070309020205020404" pitchFamily="49" charset="0"/>
-              </a:rPr>
-              <a:t> (like in the </a:t>
-            </a:r>
-            <a:r>
-              <a:rPr lang="nl-NL" sz="1400" kern="0" dirty="0" err="1" smtClean="0">
-                <a:latin typeface="Courier New" panose="02070309020205020404" pitchFamily="49" charset="0"/>
-                <a:cs typeface="Courier New" panose="02070309020205020404" pitchFamily="49" charset="0"/>
-              </a:rPr>
-              <a:t>Fitbit</a:t>
-            </a:r>
-            <a:r>
-              <a:rPr lang="nl-NL" sz="1400" kern="0" dirty="0" smtClean="0">
-                <a:latin typeface="Courier New" panose="02070309020205020404" pitchFamily="49" charset="0"/>
-                <a:cs typeface="Courier New" panose="02070309020205020404" pitchFamily="49" charset="0"/>
-              </a:rPr>
-              <a:t> </a:t>
-            </a:r>
-            <a:r>
-              <a:rPr lang="nl-NL" sz="1400" kern="0" dirty="0" err="1" smtClean="0">
-                <a:latin typeface="Courier New" panose="02070309020205020404" pitchFamily="49" charset="0"/>
-                <a:cs typeface="Courier New" panose="02070309020205020404" pitchFamily="49" charset="0"/>
-              </a:rPr>
-              <a:t>example</a:t>
-            </a:r>
-            <a:r>
-              <a:rPr lang="nl-NL" sz="1400" kern="0" dirty="0" smtClean="0">
-                <a:latin typeface="Courier New" panose="02070309020205020404" pitchFamily="49" charset="0"/>
-                <a:cs typeface="Courier New" panose="02070309020205020404" pitchFamily="49" charset="0"/>
-              </a:rPr>
-              <a:t>), </a:t>
-            </a:r>
-            <a:r>
-              <a:rPr lang="nl-NL" sz="1400" kern="0" dirty="0" err="1" smtClean="0">
-                <a:latin typeface="Courier New" panose="02070309020205020404" pitchFamily="49" charset="0"/>
-                <a:cs typeface="Courier New" panose="02070309020205020404" pitchFamily="49" charset="0"/>
-              </a:rPr>
-              <a:t>it</a:t>
-            </a:r>
-            <a:r>
-              <a:rPr lang="nl-NL" sz="1400" kern="0" dirty="0" smtClean="0">
-                <a:latin typeface="Courier New" panose="02070309020205020404" pitchFamily="49" charset="0"/>
-                <a:cs typeface="Courier New" panose="02070309020205020404" pitchFamily="49" charset="0"/>
-              </a:rPr>
-              <a:t> </a:t>
-            </a:r>
-            <a:r>
-              <a:rPr lang="nl-NL" sz="1400" kern="0" dirty="0" err="1" smtClean="0">
-                <a:latin typeface="Courier New" panose="02070309020205020404" pitchFamily="49" charset="0"/>
-                <a:cs typeface="Courier New" panose="02070309020205020404" pitchFamily="49" charset="0"/>
-              </a:rPr>
-              <a:t>seems</a:t>
-            </a:r>
-            <a:r>
-              <a:rPr lang="nl-NL" sz="1400" kern="0" dirty="0" smtClean="0">
-                <a:latin typeface="Courier New" panose="02070309020205020404" pitchFamily="49" charset="0"/>
-                <a:cs typeface="Courier New" panose="02070309020205020404" pitchFamily="49" charset="0"/>
-              </a:rPr>
-              <a:t> </a:t>
-            </a:r>
-            <a:r>
-              <a:rPr lang="nl-NL" sz="1400" kern="0" dirty="0" err="1" smtClean="0">
-                <a:latin typeface="Courier New" panose="02070309020205020404" pitchFamily="49" charset="0"/>
-                <a:cs typeface="Courier New" panose="02070309020205020404" pitchFamily="49" charset="0"/>
-              </a:rPr>
-              <a:t>better</a:t>
-            </a:r>
-            <a:r>
-              <a:rPr lang="nl-NL" sz="1400" kern="0" dirty="0" smtClean="0">
-                <a:latin typeface="Courier New" panose="02070309020205020404" pitchFamily="49" charset="0"/>
-                <a:cs typeface="Courier New" panose="02070309020205020404" pitchFamily="49" charset="0"/>
-              </a:rPr>
-              <a:t> </a:t>
-            </a:r>
-            <a:r>
-              <a:rPr lang="nl-NL" sz="1400" kern="0" dirty="0" err="1" smtClean="0">
-                <a:latin typeface="Courier New" panose="02070309020205020404" pitchFamily="49" charset="0"/>
-                <a:cs typeface="Courier New" panose="02070309020205020404" pitchFamily="49" charset="0"/>
-              </a:rPr>
-              <a:t>to</a:t>
-            </a:r>
-            <a:r>
-              <a:rPr lang="nl-NL" sz="1400" kern="0" dirty="0" smtClean="0">
-                <a:latin typeface="Courier New" panose="02070309020205020404" pitchFamily="49" charset="0"/>
-                <a:cs typeface="Courier New" panose="02070309020205020404" pitchFamily="49" charset="0"/>
-              </a:rPr>
-              <a:t> </a:t>
-            </a:r>
-            <a:r>
-              <a:rPr lang="nl-NL" sz="1400" kern="0" dirty="0" err="1" smtClean="0">
-                <a:latin typeface="Courier New" panose="02070309020205020404" pitchFamily="49" charset="0"/>
-                <a:cs typeface="Courier New" panose="02070309020205020404" pitchFamily="49" charset="0"/>
-              </a:rPr>
-              <a:t>remove</a:t>
-            </a:r>
-            <a:r>
-              <a:rPr lang="nl-NL" sz="1400" kern="0" dirty="0" smtClean="0">
-                <a:latin typeface="Courier New" panose="02070309020205020404" pitchFamily="49" charset="0"/>
-                <a:cs typeface="Courier New" panose="02070309020205020404" pitchFamily="49" charset="0"/>
-              </a:rPr>
-              <a:t> these </a:t>
-            </a:r>
-            <a:r>
-              <a:rPr lang="nl-NL" sz="1400" kern="0" dirty="0" err="1" smtClean="0">
-                <a:latin typeface="Courier New" panose="02070309020205020404" pitchFamily="49" charset="0"/>
-                <a:cs typeface="Courier New" panose="02070309020205020404" pitchFamily="49" charset="0"/>
-              </a:rPr>
-              <a:t>rows</a:t>
-            </a:r>
-            <a:r>
-              <a:rPr lang="nl-NL" sz="1400" kern="0" dirty="0" smtClean="0">
-                <a:latin typeface="Courier New" panose="02070309020205020404" pitchFamily="49" charset="0"/>
-                <a:cs typeface="Courier New" panose="02070309020205020404" pitchFamily="49" charset="0"/>
-              </a:rPr>
-              <a:t> </a:t>
-            </a:r>
-            <a:r>
-              <a:rPr lang="nl-NL" sz="1400" kern="0" dirty="0" err="1" smtClean="0">
-                <a:latin typeface="Courier New" panose="02070309020205020404" pitchFamily="49" charset="0"/>
-                <a:cs typeface="Courier New" panose="02070309020205020404" pitchFamily="49" charset="0"/>
-              </a:rPr>
-              <a:t>completely</a:t>
-            </a:r>
-            <a:r>
-              <a:rPr lang="nl-NL" sz="1400" kern="0" dirty="0" smtClean="0">
-                <a:latin typeface="Courier New" panose="02070309020205020404" pitchFamily="49" charset="0"/>
-                <a:cs typeface="Courier New" panose="02070309020205020404" pitchFamily="49" charset="0"/>
-              </a:rPr>
-              <a:t>. </a:t>
-            </a:r>
-            <a:r>
-              <a:rPr lang="nl-NL" sz="1400" kern="0" dirty="0" err="1" smtClean="0">
-                <a:latin typeface="Courier New" panose="02070309020205020404" pitchFamily="49" charset="0"/>
-                <a:cs typeface="Courier New" panose="02070309020205020404" pitchFamily="49" charset="0"/>
-              </a:rPr>
-              <a:t>Remember</a:t>
-            </a:r>
-            <a:r>
-              <a:rPr lang="nl-NL" sz="1400" kern="0" dirty="0" smtClean="0">
-                <a:latin typeface="Courier New" panose="02070309020205020404" pitchFamily="49" charset="0"/>
-                <a:cs typeface="Courier New" panose="02070309020205020404" pitchFamily="49" charset="0"/>
-              </a:rPr>
-              <a:t> </a:t>
-            </a:r>
-            <a:r>
-              <a:rPr lang="nl-NL" sz="1400" kern="0" dirty="0" err="1" smtClean="0">
-                <a:latin typeface="Courier New" panose="02070309020205020404" pitchFamily="49" charset="0"/>
-                <a:cs typeface="Courier New" panose="02070309020205020404" pitchFamily="49" charset="0"/>
-              </a:rPr>
-              <a:t>how</a:t>
-            </a:r>
-            <a:r>
-              <a:rPr lang="nl-NL" sz="1400" kern="0" dirty="0" smtClean="0">
-                <a:latin typeface="Courier New" panose="02070309020205020404" pitchFamily="49" charset="0"/>
-                <a:cs typeface="Courier New" panose="02070309020205020404" pitchFamily="49" charset="0"/>
-              </a:rPr>
-              <a:t> </a:t>
-            </a:r>
-            <a:r>
-              <a:rPr lang="nl-NL" sz="1400" kern="0" dirty="0" err="1" smtClean="0">
-                <a:latin typeface="Courier New" panose="02070309020205020404" pitchFamily="49" charset="0"/>
-                <a:cs typeface="Courier New" panose="02070309020205020404" pitchFamily="49" charset="0"/>
-              </a:rPr>
-              <a:t>to</a:t>
-            </a:r>
-            <a:r>
-              <a:rPr lang="nl-NL" sz="1400" kern="0" dirty="0" smtClean="0">
-                <a:latin typeface="Courier New" panose="02070309020205020404" pitchFamily="49" charset="0"/>
-                <a:cs typeface="Courier New" panose="02070309020205020404" pitchFamily="49" charset="0"/>
-              </a:rPr>
-              <a:t> subset a dataframe?</a:t>
-            </a:r>
-            <a:r>
-              <a:rPr lang="nl-NL" sz="1400" kern="0" dirty="0" smtClean="0">
-                <a:latin typeface="Courier New" panose="02070309020205020404" pitchFamily="49" charset="0"/>
-                <a:cs typeface="Courier New" panose="02070309020205020404" pitchFamily="49" charset="0"/>
-              </a:rPr>
-              <a:t> </a:t>
-            </a:r>
-            <a:endParaRPr lang="nl-NL" sz="1400" kern="0" dirty="0" smtClean="0">
-              <a:latin typeface="Courier New" panose="02070309020205020404" pitchFamily="49" charset="0"/>
-              <a:cs typeface="Courier New" panose="02070309020205020404" pitchFamily="49" charset="0"/>
-            </a:endParaRPr>
+              <a:t> subset a dataframe? </a:t>
+            </a:r>
           </a:p>
           <a:p>
             <a:pPr marL="0" indent="0">
@@ -21518,10 +21489,6 @@
               </a:rPr>
               <a:t> it.</a:t>
             </a:r>
-            <a:endParaRPr lang="nl-NL" sz="1400" kern="0" dirty="0" smtClean="0">
-              <a:latin typeface="Courier New" panose="02070309020205020404" pitchFamily="49" charset="0"/>
-              <a:cs typeface="Courier New" panose="02070309020205020404" pitchFamily="49" charset="0"/>
-            </a:endParaRPr>
           </a:p>
           <a:p>
             <a:pPr marL="0" indent="0">
@@ -22130,6 +22097,13 @@
   <p:clrMapOvr>
     <a:masterClrMapping/>
   </p:clrMapOvr>
+  <p:timing>
+    <p:tnLst>
+      <p:par>
+        <p:cTn id="1" dur="indefinite" restart="never" nodeType="tmRoot"/>
+      </p:par>
+    </p:tnLst>
+  </p:timing>
 </p:sld>
 </file>
 
@@ -22504,6 +22478,13 @@
   <p:clrMapOvr>
     <a:masterClrMapping/>
   </p:clrMapOvr>
+  <p:timing>
+    <p:tnLst>
+      <p:par>
+        <p:cTn id="1" dur="indefinite" restart="never" nodeType="tmRoot"/>
+      </p:par>
+    </p:tnLst>
+  </p:timing>
 </p:sld>
 </file>
 
@@ -22846,6 +22827,13 @@
   <p:clrMapOvr>
     <a:masterClrMapping/>
   </p:clrMapOvr>
+  <p:timing>
+    <p:tnLst>
+      <p:par>
+        <p:cTn id="1" dur="indefinite" restart="never" nodeType="tmRoot"/>
+      </p:par>
+    </p:tnLst>
+  </p:timing>
 </p:sld>
 </file>
 
@@ -23148,6 +23136,13 @@
   <p:clrMapOvr>
     <a:masterClrMapping/>
   </p:clrMapOvr>
+  <p:timing>
+    <p:tnLst>
+      <p:par>
+        <p:cTn id="1" dur="indefinite" restart="never" nodeType="tmRoot"/>
+      </p:par>
+    </p:tnLst>
+  </p:timing>
 </p:sld>
 </file>
 

--- a/slides/ddl-w5l1.pptx
+++ b/slides/ddl-w5l1.pptx
@@ -20530,7 +20530,21 @@
                 <a:latin typeface="Courier New" panose="02070309020205020404" pitchFamily="49" charset="0"/>
                 <a:cs typeface="Courier New" panose="02070309020205020404" pitchFamily="49" charset="0"/>
               </a:rPr>
-              <a:t> data set.</a:t>
+              <a:t> data set (or continue in the </a:t>
+            </a:r>
+            <a:r>
+              <a:rPr lang="nl-NL" sz="1400" kern="0" dirty="0" err="1" smtClean="0">
+                <a:latin typeface="Courier New" panose="02070309020205020404" pitchFamily="49" charset="0"/>
+                <a:cs typeface="Courier New" panose="02070309020205020404" pitchFamily="49" charset="0"/>
+              </a:rPr>
+              <a:t>same</a:t>
+            </a:r>
+            <a:r>
+              <a:rPr lang="nl-NL" sz="1400" kern="0" dirty="0" smtClean="0">
+                <a:latin typeface="Courier New" panose="02070309020205020404" pitchFamily="49" charset="0"/>
+                <a:cs typeface="Courier New" panose="02070309020205020404" pitchFamily="49" charset="0"/>
+              </a:rPr>
+              <a:t> Notebook as Ex. 2)</a:t>
             </a:r>
           </a:p>
           <a:p>
@@ -21354,14 +21368,21 @@
                 <a:latin typeface="Courier New" panose="02070309020205020404" pitchFamily="49" charset="0"/>
                 <a:cs typeface="Courier New" panose="02070309020205020404" pitchFamily="49" charset="0"/>
               </a:rPr>
-              <a:t> get </a:t>
-            </a:r>
-            <a:r>
-              <a:rPr lang="nl-NL" sz="1400" kern="0" smtClean="0">
-                <a:latin typeface="Courier New" panose="02070309020205020404" pitchFamily="49" charset="0"/>
-                <a:cs typeface="Courier New" panose="02070309020205020404" pitchFamily="49" charset="0"/>
-              </a:rPr>
-              <a:t>this vale is </a:t>
+              <a:t> get this </a:t>
+            </a:r>
+            <a:r>
+              <a:rPr lang="nl-NL" sz="1400" kern="0" dirty="0" err="1" smtClean="0">
+                <a:latin typeface="Courier New" panose="02070309020205020404" pitchFamily="49" charset="0"/>
+                <a:cs typeface="Courier New" panose="02070309020205020404" pitchFamily="49" charset="0"/>
+              </a:rPr>
+              <a:t>value</a:t>
+            </a:r>
+            <a:r>
+              <a:rPr lang="nl-NL" sz="1400" kern="0" dirty="0" smtClean="0">
+                <a:latin typeface="Courier New" panose="02070309020205020404" pitchFamily="49" charset="0"/>
+                <a:cs typeface="Courier New" panose="02070309020205020404" pitchFamily="49" charset="0"/>
+              </a:rPr>
+              <a:t> is </a:t>
             </a:r>
             <a:r>
               <a:rPr lang="nl-NL" sz="1400" kern="0" dirty="0" err="1" smtClean="0">
@@ -21761,6 +21782,13 @@
   <p:clrMapOvr>
     <a:masterClrMapping/>
   </p:clrMapOvr>
+  <p:timing>
+    <p:tnLst>
+      <p:par>
+        <p:cTn id="1" dur="indefinite" restart="never" nodeType="tmRoot"/>
+      </p:par>
+    </p:tnLst>
+  </p:timing>
 </p:sld>
 </file>
 

--- a/slides/ddl-w5l1.pptx
+++ b/slides/ddl-w5l1.pptx
@@ -16714,8 +16714,13 @@
             </a:r>
             <a:r>
               <a:rPr lang="nl-NL" sz="1800" dirty="0" smtClean="0"/>
-              <a:t> = 4.5M</a:t>
-            </a:r>
+              <a:t> = </a:t>
+            </a:r>
+            <a:r>
+              <a:rPr lang="nl-NL" sz="1800" dirty="0" smtClean="0"/>
+              <a:t>46</a:t>
+            </a:r>
+            <a:endParaRPr lang="nl-NL" sz="1800" dirty="0" smtClean="0"/>
           </a:p>
           <a:p>
             <a:r>
@@ -16744,8 +16749,13 @@
             </a:r>
             <a:r>
               <a:rPr lang="nl-NL" sz="1800" dirty="0" smtClean="0"/>
-              <a:t> = 416.7</a:t>
-            </a:r>
+              <a:t> = </a:t>
+            </a:r>
+            <a:r>
+              <a:rPr lang="nl-NL" sz="1800" dirty="0" smtClean="0"/>
+              <a:t>416.7</a:t>
+            </a:r>
+            <a:endParaRPr lang="nl-NL" sz="1800" dirty="0" smtClean="0"/>
           </a:p>
           <a:p>
             <a:endParaRPr lang="nl-NL" sz="1800" dirty="0" smtClean="0"/>
@@ -17438,7 +17448,7 @@
             <p:ph idx="1"/>
             <p:extLst>
               <p:ext uri="{D42A27DB-BD31-4B8C-83A1-F6EECF244321}">
-                <p14:modId xmlns:p14="http://schemas.microsoft.com/office/powerpoint/2010/main" val="2405728069"/>
+                <p14:modId xmlns:p14="http://schemas.microsoft.com/office/powerpoint/2010/main" val="2330632633"/>
               </p:ext>
             </p:extLst>
           </p:nvPr>
@@ -17707,7 +17717,7 @@
                       <a:pPr algn="r"/>
                       <a:r>
                         <a:rPr lang="nl-NL" sz="1600" dirty="0" smtClean="0"/>
-                        <a:t>4.5M</a:t>
+                        <a:t>46</a:t>
                       </a:r>
                       <a:endParaRPr lang="nl-NL" sz="1600" dirty="0"/>
                     </a:p>
@@ -18274,7 +18284,7 @@
             <p:ph idx="1"/>
             <p:extLst>
               <p:ext uri="{D42A27DB-BD31-4B8C-83A1-F6EECF244321}">
-                <p14:modId xmlns:p14="http://schemas.microsoft.com/office/powerpoint/2010/main" val="3670618583"/>
+                <p14:modId xmlns:p14="http://schemas.microsoft.com/office/powerpoint/2010/main" val="179341772"/>
               </p:ext>
             </p:extLst>
           </p:nvPr>
@@ -18543,7 +18553,7 @@
                       <a:pPr algn="r"/>
                       <a:r>
                         <a:rPr lang="nl-NL" sz="1600" dirty="0" smtClean="0"/>
-                        <a:t>4.5M</a:t>
+                        <a:t>46</a:t>
                       </a:r>
                       <a:endParaRPr lang="nl-NL" sz="1600" dirty="0"/>
                     </a:p>
@@ -18674,7 +18684,7 @@
                       <a:pPr algn="r"/>
                       <a:r>
                         <a:rPr lang="nl-NL" sz="1600" dirty="0" smtClean="0"/>
-                        <a:t>4.5M</a:t>
+                        <a:t>46</a:t>
                       </a:r>
                       <a:endParaRPr lang="nl-NL" sz="1600" dirty="0"/>
                     </a:p>
@@ -19157,7 +19167,7 @@
             <p:ph idx="1"/>
             <p:extLst>
               <p:ext uri="{D42A27DB-BD31-4B8C-83A1-F6EECF244321}">
-                <p14:modId xmlns:p14="http://schemas.microsoft.com/office/powerpoint/2010/main" val="1146140001"/>
+                <p14:modId xmlns:p14="http://schemas.microsoft.com/office/powerpoint/2010/main" val="394185925"/>
               </p:ext>
             </p:extLst>
           </p:nvPr>
@@ -19426,7 +19436,7 @@
                       <a:pPr algn="r"/>
                       <a:r>
                         <a:rPr lang="nl-NL" sz="1600" dirty="0" smtClean="0"/>
-                        <a:t>4.5M</a:t>
+                        <a:t>46</a:t>
                       </a:r>
                       <a:endParaRPr lang="nl-NL" sz="1600" dirty="0"/>
                     </a:p>
@@ -19557,7 +19567,7 @@
                       <a:pPr algn="r"/>
                       <a:r>
                         <a:rPr lang="nl-NL" sz="1600" dirty="0" smtClean="0"/>
-                        <a:t>4.5M</a:t>
+                        <a:t>46</a:t>
                       </a:r>
                       <a:endParaRPr lang="nl-NL" sz="1600" dirty="0"/>
                     </a:p>
@@ -19669,7 +19679,7 @@
                       <a:pPr algn="r"/>
                       <a:r>
                         <a:rPr lang="nl-NL" sz="1600" dirty="0" smtClean="0"/>
-                        <a:t>4.5M</a:t>
+                        <a:t>46</a:t>
                       </a:r>
                       <a:endParaRPr lang="nl-NL" sz="1600" dirty="0"/>
                     </a:p>

--- a/slides/ddl-w5l1.pptx
+++ b/slides/ddl-w5l1.pptx
@@ -316,7 +316,7 @@
             <a:fld id="{373F1B60-BDF4-4D63-AD79-99D5A5B1DF99}" type="datetime1">
               <a:rPr lang="en-US"/>
               <a:pPr/>
-              <a:t>12/10/2018</a:t>
+              <a:t>12/12/2018</a:t>
             </a:fld>
             <a:endParaRPr lang="en-US"/>
           </a:p>
@@ -535,7 +535,7 @@
             <a:fld id="{4387A7AA-DFE9-4771-BEDE-3294FCEBFB02}" type="datetime1">
               <a:rPr lang="en-US"/>
               <a:pPr/>
-              <a:t>12/10/2018</a:t>
+              <a:t>12/12/2018</a:t>
             </a:fld>
             <a:endParaRPr lang="en-US"/>
           </a:p>
@@ -926,7 +926,7 @@
             <a:fld id="{8541E2CD-DBF4-40F9-B6F8-EEFD0DF8A138}" type="datetime1">
               <a:rPr lang="en-US"/>
               <a:pPr/>
-              <a:t>12/10/2018</a:t>
+              <a:t>12/12/2018</a:t>
             </a:fld>
             <a:endParaRPr lang="en-US"/>
           </a:p>
@@ -1141,7 +1141,7 @@
             <a:fld id="{93F21019-3A00-48AC-9663-40DF67A83229}" type="datetime1">
               <a:rPr lang="en-US"/>
               <a:pPr/>
-              <a:t>12/10/2018</a:t>
+              <a:t>12/12/2018</a:t>
             </a:fld>
             <a:endParaRPr lang="en-US">
               <a:solidFill>
@@ -1327,7 +1327,7 @@
             <a:fld id="{8B2EF9C8-0AC3-4A53-9A61-1834A571F420}" type="datetime1">
               <a:rPr lang="en-US"/>
               <a:pPr/>
-              <a:t>12/10/2018</a:t>
+              <a:t>12/12/2018</a:t>
             </a:fld>
             <a:endParaRPr lang="en-US" sz="1400">
               <a:solidFill>
@@ -1524,7 +1524,7 @@
             <a:fld id="{F02960F3-A385-4905-A491-FDC17E063DD1}" type="datetime1">
               <a:rPr lang="en-US"/>
               <a:pPr/>
-              <a:t>12/10/2018</a:t>
+              <a:t>12/12/2018</a:t>
             </a:fld>
             <a:endParaRPr lang="en-US" sz="1400">
               <a:solidFill>
@@ -1783,7 +1783,7 @@
             <a:fld id="{CD3AD70A-8E2A-47B5-AC18-ABBB5A8E737D}" type="datetime1">
               <a:rPr lang="en-US"/>
               <a:pPr/>
-              <a:t>12/10/2018</a:t>
+              <a:t>12/12/2018</a:t>
             </a:fld>
             <a:endParaRPr lang="en-US" sz="1400">
               <a:solidFill>
@@ -2019,7 +2019,7 @@
             <a:fld id="{07008C2E-9BD6-496B-BFC3-B4A975EBC85E}" type="datetime1">
               <a:rPr lang="en-US"/>
               <a:pPr/>
-              <a:t>12/10/2018</a:t>
+              <a:t>12/12/2018</a:t>
             </a:fld>
             <a:endParaRPr lang="en-US" sz="1400">
               <a:solidFill>
@@ -2198,7 +2198,7 @@
             <a:fld id="{1AA2C3CF-866C-4FDE-B76D-4E9536901630}" type="datetime1">
               <a:rPr lang="en-US"/>
               <a:pPr/>
-              <a:t>12/10/2018</a:t>
+              <a:t>12/12/2018</a:t>
             </a:fld>
             <a:endParaRPr lang="en-US" sz="1400">
               <a:solidFill>
@@ -2377,7 +2377,7 @@
             <a:fld id="{555EE259-FE08-4558-B721-B189FFE77284}" type="datetime1">
               <a:rPr lang="en-US"/>
               <a:pPr/>
-              <a:t>12/10/2018</a:t>
+              <a:t>12/12/2018</a:t>
             </a:fld>
             <a:endParaRPr lang="en-US" sz="1400">
               <a:solidFill>
@@ -2646,7 +2646,7 @@
             <a:fld id="{0AF4064E-5624-49AB-B7C6-E301A8F6B1FF}" type="datetime1">
               <a:rPr lang="en-US"/>
               <a:pPr/>
-              <a:t>12/10/2018</a:t>
+              <a:t>12/12/2018</a:t>
             </a:fld>
             <a:endParaRPr lang="en-US" sz="1400">
               <a:solidFill>
@@ -2843,7 +2843,7 @@
             <a:fld id="{CBC97FCD-6C54-4833-B032-BFBCDFA8379D}" type="datetime1">
               <a:rPr lang="en-US"/>
               <a:pPr/>
-              <a:t>12/10/2018</a:t>
+              <a:t>12/12/2018</a:t>
             </a:fld>
             <a:endParaRPr lang="en-US" sz="1400">
               <a:solidFill>
@@ -3052,7 +3052,7 @@
             <a:fld id="{F04AA577-515A-431F-98B6-3B03494ABB11}" type="datetime1">
               <a:rPr lang="en-US"/>
               <a:pPr/>
-              <a:t>12/10/2018</a:t>
+              <a:t>12/12/2018</a:t>
             </a:fld>
             <a:endParaRPr lang="en-US" sz="1400">
               <a:solidFill>
@@ -3357,7 +3357,7 @@
             <a:fld id="{6475F1A4-C474-4345-A800-2F40B0E4E70C}" type="datetime1">
               <a:rPr lang="en-US"/>
               <a:pPr/>
-              <a:t>12/10/2018</a:t>
+              <a:t>12/12/2018</a:t>
             </a:fld>
             <a:endParaRPr lang="en-US" sz="1400">
               <a:solidFill>
@@ -3801,7 +3801,7 @@
             <a:fld id="{7BA535AB-820E-4207-9DA8-5F37106C7AF4}" type="datetime1">
               <a:rPr lang="en-US"/>
               <a:pPr/>
-              <a:t>12/10/2018</a:t>
+              <a:t>12/12/2018</a:t>
             </a:fld>
             <a:endParaRPr lang="en-US" sz="1400">
               <a:solidFill>
@@ -3936,7 +3936,7 @@
             <a:fld id="{0A7E69FA-D7EE-42C0-9117-1971B541885F}" type="datetime1">
               <a:rPr lang="en-US"/>
               <a:pPr/>
-              <a:t>12/10/2018</a:t>
+              <a:t>12/12/2018</a:t>
             </a:fld>
             <a:endParaRPr lang="en-US" sz="1400">
               <a:solidFill>
@@ -4048,7 +4048,7 @@
             <a:fld id="{10D7644E-1B5D-4325-BA79-338DF2B89B56}" type="datetime1">
               <a:rPr lang="en-US"/>
               <a:pPr/>
-              <a:t>12/10/2018</a:t>
+              <a:t>12/12/2018</a:t>
             </a:fld>
             <a:endParaRPr lang="en-US" sz="1400">
               <a:solidFill>
@@ -4342,7 +4342,7 @@
             <a:fld id="{B790C882-0B74-4932-8998-E9ABB8AF1740}" type="datetime1">
               <a:rPr lang="en-US"/>
               <a:pPr/>
-              <a:t>12/10/2018</a:t>
+              <a:t>12/12/2018</a:t>
             </a:fld>
             <a:endParaRPr lang="en-US" sz="1400">
               <a:solidFill>
@@ -4612,7 +4612,7 @@
             <a:fld id="{9DC585DC-AE7D-44C1-90AB-C3A391DEA065}" type="datetime1">
               <a:rPr lang="en-US"/>
               <a:pPr/>
-              <a:t>12/10/2018</a:t>
+              <a:t>12/12/2018</a:t>
             </a:fld>
             <a:endParaRPr lang="en-US" sz="1400">
               <a:solidFill>
@@ -4876,7 +4876,7 @@
             <a:fld id="{256CE565-1940-4E5F-9190-C0815CEAAA9D}" type="datetime1">
               <a:rPr lang="en-US"/>
               <a:pPr/>
-              <a:t>12/10/2018</a:t>
+              <a:t>12/12/2018</a:t>
             </a:fld>
             <a:endParaRPr lang="en-US"/>
           </a:p>
@@ -16714,13 +16714,8 @@
             </a:r>
             <a:r>
               <a:rPr lang="nl-NL" sz="1800" dirty="0" smtClean="0"/>
-              <a:t> = </a:t>
-            </a:r>
-            <a:r>
-              <a:rPr lang="nl-NL" sz="1800" dirty="0" smtClean="0"/>
-              <a:t>46</a:t>
-            </a:r>
-            <a:endParaRPr lang="nl-NL" sz="1800" dirty="0" smtClean="0"/>
+              <a:t> = 46</a:t>
+            </a:r>
           </a:p>
           <a:p>
             <a:r>
@@ -16749,13 +16744,8 @@
             </a:r>
             <a:r>
               <a:rPr lang="nl-NL" sz="1800" dirty="0" smtClean="0"/>
-              <a:t> = </a:t>
-            </a:r>
-            <a:r>
-              <a:rPr lang="nl-NL" sz="1800" dirty="0" smtClean="0"/>
-              <a:t>416.7</a:t>
-            </a:r>
-            <a:endParaRPr lang="nl-NL" sz="1800" dirty="0" smtClean="0"/>
+              <a:t> = 416.7</a:t>
+            </a:r>
           </a:p>
           <a:p>
             <a:endParaRPr lang="nl-NL" sz="1800" dirty="0" smtClean="0"/>
